--- a/八光子.pptx
+++ b/八光子.pptx
@@ -6,6 +6,7 @@
   </p:sldMasterIdLst>
   <p:sldIdLst>
     <p:sldId id="256" r:id="rId2"/>
+    <p:sldId id="257" r:id="rId3"/>
   </p:sldIdLst>
   <p:sldSz cx="9144000" cy="6858000" type="screen4x3"/>
   <p:notesSz cx="6858000" cy="9144000"/>
@@ -104,6 +105,22 @@
       </a:defRPr>
     </a:lvl9pPr>
   </p:defaultTextStyle>
+  <p:extLst>
+    <p:ext uri="{EFAFB233-063F-42B5-8137-9DF3F51BA10A}">
+      <p15:sldGuideLst xmlns:p15="http://schemas.microsoft.com/office/powerpoint/2012/main">
+        <p15:guide id="1" orient="horz" pos="2160">
+          <p15:clr>
+            <a:srgbClr val="A4A3A4"/>
+          </p15:clr>
+        </p15:guide>
+        <p15:guide id="2" pos="2880">
+          <p15:clr>
+            <a:srgbClr val="A4A3A4"/>
+          </p15:clr>
+        </p15:guide>
+      </p15:sldGuideLst>
+    </p:ext>
+  </p:extLst>
 </p:presentation>
 </file>
 
@@ -288,7 +305,7 @@
           <a:p>
             <a:fld id="{EBD3FB01-EEE8-47FD-9879-E387D7838F1B}" type="datetimeFigureOut">
               <a:rPr lang="zh-CN" altLang="en-US" smtClean="0"/>
-              <a:t>2016/10/8</a:t>
+              <a:t>2016/10/13</a:t>
             </a:fld>
             <a:endParaRPr lang="zh-CN" altLang="en-US"/>
           </a:p>
@@ -458,7 +475,7 @@
           <a:p>
             <a:fld id="{EBD3FB01-EEE8-47FD-9879-E387D7838F1B}" type="datetimeFigureOut">
               <a:rPr lang="zh-CN" altLang="en-US" smtClean="0"/>
-              <a:t>2016/10/8</a:t>
+              <a:t>2016/10/13</a:t>
             </a:fld>
             <a:endParaRPr lang="zh-CN" altLang="en-US"/>
           </a:p>
@@ -638,7 +655,7 @@
           <a:p>
             <a:fld id="{EBD3FB01-EEE8-47FD-9879-E387D7838F1B}" type="datetimeFigureOut">
               <a:rPr lang="zh-CN" altLang="en-US" smtClean="0"/>
-              <a:t>2016/10/8</a:t>
+              <a:t>2016/10/13</a:t>
             </a:fld>
             <a:endParaRPr lang="zh-CN" altLang="en-US"/>
           </a:p>
@@ -808,7 +825,7 @@
           <a:p>
             <a:fld id="{EBD3FB01-EEE8-47FD-9879-E387D7838F1B}" type="datetimeFigureOut">
               <a:rPr lang="zh-CN" altLang="en-US" smtClean="0"/>
-              <a:t>2016/10/8</a:t>
+              <a:t>2016/10/13</a:t>
             </a:fld>
             <a:endParaRPr lang="zh-CN" altLang="en-US"/>
           </a:p>
@@ -1054,7 +1071,7 @@
           <a:p>
             <a:fld id="{EBD3FB01-EEE8-47FD-9879-E387D7838F1B}" type="datetimeFigureOut">
               <a:rPr lang="zh-CN" altLang="en-US" smtClean="0"/>
-              <a:t>2016/10/8</a:t>
+              <a:t>2016/10/13</a:t>
             </a:fld>
             <a:endParaRPr lang="zh-CN" altLang="en-US"/>
           </a:p>
@@ -1342,7 +1359,7 @@
           <a:p>
             <a:fld id="{EBD3FB01-EEE8-47FD-9879-E387D7838F1B}" type="datetimeFigureOut">
               <a:rPr lang="zh-CN" altLang="en-US" smtClean="0"/>
-              <a:t>2016/10/8</a:t>
+              <a:t>2016/10/13</a:t>
             </a:fld>
             <a:endParaRPr lang="zh-CN" altLang="en-US"/>
           </a:p>
@@ -1764,7 +1781,7 @@
           <a:p>
             <a:fld id="{EBD3FB01-EEE8-47FD-9879-E387D7838F1B}" type="datetimeFigureOut">
               <a:rPr lang="zh-CN" altLang="en-US" smtClean="0"/>
-              <a:t>2016/10/8</a:t>
+              <a:t>2016/10/13</a:t>
             </a:fld>
             <a:endParaRPr lang="zh-CN" altLang="en-US"/>
           </a:p>
@@ -1882,7 +1899,7 @@
           <a:p>
             <a:fld id="{EBD3FB01-EEE8-47FD-9879-E387D7838F1B}" type="datetimeFigureOut">
               <a:rPr lang="zh-CN" altLang="en-US" smtClean="0"/>
-              <a:t>2016/10/8</a:t>
+              <a:t>2016/10/13</a:t>
             </a:fld>
             <a:endParaRPr lang="zh-CN" altLang="en-US"/>
           </a:p>
@@ -1977,7 +1994,7 @@
           <a:p>
             <a:fld id="{EBD3FB01-EEE8-47FD-9879-E387D7838F1B}" type="datetimeFigureOut">
               <a:rPr lang="zh-CN" altLang="en-US" smtClean="0"/>
-              <a:t>2016/10/8</a:t>
+              <a:t>2016/10/13</a:t>
             </a:fld>
             <a:endParaRPr lang="zh-CN" altLang="en-US"/>
           </a:p>
@@ -2254,7 +2271,7 @@
           <a:p>
             <a:fld id="{EBD3FB01-EEE8-47FD-9879-E387D7838F1B}" type="datetimeFigureOut">
               <a:rPr lang="zh-CN" altLang="en-US" smtClean="0"/>
-              <a:t>2016/10/8</a:t>
+              <a:t>2016/10/13</a:t>
             </a:fld>
             <a:endParaRPr lang="zh-CN" altLang="en-US"/>
           </a:p>
@@ -2507,7 +2524,7 @@
           <a:p>
             <a:fld id="{EBD3FB01-EEE8-47FD-9879-E387D7838F1B}" type="datetimeFigureOut">
               <a:rPr lang="zh-CN" altLang="en-US" smtClean="0"/>
-              <a:t>2016/10/8</a:t>
+              <a:t>2016/10/13</a:t>
             </a:fld>
             <a:endParaRPr lang="zh-CN" altLang="en-US"/>
           </a:p>
@@ -2720,7 +2737,7 @@
           <a:p>
             <a:fld id="{EBD3FB01-EEE8-47FD-9879-E387D7838F1B}" type="datetimeFigureOut">
               <a:rPr lang="zh-CN" altLang="en-US" smtClean="0"/>
-              <a:t>2016/10/8</a:t>
+              <a:t>2016/10/13</a:t>
             </a:fld>
             <a:endParaRPr lang="zh-CN" altLang="en-US"/>
           </a:p>
@@ -3095,56 +3112,634 @@
           <a:chExt cx="0" cy="0"/>
         </a:xfrm>
       </p:grpSpPr>
+      <p:cxnSp>
+        <p:nvCxnSpPr>
+          <p:cNvPr id="7" name="直接箭头连接符 6"/>
+          <p:cNvCxnSpPr/>
+          <p:nvPr/>
+        </p:nvCxnSpPr>
+        <p:spPr>
+          <a:xfrm>
+            <a:off x="1107739" y="1376772"/>
+            <a:ext cx="1944216" cy="0"/>
+          </a:xfrm>
+          <a:prstGeom prst="straightConnector1">
+            <a:avLst/>
+          </a:prstGeom>
+          <a:ln w="28575">
+            <a:solidFill>
+              <a:schemeClr val="tx1"/>
+            </a:solidFill>
+            <a:tailEnd type="arrow"/>
+          </a:ln>
+        </p:spPr>
+        <p:style>
+          <a:lnRef idx="1">
+            <a:schemeClr val="accent1"/>
+          </a:lnRef>
+          <a:fillRef idx="0">
+            <a:schemeClr val="accent1"/>
+          </a:fillRef>
+          <a:effectRef idx="0">
+            <a:schemeClr val="accent1"/>
+          </a:effectRef>
+          <a:fontRef idx="minor">
+            <a:schemeClr val="tx1"/>
+          </a:fontRef>
+        </p:style>
+      </p:cxnSp>
+      <p:sp>
+        <p:nvSpPr>
+          <p:cNvPr id="8" name="椭圆 7"/>
+          <p:cNvSpPr/>
+          <p:nvPr/>
+        </p:nvSpPr>
+        <p:spPr>
+          <a:xfrm>
+            <a:off x="2050389" y="1988840"/>
+            <a:ext cx="65462" cy="72008"/>
+          </a:xfrm>
+          <a:prstGeom prst="ellipse">
+            <a:avLst/>
+          </a:prstGeom>
+          <a:solidFill>
+            <a:schemeClr val="tx1"/>
+          </a:solidFill>
+          <a:ln>
+            <a:solidFill>
+              <a:schemeClr val="tx1"/>
+            </a:solidFill>
+          </a:ln>
+        </p:spPr>
+        <p:style>
+          <a:lnRef idx="2">
+            <a:schemeClr val="accent1">
+              <a:shade val="50000"/>
+            </a:schemeClr>
+          </a:lnRef>
+          <a:fillRef idx="1">
+            <a:schemeClr val="accent1"/>
+          </a:fillRef>
+          <a:effectRef idx="0">
+            <a:schemeClr val="accent1"/>
+          </a:effectRef>
+          <a:fontRef idx="minor">
+            <a:schemeClr val="lt1"/>
+          </a:fontRef>
+        </p:style>
+        <p:txBody>
+          <a:bodyPr rtlCol="0" anchor="ctr"/>
+          <a:lstStyle/>
+          <a:p>
+            <a:pPr algn="ctr"/>
+            <a:endParaRPr lang="zh-CN" altLang="en-US"/>
+          </a:p>
+        </p:txBody>
+      </p:sp>
+      <p:sp>
+        <p:nvSpPr>
+          <p:cNvPr id="10" name="椭圆 9"/>
+          <p:cNvSpPr/>
+          <p:nvPr/>
+        </p:nvSpPr>
+        <p:spPr>
+          <a:xfrm>
+            <a:off x="2050389" y="2384884"/>
+            <a:ext cx="65462" cy="72008"/>
+          </a:xfrm>
+          <a:prstGeom prst="ellipse">
+            <a:avLst/>
+          </a:prstGeom>
+          <a:solidFill>
+            <a:schemeClr val="tx1"/>
+          </a:solidFill>
+          <a:ln>
+            <a:solidFill>
+              <a:schemeClr val="tx1"/>
+            </a:solidFill>
+          </a:ln>
+        </p:spPr>
+        <p:style>
+          <a:lnRef idx="2">
+            <a:schemeClr val="accent1">
+              <a:shade val="50000"/>
+            </a:schemeClr>
+          </a:lnRef>
+          <a:fillRef idx="1">
+            <a:schemeClr val="accent1"/>
+          </a:fillRef>
+          <a:effectRef idx="0">
+            <a:schemeClr val="accent1"/>
+          </a:effectRef>
+          <a:fontRef idx="minor">
+            <a:schemeClr val="lt1"/>
+          </a:fontRef>
+        </p:style>
+        <p:txBody>
+          <a:bodyPr rtlCol="0" anchor="ctr"/>
+          <a:lstStyle/>
+          <a:p>
+            <a:pPr algn="ctr"/>
+            <a:endParaRPr lang="zh-CN" altLang="en-US"/>
+          </a:p>
+        </p:txBody>
+      </p:sp>
+      <p:sp>
+        <p:nvSpPr>
+          <p:cNvPr id="11" name="椭圆 10"/>
+          <p:cNvSpPr/>
+          <p:nvPr/>
+        </p:nvSpPr>
+        <p:spPr>
+          <a:xfrm>
+            <a:off x="2050389" y="2780928"/>
+            <a:ext cx="65462" cy="72008"/>
+          </a:xfrm>
+          <a:prstGeom prst="ellipse">
+            <a:avLst/>
+          </a:prstGeom>
+          <a:solidFill>
+            <a:schemeClr val="tx1"/>
+          </a:solidFill>
+          <a:ln>
+            <a:solidFill>
+              <a:schemeClr val="tx1"/>
+            </a:solidFill>
+          </a:ln>
+        </p:spPr>
+        <p:style>
+          <a:lnRef idx="2">
+            <a:schemeClr val="accent1">
+              <a:shade val="50000"/>
+            </a:schemeClr>
+          </a:lnRef>
+          <a:fillRef idx="1">
+            <a:schemeClr val="accent1"/>
+          </a:fillRef>
+          <a:effectRef idx="0">
+            <a:schemeClr val="accent1"/>
+          </a:effectRef>
+          <a:fontRef idx="minor">
+            <a:schemeClr val="lt1"/>
+          </a:fontRef>
+        </p:style>
+        <p:txBody>
+          <a:bodyPr rtlCol="0" anchor="ctr"/>
+          <a:lstStyle/>
+          <a:p>
+            <a:pPr algn="ctr"/>
+            <a:endParaRPr lang="zh-CN" altLang="en-US"/>
+          </a:p>
+        </p:txBody>
+      </p:sp>
+      <p:cxnSp>
+        <p:nvCxnSpPr>
+          <p:cNvPr id="13" name="直接箭头连接符 12"/>
+          <p:cNvCxnSpPr/>
+          <p:nvPr/>
+        </p:nvCxnSpPr>
+        <p:spPr>
+          <a:xfrm>
+            <a:off x="1099863" y="3465004"/>
+            <a:ext cx="1944216" cy="0"/>
+          </a:xfrm>
+          <a:prstGeom prst="straightConnector1">
+            <a:avLst/>
+          </a:prstGeom>
+          <a:ln w="28575">
+            <a:solidFill>
+              <a:schemeClr val="tx1"/>
+            </a:solidFill>
+            <a:tailEnd type="arrow"/>
+          </a:ln>
+        </p:spPr>
+        <p:style>
+          <a:lnRef idx="1">
+            <a:schemeClr val="accent1"/>
+          </a:lnRef>
+          <a:fillRef idx="0">
+            <a:schemeClr val="accent1"/>
+          </a:fillRef>
+          <a:effectRef idx="0">
+            <a:schemeClr val="accent1"/>
+          </a:effectRef>
+          <a:fontRef idx="minor">
+            <a:schemeClr val="tx1"/>
+          </a:fontRef>
+        </p:style>
+      </p:cxnSp>
+      <p:sp>
+        <p:nvSpPr>
+          <p:cNvPr id="14" name="TextBox 13"/>
+          <p:cNvSpPr txBox="1"/>
+          <p:nvPr/>
+        </p:nvSpPr>
+        <p:spPr>
+          <a:xfrm>
+            <a:off x="1586370" y="947500"/>
+            <a:ext cx="993500" cy="369332"/>
+          </a:xfrm>
+          <a:prstGeom prst="rect">
+            <a:avLst/>
+          </a:prstGeom>
+          <a:noFill/>
+        </p:spPr>
+        <p:txBody>
+          <a:bodyPr wrap="square" rtlCol="0">
+            <a:spAutoFit/>
+          </a:bodyPr>
+          <a:lstStyle/>
+          <a:p>
+            <a:pPr algn="ctr"/>
+            <a:r>
+              <a:rPr lang="en-US" altLang="zh-CN" dirty="0" smtClean="0"/>
+              <a:t>CH1</a:t>
+            </a:r>
+            <a:endParaRPr lang="zh-CN" altLang="en-US" dirty="0"/>
+          </a:p>
+        </p:txBody>
+      </p:sp>
+      <p:sp>
+        <p:nvSpPr>
+          <p:cNvPr id="15" name="TextBox 14"/>
+          <p:cNvSpPr txBox="1"/>
+          <p:nvPr/>
+        </p:nvSpPr>
+        <p:spPr>
+          <a:xfrm>
+            <a:off x="1575221" y="3062136"/>
+            <a:ext cx="993500" cy="369332"/>
+          </a:xfrm>
+          <a:prstGeom prst="rect">
+            <a:avLst/>
+          </a:prstGeom>
+          <a:noFill/>
+        </p:spPr>
+        <p:txBody>
+          <a:bodyPr wrap="square" rtlCol="0">
+            <a:spAutoFit/>
+          </a:bodyPr>
+          <a:lstStyle/>
+          <a:p>
+            <a:pPr algn="ctr"/>
+            <a:r>
+              <a:rPr lang="en-US" altLang="zh-CN" dirty="0" err="1" smtClean="0"/>
+              <a:t>CHn</a:t>
+            </a:r>
+            <a:endParaRPr lang="zh-CN" altLang="en-US" dirty="0"/>
+          </a:p>
+        </p:txBody>
+      </p:sp>
+      <p:cxnSp>
+        <p:nvCxnSpPr>
+          <p:cNvPr id="35" name="直接箭头连接符 34"/>
+          <p:cNvCxnSpPr/>
+          <p:nvPr/>
+        </p:nvCxnSpPr>
+        <p:spPr>
+          <a:xfrm>
+            <a:off x="1107739" y="1806044"/>
+            <a:ext cx="1944216" cy="0"/>
+          </a:xfrm>
+          <a:prstGeom prst="straightConnector1">
+            <a:avLst/>
+          </a:prstGeom>
+          <a:ln w="28575">
+            <a:solidFill>
+              <a:schemeClr val="tx1"/>
+            </a:solidFill>
+            <a:tailEnd type="arrow"/>
+          </a:ln>
+        </p:spPr>
+        <p:style>
+          <a:lnRef idx="1">
+            <a:schemeClr val="accent1"/>
+          </a:lnRef>
+          <a:fillRef idx="0">
+            <a:schemeClr val="accent1"/>
+          </a:fillRef>
+          <a:effectRef idx="0">
+            <a:schemeClr val="accent1"/>
+          </a:effectRef>
+          <a:fontRef idx="minor">
+            <a:schemeClr val="tx1"/>
+          </a:fontRef>
+        </p:style>
+      </p:cxnSp>
+      <p:sp>
+        <p:nvSpPr>
+          <p:cNvPr id="36" name="TextBox 35"/>
+          <p:cNvSpPr txBox="1"/>
+          <p:nvPr/>
+        </p:nvSpPr>
+        <p:spPr>
+          <a:xfrm>
+            <a:off x="1586370" y="1376772"/>
+            <a:ext cx="993500" cy="369332"/>
+          </a:xfrm>
+          <a:prstGeom prst="rect">
+            <a:avLst/>
+          </a:prstGeom>
+          <a:noFill/>
+        </p:spPr>
+        <p:txBody>
+          <a:bodyPr wrap="square" rtlCol="0">
+            <a:spAutoFit/>
+          </a:bodyPr>
+          <a:lstStyle/>
+          <a:p>
+            <a:pPr algn="ctr"/>
+            <a:r>
+              <a:rPr lang="en-US" altLang="zh-CN" dirty="0" smtClean="0"/>
+              <a:t>CH2</a:t>
+            </a:r>
+            <a:endParaRPr lang="zh-CN" altLang="en-US" dirty="0"/>
+          </a:p>
+        </p:txBody>
+      </p:sp>
+      <p:cxnSp>
+        <p:nvCxnSpPr>
+          <p:cNvPr id="97" name="肘形连接符 96"/>
+          <p:cNvCxnSpPr>
+            <a:stCxn id="78" idx="2"/>
+            <a:endCxn id="66" idx="2"/>
+          </p:cNvCxnSpPr>
+          <p:nvPr/>
+        </p:nvCxnSpPr>
+        <p:spPr>
+          <a:xfrm rot="16200000" flipH="1">
+            <a:off x="-739147" y="-1113193"/>
+            <a:ext cx="1278037" cy="8814459"/>
+          </a:xfrm>
+          <a:prstGeom prst="bentConnector3">
+            <a:avLst>
+              <a:gd name="adj1" fmla="val 150083"/>
+            </a:avLst>
+          </a:prstGeom>
+          <a:ln w="28575">
+            <a:solidFill>
+              <a:schemeClr val="tx1"/>
+            </a:solidFill>
+            <a:tailEnd type="arrow"/>
+          </a:ln>
+        </p:spPr>
+        <p:style>
+          <a:lnRef idx="1">
+            <a:schemeClr val="accent1"/>
+          </a:lnRef>
+          <a:fillRef idx="0">
+            <a:schemeClr val="accent1"/>
+          </a:fillRef>
+          <a:effectRef idx="0">
+            <a:schemeClr val="accent1"/>
+          </a:effectRef>
+          <a:fontRef idx="minor">
+            <a:schemeClr val="tx1"/>
+          </a:fontRef>
+        </p:style>
+      </p:cxnSp>
+      <p:sp>
+        <p:nvSpPr>
+          <p:cNvPr id="122" name="上下箭头 121"/>
+          <p:cNvSpPr/>
+          <p:nvPr/>
+        </p:nvSpPr>
+        <p:spPr>
+          <a:xfrm rot="16200000">
+            <a:off x="5974765" y="1839829"/>
+            <a:ext cx="321329" cy="1162116"/>
+          </a:xfrm>
+          <a:prstGeom prst="upDownArrow">
+            <a:avLst/>
+          </a:prstGeom>
+          <a:noFill/>
+          <a:ln>
+            <a:solidFill>
+              <a:schemeClr val="tx1"/>
+            </a:solidFill>
+          </a:ln>
+        </p:spPr>
+        <p:style>
+          <a:lnRef idx="2">
+            <a:schemeClr val="accent1">
+              <a:shade val="50000"/>
+            </a:schemeClr>
+          </a:lnRef>
+          <a:fillRef idx="1">
+            <a:schemeClr val="accent1"/>
+          </a:fillRef>
+          <a:effectRef idx="0">
+            <a:schemeClr val="accent1"/>
+          </a:effectRef>
+          <a:fontRef idx="minor">
+            <a:schemeClr val="lt1"/>
+          </a:fontRef>
+        </p:style>
+        <p:txBody>
+          <a:bodyPr rtlCol="0" anchor="ctr"/>
+          <a:lstStyle/>
+          <a:p>
+            <a:pPr algn="ctr"/>
+            <a:endParaRPr lang="zh-CN" altLang="en-US"/>
+          </a:p>
+        </p:txBody>
+      </p:sp>
+      <p:sp>
+        <p:nvSpPr>
+          <p:cNvPr id="124" name="TextBox 123"/>
+          <p:cNvSpPr txBox="1"/>
+          <p:nvPr/>
+        </p:nvSpPr>
+        <p:spPr>
+          <a:xfrm>
+            <a:off x="5636074" y="1916106"/>
+            <a:ext cx="993500" cy="369332"/>
+          </a:xfrm>
+          <a:prstGeom prst="rect">
+            <a:avLst/>
+          </a:prstGeom>
+          <a:noFill/>
+        </p:spPr>
+        <p:txBody>
+          <a:bodyPr wrap="square" rtlCol="0">
+            <a:spAutoFit/>
+          </a:bodyPr>
+          <a:lstStyle/>
+          <a:p>
+            <a:pPr algn="ctr"/>
+            <a:r>
+              <a:rPr lang="en-US" altLang="zh-CN" dirty="0" smtClean="0"/>
+              <a:t>USB</a:t>
+            </a:r>
+            <a:endParaRPr lang="zh-CN" altLang="en-US" dirty="0"/>
+          </a:p>
+        </p:txBody>
+      </p:sp>
+      <p:sp>
+        <p:nvSpPr>
+          <p:cNvPr id="125" name="矩形 124"/>
+          <p:cNvSpPr/>
+          <p:nvPr/>
+        </p:nvSpPr>
+        <p:spPr>
+          <a:xfrm>
+            <a:off x="6732240" y="836712"/>
+            <a:ext cx="1872208" cy="3096343"/>
+          </a:xfrm>
+          <a:prstGeom prst="rect">
+            <a:avLst/>
+          </a:prstGeom>
+          <a:noFill/>
+          <a:ln>
+            <a:solidFill>
+              <a:schemeClr val="tx1"/>
+            </a:solidFill>
+          </a:ln>
+        </p:spPr>
+        <p:style>
+          <a:lnRef idx="2">
+            <a:schemeClr val="accent1">
+              <a:shade val="50000"/>
+            </a:schemeClr>
+          </a:lnRef>
+          <a:fillRef idx="1">
+            <a:schemeClr val="accent1"/>
+          </a:fillRef>
+          <a:effectRef idx="0">
+            <a:schemeClr val="accent1"/>
+          </a:effectRef>
+          <a:fontRef idx="minor">
+            <a:schemeClr val="lt1"/>
+          </a:fontRef>
+        </p:style>
+        <p:txBody>
+          <a:bodyPr rtlCol="0" anchor="ctr"/>
+          <a:lstStyle/>
+          <a:p>
+            <a:pPr algn="ctr"/>
+            <a:r>
+              <a:rPr lang="en-US" altLang="zh-CN" dirty="0" smtClean="0">
+                <a:solidFill>
+                  <a:schemeClr val="tx1"/>
+                </a:solidFill>
+              </a:rPr>
+              <a:t>PC</a:t>
+            </a:r>
+            <a:endParaRPr lang="zh-CN" altLang="en-US" dirty="0">
+              <a:solidFill>
+                <a:schemeClr val="tx1"/>
+              </a:solidFill>
+            </a:endParaRPr>
+          </a:p>
+        </p:txBody>
+      </p:sp>
+      <p:sp>
+        <p:nvSpPr>
+          <p:cNvPr id="66" name="矩形 65"/>
+          <p:cNvSpPr/>
+          <p:nvPr/>
+        </p:nvSpPr>
+        <p:spPr>
+          <a:xfrm>
+            <a:off x="3059831" y="836712"/>
+            <a:ext cx="2494540" cy="3096344"/>
+          </a:xfrm>
+          <a:prstGeom prst="rect">
+            <a:avLst/>
+          </a:prstGeom>
+          <a:noFill/>
+          <a:ln>
+            <a:solidFill>
+              <a:schemeClr val="tx1"/>
+            </a:solidFill>
+          </a:ln>
+        </p:spPr>
+        <p:style>
+          <a:lnRef idx="2">
+            <a:schemeClr val="accent1">
+              <a:shade val="50000"/>
+            </a:schemeClr>
+          </a:lnRef>
+          <a:fillRef idx="1">
+            <a:schemeClr val="accent1"/>
+          </a:fillRef>
+          <a:effectRef idx="0">
+            <a:schemeClr val="accent1"/>
+          </a:effectRef>
+          <a:fontRef idx="minor">
+            <a:schemeClr val="lt1"/>
+          </a:fontRef>
+        </p:style>
+        <p:txBody>
+          <a:bodyPr rtlCol="0" anchor="ctr"/>
+          <a:lstStyle/>
+          <a:p>
+            <a:pPr algn="ctr"/>
+            <a:r>
+              <a:rPr lang="en-US" altLang="zh-CN" dirty="0" smtClean="0">
+                <a:solidFill>
+                  <a:schemeClr val="tx1"/>
+                </a:solidFill>
+              </a:rPr>
+              <a:t>FPGA Board</a:t>
+            </a:r>
+            <a:endParaRPr lang="zh-CN" altLang="en-US" dirty="0">
+              <a:solidFill>
+                <a:schemeClr val="tx1"/>
+              </a:solidFill>
+            </a:endParaRPr>
+          </a:p>
+        </p:txBody>
+      </p:sp>
       <p:grpSp>
         <p:nvGrpSpPr>
-          <p:cNvPr id="126" name="组合 125"/>
+          <p:cNvPr id="6" name="组合 5"/>
           <p:cNvGrpSpPr/>
           <p:nvPr/>
         </p:nvGrpSpPr>
         <p:grpSpPr>
           <a:xfrm>
-            <a:off x="-4436876" y="-243408"/>
-            <a:ext cx="18513932" cy="7101408"/>
-            <a:chOff x="-4436876" y="-243408"/>
-            <a:chExt cx="18513932" cy="7101408"/>
+            <a:off x="442445" y="1207880"/>
+            <a:ext cx="700380" cy="360040"/>
+            <a:chOff x="-6229200" y="-1971600"/>
+            <a:chExt cx="4202280" cy="2160240"/>
           </a:xfrm>
         </p:grpSpPr>
         <p:sp>
           <p:nvSpPr>
-            <p:cNvPr id="4" name="圆角矩形 3"/>
+            <p:cNvPr id="2" name="弧形 1"/>
             <p:cNvSpPr/>
             <p:nvPr/>
           </p:nvSpPr>
           <p:spPr>
-            <a:xfrm>
-              <a:off x="-1980728" y="-243408"/>
-              <a:ext cx="13681520" cy="7101408"/>
+            <a:xfrm flipV="1">
+              <a:off x="-6229200" y="-1971600"/>
+              <a:ext cx="2238794" cy="2160240"/>
             </a:xfrm>
-            <a:prstGeom prst="roundRect">
-              <a:avLst/>
+            <a:prstGeom prst="arc">
+              <a:avLst>
+                <a:gd name="adj1" fmla="val 16200000"/>
+                <a:gd name="adj2" fmla="val 5519353"/>
+              </a:avLst>
             </a:prstGeom>
-            <a:noFill/>
-            <a:ln>
+            <a:ln w="19050">
               <a:solidFill>
                 <a:schemeClr val="tx1"/>
               </a:solidFill>
-              <a:prstDash val="sysDash"/>
             </a:ln>
           </p:spPr>
           <p:style>
-            <a:lnRef idx="2">
-              <a:schemeClr val="accent1">
-                <a:shade val="50000"/>
-              </a:schemeClr>
+            <a:lnRef idx="1">
+              <a:schemeClr val="accent1"/>
             </a:lnRef>
-            <a:fillRef idx="1">
+            <a:fillRef idx="0">
               <a:schemeClr val="accent1"/>
             </a:fillRef>
             <a:effectRef idx="0">
               <a:schemeClr val="accent1"/>
             </a:effectRef>
             <a:fontRef idx="minor">
-              <a:schemeClr val="lt1"/>
+              <a:schemeClr val="tx1"/>
             </a:fontRef>
           </p:style>
           <p:txBody>
@@ -3152,26 +3747,92 @@
             <a:lstStyle/>
             <a:p>
               <a:pPr algn="ctr"/>
-              <a:endParaRPr lang="zh-CN" altLang="en-US"/>
+              <a:endParaRPr lang="en-US"/>
             </a:p>
           </p:txBody>
         </p:sp>
         <p:sp>
           <p:nvSpPr>
-            <p:cNvPr id="5" name="矩形 4"/>
+            <p:cNvPr id="3" name="任意多边形 2"/>
             <p:cNvSpPr/>
             <p:nvPr/>
           </p:nvSpPr>
           <p:spPr>
             <a:xfrm>
-              <a:off x="-612576" y="980728"/>
-              <a:ext cx="1224136" cy="2808312"/>
+              <a:off x="-3992880" y="-1568504"/>
+              <a:ext cx="1965960" cy="1167581"/>
             </a:xfrm>
-            <a:prstGeom prst="rect">
+            <a:custGeom>
               <a:avLst/>
-            </a:prstGeom>
+              <a:gdLst>
+                <a:gd name="connsiteX0" fmla="*/ 0 w 1965960"/>
+                <a:gd name="connsiteY0" fmla="*/ 623624 h 1167581"/>
+                <a:gd name="connsiteX1" fmla="*/ 609600 w 1965960"/>
+                <a:gd name="connsiteY1" fmla="*/ 14024 h 1167581"/>
+                <a:gd name="connsiteX2" fmla="*/ 975360 w 1965960"/>
+                <a:gd name="connsiteY2" fmla="*/ 1157024 h 1167581"/>
+                <a:gd name="connsiteX3" fmla="*/ 1463040 w 1965960"/>
+                <a:gd name="connsiteY3" fmla="*/ 577904 h 1167581"/>
+                <a:gd name="connsiteX4" fmla="*/ 1965960 w 1965960"/>
+                <a:gd name="connsiteY4" fmla="*/ 486464 h 1167581"/>
+                <a:gd name="connsiteX5" fmla="*/ 1965960 w 1965960"/>
+                <a:gd name="connsiteY5" fmla="*/ 486464 h 1167581"/>
+              </a:gdLst>
+              <a:ahLst/>
+              <a:cxnLst>
+                <a:cxn ang="0">
+                  <a:pos x="connsiteX0" y="connsiteY0"/>
+                </a:cxn>
+                <a:cxn ang="0">
+                  <a:pos x="connsiteX1" y="connsiteY1"/>
+                </a:cxn>
+                <a:cxn ang="0">
+                  <a:pos x="connsiteX2" y="connsiteY2"/>
+                </a:cxn>
+                <a:cxn ang="0">
+                  <a:pos x="connsiteX3" y="connsiteY3"/>
+                </a:cxn>
+                <a:cxn ang="0">
+                  <a:pos x="connsiteX4" y="connsiteY4"/>
+                </a:cxn>
+                <a:cxn ang="0">
+                  <a:pos x="connsiteX5" y="connsiteY5"/>
+                </a:cxn>
+              </a:cxnLst>
+              <a:rect l="l" t="t" r="r" b="b"/>
+              <a:pathLst>
+                <a:path w="1965960" h="1167581">
+                  <a:moveTo>
+                    <a:pt x="0" y="623624"/>
+                  </a:moveTo>
+                  <a:cubicBezTo>
+                    <a:pt x="223520" y="274374"/>
+                    <a:pt x="447040" y="-74876"/>
+                    <a:pt x="609600" y="14024"/>
+                  </a:cubicBezTo>
+                  <a:cubicBezTo>
+                    <a:pt x="772160" y="102924"/>
+                    <a:pt x="833120" y="1063044"/>
+                    <a:pt x="975360" y="1157024"/>
+                  </a:cubicBezTo>
+                  <a:cubicBezTo>
+                    <a:pt x="1117600" y="1251004"/>
+                    <a:pt x="1297940" y="689664"/>
+                    <a:pt x="1463040" y="577904"/>
+                  </a:cubicBezTo>
+                  <a:cubicBezTo>
+                    <a:pt x="1628140" y="466144"/>
+                    <a:pt x="1965960" y="486464"/>
+                    <a:pt x="1965960" y="486464"/>
+                  </a:cubicBezTo>
+                  <a:lnTo>
+                    <a:pt x="1965960" y="486464"/>
+                  </a:lnTo>
+                </a:path>
+              </a:pathLst>
+            </a:custGeom>
             <a:noFill/>
-            <a:ln>
+            <a:ln w="19050">
               <a:solidFill>
                 <a:schemeClr val="tx1"/>
               </a:solidFill>
@@ -3198,41 +3859,46 @@
             <a:lstStyle/>
             <a:p>
               <a:pPr algn="ctr"/>
-              <a:r>
-                <a:rPr lang="en-US" altLang="zh-CN" dirty="0" smtClean="0">
-                  <a:solidFill>
-                    <a:schemeClr val="tx1"/>
-                  </a:solidFill>
-                </a:rPr>
-                <a:t>IODELAY2</a:t>
-              </a:r>
-              <a:endParaRPr lang="zh-CN" altLang="en-US" dirty="0">
-                <a:solidFill>
-                  <a:schemeClr val="tx1"/>
-                </a:solidFill>
-              </a:endParaRPr>
+              <a:endParaRPr lang="en-US"/>
             </a:p>
           </p:txBody>
         </p:sp>
-        <p:cxnSp>
-          <p:nvCxnSpPr>
-            <p:cNvPr id="7" name="直接箭头连接符 6"/>
-            <p:cNvCxnSpPr/>
+      </p:grpSp>
+      <p:grpSp>
+        <p:nvGrpSpPr>
+          <p:cNvPr id="67" name="组合 66"/>
+          <p:cNvGrpSpPr/>
+          <p:nvPr/>
+        </p:nvGrpSpPr>
+        <p:grpSpPr>
+          <a:xfrm>
+            <a:off x="430530" y="1654326"/>
+            <a:ext cx="700380" cy="360040"/>
+            <a:chOff x="-6229200" y="-1971600"/>
+            <a:chExt cx="4202280" cy="2160240"/>
+          </a:xfrm>
+        </p:grpSpPr>
+        <p:sp>
+          <p:nvSpPr>
+            <p:cNvPr id="68" name="弧形 67"/>
+            <p:cNvSpPr/>
             <p:nvPr/>
-          </p:nvCxnSpPr>
+          </p:nvSpPr>
           <p:spPr>
-            <a:xfrm>
-              <a:off x="-2556792" y="1376772"/>
-              <a:ext cx="1944216" cy="0"/>
+            <a:xfrm flipV="1">
+              <a:off x="-6229200" y="-1971600"/>
+              <a:ext cx="2238794" cy="2160240"/>
             </a:xfrm>
-            <a:prstGeom prst="straightConnector1">
-              <a:avLst/>
+            <a:prstGeom prst="arc">
+              <a:avLst>
+                <a:gd name="adj1" fmla="val 16200000"/>
+                <a:gd name="adj2" fmla="val 5519353"/>
+              </a:avLst>
             </a:prstGeom>
-            <a:ln w="28575">
+            <a:ln w="19050">
               <a:solidFill>
                 <a:schemeClr val="tx1"/>
               </a:solidFill>
-              <a:tailEnd type="arrow"/>
             </a:ln>
           </p:spPr>
           <p:style>
@@ -3249,25 +3915,97 @@
               <a:schemeClr val="tx1"/>
             </a:fontRef>
           </p:style>
-        </p:cxnSp>
+          <p:txBody>
+            <a:bodyPr rtlCol="0" anchor="ctr"/>
+            <a:lstStyle/>
+            <a:p>
+              <a:pPr algn="ctr"/>
+              <a:endParaRPr lang="en-US"/>
+            </a:p>
+          </p:txBody>
+        </p:sp>
         <p:sp>
           <p:nvSpPr>
-            <p:cNvPr id="8" name="椭圆 7"/>
+            <p:cNvPr id="72" name="任意多边形 71"/>
             <p:cNvSpPr/>
             <p:nvPr/>
           </p:nvSpPr>
           <p:spPr>
             <a:xfrm>
-              <a:off x="-1614142" y="1988840"/>
-              <a:ext cx="65462" cy="72008"/>
+              <a:off x="-3992880" y="-1568504"/>
+              <a:ext cx="1965960" cy="1167581"/>
             </a:xfrm>
-            <a:prstGeom prst="ellipse">
+            <a:custGeom>
               <a:avLst/>
-            </a:prstGeom>
-            <a:solidFill>
-              <a:schemeClr val="tx1"/>
-            </a:solidFill>
-            <a:ln>
+              <a:gdLst>
+                <a:gd name="connsiteX0" fmla="*/ 0 w 1965960"/>
+                <a:gd name="connsiteY0" fmla="*/ 623624 h 1167581"/>
+                <a:gd name="connsiteX1" fmla="*/ 609600 w 1965960"/>
+                <a:gd name="connsiteY1" fmla="*/ 14024 h 1167581"/>
+                <a:gd name="connsiteX2" fmla="*/ 975360 w 1965960"/>
+                <a:gd name="connsiteY2" fmla="*/ 1157024 h 1167581"/>
+                <a:gd name="connsiteX3" fmla="*/ 1463040 w 1965960"/>
+                <a:gd name="connsiteY3" fmla="*/ 577904 h 1167581"/>
+                <a:gd name="connsiteX4" fmla="*/ 1965960 w 1965960"/>
+                <a:gd name="connsiteY4" fmla="*/ 486464 h 1167581"/>
+                <a:gd name="connsiteX5" fmla="*/ 1965960 w 1965960"/>
+                <a:gd name="connsiteY5" fmla="*/ 486464 h 1167581"/>
+              </a:gdLst>
+              <a:ahLst/>
+              <a:cxnLst>
+                <a:cxn ang="0">
+                  <a:pos x="connsiteX0" y="connsiteY0"/>
+                </a:cxn>
+                <a:cxn ang="0">
+                  <a:pos x="connsiteX1" y="connsiteY1"/>
+                </a:cxn>
+                <a:cxn ang="0">
+                  <a:pos x="connsiteX2" y="connsiteY2"/>
+                </a:cxn>
+                <a:cxn ang="0">
+                  <a:pos x="connsiteX3" y="connsiteY3"/>
+                </a:cxn>
+                <a:cxn ang="0">
+                  <a:pos x="connsiteX4" y="connsiteY4"/>
+                </a:cxn>
+                <a:cxn ang="0">
+                  <a:pos x="connsiteX5" y="connsiteY5"/>
+                </a:cxn>
+              </a:cxnLst>
+              <a:rect l="l" t="t" r="r" b="b"/>
+              <a:pathLst>
+                <a:path w="1965960" h="1167581">
+                  <a:moveTo>
+                    <a:pt x="0" y="623624"/>
+                  </a:moveTo>
+                  <a:cubicBezTo>
+                    <a:pt x="223520" y="274374"/>
+                    <a:pt x="447040" y="-74876"/>
+                    <a:pt x="609600" y="14024"/>
+                  </a:cubicBezTo>
+                  <a:cubicBezTo>
+                    <a:pt x="772160" y="102924"/>
+                    <a:pt x="833120" y="1063044"/>
+                    <a:pt x="975360" y="1157024"/>
+                  </a:cubicBezTo>
+                  <a:cubicBezTo>
+                    <a:pt x="1117600" y="1251004"/>
+                    <a:pt x="1297940" y="689664"/>
+                    <a:pt x="1463040" y="577904"/>
+                  </a:cubicBezTo>
+                  <a:cubicBezTo>
+                    <a:pt x="1628140" y="466144"/>
+                    <a:pt x="1965960" y="486464"/>
+                    <a:pt x="1965960" y="486464"/>
+                  </a:cubicBezTo>
+                  <a:lnTo>
+                    <a:pt x="1965960" y="486464"/>
+                  </a:lnTo>
+                </a:path>
+              </a:pathLst>
+            </a:custGeom>
+            <a:noFill/>
+            <a:ln w="19050">
               <a:solidFill>
                 <a:schemeClr val="tx1"/>
               </a:solidFill>
@@ -3294,28 +4032,153 @@
             <a:lstStyle/>
             <a:p>
               <a:pPr algn="ctr"/>
-              <a:endParaRPr lang="zh-CN" altLang="en-US"/>
+              <a:endParaRPr lang="en-US"/>
+            </a:p>
+          </p:txBody>
+        </p:sp>
+      </p:grpSp>
+      <p:grpSp>
+        <p:nvGrpSpPr>
+          <p:cNvPr id="75" name="组合 74"/>
+          <p:cNvGrpSpPr/>
+          <p:nvPr/>
+        </p:nvGrpSpPr>
+        <p:grpSpPr>
+          <a:xfrm>
+            <a:off x="429708" y="3293337"/>
+            <a:ext cx="700380" cy="360040"/>
+            <a:chOff x="-6229200" y="-1971600"/>
+            <a:chExt cx="4202280" cy="2160240"/>
+          </a:xfrm>
+        </p:grpSpPr>
+        <p:sp>
+          <p:nvSpPr>
+            <p:cNvPr id="76" name="弧形 75"/>
+            <p:cNvSpPr/>
+            <p:nvPr/>
+          </p:nvSpPr>
+          <p:spPr>
+            <a:xfrm flipV="1">
+              <a:off x="-6229200" y="-1971600"/>
+              <a:ext cx="2238794" cy="2160240"/>
+            </a:xfrm>
+            <a:prstGeom prst="arc">
+              <a:avLst>
+                <a:gd name="adj1" fmla="val 16200000"/>
+                <a:gd name="adj2" fmla="val 5519353"/>
+              </a:avLst>
+            </a:prstGeom>
+            <a:ln w="19050">
+              <a:solidFill>
+                <a:schemeClr val="tx1"/>
+              </a:solidFill>
+            </a:ln>
+          </p:spPr>
+          <p:style>
+            <a:lnRef idx="1">
+              <a:schemeClr val="accent1"/>
+            </a:lnRef>
+            <a:fillRef idx="0">
+              <a:schemeClr val="accent1"/>
+            </a:fillRef>
+            <a:effectRef idx="0">
+              <a:schemeClr val="accent1"/>
+            </a:effectRef>
+            <a:fontRef idx="minor">
+              <a:schemeClr val="tx1"/>
+            </a:fontRef>
+          </p:style>
+          <p:txBody>
+            <a:bodyPr rtlCol="0" anchor="ctr"/>
+            <a:lstStyle/>
+            <a:p>
+              <a:pPr algn="ctr"/>
+              <a:endParaRPr lang="en-US"/>
             </a:p>
           </p:txBody>
         </p:sp>
         <p:sp>
           <p:nvSpPr>
-            <p:cNvPr id="10" name="椭圆 9"/>
+            <p:cNvPr id="77" name="任意多边形 76"/>
             <p:cNvSpPr/>
             <p:nvPr/>
           </p:nvSpPr>
           <p:spPr>
             <a:xfrm>
-              <a:off x="-1614142" y="2384884"/>
-              <a:ext cx="65462" cy="72008"/>
+              <a:off x="-3992880" y="-1568504"/>
+              <a:ext cx="1965960" cy="1167581"/>
             </a:xfrm>
-            <a:prstGeom prst="ellipse">
+            <a:custGeom>
               <a:avLst/>
-            </a:prstGeom>
-            <a:solidFill>
-              <a:schemeClr val="tx1"/>
-            </a:solidFill>
-            <a:ln>
+              <a:gdLst>
+                <a:gd name="connsiteX0" fmla="*/ 0 w 1965960"/>
+                <a:gd name="connsiteY0" fmla="*/ 623624 h 1167581"/>
+                <a:gd name="connsiteX1" fmla="*/ 609600 w 1965960"/>
+                <a:gd name="connsiteY1" fmla="*/ 14024 h 1167581"/>
+                <a:gd name="connsiteX2" fmla="*/ 975360 w 1965960"/>
+                <a:gd name="connsiteY2" fmla="*/ 1157024 h 1167581"/>
+                <a:gd name="connsiteX3" fmla="*/ 1463040 w 1965960"/>
+                <a:gd name="connsiteY3" fmla="*/ 577904 h 1167581"/>
+                <a:gd name="connsiteX4" fmla="*/ 1965960 w 1965960"/>
+                <a:gd name="connsiteY4" fmla="*/ 486464 h 1167581"/>
+                <a:gd name="connsiteX5" fmla="*/ 1965960 w 1965960"/>
+                <a:gd name="connsiteY5" fmla="*/ 486464 h 1167581"/>
+              </a:gdLst>
+              <a:ahLst/>
+              <a:cxnLst>
+                <a:cxn ang="0">
+                  <a:pos x="connsiteX0" y="connsiteY0"/>
+                </a:cxn>
+                <a:cxn ang="0">
+                  <a:pos x="connsiteX1" y="connsiteY1"/>
+                </a:cxn>
+                <a:cxn ang="0">
+                  <a:pos x="connsiteX2" y="connsiteY2"/>
+                </a:cxn>
+                <a:cxn ang="0">
+                  <a:pos x="connsiteX3" y="connsiteY3"/>
+                </a:cxn>
+                <a:cxn ang="0">
+                  <a:pos x="connsiteX4" y="connsiteY4"/>
+                </a:cxn>
+                <a:cxn ang="0">
+                  <a:pos x="connsiteX5" y="connsiteY5"/>
+                </a:cxn>
+              </a:cxnLst>
+              <a:rect l="l" t="t" r="r" b="b"/>
+              <a:pathLst>
+                <a:path w="1965960" h="1167581">
+                  <a:moveTo>
+                    <a:pt x="0" y="623624"/>
+                  </a:moveTo>
+                  <a:cubicBezTo>
+                    <a:pt x="223520" y="274374"/>
+                    <a:pt x="447040" y="-74876"/>
+                    <a:pt x="609600" y="14024"/>
+                  </a:cubicBezTo>
+                  <a:cubicBezTo>
+                    <a:pt x="772160" y="102924"/>
+                    <a:pt x="833120" y="1063044"/>
+                    <a:pt x="975360" y="1157024"/>
+                  </a:cubicBezTo>
+                  <a:cubicBezTo>
+                    <a:pt x="1117600" y="1251004"/>
+                    <a:pt x="1297940" y="689664"/>
+                    <a:pt x="1463040" y="577904"/>
+                  </a:cubicBezTo>
+                  <a:cubicBezTo>
+                    <a:pt x="1628140" y="466144"/>
+                    <a:pt x="1965960" y="486464"/>
+                    <a:pt x="1965960" y="486464"/>
+                  </a:cubicBezTo>
+                  <a:lnTo>
+                    <a:pt x="1965960" y="486464"/>
+                  </a:lnTo>
+                </a:path>
+              </a:pathLst>
+            </a:custGeom>
+            <a:noFill/>
+            <a:ln w="19050">
               <a:solidFill>
                 <a:schemeClr val="tx1"/>
               </a:solidFill>
@@ -3342,28 +4205,3124 @@
             <a:lstStyle/>
             <a:p>
               <a:pPr algn="ctr"/>
-              <a:endParaRPr lang="zh-CN" altLang="en-US"/>
+              <a:endParaRPr lang="en-US"/>
+            </a:p>
+          </p:txBody>
+        </p:sp>
+      </p:grpSp>
+      <p:sp>
+        <p:nvSpPr>
+          <p:cNvPr id="78" name="矩形 77"/>
+          <p:cNvSpPr/>
+          <p:nvPr/>
+        </p:nvSpPr>
+        <p:spPr>
+          <a:xfrm>
+            <a:off x="-5224553" y="2114747"/>
+            <a:ext cx="1434390" cy="540272"/>
+          </a:xfrm>
+          <a:prstGeom prst="rect">
+            <a:avLst/>
+          </a:prstGeom>
+          <a:noFill/>
+          <a:ln>
+            <a:solidFill>
+              <a:schemeClr val="tx1"/>
+            </a:solidFill>
+          </a:ln>
+        </p:spPr>
+        <p:style>
+          <a:lnRef idx="2">
+            <a:schemeClr val="accent1">
+              <a:shade val="50000"/>
+            </a:schemeClr>
+          </a:lnRef>
+          <a:fillRef idx="1">
+            <a:schemeClr val="accent1"/>
+          </a:fillRef>
+          <a:effectRef idx="0">
+            <a:schemeClr val="accent1"/>
+          </a:effectRef>
+          <a:fontRef idx="minor">
+            <a:schemeClr val="lt1"/>
+          </a:fontRef>
+        </p:style>
+        <p:txBody>
+          <a:bodyPr rtlCol="0" anchor="ctr"/>
+          <a:lstStyle/>
+          <a:p>
+            <a:pPr algn="ctr"/>
+            <a:r>
+              <a:rPr lang="en-US" altLang="zh-CN" dirty="0" smtClean="0">
+                <a:solidFill>
+                  <a:schemeClr val="tx1"/>
+                </a:solidFill>
+              </a:rPr>
+              <a:t>Laser</a:t>
+            </a:r>
+            <a:endParaRPr lang="zh-CN" altLang="en-US" dirty="0">
+              <a:solidFill>
+                <a:schemeClr val="tx1"/>
+              </a:solidFill>
+            </a:endParaRPr>
+          </a:p>
+        </p:txBody>
+      </p:sp>
+      <p:sp>
+        <p:nvSpPr>
+          <p:cNvPr id="83" name="矩形 82"/>
+          <p:cNvSpPr/>
+          <p:nvPr/>
+        </p:nvSpPr>
+        <p:spPr>
+          <a:xfrm>
+            <a:off x="-2846183" y="836712"/>
+            <a:ext cx="2331911" cy="3096344"/>
+          </a:xfrm>
+          <a:prstGeom prst="rect">
+            <a:avLst/>
+          </a:prstGeom>
+          <a:noFill/>
+          <a:ln>
+            <a:solidFill>
+              <a:schemeClr val="tx1"/>
+            </a:solidFill>
+          </a:ln>
+        </p:spPr>
+        <p:style>
+          <a:lnRef idx="2">
+            <a:schemeClr val="accent1">
+              <a:shade val="50000"/>
+            </a:schemeClr>
+          </a:lnRef>
+          <a:fillRef idx="1">
+            <a:schemeClr val="accent1"/>
+          </a:fillRef>
+          <a:effectRef idx="0">
+            <a:schemeClr val="accent1"/>
+          </a:effectRef>
+          <a:fontRef idx="minor">
+            <a:schemeClr val="lt1"/>
+          </a:fontRef>
+        </p:style>
+        <p:txBody>
+          <a:bodyPr rtlCol="0" anchor="ctr"/>
+          <a:lstStyle/>
+          <a:p>
+            <a:pPr algn="ctr"/>
+            <a:r>
+              <a:rPr lang="en-US" altLang="zh-CN" dirty="0" smtClean="0">
+                <a:solidFill>
+                  <a:schemeClr val="tx1"/>
+                </a:solidFill>
+              </a:rPr>
+              <a:t>Optical System</a:t>
+            </a:r>
+            <a:endParaRPr lang="zh-CN" altLang="en-US" dirty="0">
+              <a:solidFill>
+                <a:schemeClr val="tx1"/>
+              </a:solidFill>
+            </a:endParaRPr>
+          </a:p>
+        </p:txBody>
+      </p:sp>
+      <p:cxnSp>
+        <p:nvCxnSpPr>
+          <p:cNvPr id="17" name="直接箭头连接符 16"/>
+          <p:cNvCxnSpPr>
+            <a:stCxn id="78" idx="3"/>
+            <a:endCxn id="83" idx="1"/>
+          </p:cNvCxnSpPr>
+          <p:nvPr/>
+        </p:nvCxnSpPr>
+        <p:spPr>
+          <a:xfrm>
+            <a:off x="-3790163" y="2384883"/>
+            <a:ext cx="943980" cy="1"/>
+          </a:xfrm>
+          <a:prstGeom prst="straightConnector1">
+            <a:avLst/>
+          </a:prstGeom>
+          <a:ln w="28575">
+            <a:solidFill>
+              <a:schemeClr val="tx1"/>
+            </a:solidFill>
+            <a:prstDash val="sysDash"/>
+            <a:tailEnd type="triangle"/>
+          </a:ln>
+        </p:spPr>
+        <p:style>
+          <a:lnRef idx="1">
+            <a:schemeClr val="accent1"/>
+          </a:lnRef>
+          <a:fillRef idx="0">
+            <a:schemeClr val="accent1"/>
+          </a:fillRef>
+          <a:effectRef idx="0">
+            <a:schemeClr val="accent1"/>
+          </a:effectRef>
+          <a:fontRef idx="minor">
+            <a:schemeClr val="tx1"/>
+          </a:fontRef>
+        </p:style>
+      </p:cxnSp>
+      <p:cxnSp>
+        <p:nvCxnSpPr>
+          <p:cNvPr id="84" name="直接箭头连接符 83"/>
+          <p:cNvCxnSpPr/>
+          <p:nvPr/>
+        </p:nvCxnSpPr>
+        <p:spPr>
+          <a:xfrm>
+            <a:off x="-486105" y="1387900"/>
+            <a:ext cx="943980" cy="1"/>
+          </a:xfrm>
+          <a:prstGeom prst="straightConnector1">
+            <a:avLst/>
+          </a:prstGeom>
+          <a:ln w="28575">
+            <a:solidFill>
+              <a:schemeClr val="tx1"/>
+            </a:solidFill>
+            <a:prstDash val="sysDash"/>
+            <a:tailEnd type="triangle"/>
+          </a:ln>
+        </p:spPr>
+        <p:style>
+          <a:lnRef idx="1">
+            <a:schemeClr val="accent1"/>
+          </a:lnRef>
+          <a:fillRef idx="0">
+            <a:schemeClr val="accent1"/>
+          </a:fillRef>
+          <a:effectRef idx="0">
+            <a:schemeClr val="accent1"/>
+          </a:effectRef>
+          <a:fontRef idx="minor">
+            <a:schemeClr val="tx1"/>
+          </a:fontRef>
+        </p:style>
+      </p:cxnSp>
+      <p:cxnSp>
+        <p:nvCxnSpPr>
+          <p:cNvPr id="86" name="直接箭头连接符 85"/>
+          <p:cNvCxnSpPr/>
+          <p:nvPr/>
+        </p:nvCxnSpPr>
+        <p:spPr>
+          <a:xfrm>
+            <a:off x="-486105" y="1855952"/>
+            <a:ext cx="943980" cy="1"/>
+          </a:xfrm>
+          <a:prstGeom prst="straightConnector1">
+            <a:avLst/>
+          </a:prstGeom>
+          <a:ln w="28575">
+            <a:solidFill>
+              <a:schemeClr val="tx1"/>
+            </a:solidFill>
+            <a:prstDash val="sysDash"/>
+            <a:tailEnd type="triangle"/>
+          </a:ln>
+        </p:spPr>
+        <p:style>
+          <a:lnRef idx="1">
+            <a:schemeClr val="accent1"/>
+          </a:lnRef>
+          <a:fillRef idx="0">
+            <a:schemeClr val="accent1"/>
+          </a:fillRef>
+          <a:effectRef idx="0">
+            <a:schemeClr val="accent1"/>
+          </a:effectRef>
+          <a:fontRef idx="minor">
+            <a:schemeClr val="tx1"/>
+          </a:fontRef>
+        </p:style>
+      </p:cxnSp>
+      <p:cxnSp>
+        <p:nvCxnSpPr>
+          <p:cNvPr id="87" name="直接箭头连接符 86"/>
+          <p:cNvCxnSpPr/>
+          <p:nvPr/>
+        </p:nvCxnSpPr>
+        <p:spPr>
+          <a:xfrm>
+            <a:off x="-486105" y="3473356"/>
+            <a:ext cx="943980" cy="1"/>
+          </a:xfrm>
+          <a:prstGeom prst="straightConnector1">
+            <a:avLst/>
+          </a:prstGeom>
+          <a:ln w="28575">
+            <a:solidFill>
+              <a:schemeClr val="tx1"/>
+            </a:solidFill>
+            <a:prstDash val="sysDash"/>
+            <a:tailEnd type="triangle"/>
+          </a:ln>
+        </p:spPr>
+        <p:style>
+          <a:lnRef idx="1">
+            <a:schemeClr val="accent1"/>
+          </a:lnRef>
+          <a:fillRef idx="0">
+            <a:schemeClr val="accent1"/>
+          </a:fillRef>
+          <a:effectRef idx="0">
+            <a:schemeClr val="accent1"/>
+          </a:effectRef>
+          <a:fontRef idx="minor">
+            <a:schemeClr val="tx1"/>
+          </a:fontRef>
+        </p:style>
+      </p:cxnSp>
+      <p:sp>
+        <p:nvSpPr>
+          <p:cNvPr id="88" name="椭圆 87"/>
+          <p:cNvSpPr/>
+          <p:nvPr/>
+        </p:nvSpPr>
+        <p:spPr>
+          <a:xfrm>
+            <a:off x="-29966" y="1988840"/>
+            <a:ext cx="65462" cy="72008"/>
+          </a:xfrm>
+          <a:prstGeom prst="ellipse">
+            <a:avLst/>
+          </a:prstGeom>
+          <a:solidFill>
+            <a:schemeClr val="tx1"/>
+          </a:solidFill>
+          <a:ln>
+            <a:solidFill>
+              <a:schemeClr val="tx1"/>
+            </a:solidFill>
+          </a:ln>
+        </p:spPr>
+        <p:style>
+          <a:lnRef idx="2">
+            <a:schemeClr val="accent1">
+              <a:shade val="50000"/>
+            </a:schemeClr>
+          </a:lnRef>
+          <a:fillRef idx="1">
+            <a:schemeClr val="accent1"/>
+          </a:fillRef>
+          <a:effectRef idx="0">
+            <a:schemeClr val="accent1"/>
+          </a:effectRef>
+          <a:fontRef idx="minor">
+            <a:schemeClr val="lt1"/>
+          </a:fontRef>
+        </p:style>
+        <p:txBody>
+          <a:bodyPr rtlCol="0" anchor="ctr"/>
+          <a:lstStyle/>
+          <a:p>
+            <a:pPr algn="ctr"/>
+            <a:endParaRPr lang="zh-CN" altLang="en-US"/>
+          </a:p>
+        </p:txBody>
+      </p:sp>
+      <p:sp>
+        <p:nvSpPr>
+          <p:cNvPr id="90" name="椭圆 89"/>
+          <p:cNvSpPr/>
+          <p:nvPr/>
+        </p:nvSpPr>
+        <p:spPr>
+          <a:xfrm>
+            <a:off x="-29966" y="2384884"/>
+            <a:ext cx="65462" cy="72008"/>
+          </a:xfrm>
+          <a:prstGeom prst="ellipse">
+            <a:avLst/>
+          </a:prstGeom>
+          <a:solidFill>
+            <a:schemeClr val="tx1"/>
+          </a:solidFill>
+          <a:ln>
+            <a:solidFill>
+              <a:schemeClr val="tx1"/>
+            </a:solidFill>
+          </a:ln>
+        </p:spPr>
+        <p:style>
+          <a:lnRef idx="2">
+            <a:schemeClr val="accent1">
+              <a:shade val="50000"/>
+            </a:schemeClr>
+          </a:lnRef>
+          <a:fillRef idx="1">
+            <a:schemeClr val="accent1"/>
+          </a:fillRef>
+          <a:effectRef idx="0">
+            <a:schemeClr val="accent1"/>
+          </a:effectRef>
+          <a:fontRef idx="minor">
+            <a:schemeClr val="lt1"/>
+          </a:fontRef>
+        </p:style>
+        <p:txBody>
+          <a:bodyPr rtlCol="0" anchor="ctr"/>
+          <a:lstStyle/>
+          <a:p>
+            <a:pPr algn="ctr"/>
+            <a:endParaRPr lang="zh-CN" altLang="en-US"/>
+          </a:p>
+        </p:txBody>
+      </p:sp>
+      <p:sp>
+        <p:nvSpPr>
+          <p:cNvPr id="94" name="椭圆 93"/>
+          <p:cNvSpPr/>
+          <p:nvPr/>
+        </p:nvSpPr>
+        <p:spPr>
+          <a:xfrm>
+            <a:off x="-29966" y="2780928"/>
+            <a:ext cx="65462" cy="72008"/>
+          </a:xfrm>
+          <a:prstGeom prst="ellipse">
+            <a:avLst/>
+          </a:prstGeom>
+          <a:solidFill>
+            <a:schemeClr val="tx1"/>
+          </a:solidFill>
+          <a:ln>
+            <a:solidFill>
+              <a:schemeClr val="tx1"/>
+            </a:solidFill>
+          </a:ln>
+        </p:spPr>
+        <p:style>
+          <a:lnRef idx="2">
+            <a:schemeClr val="accent1">
+              <a:shade val="50000"/>
+            </a:schemeClr>
+          </a:lnRef>
+          <a:fillRef idx="1">
+            <a:schemeClr val="accent1"/>
+          </a:fillRef>
+          <a:effectRef idx="0">
+            <a:schemeClr val="accent1"/>
+          </a:effectRef>
+          <a:fontRef idx="minor">
+            <a:schemeClr val="lt1"/>
+          </a:fontRef>
+        </p:style>
+        <p:txBody>
+          <a:bodyPr rtlCol="0" anchor="ctr"/>
+          <a:lstStyle/>
+          <a:p>
+            <a:pPr algn="ctr"/>
+            <a:endParaRPr lang="zh-CN" altLang="en-US"/>
+          </a:p>
+        </p:txBody>
+      </p:sp>
+      <p:sp>
+        <p:nvSpPr>
+          <p:cNvPr id="96" name="TextBox 101"/>
+          <p:cNvSpPr txBox="1"/>
+          <p:nvPr/>
+        </p:nvSpPr>
+        <p:spPr>
+          <a:xfrm>
+            <a:off x="-1610772" y="4671967"/>
+            <a:ext cx="3021286" cy="369332"/>
+          </a:xfrm>
+          <a:prstGeom prst="rect">
+            <a:avLst/>
+          </a:prstGeom>
+          <a:noFill/>
+        </p:spPr>
+        <p:txBody>
+          <a:bodyPr wrap="square" rtlCol="0">
+            <a:spAutoFit/>
+          </a:bodyPr>
+          <a:lstStyle/>
+          <a:p>
+            <a:pPr algn="ctr"/>
+            <a:r>
+              <a:rPr lang="en-US" altLang="zh-CN" dirty="0" smtClean="0"/>
+              <a:t>SYNCHRONOUS CLK</a:t>
+            </a:r>
+            <a:endParaRPr lang="zh-CN" altLang="en-US" dirty="0"/>
+          </a:p>
+        </p:txBody>
+      </p:sp>
+    </p:spTree>
+    <p:extLst>
+      <p:ext uri="{BB962C8B-B14F-4D97-AF65-F5344CB8AC3E}">
+        <p14:creationId xmlns:p14="http://schemas.microsoft.com/office/powerpoint/2010/main" val="2692375616"/>
+      </p:ext>
+    </p:extLst>
+  </p:cSld>
+  <p:clrMapOvr>
+    <a:masterClrMapping/>
+  </p:clrMapOvr>
+</p:sld>
+</file>
+
+<file path=ppt/slides/slide2.xml><?xml version="1.0" encoding="utf-8"?>
+<p:sld xmlns:a="http://schemas.openxmlformats.org/drawingml/2006/main" xmlns:r="http://schemas.openxmlformats.org/officeDocument/2006/relationships" xmlns:p="http://schemas.openxmlformats.org/presentationml/2006/main">
+  <p:cSld>
+    <p:spTree>
+      <p:nvGrpSpPr>
+        <p:cNvPr id="1" name=""/>
+        <p:cNvGrpSpPr/>
+        <p:nvPr/>
+      </p:nvGrpSpPr>
+      <p:grpSpPr>
+        <a:xfrm>
+          <a:off x="0" y="0"/>
+          <a:ext cx="0" cy="0"/>
+          <a:chOff x="0" y="0"/>
+          <a:chExt cx="0" cy="0"/>
+        </a:xfrm>
+      </p:grpSpPr>
+      <p:sp>
+        <p:nvSpPr>
+          <p:cNvPr id="4" name="圆角矩形 3"/>
+          <p:cNvSpPr/>
+          <p:nvPr/>
+        </p:nvSpPr>
+        <p:spPr>
+          <a:xfrm>
+            <a:off x="-1980728" y="-243408"/>
+            <a:ext cx="13681520" cy="7101408"/>
+          </a:xfrm>
+          <a:prstGeom prst="roundRect">
+            <a:avLst/>
+          </a:prstGeom>
+          <a:noFill/>
+          <a:ln>
+            <a:solidFill>
+              <a:schemeClr val="tx1"/>
+            </a:solidFill>
+            <a:prstDash val="sysDash"/>
+          </a:ln>
+        </p:spPr>
+        <p:style>
+          <a:lnRef idx="2">
+            <a:schemeClr val="accent1">
+              <a:shade val="50000"/>
+            </a:schemeClr>
+          </a:lnRef>
+          <a:fillRef idx="1">
+            <a:schemeClr val="accent1"/>
+          </a:fillRef>
+          <a:effectRef idx="0">
+            <a:schemeClr val="accent1"/>
+          </a:effectRef>
+          <a:fontRef idx="minor">
+            <a:schemeClr val="lt1"/>
+          </a:fontRef>
+        </p:style>
+        <p:txBody>
+          <a:bodyPr rtlCol="0" anchor="ctr"/>
+          <a:lstStyle/>
+          <a:p>
+            <a:pPr algn="ctr"/>
+            <a:endParaRPr lang="zh-CN" altLang="en-US"/>
+          </a:p>
+        </p:txBody>
+      </p:sp>
+      <p:sp>
+        <p:nvSpPr>
+          <p:cNvPr id="5" name="矩形 4"/>
+          <p:cNvSpPr/>
+          <p:nvPr/>
+        </p:nvSpPr>
+        <p:spPr>
+          <a:xfrm>
+            <a:off x="-612576" y="980728"/>
+            <a:ext cx="1224136" cy="2808312"/>
+          </a:xfrm>
+          <a:prstGeom prst="rect">
+            <a:avLst/>
+          </a:prstGeom>
+          <a:noFill/>
+          <a:ln>
+            <a:solidFill>
+              <a:schemeClr val="tx1"/>
+            </a:solidFill>
+          </a:ln>
+        </p:spPr>
+        <p:style>
+          <a:lnRef idx="2">
+            <a:schemeClr val="accent1">
+              <a:shade val="50000"/>
+            </a:schemeClr>
+          </a:lnRef>
+          <a:fillRef idx="1">
+            <a:schemeClr val="accent1"/>
+          </a:fillRef>
+          <a:effectRef idx="0">
+            <a:schemeClr val="accent1"/>
+          </a:effectRef>
+          <a:fontRef idx="minor">
+            <a:schemeClr val="lt1"/>
+          </a:fontRef>
+        </p:style>
+        <p:txBody>
+          <a:bodyPr rtlCol="0" anchor="ctr"/>
+          <a:lstStyle/>
+          <a:p>
+            <a:pPr algn="ctr"/>
+            <a:r>
+              <a:rPr lang="en-US" altLang="zh-CN" dirty="0" smtClean="0">
+                <a:solidFill>
+                  <a:schemeClr val="tx1"/>
+                </a:solidFill>
+              </a:rPr>
+              <a:t>IODELAY2</a:t>
+            </a:r>
+            <a:endParaRPr lang="zh-CN" altLang="en-US" dirty="0">
+              <a:solidFill>
+                <a:schemeClr val="tx1"/>
+              </a:solidFill>
+            </a:endParaRPr>
+          </a:p>
+        </p:txBody>
+      </p:sp>
+      <p:cxnSp>
+        <p:nvCxnSpPr>
+          <p:cNvPr id="6" name="直接箭头连接符 5"/>
+          <p:cNvCxnSpPr/>
+          <p:nvPr/>
+        </p:nvCxnSpPr>
+        <p:spPr>
+          <a:xfrm>
+            <a:off x="-2556792" y="1376772"/>
+            <a:ext cx="1944216" cy="0"/>
+          </a:xfrm>
+          <a:prstGeom prst="straightConnector1">
+            <a:avLst/>
+          </a:prstGeom>
+          <a:ln w="28575">
+            <a:solidFill>
+              <a:schemeClr val="tx1"/>
+            </a:solidFill>
+            <a:tailEnd type="arrow"/>
+          </a:ln>
+        </p:spPr>
+        <p:style>
+          <a:lnRef idx="1">
+            <a:schemeClr val="accent1"/>
+          </a:lnRef>
+          <a:fillRef idx="0">
+            <a:schemeClr val="accent1"/>
+          </a:fillRef>
+          <a:effectRef idx="0">
+            <a:schemeClr val="accent1"/>
+          </a:effectRef>
+          <a:fontRef idx="minor">
+            <a:schemeClr val="tx1"/>
+          </a:fontRef>
+        </p:style>
+      </p:cxnSp>
+      <p:sp>
+        <p:nvSpPr>
+          <p:cNvPr id="7" name="椭圆 6"/>
+          <p:cNvSpPr/>
+          <p:nvPr/>
+        </p:nvSpPr>
+        <p:spPr>
+          <a:xfrm>
+            <a:off x="-1614142" y="1988840"/>
+            <a:ext cx="65462" cy="72008"/>
+          </a:xfrm>
+          <a:prstGeom prst="ellipse">
+            <a:avLst/>
+          </a:prstGeom>
+          <a:solidFill>
+            <a:schemeClr val="tx1"/>
+          </a:solidFill>
+          <a:ln>
+            <a:solidFill>
+              <a:schemeClr val="tx1"/>
+            </a:solidFill>
+          </a:ln>
+        </p:spPr>
+        <p:style>
+          <a:lnRef idx="2">
+            <a:schemeClr val="accent1">
+              <a:shade val="50000"/>
+            </a:schemeClr>
+          </a:lnRef>
+          <a:fillRef idx="1">
+            <a:schemeClr val="accent1"/>
+          </a:fillRef>
+          <a:effectRef idx="0">
+            <a:schemeClr val="accent1"/>
+          </a:effectRef>
+          <a:fontRef idx="minor">
+            <a:schemeClr val="lt1"/>
+          </a:fontRef>
+        </p:style>
+        <p:txBody>
+          <a:bodyPr rtlCol="0" anchor="ctr"/>
+          <a:lstStyle/>
+          <a:p>
+            <a:pPr algn="ctr"/>
+            <a:endParaRPr lang="zh-CN" altLang="en-US"/>
+          </a:p>
+        </p:txBody>
+      </p:sp>
+      <p:sp>
+        <p:nvSpPr>
+          <p:cNvPr id="8" name="椭圆 7"/>
+          <p:cNvSpPr/>
+          <p:nvPr/>
+        </p:nvSpPr>
+        <p:spPr>
+          <a:xfrm>
+            <a:off x="-1614142" y="2384884"/>
+            <a:ext cx="65462" cy="72008"/>
+          </a:xfrm>
+          <a:prstGeom prst="ellipse">
+            <a:avLst/>
+          </a:prstGeom>
+          <a:solidFill>
+            <a:schemeClr val="tx1"/>
+          </a:solidFill>
+          <a:ln>
+            <a:solidFill>
+              <a:schemeClr val="tx1"/>
+            </a:solidFill>
+          </a:ln>
+        </p:spPr>
+        <p:style>
+          <a:lnRef idx="2">
+            <a:schemeClr val="accent1">
+              <a:shade val="50000"/>
+            </a:schemeClr>
+          </a:lnRef>
+          <a:fillRef idx="1">
+            <a:schemeClr val="accent1"/>
+          </a:fillRef>
+          <a:effectRef idx="0">
+            <a:schemeClr val="accent1"/>
+          </a:effectRef>
+          <a:fontRef idx="minor">
+            <a:schemeClr val="lt1"/>
+          </a:fontRef>
+        </p:style>
+        <p:txBody>
+          <a:bodyPr rtlCol="0" anchor="ctr"/>
+          <a:lstStyle/>
+          <a:p>
+            <a:pPr algn="ctr"/>
+            <a:endParaRPr lang="zh-CN" altLang="en-US"/>
+          </a:p>
+        </p:txBody>
+      </p:sp>
+      <p:sp>
+        <p:nvSpPr>
+          <p:cNvPr id="9" name="椭圆 8"/>
+          <p:cNvSpPr/>
+          <p:nvPr/>
+        </p:nvSpPr>
+        <p:spPr>
+          <a:xfrm>
+            <a:off x="-1614142" y="2780928"/>
+            <a:ext cx="65462" cy="72008"/>
+          </a:xfrm>
+          <a:prstGeom prst="ellipse">
+            <a:avLst/>
+          </a:prstGeom>
+          <a:solidFill>
+            <a:schemeClr val="tx1"/>
+          </a:solidFill>
+          <a:ln>
+            <a:solidFill>
+              <a:schemeClr val="tx1"/>
+            </a:solidFill>
+          </a:ln>
+        </p:spPr>
+        <p:style>
+          <a:lnRef idx="2">
+            <a:schemeClr val="accent1">
+              <a:shade val="50000"/>
+            </a:schemeClr>
+          </a:lnRef>
+          <a:fillRef idx="1">
+            <a:schemeClr val="accent1"/>
+          </a:fillRef>
+          <a:effectRef idx="0">
+            <a:schemeClr val="accent1"/>
+          </a:effectRef>
+          <a:fontRef idx="minor">
+            <a:schemeClr val="lt1"/>
+          </a:fontRef>
+        </p:style>
+        <p:txBody>
+          <a:bodyPr rtlCol="0" anchor="ctr"/>
+          <a:lstStyle/>
+          <a:p>
+            <a:pPr algn="ctr"/>
+            <a:endParaRPr lang="zh-CN" altLang="en-US"/>
+          </a:p>
+        </p:txBody>
+      </p:sp>
+      <p:cxnSp>
+        <p:nvCxnSpPr>
+          <p:cNvPr id="10" name="直接箭头连接符 9"/>
+          <p:cNvCxnSpPr/>
+          <p:nvPr/>
+        </p:nvCxnSpPr>
+        <p:spPr>
+          <a:xfrm>
+            <a:off x="-2564668" y="3465004"/>
+            <a:ext cx="1944216" cy="0"/>
+          </a:xfrm>
+          <a:prstGeom prst="straightConnector1">
+            <a:avLst/>
+          </a:prstGeom>
+          <a:ln w="28575">
+            <a:solidFill>
+              <a:schemeClr val="tx1"/>
+            </a:solidFill>
+            <a:tailEnd type="arrow"/>
+          </a:ln>
+        </p:spPr>
+        <p:style>
+          <a:lnRef idx="1">
+            <a:schemeClr val="accent1"/>
+          </a:lnRef>
+          <a:fillRef idx="0">
+            <a:schemeClr val="accent1"/>
+          </a:fillRef>
+          <a:effectRef idx="0">
+            <a:schemeClr val="accent1"/>
+          </a:effectRef>
+          <a:fontRef idx="minor">
+            <a:schemeClr val="tx1"/>
+          </a:fontRef>
+        </p:style>
+      </p:cxnSp>
+      <p:sp>
+        <p:nvSpPr>
+          <p:cNvPr id="11" name="TextBox 13"/>
+          <p:cNvSpPr txBox="1"/>
+          <p:nvPr/>
+        </p:nvSpPr>
+        <p:spPr>
+          <a:xfrm>
+            <a:off x="-2078161" y="947500"/>
+            <a:ext cx="993500" cy="369332"/>
+          </a:xfrm>
+          <a:prstGeom prst="rect">
+            <a:avLst/>
+          </a:prstGeom>
+          <a:noFill/>
+        </p:spPr>
+        <p:txBody>
+          <a:bodyPr wrap="square" rtlCol="0">
+            <a:spAutoFit/>
+          </a:bodyPr>
+          <a:lstStyle/>
+          <a:p>
+            <a:pPr algn="ctr"/>
+            <a:r>
+              <a:rPr lang="en-US" altLang="zh-CN" dirty="0" smtClean="0"/>
+              <a:t>CH1</a:t>
+            </a:r>
+            <a:endParaRPr lang="zh-CN" altLang="en-US" dirty="0"/>
+          </a:p>
+        </p:txBody>
+      </p:sp>
+      <p:sp>
+        <p:nvSpPr>
+          <p:cNvPr id="12" name="TextBox 14"/>
+          <p:cNvSpPr txBox="1"/>
+          <p:nvPr/>
+        </p:nvSpPr>
+        <p:spPr>
+          <a:xfrm>
+            <a:off x="-2089310" y="3062136"/>
+            <a:ext cx="993500" cy="369332"/>
+          </a:xfrm>
+          <a:prstGeom prst="rect">
+            <a:avLst/>
+          </a:prstGeom>
+          <a:noFill/>
+        </p:spPr>
+        <p:txBody>
+          <a:bodyPr wrap="square" rtlCol="0">
+            <a:spAutoFit/>
+          </a:bodyPr>
+          <a:lstStyle/>
+          <a:p>
+            <a:pPr algn="ctr"/>
+            <a:r>
+              <a:rPr lang="en-US" altLang="zh-CN" dirty="0" err="1" smtClean="0"/>
+              <a:t>CHn</a:t>
+            </a:r>
+            <a:endParaRPr lang="zh-CN" altLang="en-US" dirty="0"/>
+          </a:p>
+        </p:txBody>
+      </p:sp>
+      <p:sp>
+        <p:nvSpPr>
+          <p:cNvPr id="13" name="矩形 12"/>
+          <p:cNvSpPr/>
+          <p:nvPr/>
+        </p:nvSpPr>
+        <p:spPr>
+          <a:xfrm>
+            <a:off x="1518882" y="980728"/>
+            <a:ext cx="1224136" cy="2808312"/>
+          </a:xfrm>
+          <a:prstGeom prst="rect">
+            <a:avLst/>
+          </a:prstGeom>
+          <a:noFill/>
+          <a:ln>
+            <a:solidFill>
+              <a:schemeClr val="tx1"/>
+            </a:solidFill>
+          </a:ln>
+        </p:spPr>
+        <p:style>
+          <a:lnRef idx="2">
+            <a:schemeClr val="accent1">
+              <a:shade val="50000"/>
+            </a:schemeClr>
+          </a:lnRef>
+          <a:fillRef idx="1">
+            <a:schemeClr val="accent1"/>
+          </a:fillRef>
+          <a:effectRef idx="0">
+            <a:schemeClr val="accent1"/>
+          </a:effectRef>
+          <a:fontRef idx="minor">
+            <a:schemeClr val="lt1"/>
+          </a:fontRef>
+        </p:style>
+        <p:txBody>
+          <a:bodyPr rtlCol="0" anchor="ctr"/>
+          <a:lstStyle/>
+          <a:p>
+            <a:pPr algn="ctr"/>
+            <a:r>
+              <a:rPr lang="en-US" altLang="zh-CN" dirty="0" smtClean="0">
+                <a:solidFill>
+                  <a:schemeClr val="tx1"/>
+                </a:solidFill>
+              </a:rPr>
+              <a:t>PULSE SHAPING</a:t>
+            </a:r>
+            <a:endParaRPr lang="zh-CN" altLang="en-US" dirty="0">
+              <a:solidFill>
+                <a:schemeClr val="tx1"/>
+              </a:solidFill>
+            </a:endParaRPr>
+          </a:p>
+        </p:txBody>
+      </p:sp>
+      <p:cxnSp>
+        <p:nvCxnSpPr>
+          <p:cNvPr id="14" name="直接箭头连接符 13"/>
+          <p:cNvCxnSpPr/>
+          <p:nvPr/>
+        </p:nvCxnSpPr>
+        <p:spPr>
+          <a:xfrm>
+            <a:off x="-2556792" y="1806044"/>
+            <a:ext cx="1944216" cy="0"/>
+          </a:xfrm>
+          <a:prstGeom prst="straightConnector1">
+            <a:avLst/>
+          </a:prstGeom>
+          <a:ln w="28575">
+            <a:solidFill>
+              <a:schemeClr val="tx1"/>
+            </a:solidFill>
+            <a:tailEnd type="arrow"/>
+          </a:ln>
+        </p:spPr>
+        <p:style>
+          <a:lnRef idx="1">
+            <a:schemeClr val="accent1"/>
+          </a:lnRef>
+          <a:fillRef idx="0">
+            <a:schemeClr val="accent1"/>
+          </a:fillRef>
+          <a:effectRef idx="0">
+            <a:schemeClr val="accent1"/>
+          </a:effectRef>
+          <a:fontRef idx="minor">
+            <a:schemeClr val="tx1"/>
+          </a:fontRef>
+        </p:style>
+      </p:cxnSp>
+      <p:sp>
+        <p:nvSpPr>
+          <p:cNvPr id="15" name="TextBox 35"/>
+          <p:cNvSpPr txBox="1"/>
+          <p:nvPr/>
+        </p:nvSpPr>
+        <p:spPr>
+          <a:xfrm>
+            <a:off x="-2078161" y="1376772"/>
+            <a:ext cx="993500" cy="369332"/>
+          </a:xfrm>
+          <a:prstGeom prst="rect">
+            <a:avLst/>
+          </a:prstGeom>
+          <a:noFill/>
+        </p:spPr>
+        <p:txBody>
+          <a:bodyPr wrap="square" rtlCol="0">
+            <a:spAutoFit/>
+          </a:bodyPr>
+          <a:lstStyle/>
+          <a:p>
+            <a:pPr algn="ctr"/>
+            <a:r>
+              <a:rPr lang="en-US" altLang="zh-CN" dirty="0" smtClean="0"/>
+              <a:t>CH2</a:t>
+            </a:r>
+            <a:endParaRPr lang="zh-CN" altLang="en-US" dirty="0"/>
+          </a:p>
+        </p:txBody>
+      </p:sp>
+      <p:sp>
+        <p:nvSpPr>
+          <p:cNvPr id="16" name="右箭头 15"/>
+          <p:cNvSpPr/>
+          <p:nvPr/>
+        </p:nvSpPr>
+        <p:spPr>
+          <a:xfrm>
+            <a:off x="603267" y="2132856"/>
+            <a:ext cx="907322" cy="576064"/>
+          </a:xfrm>
+          <a:prstGeom prst="rightArrow">
+            <a:avLst/>
+          </a:prstGeom>
+          <a:noFill/>
+          <a:ln>
+            <a:solidFill>
+              <a:schemeClr val="tx1"/>
+            </a:solidFill>
+          </a:ln>
+        </p:spPr>
+        <p:style>
+          <a:lnRef idx="2">
+            <a:schemeClr val="accent1">
+              <a:shade val="50000"/>
+            </a:schemeClr>
+          </a:lnRef>
+          <a:fillRef idx="1">
+            <a:schemeClr val="accent1"/>
+          </a:fillRef>
+          <a:effectRef idx="0">
+            <a:schemeClr val="accent1"/>
+          </a:effectRef>
+          <a:fontRef idx="minor">
+            <a:schemeClr val="lt1"/>
+          </a:fontRef>
+        </p:style>
+        <p:txBody>
+          <a:bodyPr rtlCol="0" anchor="ctr"/>
+          <a:lstStyle/>
+          <a:p>
+            <a:pPr algn="ctr"/>
+            <a:endParaRPr lang="zh-CN" altLang="en-US"/>
+          </a:p>
+        </p:txBody>
+      </p:sp>
+      <p:sp>
+        <p:nvSpPr>
+          <p:cNvPr id="17" name="矩形 16"/>
+          <p:cNvSpPr/>
+          <p:nvPr/>
+        </p:nvSpPr>
+        <p:spPr>
+          <a:xfrm>
+            <a:off x="6204925" y="1001988"/>
+            <a:ext cx="1872208" cy="2787052"/>
+          </a:xfrm>
+          <a:prstGeom prst="rect">
+            <a:avLst/>
+          </a:prstGeom>
+          <a:noFill/>
+          <a:ln>
+            <a:solidFill>
+              <a:schemeClr val="tx1"/>
+            </a:solidFill>
+          </a:ln>
+        </p:spPr>
+        <p:style>
+          <a:lnRef idx="2">
+            <a:schemeClr val="accent1">
+              <a:shade val="50000"/>
+            </a:schemeClr>
+          </a:lnRef>
+          <a:fillRef idx="1">
+            <a:schemeClr val="accent1"/>
+          </a:fillRef>
+          <a:effectRef idx="0">
+            <a:schemeClr val="accent1"/>
+          </a:effectRef>
+          <a:fontRef idx="minor">
+            <a:schemeClr val="lt1"/>
+          </a:fontRef>
+        </p:style>
+        <p:txBody>
+          <a:bodyPr rtlCol="0" anchor="ctr"/>
+          <a:lstStyle/>
+          <a:p>
+            <a:pPr algn="ctr"/>
+            <a:r>
+              <a:rPr lang="en-US" altLang="zh-CN" dirty="0" smtClean="0">
+                <a:solidFill>
+                  <a:schemeClr val="tx1"/>
+                </a:solidFill>
+              </a:rPr>
+              <a:t>COINCIDENCE LOGIC</a:t>
+            </a:r>
+            <a:endParaRPr lang="zh-CN" altLang="en-US" dirty="0">
+              <a:solidFill>
+                <a:schemeClr val="tx1"/>
+              </a:solidFill>
+            </a:endParaRPr>
+          </a:p>
+        </p:txBody>
+      </p:sp>
+      <p:sp>
+        <p:nvSpPr>
+          <p:cNvPr id="18" name="右箭头 17"/>
+          <p:cNvSpPr/>
+          <p:nvPr/>
+        </p:nvSpPr>
+        <p:spPr>
+          <a:xfrm>
+            <a:off x="2766011" y="1252146"/>
+            <a:ext cx="941893" cy="576064"/>
+          </a:xfrm>
+          <a:prstGeom prst="rightArrow">
+            <a:avLst/>
+          </a:prstGeom>
+          <a:noFill/>
+          <a:ln>
+            <a:solidFill>
+              <a:schemeClr val="tx1"/>
+            </a:solidFill>
+          </a:ln>
+        </p:spPr>
+        <p:style>
+          <a:lnRef idx="2">
+            <a:schemeClr val="accent1">
+              <a:shade val="50000"/>
+            </a:schemeClr>
+          </a:lnRef>
+          <a:fillRef idx="1">
+            <a:schemeClr val="accent1"/>
+          </a:fillRef>
+          <a:effectRef idx="0">
+            <a:schemeClr val="accent1"/>
+          </a:effectRef>
+          <a:fontRef idx="minor">
+            <a:schemeClr val="lt1"/>
+          </a:fontRef>
+        </p:style>
+        <p:txBody>
+          <a:bodyPr rtlCol="0" anchor="ctr"/>
+          <a:lstStyle/>
+          <a:p>
+            <a:pPr algn="ctr"/>
+            <a:endParaRPr lang="zh-CN" altLang="en-US"/>
+          </a:p>
+        </p:txBody>
+      </p:sp>
+      <p:sp>
+        <p:nvSpPr>
+          <p:cNvPr id="19" name="矩形 18"/>
+          <p:cNvSpPr/>
+          <p:nvPr/>
+        </p:nvSpPr>
+        <p:spPr>
+          <a:xfrm>
+            <a:off x="3707904" y="980728"/>
+            <a:ext cx="1872208" cy="1118900"/>
+          </a:xfrm>
+          <a:prstGeom prst="rect">
+            <a:avLst/>
+          </a:prstGeom>
+          <a:noFill/>
+          <a:ln>
+            <a:solidFill>
+              <a:schemeClr val="tx1"/>
+            </a:solidFill>
+          </a:ln>
+        </p:spPr>
+        <p:style>
+          <a:lnRef idx="2">
+            <a:schemeClr val="accent1">
+              <a:shade val="50000"/>
+            </a:schemeClr>
+          </a:lnRef>
+          <a:fillRef idx="1">
+            <a:schemeClr val="accent1"/>
+          </a:fillRef>
+          <a:effectRef idx="0">
+            <a:schemeClr val="accent1"/>
+          </a:effectRef>
+          <a:fontRef idx="minor">
+            <a:schemeClr val="lt1"/>
+          </a:fontRef>
+        </p:style>
+        <p:txBody>
+          <a:bodyPr rtlCol="0" anchor="ctr"/>
+          <a:lstStyle/>
+          <a:p>
+            <a:pPr algn="ctr"/>
+            <a:r>
+              <a:rPr lang="en-US" altLang="zh-CN" dirty="0" smtClean="0">
+                <a:solidFill>
+                  <a:schemeClr val="tx1"/>
+                </a:solidFill>
+              </a:rPr>
+              <a:t>Register</a:t>
+            </a:r>
+            <a:endParaRPr lang="zh-CN" altLang="en-US" dirty="0">
+              <a:solidFill>
+                <a:schemeClr val="tx1"/>
+              </a:solidFill>
+            </a:endParaRPr>
+          </a:p>
+        </p:txBody>
+      </p:sp>
+      <p:grpSp>
+        <p:nvGrpSpPr>
+          <p:cNvPr id="20" name="组合 19"/>
+          <p:cNvGrpSpPr/>
+          <p:nvPr/>
+        </p:nvGrpSpPr>
+        <p:grpSpPr>
+          <a:xfrm>
+            <a:off x="-3121746" y="216024"/>
+            <a:ext cx="881150" cy="404664"/>
+            <a:chOff x="-3348880" y="-84743"/>
+            <a:chExt cx="1368152" cy="484666"/>
+          </a:xfrm>
+        </p:grpSpPr>
+        <p:cxnSp>
+          <p:nvCxnSpPr>
+            <p:cNvPr id="21" name="肘形连接符 20"/>
+            <p:cNvCxnSpPr/>
+            <p:nvPr/>
+          </p:nvCxnSpPr>
+          <p:spPr>
+            <a:xfrm flipV="1">
+              <a:off x="-3348880" y="-84743"/>
+              <a:ext cx="576064" cy="484666"/>
+            </a:xfrm>
+            <a:prstGeom prst="bentConnector3">
+              <a:avLst/>
+            </a:prstGeom>
+            <a:ln w="19050">
+              <a:solidFill>
+                <a:schemeClr val="tx1"/>
+              </a:solidFill>
+            </a:ln>
+          </p:spPr>
+          <p:style>
+            <a:lnRef idx="1">
+              <a:schemeClr val="accent1"/>
+            </a:lnRef>
+            <a:fillRef idx="0">
+              <a:schemeClr val="accent1"/>
+            </a:fillRef>
+            <a:effectRef idx="0">
+              <a:schemeClr val="accent1"/>
+            </a:effectRef>
+            <a:fontRef idx="minor">
+              <a:schemeClr val="tx1"/>
+            </a:fontRef>
+          </p:style>
+        </p:cxnSp>
+        <p:cxnSp>
+          <p:nvCxnSpPr>
+            <p:cNvPr id="22" name="肘形连接符 21"/>
+            <p:cNvCxnSpPr/>
+            <p:nvPr/>
+          </p:nvCxnSpPr>
+          <p:spPr>
+            <a:xfrm>
+              <a:off x="-2772816" y="-84743"/>
+              <a:ext cx="792088" cy="484666"/>
+            </a:xfrm>
+            <a:prstGeom prst="bentConnector3">
+              <a:avLst>
+                <a:gd name="adj1" fmla="val 39814"/>
+              </a:avLst>
+            </a:prstGeom>
+            <a:ln w="19050">
+              <a:solidFill>
+                <a:schemeClr val="tx1"/>
+              </a:solidFill>
+            </a:ln>
+          </p:spPr>
+          <p:style>
+            <a:lnRef idx="1">
+              <a:schemeClr val="accent1"/>
+            </a:lnRef>
+            <a:fillRef idx="0">
+              <a:schemeClr val="accent1"/>
+            </a:fillRef>
+            <a:effectRef idx="0">
+              <a:schemeClr val="accent1"/>
+            </a:effectRef>
+            <a:fontRef idx="minor">
+              <a:schemeClr val="tx1"/>
+            </a:fontRef>
+          </p:style>
+        </p:cxnSp>
+      </p:grpSp>
+      <p:grpSp>
+        <p:nvGrpSpPr>
+          <p:cNvPr id="23" name="组合 22"/>
+          <p:cNvGrpSpPr/>
+          <p:nvPr/>
+        </p:nvGrpSpPr>
+        <p:grpSpPr>
+          <a:xfrm>
+            <a:off x="-3121746" y="829290"/>
+            <a:ext cx="881150" cy="367462"/>
+            <a:chOff x="-3348880" y="647500"/>
+            <a:chExt cx="1368152" cy="484666"/>
+          </a:xfrm>
+        </p:grpSpPr>
+        <p:cxnSp>
+          <p:nvCxnSpPr>
+            <p:cNvPr id="24" name="肘形连接符 23"/>
+            <p:cNvCxnSpPr/>
+            <p:nvPr/>
+          </p:nvCxnSpPr>
+          <p:spPr>
+            <a:xfrm flipV="1">
+              <a:off x="-3348880" y="647500"/>
+              <a:ext cx="576064" cy="484666"/>
+            </a:xfrm>
+            <a:prstGeom prst="bentConnector3">
+              <a:avLst>
+                <a:gd name="adj1" fmla="val 80346"/>
+              </a:avLst>
+            </a:prstGeom>
+            <a:ln w="19050">
+              <a:solidFill>
+                <a:schemeClr val="tx1"/>
+              </a:solidFill>
+            </a:ln>
+          </p:spPr>
+          <p:style>
+            <a:lnRef idx="1">
+              <a:schemeClr val="accent1"/>
+            </a:lnRef>
+            <a:fillRef idx="0">
+              <a:schemeClr val="accent1"/>
+            </a:fillRef>
+            <a:effectRef idx="0">
+              <a:schemeClr val="accent1"/>
+            </a:effectRef>
+            <a:fontRef idx="minor">
+              <a:schemeClr val="tx1"/>
+            </a:fontRef>
+          </p:style>
+        </p:cxnSp>
+        <p:cxnSp>
+          <p:nvCxnSpPr>
+            <p:cNvPr id="25" name="肘形连接符 24"/>
+            <p:cNvCxnSpPr/>
+            <p:nvPr/>
+          </p:nvCxnSpPr>
+          <p:spPr>
+            <a:xfrm>
+              <a:off x="-2772816" y="647500"/>
+              <a:ext cx="792088" cy="484666"/>
+            </a:xfrm>
+            <a:prstGeom prst="bentConnector3">
+              <a:avLst>
+                <a:gd name="adj1" fmla="val 61883"/>
+              </a:avLst>
+            </a:prstGeom>
+            <a:ln w="19050">
+              <a:solidFill>
+                <a:schemeClr val="tx1"/>
+              </a:solidFill>
+            </a:ln>
+          </p:spPr>
+          <p:style>
+            <a:lnRef idx="1">
+              <a:schemeClr val="accent1"/>
+            </a:lnRef>
+            <a:fillRef idx="0">
+              <a:schemeClr val="accent1"/>
+            </a:fillRef>
+            <a:effectRef idx="0">
+              <a:schemeClr val="accent1"/>
+            </a:effectRef>
+            <a:fontRef idx="minor">
+              <a:schemeClr val="tx1"/>
+            </a:fontRef>
+          </p:style>
+        </p:cxnSp>
+      </p:grpSp>
+      <p:grpSp>
+        <p:nvGrpSpPr>
+          <p:cNvPr id="26" name="组合 25"/>
+          <p:cNvGrpSpPr/>
+          <p:nvPr/>
+        </p:nvGrpSpPr>
+        <p:grpSpPr>
+          <a:xfrm>
+            <a:off x="662793" y="188640"/>
+            <a:ext cx="881150" cy="404664"/>
+            <a:chOff x="-3348880" y="-84743"/>
+            <a:chExt cx="1368152" cy="484666"/>
+          </a:xfrm>
+        </p:grpSpPr>
+        <p:cxnSp>
+          <p:nvCxnSpPr>
+            <p:cNvPr id="27" name="肘形连接符 26"/>
+            <p:cNvCxnSpPr/>
+            <p:nvPr/>
+          </p:nvCxnSpPr>
+          <p:spPr>
+            <a:xfrm flipV="1">
+              <a:off x="-3348880" y="-84743"/>
+              <a:ext cx="576064" cy="484666"/>
+            </a:xfrm>
+            <a:prstGeom prst="bentConnector3">
+              <a:avLst/>
+            </a:prstGeom>
+            <a:ln w="19050">
+              <a:solidFill>
+                <a:schemeClr val="tx1"/>
+              </a:solidFill>
+            </a:ln>
+          </p:spPr>
+          <p:style>
+            <a:lnRef idx="1">
+              <a:schemeClr val="accent1"/>
+            </a:lnRef>
+            <a:fillRef idx="0">
+              <a:schemeClr val="accent1"/>
+            </a:fillRef>
+            <a:effectRef idx="0">
+              <a:schemeClr val="accent1"/>
+            </a:effectRef>
+            <a:fontRef idx="minor">
+              <a:schemeClr val="tx1"/>
+            </a:fontRef>
+          </p:style>
+        </p:cxnSp>
+        <p:cxnSp>
+          <p:nvCxnSpPr>
+            <p:cNvPr id="28" name="肘形连接符 27"/>
+            <p:cNvCxnSpPr/>
+            <p:nvPr/>
+          </p:nvCxnSpPr>
+          <p:spPr>
+            <a:xfrm>
+              <a:off x="-2772816" y="-84743"/>
+              <a:ext cx="792088" cy="484666"/>
+            </a:xfrm>
+            <a:prstGeom prst="bentConnector3">
+              <a:avLst>
+                <a:gd name="adj1" fmla="val 39814"/>
+              </a:avLst>
+            </a:prstGeom>
+            <a:ln w="19050">
+              <a:solidFill>
+                <a:schemeClr val="tx1"/>
+              </a:solidFill>
+            </a:ln>
+          </p:spPr>
+          <p:style>
+            <a:lnRef idx="1">
+              <a:schemeClr val="accent1"/>
+            </a:lnRef>
+            <a:fillRef idx="0">
+              <a:schemeClr val="accent1"/>
+            </a:fillRef>
+            <a:effectRef idx="0">
+              <a:schemeClr val="accent1"/>
+            </a:effectRef>
+            <a:fontRef idx="minor">
+              <a:schemeClr val="tx1"/>
+            </a:fontRef>
+          </p:style>
+        </p:cxnSp>
+      </p:grpSp>
+      <p:grpSp>
+        <p:nvGrpSpPr>
+          <p:cNvPr id="29" name="组合 28"/>
+          <p:cNvGrpSpPr/>
+          <p:nvPr/>
+        </p:nvGrpSpPr>
+        <p:grpSpPr>
+          <a:xfrm>
+            <a:off x="662793" y="778396"/>
+            <a:ext cx="881150" cy="404664"/>
+            <a:chOff x="-3348880" y="-84743"/>
+            <a:chExt cx="1368152" cy="484666"/>
+          </a:xfrm>
+        </p:grpSpPr>
+        <p:cxnSp>
+          <p:nvCxnSpPr>
+            <p:cNvPr id="30" name="肘形连接符 29"/>
+            <p:cNvCxnSpPr/>
+            <p:nvPr/>
+          </p:nvCxnSpPr>
+          <p:spPr>
+            <a:xfrm flipV="1">
+              <a:off x="-3348880" y="-84743"/>
+              <a:ext cx="576064" cy="484666"/>
+            </a:xfrm>
+            <a:prstGeom prst="bentConnector3">
+              <a:avLst/>
+            </a:prstGeom>
+            <a:ln w="19050">
+              <a:solidFill>
+                <a:schemeClr val="tx1"/>
+              </a:solidFill>
+            </a:ln>
+          </p:spPr>
+          <p:style>
+            <a:lnRef idx="1">
+              <a:schemeClr val="accent1"/>
+            </a:lnRef>
+            <a:fillRef idx="0">
+              <a:schemeClr val="accent1"/>
+            </a:fillRef>
+            <a:effectRef idx="0">
+              <a:schemeClr val="accent1"/>
+            </a:effectRef>
+            <a:fontRef idx="minor">
+              <a:schemeClr val="tx1"/>
+            </a:fontRef>
+          </p:style>
+        </p:cxnSp>
+        <p:cxnSp>
+          <p:nvCxnSpPr>
+            <p:cNvPr id="31" name="肘形连接符 30"/>
+            <p:cNvCxnSpPr/>
+            <p:nvPr/>
+          </p:nvCxnSpPr>
+          <p:spPr>
+            <a:xfrm>
+              <a:off x="-2772816" y="-84743"/>
+              <a:ext cx="792088" cy="484666"/>
+            </a:xfrm>
+            <a:prstGeom prst="bentConnector3">
+              <a:avLst>
+                <a:gd name="adj1" fmla="val 39814"/>
+              </a:avLst>
+            </a:prstGeom>
+            <a:ln w="19050">
+              <a:solidFill>
+                <a:schemeClr val="tx1"/>
+              </a:solidFill>
+            </a:ln>
+          </p:spPr>
+          <p:style>
+            <a:lnRef idx="1">
+              <a:schemeClr val="accent1"/>
+            </a:lnRef>
+            <a:fillRef idx="0">
+              <a:schemeClr val="accent1"/>
+            </a:fillRef>
+            <a:effectRef idx="0">
+              <a:schemeClr val="accent1"/>
+            </a:effectRef>
+            <a:fontRef idx="minor">
+              <a:schemeClr val="tx1"/>
+            </a:fontRef>
+          </p:style>
+        </p:cxnSp>
+      </p:grpSp>
+      <p:grpSp>
+        <p:nvGrpSpPr>
+          <p:cNvPr id="32" name="组合 31"/>
+          <p:cNvGrpSpPr/>
+          <p:nvPr/>
+        </p:nvGrpSpPr>
+        <p:grpSpPr>
+          <a:xfrm>
+            <a:off x="2725143" y="156277"/>
+            <a:ext cx="881150" cy="404664"/>
+            <a:chOff x="2740660" y="144016"/>
+            <a:chExt cx="881150" cy="404664"/>
+          </a:xfrm>
+        </p:grpSpPr>
+        <p:cxnSp>
+          <p:nvCxnSpPr>
+            <p:cNvPr id="33" name="肘形连接符 32"/>
+            <p:cNvCxnSpPr/>
+            <p:nvPr/>
+          </p:nvCxnSpPr>
+          <p:spPr>
+            <a:xfrm flipV="1">
+              <a:off x="2740660" y="144016"/>
+              <a:ext cx="371011" cy="404664"/>
+            </a:xfrm>
+            <a:prstGeom prst="bentConnector3">
+              <a:avLst>
+                <a:gd name="adj1" fmla="val 93033"/>
+              </a:avLst>
+            </a:prstGeom>
+            <a:ln w="19050">
+              <a:solidFill>
+                <a:schemeClr val="tx1"/>
+              </a:solidFill>
+            </a:ln>
+          </p:spPr>
+          <p:style>
+            <a:lnRef idx="1">
+              <a:schemeClr val="accent1"/>
+            </a:lnRef>
+            <a:fillRef idx="0">
+              <a:schemeClr val="accent1"/>
+            </a:fillRef>
+            <a:effectRef idx="0">
+              <a:schemeClr val="accent1"/>
+            </a:effectRef>
+            <a:fontRef idx="minor">
+              <a:schemeClr val="tx1"/>
+            </a:fontRef>
+          </p:style>
+        </p:cxnSp>
+        <p:cxnSp>
+          <p:nvCxnSpPr>
+            <p:cNvPr id="34" name="肘形连接符 33"/>
+            <p:cNvCxnSpPr/>
+            <p:nvPr/>
+          </p:nvCxnSpPr>
+          <p:spPr>
+            <a:xfrm>
+              <a:off x="3111671" y="144016"/>
+              <a:ext cx="510139" cy="404664"/>
+            </a:xfrm>
+            <a:prstGeom prst="bentConnector3">
+              <a:avLst>
+                <a:gd name="adj1" fmla="val 39814"/>
+              </a:avLst>
+            </a:prstGeom>
+            <a:ln w="19050">
+              <a:solidFill>
+                <a:schemeClr val="tx1"/>
+              </a:solidFill>
+            </a:ln>
+          </p:spPr>
+          <p:style>
+            <a:lnRef idx="1">
+              <a:schemeClr val="accent1"/>
+            </a:lnRef>
+            <a:fillRef idx="0">
+              <a:schemeClr val="accent1"/>
+            </a:fillRef>
+            <a:effectRef idx="0">
+              <a:schemeClr val="accent1"/>
+            </a:effectRef>
+            <a:fontRef idx="minor">
+              <a:schemeClr val="tx1"/>
+            </a:fontRef>
+          </p:style>
+        </p:cxnSp>
+      </p:grpSp>
+      <p:grpSp>
+        <p:nvGrpSpPr>
+          <p:cNvPr id="35" name="组合 34"/>
+          <p:cNvGrpSpPr/>
+          <p:nvPr/>
+        </p:nvGrpSpPr>
+        <p:grpSpPr>
+          <a:xfrm>
+            <a:off x="2725143" y="745168"/>
+            <a:ext cx="881150" cy="404664"/>
+            <a:chOff x="2740660" y="144016"/>
+            <a:chExt cx="881150" cy="404664"/>
+          </a:xfrm>
+        </p:grpSpPr>
+        <p:cxnSp>
+          <p:nvCxnSpPr>
+            <p:cNvPr id="36" name="肘形连接符 35"/>
+            <p:cNvCxnSpPr/>
+            <p:nvPr/>
+          </p:nvCxnSpPr>
+          <p:spPr>
+            <a:xfrm flipV="1">
+              <a:off x="2740660" y="144016"/>
+              <a:ext cx="371011" cy="404664"/>
+            </a:xfrm>
+            <a:prstGeom prst="bentConnector3">
+              <a:avLst>
+                <a:gd name="adj1" fmla="val 93033"/>
+              </a:avLst>
+            </a:prstGeom>
+            <a:ln w="19050">
+              <a:solidFill>
+                <a:schemeClr val="tx1"/>
+              </a:solidFill>
+            </a:ln>
+          </p:spPr>
+          <p:style>
+            <a:lnRef idx="1">
+              <a:schemeClr val="accent1"/>
+            </a:lnRef>
+            <a:fillRef idx="0">
+              <a:schemeClr val="accent1"/>
+            </a:fillRef>
+            <a:effectRef idx="0">
+              <a:schemeClr val="accent1"/>
+            </a:effectRef>
+            <a:fontRef idx="minor">
+              <a:schemeClr val="tx1"/>
+            </a:fontRef>
+          </p:style>
+        </p:cxnSp>
+        <p:cxnSp>
+          <p:nvCxnSpPr>
+            <p:cNvPr id="37" name="肘形连接符 36"/>
+            <p:cNvCxnSpPr/>
+            <p:nvPr/>
+          </p:nvCxnSpPr>
+          <p:spPr>
+            <a:xfrm>
+              <a:off x="3111671" y="144016"/>
+              <a:ext cx="510139" cy="404664"/>
+            </a:xfrm>
+            <a:prstGeom prst="bentConnector3">
+              <a:avLst>
+                <a:gd name="adj1" fmla="val 39814"/>
+              </a:avLst>
+            </a:prstGeom>
+            <a:ln w="19050">
+              <a:solidFill>
+                <a:schemeClr val="tx1"/>
+              </a:solidFill>
+            </a:ln>
+          </p:spPr>
+          <p:style>
+            <a:lnRef idx="1">
+              <a:schemeClr val="accent1"/>
+            </a:lnRef>
+            <a:fillRef idx="0">
+              <a:schemeClr val="accent1"/>
+            </a:fillRef>
+            <a:effectRef idx="0">
+              <a:schemeClr val="accent1"/>
+            </a:effectRef>
+            <a:fontRef idx="minor">
+              <a:schemeClr val="tx1"/>
+            </a:fontRef>
+          </p:style>
+        </p:cxnSp>
+      </p:grpSp>
+      <p:cxnSp>
+        <p:nvCxnSpPr>
+          <p:cNvPr id="38" name="肘形连接符 37"/>
+          <p:cNvCxnSpPr>
+            <a:endCxn id="48" idx="1"/>
+          </p:cNvCxnSpPr>
+          <p:nvPr/>
+        </p:nvCxnSpPr>
+        <p:spPr>
+          <a:xfrm>
+            <a:off x="8090251" y="2419080"/>
+            <a:ext cx="1103379" cy="810510"/>
+          </a:xfrm>
+          <a:prstGeom prst="bentConnector3">
+            <a:avLst>
+              <a:gd name="adj1" fmla="val 50000"/>
+            </a:avLst>
+          </a:prstGeom>
+          <a:ln w="28575">
+            <a:solidFill>
+              <a:schemeClr val="tx1"/>
+            </a:solidFill>
+            <a:tailEnd type="arrow"/>
+          </a:ln>
+        </p:spPr>
+        <p:style>
+          <a:lnRef idx="1">
+            <a:schemeClr val="accent1"/>
+          </a:lnRef>
+          <a:fillRef idx="0">
+            <a:schemeClr val="accent1"/>
+          </a:fillRef>
+          <a:effectRef idx="0">
+            <a:schemeClr val="accent1"/>
+          </a:effectRef>
+          <a:fontRef idx="minor">
+            <a:schemeClr val="tx1"/>
+          </a:fontRef>
+        </p:style>
+      </p:cxnSp>
+      <p:cxnSp>
+        <p:nvCxnSpPr>
+          <p:cNvPr id="39" name="肘形连接符 38"/>
+          <p:cNvCxnSpPr>
+            <a:endCxn id="47" idx="1"/>
+          </p:cNvCxnSpPr>
+          <p:nvPr/>
+        </p:nvCxnSpPr>
+        <p:spPr>
+          <a:xfrm flipV="1">
+            <a:off x="8113510" y="1540178"/>
+            <a:ext cx="1080120" cy="876126"/>
+          </a:xfrm>
+          <a:prstGeom prst="bentConnector3">
+            <a:avLst>
+              <a:gd name="adj1" fmla="val 48657"/>
+            </a:avLst>
+          </a:prstGeom>
+          <a:ln w="28575">
+            <a:solidFill>
+              <a:schemeClr val="tx1"/>
+            </a:solidFill>
+            <a:tailEnd type="arrow"/>
+          </a:ln>
+        </p:spPr>
+        <p:style>
+          <a:lnRef idx="1">
+            <a:schemeClr val="accent1"/>
+          </a:lnRef>
+          <a:fillRef idx="0">
+            <a:schemeClr val="accent1"/>
+          </a:fillRef>
+          <a:effectRef idx="0">
+            <a:schemeClr val="accent1"/>
+          </a:effectRef>
+          <a:fontRef idx="minor">
+            <a:schemeClr val="tx1"/>
+          </a:fontRef>
+        </p:style>
+      </p:cxnSp>
+      <p:sp>
+        <p:nvSpPr>
+          <p:cNvPr id="40" name="矩形 39"/>
+          <p:cNvSpPr/>
+          <p:nvPr/>
+        </p:nvSpPr>
+        <p:spPr>
+          <a:xfrm>
+            <a:off x="3707904" y="2670140"/>
+            <a:ext cx="1872208" cy="1118900"/>
+          </a:xfrm>
+          <a:prstGeom prst="rect">
+            <a:avLst/>
+          </a:prstGeom>
+          <a:noFill/>
+          <a:ln>
+            <a:solidFill>
+              <a:schemeClr val="tx1"/>
+            </a:solidFill>
+          </a:ln>
+        </p:spPr>
+        <p:style>
+          <a:lnRef idx="2">
+            <a:schemeClr val="accent1">
+              <a:shade val="50000"/>
+            </a:schemeClr>
+          </a:lnRef>
+          <a:fillRef idx="1">
+            <a:schemeClr val="accent1"/>
+          </a:fillRef>
+          <a:effectRef idx="0">
+            <a:schemeClr val="accent1"/>
+          </a:effectRef>
+          <a:fontRef idx="minor">
+            <a:schemeClr val="lt1"/>
+          </a:fontRef>
+        </p:style>
+        <p:txBody>
+          <a:bodyPr rtlCol="0" anchor="ctr"/>
+          <a:lstStyle/>
+          <a:p>
+            <a:pPr algn="ctr"/>
+            <a:r>
+              <a:rPr lang="en-US" altLang="zh-CN" dirty="0" smtClean="0">
+                <a:solidFill>
+                  <a:schemeClr val="tx1"/>
+                </a:solidFill>
+              </a:rPr>
+              <a:t>DCM</a:t>
+            </a:r>
+            <a:endParaRPr lang="zh-CN" altLang="en-US" dirty="0">
+              <a:solidFill>
+                <a:schemeClr val="tx1"/>
+              </a:solidFill>
+            </a:endParaRPr>
+          </a:p>
+        </p:txBody>
+      </p:sp>
+      <p:sp>
+        <p:nvSpPr>
+          <p:cNvPr id="41" name="右箭头 40"/>
+          <p:cNvSpPr/>
+          <p:nvPr/>
+        </p:nvSpPr>
+        <p:spPr>
+          <a:xfrm>
+            <a:off x="5580112" y="1233897"/>
+            <a:ext cx="624814" cy="576064"/>
+          </a:xfrm>
+          <a:prstGeom prst="rightArrow">
+            <a:avLst>
+              <a:gd name="adj1" fmla="val 50000"/>
+              <a:gd name="adj2" fmla="val 37402"/>
+            </a:avLst>
+          </a:prstGeom>
+          <a:noFill/>
+          <a:ln>
+            <a:solidFill>
+              <a:schemeClr val="tx1"/>
+            </a:solidFill>
+          </a:ln>
+        </p:spPr>
+        <p:style>
+          <a:lnRef idx="2">
+            <a:schemeClr val="accent1">
+              <a:shade val="50000"/>
+            </a:schemeClr>
+          </a:lnRef>
+          <a:fillRef idx="1">
+            <a:schemeClr val="accent1"/>
+          </a:fillRef>
+          <a:effectRef idx="0">
+            <a:schemeClr val="accent1"/>
+          </a:effectRef>
+          <a:fontRef idx="minor">
+            <a:schemeClr val="lt1"/>
+          </a:fontRef>
+        </p:style>
+        <p:txBody>
+          <a:bodyPr rtlCol="0" anchor="ctr"/>
+          <a:lstStyle/>
+          <a:p>
+            <a:pPr algn="ctr"/>
+            <a:endParaRPr lang="zh-CN" altLang="en-US"/>
+          </a:p>
+        </p:txBody>
+      </p:sp>
+      <p:sp>
+        <p:nvSpPr>
+          <p:cNvPr id="42" name="矩形 41"/>
+          <p:cNvSpPr/>
+          <p:nvPr/>
+        </p:nvSpPr>
+        <p:spPr>
+          <a:xfrm>
+            <a:off x="-620452" y="5190420"/>
+            <a:ext cx="11686290" cy="1118900"/>
+          </a:xfrm>
+          <a:prstGeom prst="rect">
+            <a:avLst/>
+          </a:prstGeom>
+          <a:noFill/>
+          <a:ln>
+            <a:solidFill>
+              <a:schemeClr val="tx1"/>
+            </a:solidFill>
+          </a:ln>
+        </p:spPr>
+        <p:style>
+          <a:lnRef idx="2">
+            <a:schemeClr val="accent1">
+              <a:shade val="50000"/>
+            </a:schemeClr>
+          </a:lnRef>
+          <a:fillRef idx="1">
+            <a:schemeClr val="accent1"/>
+          </a:fillRef>
+          <a:effectRef idx="0">
+            <a:schemeClr val="accent1"/>
+          </a:effectRef>
+          <a:fontRef idx="minor">
+            <a:schemeClr val="lt1"/>
+          </a:fontRef>
+        </p:style>
+        <p:txBody>
+          <a:bodyPr rtlCol="0" anchor="ctr"/>
+          <a:lstStyle/>
+          <a:p>
+            <a:pPr algn="ctr"/>
+            <a:r>
+              <a:rPr lang="en-US" altLang="zh-CN" dirty="0" smtClean="0">
+                <a:solidFill>
+                  <a:schemeClr val="tx1"/>
+                </a:solidFill>
+              </a:rPr>
+              <a:t>WISHBONE BUS</a:t>
+            </a:r>
+            <a:endParaRPr lang="zh-CN" altLang="en-US" dirty="0">
+              <a:solidFill>
+                <a:schemeClr val="tx1"/>
+              </a:solidFill>
+            </a:endParaRPr>
+          </a:p>
+        </p:txBody>
+      </p:sp>
+      <p:cxnSp>
+        <p:nvCxnSpPr>
+          <p:cNvPr id="43" name="直接箭头连接符 42"/>
+          <p:cNvCxnSpPr>
+            <a:stCxn id="40" idx="0"/>
+            <a:endCxn id="19" idx="2"/>
+          </p:cNvCxnSpPr>
+          <p:nvPr/>
+        </p:nvCxnSpPr>
+        <p:spPr>
+          <a:xfrm flipV="1">
+            <a:off x="4644008" y="2099628"/>
+            <a:ext cx="0" cy="570512"/>
+          </a:xfrm>
+          <a:prstGeom prst="straightConnector1">
+            <a:avLst/>
+          </a:prstGeom>
+          <a:ln w="28575">
+            <a:solidFill>
+              <a:schemeClr val="tx1"/>
+            </a:solidFill>
+            <a:tailEnd type="arrow"/>
+          </a:ln>
+        </p:spPr>
+        <p:style>
+          <a:lnRef idx="1">
+            <a:schemeClr val="accent1"/>
+          </a:lnRef>
+          <a:fillRef idx="0">
+            <a:schemeClr val="accent1"/>
+          </a:fillRef>
+          <a:effectRef idx="0">
+            <a:schemeClr val="accent1"/>
+          </a:effectRef>
+          <a:fontRef idx="minor">
+            <a:schemeClr val="tx1"/>
+          </a:fontRef>
+        </p:style>
+      </p:cxnSp>
+      <p:cxnSp>
+        <p:nvCxnSpPr>
+          <p:cNvPr id="44" name="肘形连接符 43"/>
+          <p:cNvCxnSpPr/>
+          <p:nvPr/>
+        </p:nvCxnSpPr>
+        <p:spPr>
+          <a:xfrm flipV="1">
+            <a:off x="-2556792" y="3246802"/>
+            <a:ext cx="6272572" cy="1207522"/>
+          </a:xfrm>
+          <a:prstGeom prst="bentConnector3">
+            <a:avLst>
+              <a:gd name="adj1" fmla="val 92114"/>
+            </a:avLst>
+          </a:prstGeom>
+          <a:ln w="28575">
+            <a:solidFill>
+              <a:schemeClr val="tx1"/>
+            </a:solidFill>
+            <a:tailEnd type="arrow"/>
+          </a:ln>
+        </p:spPr>
+        <p:style>
+          <a:lnRef idx="1">
+            <a:schemeClr val="accent1"/>
+          </a:lnRef>
+          <a:fillRef idx="0">
+            <a:schemeClr val="accent1"/>
+          </a:fillRef>
+          <a:effectRef idx="0">
+            <a:schemeClr val="accent1"/>
+          </a:effectRef>
+          <a:fontRef idx="minor">
+            <a:schemeClr val="tx1"/>
+          </a:fontRef>
+        </p:style>
+      </p:cxnSp>
+      <p:sp>
+        <p:nvSpPr>
+          <p:cNvPr id="45" name="TextBox 101"/>
+          <p:cNvSpPr txBox="1"/>
+          <p:nvPr/>
+        </p:nvSpPr>
+        <p:spPr>
+          <a:xfrm>
+            <a:off x="-662345" y="4067780"/>
+            <a:ext cx="3021286" cy="369332"/>
+          </a:xfrm>
+          <a:prstGeom prst="rect">
+            <a:avLst/>
+          </a:prstGeom>
+          <a:noFill/>
+        </p:spPr>
+        <p:txBody>
+          <a:bodyPr wrap="square" rtlCol="0">
+            <a:spAutoFit/>
+          </a:bodyPr>
+          <a:lstStyle/>
+          <a:p>
+            <a:pPr algn="ctr"/>
+            <a:r>
+              <a:rPr lang="en-US" altLang="zh-CN" dirty="0" smtClean="0"/>
+              <a:t>SYNCHRONOUS CLK</a:t>
+            </a:r>
+            <a:endParaRPr lang="zh-CN" altLang="en-US" dirty="0"/>
+          </a:p>
+        </p:txBody>
+      </p:sp>
+      <p:sp>
+        <p:nvSpPr>
+          <p:cNvPr id="46" name="TextBox 102"/>
+          <p:cNvSpPr txBox="1"/>
+          <p:nvPr/>
+        </p:nvSpPr>
+        <p:spPr>
+          <a:xfrm>
+            <a:off x="4283968" y="2200218"/>
+            <a:ext cx="2160652" cy="369332"/>
+          </a:xfrm>
+          <a:prstGeom prst="rect">
+            <a:avLst/>
+          </a:prstGeom>
+          <a:noFill/>
+        </p:spPr>
+        <p:txBody>
+          <a:bodyPr wrap="square" rtlCol="0">
+            <a:spAutoFit/>
+          </a:bodyPr>
+          <a:lstStyle/>
+          <a:p>
+            <a:pPr algn="ctr"/>
+            <a:r>
+              <a:rPr lang="en-US" altLang="zh-CN" dirty="0" smtClean="0"/>
+              <a:t>SHIFTED CLK</a:t>
+            </a:r>
+            <a:endParaRPr lang="zh-CN" altLang="en-US" dirty="0"/>
+          </a:p>
+        </p:txBody>
+      </p:sp>
+      <p:sp>
+        <p:nvSpPr>
+          <p:cNvPr id="47" name="矩形 46"/>
+          <p:cNvSpPr/>
+          <p:nvPr/>
+        </p:nvSpPr>
+        <p:spPr>
+          <a:xfrm>
+            <a:off x="9193630" y="980728"/>
+            <a:ext cx="1872208" cy="1118900"/>
+          </a:xfrm>
+          <a:prstGeom prst="rect">
+            <a:avLst/>
+          </a:prstGeom>
+          <a:noFill/>
+          <a:ln>
+            <a:solidFill>
+              <a:schemeClr val="tx1"/>
+            </a:solidFill>
+          </a:ln>
+        </p:spPr>
+        <p:style>
+          <a:lnRef idx="2">
+            <a:schemeClr val="accent1">
+              <a:shade val="50000"/>
+            </a:schemeClr>
+          </a:lnRef>
+          <a:fillRef idx="1">
+            <a:schemeClr val="accent1"/>
+          </a:fillRef>
+          <a:effectRef idx="0">
+            <a:schemeClr val="accent1"/>
+          </a:effectRef>
+          <a:fontRef idx="minor">
+            <a:schemeClr val="lt1"/>
+          </a:fontRef>
+        </p:style>
+        <p:txBody>
+          <a:bodyPr rtlCol="0" anchor="ctr"/>
+          <a:lstStyle/>
+          <a:p>
+            <a:pPr algn="ctr"/>
+            <a:r>
+              <a:rPr lang="en-US" altLang="zh-CN" dirty="0" smtClean="0">
+                <a:solidFill>
+                  <a:schemeClr val="tx1"/>
+                </a:solidFill>
+              </a:rPr>
+              <a:t>DDR FIFO</a:t>
+            </a:r>
+            <a:endParaRPr lang="zh-CN" altLang="en-US" dirty="0">
+              <a:solidFill>
+                <a:schemeClr val="tx1"/>
+              </a:solidFill>
+            </a:endParaRPr>
+          </a:p>
+        </p:txBody>
+      </p:sp>
+      <p:sp>
+        <p:nvSpPr>
+          <p:cNvPr id="48" name="矩形 47"/>
+          <p:cNvSpPr/>
+          <p:nvPr/>
+        </p:nvSpPr>
+        <p:spPr>
+          <a:xfrm>
+            <a:off x="9193630" y="2670140"/>
+            <a:ext cx="1872208" cy="1118900"/>
+          </a:xfrm>
+          <a:prstGeom prst="rect">
+            <a:avLst/>
+          </a:prstGeom>
+          <a:noFill/>
+          <a:ln>
+            <a:solidFill>
+              <a:schemeClr val="tx1"/>
+            </a:solidFill>
+          </a:ln>
+        </p:spPr>
+        <p:style>
+          <a:lnRef idx="2">
+            <a:schemeClr val="accent1">
+              <a:shade val="50000"/>
+            </a:schemeClr>
+          </a:lnRef>
+          <a:fillRef idx="1">
+            <a:schemeClr val="accent1"/>
+          </a:fillRef>
+          <a:effectRef idx="0">
+            <a:schemeClr val="accent1"/>
+          </a:effectRef>
+          <a:fontRef idx="minor">
+            <a:schemeClr val="lt1"/>
+          </a:fontRef>
+        </p:style>
+        <p:txBody>
+          <a:bodyPr rtlCol="0" anchor="ctr"/>
+          <a:lstStyle/>
+          <a:p>
+            <a:pPr algn="ctr"/>
+            <a:r>
+              <a:rPr lang="en-US" altLang="zh-CN" dirty="0" smtClean="0">
+                <a:solidFill>
+                  <a:schemeClr val="tx1"/>
+                </a:solidFill>
+              </a:rPr>
+              <a:t>BRAM FIFO</a:t>
+            </a:r>
+            <a:endParaRPr lang="zh-CN" altLang="en-US" dirty="0">
+              <a:solidFill>
+                <a:schemeClr val="tx1"/>
+              </a:solidFill>
+            </a:endParaRPr>
+          </a:p>
+        </p:txBody>
+      </p:sp>
+      <p:sp>
+        <p:nvSpPr>
+          <p:cNvPr id="49" name="右箭头 48"/>
+          <p:cNvSpPr/>
+          <p:nvPr/>
+        </p:nvSpPr>
+        <p:spPr>
+          <a:xfrm rot="16200000">
+            <a:off x="-689556" y="4393359"/>
+            <a:ext cx="1378097" cy="216028"/>
+          </a:xfrm>
+          <a:prstGeom prst="rightArrow">
+            <a:avLst>
+              <a:gd name="adj1" fmla="val 50000"/>
+              <a:gd name="adj2" fmla="val 60078"/>
+            </a:avLst>
+          </a:prstGeom>
+          <a:solidFill>
+            <a:schemeClr val="tx1"/>
+          </a:solidFill>
+          <a:ln>
+            <a:solidFill>
+              <a:schemeClr val="tx1"/>
+            </a:solidFill>
+          </a:ln>
+        </p:spPr>
+        <p:style>
+          <a:lnRef idx="2">
+            <a:schemeClr val="accent1">
+              <a:shade val="50000"/>
+            </a:schemeClr>
+          </a:lnRef>
+          <a:fillRef idx="1">
+            <a:schemeClr val="accent1"/>
+          </a:fillRef>
+          <a:effectRef idx="0">
+            <a:schemeClr val="accent1"/>
+          </a:effectRef>
+          <a:fontRef idx="minor">
+            <a:schemeClr val="lt1"/>
+          </a:fontRef>
+        </p:style>
+        <p:txBody>
+          <a:bodyPr rtlCol="0" anchor="ctr"/>
+          <a:lstStyle/>
+          <a:p>
+            <a:pPr algn="ctr"/>
+            <a:endParaRPr lang="zh-CN" altLang="en-US"/>
+          </a:p>
+        </p:txBody>
+      </p:sp>
+      <p:sp>
+        <p:nvSpPr>
+          <p:cNvPr id="50" name="右箭头 49"/>
+          <p:cNvSpPr/>
+          <p:nvPr/>
+        </p:nvSpPr>
+        <p:spPr>
+          <a:xfrm rot="16200000">
+            <a:off x="3983624" y="4330354"/>
+            <a:ext cx="1378097" cy="342039"/>
+          </a:xfrm>
+          <a:prstGeom prst="rightArrow">
+            <a:avLst>
+              <a:gd name="adj1" fmla="val 50000"/>
+              <a:gd name="adj2" fmla="val 60078"/>
+            </a:avLst>
+          </a:prstGeom>
+          <a:solidFill>
+            <a:schemeClr val="tx1"/>
+          </a:solidFill>
+          <a:ln>
+            <a:solidFill>
+              <a:schemeClr val="tx1"/>
+            </a:solidFill>
+          </a:ln>
+        </p:spPr>
+        <p:style>
+          <a:lnRef idx="2">
+            <a:schemeClr val="accent1">
+              <a:shade val="50000"/>
+            </a:schemeClr>
+          </a:lnRef>
+          <a:fillRef idx="1">
+            <a:schemeClr val="accent1"/>
+          </a:fillRef>
+          <a:effectRef idx="0">
+            <a:schemeClr val="accent1"/>
+          </a:effectRef>
+          <a:fontRef idx="minor">
+            <a:schemeClr val="lt1"/>
+          </a:fontRef>
+        </p:style>
+        <p:txBody>
+          <a:bodyPr rtlCol="0" anchor="ctr"/>
+          <a:lstStyle/>
+          <a:p>
+            <a:pPr algn="ctr"/>
+            <a:endParaRPr lang="zh-CN" altLang="en-US"/>
+          </a:p>
+        </p:txBody>
+      </p:sp>
+      <p:sp>
+        <p:nvSpPr>
+          <p:cNvPr id="51" name="矩形 50"/>
+          <p:cNvSpPr/>
+          <p:nvPr/>
+        </p:nvSpPr>
+        <p:spPr>
+          <a:xfrm>
+            <a:off x="9202708" y="4161646"/>
+            <a:ext cx="1872208" cy="585356"/>
+          </a:xfrm>
+          <a:prstGeom prst="rect">
+            <a:avLst/>
+          </a:prstGeom>
+          <a:noFill/>
+          <a:ln>
+            <a:solidFill>
+              <a:schemeClr val="tx1"/>
+            </a:solidFill>
+          </a:ln>
+        </p:spPr>
+        <p:style>
+          <a:lnRef idx="2">
+            <a:schemeClr val="accent1">
+              <a:shade val="50000"/>
+            </a:schemeClr>
+          </a:lnRef>
+          <a:fillRef idx="1">
+            <a:schemeClr val="accent1"/>
+          </a:fillRef>
+          <a:effectRef idx="0">
+            <a:schemeClr val="accent1"/>
+          </a:effectRef>
+          <a:fontRef idx="minor">
+            <a:schemeClr val="lt1"/>
+          </a:fontRef>
+        </p:style>
+        <p:txBody>
+          <a:bodyPr rtlCol="0" anchor="ctr"/>
+          <a:lstStyle/>
+          <a:p>
+            <a:pPr algn="ctr"/>
+            <a:r>
+              <a:rPr lang="en-US" altLang="zh-CN" dirty="0" smtClean="0">
+                <a:solidFill>
+                  <a:schemeClr val="tx1"/>
+                </a:solidFill>
+              </a:rPr>
+              <a:t>BLOCK RAM</a:t>
+            </a:r>
+            <a:endParaRPr lang="zh-CN" altLang="en-US" dirty="0">
+              <a:solidFill>
+                <a:schemeClr val="tx1"/>
+              </a:solidFill>
+            </a:endParaRPr>
+          </a:p>
+        </p:txBody>
+      </p:sp>
+      <p:sp>
+        <p:nvSpPr>
+          <p:cNvPr id="52" name="上下箭头 51"/>
+          <p:cNvSpPr/>
+          <p:nvPr/>
+        </p:nvSpPr>
+        <p:spPr>
+          <a:xfrm>
+            <a:off x="10068824" y="4747002"/>
+            <a:ext cx="121820" cy="443418"/>
+          </a:xfrm>
+          <a:prstGeom prst="upDownArrow">
+            <a:avLst/>
+          </a:prstGeom>
+          <a:noFill/>
+          <a:ln>
+            <a:solidFill>
+              <a:schemeClr val="tx1"/>
+            </a:solidFill>
+          </a:ln>
+        </p:spPr>
+        <p:style>
+          <a:lnRef idx="2">
+            <a:schemeClr val="accent1">
+              <a:shade val="50000"/>
+            </a:schemeClr>
+          </a:lnRef>
+          <a:fillRef idx="1">
+            <a:schemeClr val="accent1"/>
+          </a:fillRef>
+          <a:effectRef idx="0">
+            <a:schemeClr val="accent1"/>
+          </a:effectRef>
+          <a:fontRef idx="minor">
+            <a:schemeClr val="lt1"/>
+          </a:fontRef>
+        </p:style>
+        <p:txBody>
+          <a:bodyPr rtlCol="0" anchor="ctr"/>
+          <a:lstStyle/>
+          <a:p>
+            <a:pPr algn="ctr"/>
+            <a:endParaRPr lang="zh-CN" altLang="en-US"/>
+          </a:p>
+        </p:txBody>
+      </p:sp>
+      <p:sp>
+        <p:nvSpPr>
+          <p:cNvPr id="53" name="矩形 52"/>
+          <p:cNvSpPr/>
+          <p:nvPr/>
+        </p:nvSpPr>
+        <p:spPr>
+          <a:xfrm>
+            <a:off x="12204848" y="947500"/>
+            <a:ext cx="1872208" cy="5361820"/>
+          </a:xfrm>
+          <a:prstGeom prst="rect">
+            <a:avLst/>
+          </a:prstGeom>
+          <a:noFill/>
+          <a:ln>
+            <a:solidFill>
+              <a:schemeClr val="tx1"/>
+            </a:solidFill>
+          </a:ln>
+        </p:spPr>
+        <p:style>
+          <a:lnRef idx="2">
+            <a:schemeClr val="accent1">
+              <a:shade val="50000"/>
+            </a:schemeClr>
+          </a:lnRef>
+          <a:fillRef idx="1">
+            <a:schemeClr val="accent1"/>
+          </a:fillRef>
+          <a:effectRef idx="0">
+            <a:schemeClr val="accent1"/>
+          </a:effectRef>
+          <a:fontRef idx="minor">
+            <a:schemeClr val="lt1"/>
+          </a:fontRef>
+        </p:style>
+        <p:txBody>
+          <a:bodyPr rtlCol="0" anchor="ctr"/>
+          <a:lstStyle/>
+          <a:p>
+            <a:pPr algn="ctr"/>
+            <a:r>
+              <a:rPr lang="en-US" altLang="zh-CN" dirty="0" smtClean="0">
+                <a:solidFill>
+                  <a:schemeClr val="tx1"/>
+                </a:solidFill>
+              </a:rPr>
+              <a:t>LPDDR</a:t>
+            </a:r>
+            <a:endParaRPr lang="zh-CN" altLang="en-US" dirty="0">
+              <a:solidFill>
+                <a:schemeClr val="tx1"/>
+              </a:solidFill>
+            </a:endParaRPr>
+          </a:p>
+        </p:txBody>
+      </p:sp>
+      <p:sp>
+        <p:nvSpPr>
+          <p:cNvPr id="54" name="右箭头 53"/>
+          <p:cNvSpPr/>
+          <p:nvPr/>
+        </p:nvSpPr>
+        <p:spPr>
+          <a:xfrm>
+            <a:off x="11075978" y="1273406"/>
+            <a:ext cx="1128870" cy="576064"/>
+          </a:xfrm>
+          <a:prstGeom prst="rightArrow">
+            <a:avLst>
+              <a:gd name="adj1" fmla="val 50000"/>
+              <a:gd name="adj2" fmla="val 37402"/>
+            </a:avLst>
+          </a:prstGeom>
+          <a:noFill/>
+          <a:ln>
+            <a:solidFill>
+              <a:schemeClr val="tx1"/>
+            </a:solidFill>
+          </a:ln>
+        </p:spPr>
+        <p:style>
+          <a:lnRef idx="2">
+            <a:schemeClr val="accent1">
+              <a:shade val="50000"/>
+            </a:schemeClr>
+          </a:lnRef>
+          <a:fillRef idx="1">
+            <a:schemeClr val="accent1"/>
+          </a:fillRef>
+          <a:effectRef idx="0">
+            <a:schemeClr val="accent1"/>
+          </a:effectRef>
+          <a:fontRef idx="minor">
+            <a:schemeClr val="lt1"/>
+          </a:fontRef>
+        </p:style>
+        <p:txBody>
+          <a:bodyPr rtlCol="0" anchor="ctr"/>
+          <a:lstStyle/>
+          <a:p>
+            <a:pPr algn="ctr"/>
+            <a:endParaRPr lang="zh-CN" altLang="en-US"/>
+          </a:p>
+        </p:txBody>
+      </p:sp>
+      <p:sp>
+        <p:nvSpPr>
+          <p:cNvPr id="55" name="上下箭头 54"/>
+          <p:cNvSpPr/>
+          <p:nvPr/>
+        </p:nvSpPr>
+        <p:spPr>
+          <a:xfrm rot="16200000">
+            <a:off x="11480279" y="5206967"/>
+            <a:ext cx="282619" cy="1085805"/>
+          </a:xfrm>
+          <a:prstGeom prst="upDownArrow">
+            <a:avLst/>
+          </a:prstGeom>
+          <a:noFill/>
+          <a:ln>
+            <a:solidFill>
+              <a:schemeClr val="tx1"/>
+            </a:solidFill>
+          </a:ln>
+        </p:spPr>
+        <p:style>
+          <a:lnRef idx="2">
+            <a:schemeClr val="accent1">
+              <a:shade val="50000"/>
+            </a:schemeClr>
+          </a:lnRef>
+          <a:fillRef idx="1">
+            <a:schemeClr val="accent1"/>
+          </a:fillRef>
+          <a:effectRef idx="0">
+            <a:schemeClr val="accent1"/>
+          </a:effectRef>
+          <a:fontRef idx="minor">
+            <a:schemeClr val="lt1"/>
+          </a:fontRef>
+        </p:style>
+        <p:txBody>
+          <a:bodyPr rtlCol="0" anchor="ctr"/>
+          <a:lstStyle/>
+          <a:p>
+            <a:pPr algn="ctr"/>
+            <a:endParaRPr lang="zh-CN" altLang="en-US"/>
+          </a:p>
+        </p:txBody>
+      </p:sp>
+      <p:sp>
+        <p:nvSpPr>
+          <p:cNvPr id="56" name="右箭头 55"/>
+          <p:cNvSpPr/>
+          <p:nvPr/>
+        </p:nvSpPr>
+        <p:spPr>
+          <a:xfrm rot="5400000">
+            <a:off x="9964150" y="3842969"/>
+            <a:ext cx="349321" cy="288033"/>
+          </a:xfrm>
+          <a:prstGeom prst="rightArrow">
+            <a:avLst>
+              <a:gd name="adj1" fmla="val 50000"/>
+              <a:gd name="adj2" fmla="val 37402"/>
+            </a:avLst>
+          </a:prstGeom>
+          <a:noFill/>
+          <a:ln>
+            <a:solidFill>
+              <a:schemeClr val="tx1"/>
+            </a:solidFill>
+          </a:ln>
+        </p:spPr>
+        <p:style>
+          <a:lnRef idx="2">
+            <a:schemeClr val="accent1">
+              <a:shade val="50000"/>
+            </a:schemeClr>
+          </a:lnRef>
+          <a:fillRef idx="1">
+            <a:schemeClr val="accent1"/>
+          </a:fillRef>
+          <a:effectRef idx="0">
+            <a:schemeClr val="accent1"/>
+          </a:effectRef>
+          <a:fontRef idx="minor">
+            <a:schemeClr val="lt1"/>
+          </a:fontRef>
+        </p:style>
+        <p:txBody>
+          <a:bodyPr rtlCol="0" anchor="ctr"/>
+          <a:lstStyle/>
+          <a:p>
+            <a:pPr algn="ctr"/>
+            <a:endParaRPr lang="zh-CN" altLang="en-US"/>
+          </a:p>
+        </p:txBody>
+      </p:sp>
+      <p:sp>
+        <p:nvSpPr>
+          <p:cNvPr id="57" name="TextBox 120"/>
+          <p:cNvSpPr txBox="1"/>
+          <p:nvPr/>
+        </p:nvSpPr>
+        <p:spPr>
+          <a:xfrm>
+            <a:off x="9642062" y="71951"/>
+            <a:ext cx="993500" cy="461665"/>
+          </a:xfrm>
+          <a:prstGeom prst="rect">
+            <a:avLst/>
+          </a:prstGeom>
+          <a:noFill/>
+        </p:spPr>
+        <p:txBody>
+          <a:bodyPr wrap="square" rtlCol="0">
+            <a:spAutoFit/>
+          </a:bodyPr>
+          <a:lstStyle/>
+          <a:p>
+            <a:pPr algn="ctr"/>
+            <a:r>
+              <a:rPr lang="en-US" altLang="zh-CN" sz="2400" dirty="0" smtClean="0"/>
+              <a:t>FPGA</a:t>
+            </a:r>
+            <a:endParaRPr lang="zh-CN" altLang="en-US" sz="2400" dirty="0"/>
+          </a:p>
+        </p:txBody>
+      </p:sp>
+      <p:sp>
+        <p:nvSpPr>
+          <p:cNvPr id="58" name="上下箭头 57"/>
+          <p:cNvSpPr/>
+          <p:nvPr/>
+        </p:nvSpPr>
+        <p:spPr>
+          <a:xfrm rot="16200000">
+            <a:off x="-1761340" y="4805231"/>
+            <a:ext cx="282619" cy="1889275"/>
+          </a:xfrm>
+          <a:prstGeom prst="upDownArrow">
+            <a:avLst/>
+          </a:prstGeom>
+          <a:noFill/>
+          <a:ln>
+            <a:solidFill>
+              <a:schemeClr val="tx1"/>
+            </a:solidFill>
+          </a:ln>
+        </p:spPr>
+        <p:style>
+          <a:lnRef idx="2">
+            <a:schemeClr val="accent1">
+              <a:shade val="50000"/>
+            </a:schemeClr>
+          </a:lnRef>
+          <a:fillRef idx="1">
+            <a:schemeClr val="accent1"/>
+          </a:fillRef>
+          <a:effectRef idx="0">
+            <a:schemeClr val="accent1"/>
+          </a:effectRef>
+          <a:fontRef idx="minor">
+            <a:schemeClr val="lt1"/>
+          </a:fontRef>
+        </p:style>
+        <p:txBody>
+          <a:bodyPr rtlCol="0" anchor="ctr"/>
+          <a:lstStyle/>
+          <a:p>
+            <a:pPr algn="ctr"/>
+            <a:endParaRPr lang="zh-CN" altLang="en-US"/>
+          </a:p>
+        </p:txBody>
+      </p:sp>
+      <p:sp>
+        <p:nvSpPr>
+          <p:cNvPr id="59" name="TextBox 123"/>
+          <p:cNvSpPr txBox="1"/>
+          <p:nvPr/>
+        </p:nvSpPr>
+        <p:spPr>
+          <a:xfrm>
+            <a:off x="-2116781" y="5239227"/>
+            <a:ext cx="993500" cy="369332"/>
+          </a:xfrm>
+          <a:prstGeom prst="rect">
+            <a:avLst/>
+          </a:prstGeom>
+          <a:noFill/>
+        </p:spPr>
+        <p:txBody>
+          <a:bodyPr wrap="square" rtlCol="0">
+            <a:spAutoFit/>
+          </a:bodyPr>
+          <a:lstStyle/>
+          <a:p>
+            <a:pPr algn="ctr"/>
+            <a:r>
+              <a:rPr lang="en-US" altLang="zh-CN" dirty="0" smtClean="0"/>
+              <a:t>USB</a:t>
+            </a:r>
+            <a:endParaRPr lang="zh-CN" altLang="en-US" dirty="0"/>
+          </a:p>
+        </p:txBody>
+      </p:sp>
+      <p:sp>
+        <p:nvSpPr>
+          <p:cNvPr id="63" name="椭圆 62"/>
+          <p:cNvSpPr/>
+          <p:nvPr/>
+        </p:nvSpPr>
+        <p:spPr>
+          <a:xfrm>
+            <a:off x="-2763094" y="4346312"/>
+            <a:ext cx="216024" cy="216024"/>
+          </a:xfrm>
+          <a:prstGeom prst="ellipse">
+            <a:avLst/>
+          </a:prstGeom>
+          <a:noFill/>
+          <a:ln>
+            <a:solidFill>
+              <a:schemeClr val="tx1"/>
+            </a:solidFill>
+          </a:ln>
+        </p:spPr>
+        <p:style>
+          <a:lnRef idx="2">
+            <a:schemeClr val="accent1">
+              <a:shade val="50000"/>
+            </a:schemeClr>
+          </a:lnRef>
+          <a:fillRef idx="1">
+            <a:schemeClr val="accent1"/>
+          </a:fillRef>
+          <a:effectRef idx="0">
+            <a:schemeClr val="accent1"/>
+          </a:effectRef>
+          <a:fontRef idx="minor">
+            <a:schemeClr val="lt1"/>
+          </a:fontRef>
+        </p:style>
+        <p:txBody>
+          <a:bodyPr rtlCol="0" anchor="ctr"/>
+          <a:lstStyle/>
+          <a:p>
+            <a:pPr algn="ctr"/>
+            <a:endParaRPr lang="en-US"/>
+          </a:p>
+        </p:txBody>
+      </p:sp>
+      <p:sp>
+        <p:nvSpPr>
+          <p:cNvPr id="65" name="矩形 64"/>
+          <p:cNvSpPr/>
+          <p:nvPr/>
+        </p:nvSpPr>
+        <p:spPr>
+          <a:xfrm>
+            <a:off x="-4156323" y="5216489"/>
+            <a:ext cx="1583955" cy="1066758"/>
+          </a:xfrm>
+          <a:prstGeom prst="rect">
+            <a:avLst/>
+          </a:prstGeom>
+          <a:noFill/>
+          <a:ln>
+            <a:solidFill>
+              <a:schemeClr val="tx1"/>
+            </a:solidFill>
+          </a:ln>
+        </p:spPr>
+        <p:style>
+          <a:lnRef idx="2">
+            <a:schemeClr val="accent1">
+              <a:shade val="50000"/>
+            </a:schemeClr>
+          </a:lnRef>
+          <a:fillRef idx="1">
+            <a:schemeClr val="accent1"/>
+          </a:fillRef>
+          <a:effectRef idx="0">
+            <a:schemeClr val="accent1"/>
+          </a:effectRef>
+          <a:fontRef idx="minor">
+            <a:schemeClr val="lt1"/>
+          </a:fontRef>
+        </p:style>
+        <p:txBody>
+          <a:bodyPr rtlCol="0" anchor="ctr"/>
+          <a:lstStyle/>
+          <a:p>
+            <a:pPr algn="ctr"/>
+            <a:r>
+              <a:rPr lang="en-US" altLang="zh-CN" dirty="0" smtClean="0">
+                <a:solidFill>
+                  <a:schemeClr val="tx1"/>
+                </a:solidFill>
+              </a:rPr>
+              <a:t>USB chip</a:t>
+            </a:r>
+            <a:endParaRPr lang="zh-CN" altLang="en-US" dirty="0">
+              <a:solidFill>
+                <a:schemeClr val="tx1"/>
+              </a:solidFill>
+            </a:endParaRPr>
+          </a:p>
+        </p:txBody>
+      </p:sp>
+      <p:sp>
+        <p:nvSpPr>
+          <p:cNvPr id="66" name="上下箭头 65"/>
+          <p:cNvSpPr/>
+          <p:nvPr/>
+        </p:nvSpPr>
+        <p:spPr>
+          <a:xfrm rot="16200000">
+            <a:off x="-4836124" y="5254419"/>
+            <a:ext cx="284738" cy="993019"/>
+          </a:xfrm>
+          <a:prstGeom prst="upDownArrow">
+            <a:avLst/>
+          </a:prstGeom>
+          <a:noFill/>
+          <a:ln>
+            <a:solidFill>
+              <a:schemeClr val="tx1"/>
+            </a:solidFill>
+          </a:ln>
+        </p:spPr>
+        <p:style>
+          <a:lnRef idx="2">
+            <a:schemeClr val="accent1">
+              <a:shade val="50000"/>
+            </a:schemeClr>
+          </a:lnRef>
+          <a:fillRef idx="1">
+            <a:schemeClr val="accent1"/>
+          </a:fillRef>
+          <a:effectRef idx="0">
+            <a:schemeClr val="accent1"/>
+          </a:effectRef>
+          <a:fontRef idx="minor">
+            <a:schemeClr val="lt1"/>
+          </a:fontRef>
+        </p:style>
+        <p:txBody>
+          <a:bodyPr rtlCol="0" anchor="ctr"/>
+          <a:lstStyle/>
+          <a:p>
+            <a:pPr algn="ctr"/>
+            <a:endParaRPr lang="zh-CN" altLang="en-US"/>
+          </a:p>
+        </p:txBody>
+      </p:sp>
+      <p:sp>
+        <p:nvSpPr>
+          <p:cNvPr id="67" name="TextBox 123"/>
+          <p:cNvSpPr txBox="1"/>
+          <p:nvPr/>
+        </p:nvSpPr>
+        <p:spPr>
+          <a:xfrm>
+            <a:off x="-5190745" y="5251382"/>
+            <a:ext cx="993500" cy="369332"/>
+          </a:xfrm>
+          <a:prstGeom prst="rect">
+            <a:avLst/>
+          </a:prstGeom>
+          <a:noFill/>
+        </p:spPr>
+        <p:txBody>
+          <a:bodyPr wrap="square" rtlCol="0">
+            <a:spAutoFit/>
+          </a:bodyPr>
+          <a:lstStyle/>
+          <a:p>
+            <a:pPr algn="ctr"/>
+            <a:r>
+              <a:rPr lang="en-US" altLang="zh-CN" dirty="0" smtClean="0"/>
+              <a:t>USB</a:t>
+            </a:r>
+            <a:endParaRPr lang="zh-CN" altLang="en-US" dirty="0"/>
+          </a:p>
+        </p:txBody>
+      </p:sp>
+      <p:sp>
+        <p:nvSpPr>
+          <p:cNvPr id="68" name="矩形 67"/>
+          <p:cNvSpPr/>
+          <p:nvPr/>
+        </p:nvSpPr>
+        <p:spPr>
+          <a:xfrm>
+            <a:off x="-6600723" y="5251382"/>
+            <a:ext cx="1375853" cy="1066758"/>
+          </a:xfrm>
+          <a:prstGeom prst="rect">
+            <a:avLst/>
+          </a:prstGeom>
+          <a:noFill/>
+          <a:ln>
+            <a:solidFill>
+              <a:schemeClr val="tx1"/>
+            </a:solidFill>
+          </a:ln>
+        </p:spPr>
+        <p:style>
+          <a:lnRef idx="2">
+            <a:schemeClr val="accent1">
+              <a:shade val="50000"/>
+            </a:schemeClr>
+          </a:lnRef>
+          <a:fillRef idx="1">
+            <a:schemeClr val="accent1"/>
+          </a:fillRef>
+          <a:effectRef idx="0">
+            <a:schemeClr val="accent1"/>
+          </a:effectRef>
+          <a:fontRef idx="minor">
+            <a:schemeClr val="lt1"/>
+          </a:fontRef>
+        </p:style>
+        <p:txBody>
+          <a:bodyPr rtlCol="0" anchor="ctr"/>
+          <a:lstStyle/>
+          <a:p>
+            <a:pPr algn="ctr"/>
+            <a:r>
+              <a:rPr lang="en-US" altLang="zh-CN" dirty="0" smtClean="0">
+                <a:solidFill>
+                  <a:schemeClr val="tx1"/>
+                </a:solidFill>
+              </a:rPr>
+              <a:t>PC</a:t>
+            </a:r>
+            <a:endParaRPr lang="zh-CN" altLang="en-US" dirty="0">
+              <a:solidFill>
+                <a:schemeClr val="tx1"/>
+              </a:solidFill>
+            </a:endParaRPr>
+          </a:p>
+        </p:txBody>
+      </p:sp>
+      <p:grpSp>
+        <p:nvGrpSpPr>
+          <p:cNvPr id="69" name="组合 68"/>
+          <p:cNvGrpSpPr/>
+          <p:nvPr/>
+        </p:nvGrpSpPr>
+        <p:grpSpPr>
+          <a:xfrm>
+            <a:off x="-3185164" y="1207880"/>
+            <a:ext cx="700380" cy="360040"/>
+            <a:chOff x="-6229200" y="-1971600"/>
+            <a:chExt cx="4202280" cy="2160240"/>
+          </a:xfrm>
+        </p:grpSpPr>
+        <p:sp>
+          <p:nvSpPr>
+            <p:cNvPr id="70" name="弧形 69"/>
+            <p:cNvSpPr/>
+            <p:nvPr/>
+          </p:nvSpPr>
+          <p:spPr>
+            <a:xfrm flipV="1">
+              <a:off x="-6229200" y="-1971600"/>
+              <a:ext cx="2238794" cy="2160240"/>
+            </a:xfrm>
+            <a:prstGeom prst="arc">
+              <a:avLst>
+                <a:gd name="adj1" fmla="val 16200000"/>
+                <a:gd name="adj2" fmla="val 5519353"/>
+              </a:avLst>
+            </a:prstGeom>
+            <a:ln w="19050">
+              <a:solidFill>
+                <a:schemeClr val="tx1"/>
+              </a:solidFill>
+            </a:ln>
+          </p:spPr>
+          <p:style>
+            <a:lnRef idx="1">
+              <a:schemeClr val="accent1"/>
+            </a:lnRef>
+            <a:fillRef idx="0">
+              <a:schemeClr val="accent1"/>
+            </a:fillRef>
+            <a:effectRef idx="0">
+              <a:schemeClr val="accent1"/>
+            </a:effectRef>
+            <a:fontRef idx="minor">
+              <a:schemeClr val="tx1"/>
+            </a:fontRef>
+          </p:style>
+          <p:txBody>
+            <a:bodyPr rtlCol="0" anchor="ctr"/>
+            <a:lstStyle/>
+            <a:p>
+              <a:pPr algn="ctr"/>
+              <a:endParaRPr lang="en-US"/>
             </a:p>
           </p:txBody>
         </p:sp>
         <p:sp>
           <p:nvSpPr>
-            <p:cNvPr id="11" name="椭圆 10"/>
+            <p:cNvPr id="71" name="任意多边形 70"/>
             <p:cNvSpPr/>
             <p:nvPr/>
           </p:nvSpPr>
           <p:spPr>
             <a:xfrm>
-              <a:off x="-1614142" y="2780928"/>
-              <a:ext cx="65462" cy="72008"/>
+              <a:off x="-3992880" y="-1568504"/>
+              <a:ext cx="1965960" cy="1167581"/>
             </a:xfrm>
-            <a:prstGeom prst="ellipse">
+            <a:custGeom>
               <a:avLst/>
-            </a:prstGeom>
-            <a:solidFill>
-              <a:schemeClr val="tx1"/>
-            </a:solidFill>
-            <a:ln>
+              <a:gdLst>
+                <a:gd name="connsiteX0" fmla="*/ 0 w 1965960"/>
+                <a:gd name="connsiteY0" fmla="*/ 623624 h 1167581"/>
+                <a:gd name="connsiteX1" fmla="*/ 609600 w 1965960"/>
+                <a:gd name="connsiteY1" fmla="*/ 14024 h 1167581"/>
+                <a:gd name="connsiteX2" fmla="*/ 975360 w 1965960"/>
+                <a:gd name="connsiteY2" fmla="*/ 1157024 h 1167581"/>
+                <a:gd name="connsiteX3" fmla="*/ 1463040 w 1965960"/>
+                <a:gd name="connsiteY3" fmla="*/ 577904 h 1167581"/>
+                <a:gd name="connsiteX4" fmla="*/ 1965960 w 1965960"/>
+                <a:gd name="connsiteY4" fmla="*/ 486464 h 1167581"/>
+                <a:gd name="connsiteX5" fmla="*/ 1965960 w 1965960"/>
+                <a:gd name="connsiteY5" fmla="*/ 486464 h 1167581"/>
+              </a:gdLst>
+              <a:ahLst/>
+              <a:cxnLst>
+                <a:cxn ang="0">
+                  <a:pos x="connsiteX0" y="connsiteY0"/>
+                </a:cxn>
+                <a:cxn ang="0">
+                  <a:pos x="connsiteX1" y="connsiteY1"/>
+                </a:cxn>
+                <a:cxn ang="0">
+                  <a:pos x="connsiteX2" y="connsiteY2"/>
+                </a:cxn>
+                <a:cxn ang="0">
+                  <a:pos x="connsiteX3" y="connsiteY3"/>
+                </a:cxn>
+                <a:cxn ang="0">
+                  <a:pos x="connsiteX4" y="connsiteY4"/>
+                </a:cxn>
+                <a:cxn ang="0">
+                  <a:pos x="connsiteX5" y="connsiteY5"/>
+                </a:cxn>
+              </a:cxnLst>
+              <a:rect l="l" t="t" r="r" b="b"/>
+              <a:pathLst>
+                <a:path w="1965960" h="1167581">
+                  <a:moveTo>
+                    <a:pt x="0" y="623624"/>
+                  </a:moveTo>
+                  <a:cubicBezTo>
+                    <a:pt x="223520" y="274374"/>
+                    <a:pt x="447040" y="-74876"/>
+                    <a:pt x="609600" y="14024"/>
+                  </a:cubicBezTo>
+                  <a:cubicBezTo>
+                    <a:pt x="772160" y="102924"/>
+                    <a:pt x="833120" y="1063044"/>
+                    <a:pt x="975360" y="1157024"/>
+                  </a:cubicBezTo>
+                  <a:cubicBezTo>
+                    <a:pt x="1117600" y="1251004"/>
+                    <a:pt x="1297940" y="689664"/>
+                    <a:pt x="1463040" y="577904"/>
+                  </a:cubicBezTo>
+                  <a:cubicBezTo>
+                    <a:pt x="1628140" y="466144"/>
+                    <a:pt x="1965960" y="486464"/>
+                    <a:pt x="1965960" y="486464"/>
+                  </a:cubicBezTo>
+                  <a:lnTo>
+                    <a:pt x="1965960" y="486464"/>
+                  </a:lnTo>
+                </a:path>
+              </a:pathLst>
+            </a:custGeom>
+            <a:noFill/>
+            <a:ln w="19050">
               <a:solidFill>
                 <a:schemeClr val="tx1"/>
               </a:solidFill>
@@ -3390,29 +7349,46 @@
             <a:lstStyle/>
             <a:p>
               <a:pPr algn="ctr"/>
-              <a:endParaRPr lang="zh-CN" altLang="en-US"/>
+              <a:endParaRPr lang="en-US"/>
             </a:p>
           </p:txBody>
         </p:sp>
-        <p:cxnSp>
-          <p:nvCxnSpPr>
-            <p:cNvPr id="13" name="直接箭头连接符 12"/>
-            <p:cNvCxnSpPr/>
+      </p:grpSp>
+      <p:grpSp>
+        <p:nvGrpSpPr>
+          <p:cNvPr id="72" name="组合 71"/>
+          <p:cNvGrpSpPr/>
+          <p:nvPr/>
+        </p:nvGrpSpPr>
+        <p:grpSpPr>
+          <a:xfrm>
+            <a:off x="-3197079" y="1654326"/>
+            <a:ext cx="700380" cy="360040"/>
+            <a:chOff x="-6229200" y="-1971600"/>
+            <a:chExt cx="4202280" cy="2160240"/>
+          </a:xfrm>
+        </p:grpSpPr>
+        <p:sp>
+          <p:nvSpPr>
+            <p:cNvPr id="73" name="弧形 72"/>
+            <p:cNvSpPr/>
             <p:nvPr/>
-          </p:nvCxnSpPr>
+          </p:nvSpPr>
           <p:spPr>
-            <a:xfrm>
-              <a:off x="-2564668" y="3465004"/>
-              <a:ext cx="1944216" cy="0"/>
+            <a:xfrm flipV="1">
+              <a:off x="-6229200" y="-1971600"/>
+              <a:ext cx="2238794" cy="2160240"/>
             </a:xfrm>
-            <a:prstGeom prst="straightConnector1">
-              <a:avLst/>
+            <a:prstGeom prst="arc">
+              <a:avLst>
+                <a:gd name="adj1" fmla="val 16200000"/>
+                <a:gd name="adj2" fmla="val 5519353"/>
+              </a:avLst>
             </a:prstGeom>
-            <a:ln w="28575">
+            <a:ln w="19050">
               <a:solidFill>
                 <a:schemeClr val="tx1"/>
               </a:solidFill>
-              <a:tailEnd type="arrow"/>
             </a:ln>
           </p:spPr>
           <p:style>
@@ -3429,85 +7405,97 @@
               <a:schemeClr val="tx1"/>
             </a:fontRef>
           </p:style>
-        </p:cxnSp>
-        <p:sp>
-          <p:nvSpPr>
-            <p:cNvPr id="14" name="TextBox 13"/>
-            <p:cNvSpPr txBox="1"/>
-            <p:nvPr/>
-          </p:nvSpPr>
-          <p:spPr>
-            <a:xfrm>
-              <a:off x="-2078161" y="947500"/>
-              <a:ext cx="993500" cy="369332"/>
-            </a:xfrm>
-            <a:prstGeom prst="rect">
-              <a:avLst/>
-            </a:prstGeom>
-            <a:noFill/>
-          </p:spPr>
           <p:txBody>
-            <a:bodyPr wrap="square" rtlCol="0">
-              <a:spAutoFit/>
-            </a:bodyPr>
+            <a:bodyPr rtlCol="0" anchor="ctr"/>
             <a:lstStyle/>
             <a:p>
               <a:pPr algn="ctr"/>
-              <a:r>
-                <a:rPr lang="en-US" altLang="zh-CN" dirty="0" smtClean="0"/>
-                <a:t>CH1</a:t>
-              </a:r>
-              <a:endParaRPr lang="zh-CN" altLang="en-US" dirty="0"/>
+              <a:endParaRPr lang="en-US"/>
             </a:p>
           </p:txBody>
         </p:sp>
         <p:sp>
           <p:nvSpPr>
-            <p:cNvPr id="15" name="TextBox 14"/>
-            <p:cNvSpPr txBox="1"/>
-            <p:nvPr/>
-          </p:nvSpPr>
-          <p:spPr>
-            <a:xfrm>
-              <a:off x="-2089310" y="3062136"/>
-              <a:ext cx="993500" cy="369332"/>
-            </a:xfrm>
-            <a:prstGeom prst="rect">
-              <a:avLst/>
-            </a:prstGeom>
-            <a:noFill/>
-          </p:spPr>
-          <p:txBody>
-            <a:bodyPr wrap="square" rtlCol="0">
-              <a:spAutoFit/>
-            </a:bodyPr>
-            <a:lstStyle/>
-            <a:p>
-              <a:pPr algn="ctr"/>
-              <a:r>
-                <a:rPr lang="en-US" altLang="zh-CN" dirty="0" smtClean="0"/>
-                <a:t>CH32</a:t>
-              </a:r>
-              <a:endParaRPr lang="zh-CN" altLang="en-US" dirty="0"/>
-            </a:p>
-          </p:txBody>
-        </p:sp>
-        <p:sp>
-          <p:nvSpPr>
-            <p:cNvPr id="18" name="矩形 17"/>
+            <p:cNvPr id="74" name="任意多边形 73"/>
             <p:cNvSpPr/>
             <p:nvPr/>
           </p:nvSpPr>
           <p:spPr>
             <a:xfrm>
-              <a:off x="1518882" y="980728"/>
-              <a:ext cx="1224136" cy="2808312"/>
+              <a:off x="-3992880" y="-1568504"/>
+              <a:ext cx="1965960" cy="1167581"/>
             </a:xfrm>
-            <a:prstGeom prst="rect">
+            <a:custGeom>
               <a:avLst/>
-            </a:prstGeom>
+              <a:gdLst>
+                <a:gd name="connsiteX0" fmla="*/ 0 w 1965960"/>
+                <a:gd name="connsiteY0" fmla="*/ 623624 h 1167581"/>
+                <a:gd name="connsiteX1" fmla="*/ 609600 w 1965960"/>
+                <a:gd name="connsiteY1" fmla="*/ 14024 h 1167581"/>
+                <a:gd name="connsiteX2" fmla="*/ 975360 w 1965960"/>
+                <a:gd name="connsiteY2" fmla="*/ 1157024 h 1167581"/>
+                <a:gd name="connsiteX3" fmla="*/ 1463040 w 1965960"/>
+                <a:gd name="connsiteY3" fmla="*/ 577904 h 1167581"/>
+                <a:gd name="connsiteX4" fmla="*/ 1965960 w 1965960"/>
+                <a:gd name="connsiteY4" fmla="*/ 486464 h 1167581"/>
+                <a:gd name="connsiteX5" fmla="*/ 1965960 w 1965960"/>
+                <a:gd name="connsiteY5" fmla="*/ 486464 h 1167581"/>
+              </a:gdLst>
+              <a:ahLst/>
+              <a:cxnLst>
+                <a:cxn ang="0">
+                  <a:pos x="connsiteX0" y="connsiteY0"/>
+                </a:cxn>
+                <a:cxn ang="0">
+                  <a:pos x="connsiteX1" y="connsiteY1"/>
+                </a:cxn>
+                <a:cxn ang="0">
+                  <a:pos x="connsiteX2" y="connsiteY2"/>
+                </a:cxn>
+                <a:cxn ang="0">
+                  <a:pos x="connsiteX3" y="connsiteY3"/>
+                </a:cxn>
+                <a:cxn ang="0">
+                  <a:pos x="connsiteX4" y="connsiteY4"/>
+                </a:cxn>
+                <a:cxn ang="0">
+                  <a:pos x="connsiteX5" y="connsiteY5"/>
+                </a:cxn>
+              </a:cxnLst>
+              <a:rect l="l" t="t" r="r" b="b"/>
+              <a:pathLst>
+                <a:path w="1965960" h="1167581">
+                  <a:moveTo>
+                    <a:pt x="0" y="623624"/>
+                  </a:moveTo>
+                  <a:cubicBezTo>
+                    <a:pt x="223520" y="274374"/>
+                    <a:pt x="447040" y="-74876"/>
+                    <a:pt x="609600" y="14024"/>
+                  </a:cubicBezTo>
+                  <a:cubicBezTo>
+                    <a:pt x="772160" y="102924"/>
+                    <a:pt x="833120" y="1063044"/>
+                    <a:pt x="975360" y="1157024"/>
+                  </a:cubicBezTo>
+                  <a:cubicBezTo>
+                    <a:pt x="1117600" y="1251004"/>
+                    <a:pt x="1297940" y="689664"/>
+                    <a:pt x="1463040" y="577904"/>
+                  </a:cubicBezTo>
+                  <a:cubicBezTo>
+                    <a:pt x="1628140" y="466144"/>
+                    <a:pt x="1965960" y="486464"/>
+                    <a:pt x="1965960" y="486464"/>
+                  </a:cubicBezTo>
+                  <a:lnTo>
+                    <a:pt x="1965960" y="486464"/>
+                  </a:lnTo>
+                </a:path>
+              </a:pathLst>
+            </a:custGeom>
             <a:noFill/>
-            <a:ln>
+            <a:ln w="19050">
               <a:solidFill>
                 <a:schemeClr val="tx1"/>
               </a:solidFill>
@@ -3534,41 +7522,46 @@
             <a:lstStyle/>
             <a:p>
               <a:pPr algn="ctr"/>
-              <a:r>
-                <a:rPr lang="en-US" altLang="zh-CN" dirty="0" smtClean="0">
-                  <a:solidFill>
-                    <a:schemeClr val="tx1"/>
-                  </a:solidFill>
-                </a:rPr>
-                <a:t>PULSE SHAPING</a:t>
-              </a:r>
-              <a:endParaRPr lang="zh-CN" altLang="en-US" dirty="0">
-                <a:solidFill>
-                  <a:schemeClr val="tx1"/>
-                </a:solidFill>
-              </a:endParaRPr>
+              <a:endParaRPr lang="en-US"/>
             </a:p>
           </p:txBody>
         </p:sp>
-        <p:cxnSp>
-          <p:nvCxnSpPr>
-            <p:cNvPr id="35" name="直接箭头连接符 34"/>
-            <p:cNvCxnSpPr/>
+      </p:grpSp>
+      <p:grpSp>
+        <p:nvGrpSpPr>
+          <p:cNvPr id="75" name="组合 74"/>
+          <p:cNvGrpSpPr/>
+          <p:nvPr/>
+        </p:nvGrpSpPr>
+        <p:grpSpPr>
+          <a:xfrm>
+            <a:off x="-3197901" y="3293337"/>
+            <a:ext cx="700380" cy="360040"/>
+            <a:chOff x="-6229200" y="-1971600"/>
+            <a:chExt cx="4202280" cy="2160240"/>
+          </a:xfrm>
+        </p:grpSpPr>
+        <p:sp>
+          <p:nvSpPr>
+            <p:cNvPr id="76" name="弧形 75"/>
+            <p:cNvSpPr/>
             <p:nvPr/>
-          </p:nvCxnSpPr>
+          </p:nvSpPr>
           <p:spPr>
-            <a:xfrm>
-              <a:off x="-2556792" y="1806044"/>
-              <a:ext cx="1944216" cy="0"/>
+            <a:xfrm flipV="1">
+              <a:off x="-6229200" y="-1971600"/>
+              <a:ext cx="2238794" cy="2160240"/>
             </a:xfrm>
-            <a:prstGeom prst="straightConnector1">
-              <a:avLst/>
+            <a:prstGeom prst="arc">
+              <a:avLst>
+                <a:gd name="adj1" fmla="val 16200000"/>
+                <a:gd name="adj2" fmla="val 5519353"/>
+              </a:avLst>
             </a:prstGeom>
-            <a:ln w="28575">
+            <a:ln w="19050">
               <a:solidFill>
                 <a:schemeClr val="tx1"/>
               </a:solidFill>
-              <a:tailEnd type="arrow"/>
             </a:ln>
           </p:spPr>
           <p:style>
@@ -3585,54 +7578,97 @@
               <a:schemeClr val="tx1"/>
             </a:fontRef>
           </p:style>
-        </p:cxnSp>
-        <p:sp>
-          <p:nvSpPr>
-            <p:cNvPr id="36" name="TextBox 35"/>
-            <p:cNvSpPr txBox="1"/>
-            <p:nvPr/>
-          </p:nvSpPr>
-          <p:spPr>
-            <a:xfrm>
-              <a:off x="-2078161" y="1376772"/>
-              <a:ext cx="993500" cy="369332"/>
-            </a:xfrm>
-            <a:prstGeom prst="rect">
-              <a:avLst/>
-            </a:prstGeom>
-            <a:noFill/>
-          </p:spPr>
           <p:txBody>
-            <a:bodyPr wrap="square" rtlCol="0">
-              <a:spAutoFit/>
-            </a:bodyPr>
+            <a:bodyPr rtlCol="0" anchor="ctr"/>
             <a:lstStyle/>
             <a:p>
               <a:pPr algn="ctr"/>
-              <a:r>
-                <a:rPr lang="en-US" altLang="zh-CN" dirty="0" smtClean="0"/>
-                <a:t>CH2</a:t>
-              </a:r>
-              <a:endParaRPr lang="zh-CN" altLang="en-US" dirty="0"/>
+              <a:endParaRPr lang="en-US"/>
             </a:p>
           </p:txBody>
         </p:sp>
         <p:sp>
           <p:nvSpPr>
-            <p:cNvPr id="37" name="右箭头 36"/>
+            <p:cNvPr id="77" name="任意多边形 76"/>
             <p:cNvSpPr/>
             <p:nvPr/>
           </p:nvSpPr>
           <p:spPr>
             <a:xfrm>
-              <a:off x="603267" y="2132856"/>
-              <a:ext cx="907322" cy="576064"/>
+              <a:off x="-3992880" y="-1568504"/>
+              <a:ext cx="1965960" cy="1167581"/>
             </a:xfrm>
-            <a:prstGeom prst="rightArrow">
+            <a:custGeom>
               <a:avLst/>
-            </a:prstGeom>
+              <a:gdLst>
+                <a:gd name="connsiteX0" fmla="*/ 0 w 1965960"/>
+                <a:gd name="connsiteY0" fmla="*/ 623624 h 1167581"/>
+                <a:gd name="connsiteX1" fmla="*/ 609600 w 1965960"/>
+                <a:gd name="connsiteY1" fmla="*/ 14024 h 1167581"/>
+                <a:gd name="connsiteX2" fmla="*/ 975360 w 1965960"/>
+                <a:gd name="connsiteY2" fmla="*/ 1157024 h 1167581"/>
+                <a:gd name="connsiteX3" fmla="*/ 1463040 w 1965960"/>
+                <a:gd name="connsiteY3" fmla="*/ 577904 h 1167581"/>
+                <a:gd name="connsiteX4" fmla="*/ 1965960 w 1965960"/>
+                <a:gd name="connsiteY4" fmla="*/ 486464 h 1167581"/>
+                <a:gd name="connsiteX5" fmla="*/ 1965960 w 1965960"/>
+                <a:gd name="connsiteY5" fmla="*/ 486464 h 1167581"/>
+              </a:gdLst>
+              <a:ahLst/>
+              <a:cxnLst>
+                <a:cxn ang="0">
+                  <a:pos x="connsiteX0" y="connsiteY0"/>
+                </a:cxn>
+                <a:cxn ang="0">
+                  <a:pos x="connsiteX1" y="connsiteY1"/>
+                </a:cxn>
+                <a:cxn ang="0">
+                  <a:pos x="connsiteX2" y="connsiteY2"/>
+                </a:cxn>
+                <a:cxn ang="0">
+                  <a:pos x="connsiteX3" y="connsiteY3"/>
+                </a:cxn>
+                <a:cxn ang="0">
+                  <a:pos x="connsiteX4" y="connsiteY4"/>
+                </a:cxn>
+                <a:cxn ang="0">
+                  <a:pos x="connsiteX5" y="connsiteY5"/>
+                </a:cxn>
+              </a:cxnLst>
+              <a:rect l="l" t="t" r="r" b="b"/>
+              <a:pathLst>
+                <a:path w="1965960" h="1167581">
+                  <a:moveTo>
+                    <a:pt x="0" y="623624"/>
+                  </a:moveTo>
+                  <a:cubicBezTo>
+                    <a:pt x="223520" y="274374"/>
+                    <a:pt x="447040" y="-74876"/>
+                    <a:pt x="609600" y="14024"/>
+                  </a:cubicBezTo>
+                  <a:cubicBezTo>
+                    <a:pt x="772160" y="102924"/>
+                    <a:pt x="833120" y="1063044"/>
+                    <a:pt x="975360" y="1157024"/>
+                  </a:cubicBezTo>
+                  <a:cubicBezTo>
+                    <a:pt x="1117600" y="1251004"/>
+                    <a:pt x="1297940" y="689664"/>
+                    <a:pt x="1463040" y="577904"/>
+                  </a:cubicBezTo>
+                  <a:cubicBezTo>
+                    <a:pt x="1628140" y="466144"/>
+                    <a:pt x="1965960" y="486464"/>
+                    <a:pt x="1965960" y="486464"/>
+                  </a:cubicBezTo>
+                  <a:lnTo>
+                    <a:pt x="1965960" y="486464"/>
+                  </a:lnTo>
+                </a:path>
+              </a:pathLst>
+            </a:custGeom>
             <a:noFill/>
-            <a:ln>
+            <a:ln w="19050">
               <a:solidFill>
                 <a:schemeClr val="tx1"/>
               </a:solidFill>
@@ -3659,1779 +7695,270 @@
             <a:lstStyle/>
             <a:p>
               <a:pPr algn="ctr"/>
-              <a:endParaRPr lang="zh-CN" altLang="en-US"/>
-            </a:p>
-          </p:txBody>
-        </p:sp>
-        <p:sp>
-          <p:nvSpPr>
-            <p:cNvPr id="38" name="矩形 37"/>
-            <p:cNvSpPr/>
-            <p:nvPr/>
-          </p:nvSpPr>
-          <p:spPr>
-            <a:xfrm>
-              <a:off x="6204925" y="1001988"/>
-              <a:ext cx="1872208" cy="2787052"/>
-            </a:xfrm>
-            <a:prstGeom prst="rect">
-              <a:avLst/>
-            </a:prstGeom>
-            <a:noFill/>
-            <a:ln>
-              <a:solidFill>
-                <a:schemeClr val="tx1"/>
-              </a:solidFill>
-            </a:ln>
-          </p:spPr>
-          <p:style>
-            <a:lnRef idx="2">
-              <a:schemeClr val="accent1">
-                <a:shade val="50000"/>
-              </a:schemeClr>
-            </a:lnRef>
-            <a:fillRef idx="1">
-              <a:schemeClr val="accent1"/>
-            </a:fillRef>
-            <a:effectRef idx="0">
-              <a:schemeClr val="accent1"/>
-            </a:effectRef>
-            <a:fontRef idx="minor">
-              <a:schemeClr val="lt1"/>
-            </a:fontRef>
-          </p:style>
-          <p:txBody>
-            <a:bodyPr rtlCol="0" anchor="ctr"/>
-            <a:lstStyle/>
-            <a:p>
-              <a:pPr algn="ctr"/>
-              <a:r>
-                <a:rPr lang="en-US" altLang="zh-CN" dirty="0" smtClean="0">
-                  <a:solidFill>
-                    <a:schemeClr val="tx1"/>
-                  </a:solidFill>
-                </a:rPr>
-                <a:t>COINCIDENCE LOGIC</a:t>
-              </a:r>
-              <a:endParaRPr lang="zh-CN" altLang="en-US" dirty="0">
-                <a:solidFill>
-                  <a:schemeClr val="tx1"/>
-                </a:solidFill>
-              </a:endParaRPr>
-            </a:p>
-          </p:txBody>
-        </p:sp>
-        <p:sp>
-          <p:nvSpPr>
-            <p:cNvPr id="39" name="右箭头 38"/>
-            <p:cNvSpPr/>
-            <p:nvPr/>
-          </p:nvSpPr>
-          <p:spPr>
-            <a:xfrm>
-              <a:off x="2766011" y="1252146"/>
-              <a:ext cx="941893" cy="576064"/>
-            </a:xfrm>
-            <a:prstGeom prst="rightArrow">
-              <a:avLst/>
-            </a:prstGeom>
-            <a:noFill/>
-            <a:ln>
-              <a:solidFill>
-                <a:schemeClr val="tx1"/>
-              </a:solidFill>
-            </a:ln>
-          </p:spPr>
-          <p:style>
-            <a:lnRef idx="2">
-              <a:schemeClr val="accent1">
-                <a:shade val="50000"/>
-              </a:schemeClr>
-            </a:lnRef>
-            <a:fillRef idx="1">
-              <a:schemeClr val="accent1"/>
-            </a:fillRef>
-            <a:effectRef idx="0">
-              <a:schemeClr val="accent1"/>
-            </a:effectRef>
-            <a:fontRef idx="minor">
-              <a:schemeClr val="lt1"/>
-            </a:fontRef>
-          </p:style>
-          <p:txBody>
-            <a:bodyPr rtlCol="0" anchor="ctr"/>
-            <a:lstStyle/>
-            <a:p>
-              <a:pPr algn="ctr"/>
-              <a:endParaRPr lang="zh-CN" altLang="en-US"/>
-            </a:p>
-          </p:txBody>
-        </p:sp>
-        <p:sp>
-          <p:nvSpPr>
-            <p:cNvPr id="40" name="矩形 39"/>
-            <p:cNvSpPr/>
-            <p:nvPr/>
-          </p:nvSpPr>
-          <p:spPr>
-            <a:xfrm>
-              <a:off x="3707904" y="980728"/>
-              <a:ext cx="1872208" cy="1118900"/>
-            </a:xfrm>
-            <a:prstGeom prst="rect">
-              <a:avLst/>
-            </a:prstGeom>
-            <a:noFill/>
-            <a:ln>
-              <a:solidFill>
-                <a:schemeClr val="tx1"/>
-              </a:solidFill>
-            </a:ln>
-          </p:spPr>
-          <p:style>
-            <a:lnRef idx="2">
-              <a:schemeClr val="accent1">
-                <a:shade val="50000"/>
-              </a:schemeClr>
-            </a:lnRef>
-            <a:fillRef idx="1">
-              <a:schemeClr val="accent1"/>
-            </a:fillRef>
-            <a:effectRef idx="0">
-              <a:schemeClr val="accent1"/>
-            </a:effectRef>
-            <a:fontRef idx="minor">
-              <a:schemeClr val="lt1"/>
-            </a:fontRef>
-          </p:style>
-          <p:txBody>
-            <a:bodyPr rtlCol="0" anchor="ctr"/>
-            <a:lstStyle/>
-            <a:p>
-              <a:pPr algn="ctr"/>
-              <a:r>
-                <a:rPr lang="en-US" altLang="zh-CN" dirty="0" smtClean="0">
-                  <a:solidFill>
-                    <a:schemeClr val="tx1"/>
-                  </a:solidFill>
-                </a:rPr>
-                <a:t>Register</a:t>
-              </a:r>
-              <a:endParaRPr lang="zh-CN" altLang="en-US" dirty="0">
-                <a:solidFill>
-                  <a:schemeClr val="tx1"/>
-                </a:solidFill>
-              </a:endParaRPr>
-            </a:p>
-          </p:txBody>
-        </p:sp>
-        <p:grpSp>
-          <p:nvGrpSpPr>
-            <p:cNvPr id="61" name="组合 60"/>
-            <p:cNvGrpSpPr/>
-            <p:nvPr/>
-          </p:nvGrpSpPr>
-          <p:grpSpPr>
-            <a:xfrm>
-              <a:off x="-3121746" y="216024"/>
-              <a:ext cx="881150" cy="404664"/>
-              <a:chOff x="-3348880" y="-84743"/>
-              <a:chExt cx="1368152" cy="484666"/>
-            </a:xfrm>
-          </p:grpSpPr>
-          <p:cxnSp>
-            <p:nvCxnSpPr>
-              <p:cNvPr id="48" name="肘形连接符 47"/>
-              <p:cNvCxnSpPr/>
-              <p:nvPr/>
-            </p:nvCxnSpPr>
-            <p:spPr>
-              <a:xfrm flipV="1">
-                <a:off x="-3348880" y="-84743"/>
-                <a:ext cx="576064" cy="484666"/>
-              </a:xfrm>
-              <a:prstGeom prst="bentConnector3">
-                <a:avLst/>
-              </a:prstGeom>
-              <a:ln w="19050">
-                <a:solidFill>
-                  <a:schemeClr val="tx1"/>
-                </a:solidFill>
-              </a:ln>
-            </p:spPr>
-            <p:style>
-              <a:lnRef idx="1">
-                <a:schemeClr val="accent1"/>
-              </a:lnRef>
-              <a:fillRef idx="0">
-                <a:schemeClr val="accent1"/>
-              </a:fillRef>
-              <a:effectRef idx="0">
-                <a:schemeClr val="accent1"/>
-              </a:effectRef>
-              <a:fontRef idx="minor">
-                <a:schemeClr val="tx1"/>
-              </a:fontRef>
-            </p:style>
-          </p:cxnSp>
-          <p:cxnSp>
-            <p:nvCxnSpPr>
-              <p:cNvPr id="50" name="肘形连接符 49"/>
-              <p:cNvCxnSpPr/>
-              <p:nvPr/>
-            </p:nvCxnSpPr>
-            <p:spPr>
-              <a:xfrm>
-                <a:off x="-2772816" y="-84743"/>
-                <a:ext cx="792088" cy="484666"/>
-              </a:xfrm>
-              <a:prstGeom prst="bentConnector3">
-                <a:avLst>
-                  <a:gd name="adj1" fmla="val 39814"/>
-                </a:avLst>
-              </a:prstGeom>
-              <a:ln w="19050">
-                <a:solidFill>
-                  <a:schemeClr val="tx1"/>
-                </a:solidFill>
-              </a:ln>
-            </p:spPr>
-            <p:style>
-              <a:lnRef idx="1">
-                <a:schemeClr val="accent1"/>
-              </a:lnRef>
-              <a:fillRef idx="0">
-                <a:schemeClr val="accent1"/>
-              </a:fillRef>
-              <a:effectRef idx="0">
-                <a:schemeClr val="accent1"/>
-              </a:effectRef>
-              <a:fontRef idx="minor">
-                <a:schemeClr val="tx1"/>
-              </a:fontRef>
-            </p:style>
-          </p:cxnSp>
-        </p:grpSp>
-        <p:grpSp>
-          <p:nvGrpSpPr>
-            <p:cNvPr id="62" name="组合 61"/>
-            <p:cNvGrpSpPr/>
-            <p:nvPr/>
-          </p:nvGrpSpPr>
-          <p:grpSpPr>
-            <a:xfrm>
-              <a:off x="-3121746" y="829290"/>
-              <a:ext cx="881150" cy="367462"/>
-              <a:chOff x="-3348880" y="647500"/>
-              <a:chExt cx="1368152" cy="484666"/>
-            </a:xfrm>
-          </p:grpSpPr>
-          <p:cxnSp>
-            <p:nvCxnSpPr>
-              <p:cNvPr id="55" name="肘形连接符 54"/>
-              <p:cNvCxnSpPr/>
-              <p:nvPr/>
-            </p:nvCxnSpPr>
-            <p:spPr>
-              <a:xfrm flipV="1">
-                <a:off x="-3348880" y="647500"/>
-                <a:ext cx="576064" cy="484666"/>
-              </a:xfrm>
-              <a:prstGeom prst="bentConnector3">
-                <a:avLst>
-                  <a:gd name="adj1" fmla="val 80346"/>
-                </a:avLst>
-              </a:prstGeom>
-              <a:ln w="19050">
-                <a:solidFill>
-                  <a:schemeClr val="tx1"/>
-                </a:solidFill>
-              </a:ln>
-            </p:spPr>
-            <p:style>
-              <a:lnRef idx="1">
-                <a:schemeClr val="accent1"/>
-              </a:lnRef>
-              <a:fillRef idx="0">
-                <a:schemeClr val="accent1"/>
-              </a:fillRef>
-              <a:effectRef idx="0">
-                <a:schemeClr val="accent1"/>
-              </a:effectRef>
-              <a:fontRef idx="minor">
-                <a:schemeClr val="tx1"/>
-              </a:fontRef>
-            </p:style>
-          </p:cxnSp>
-          <p:cxnSp>
-            <p:nvCxnSpPr>
-              <p:cNvPr id="56" name="肘形连接符 55"/>
-              <p:cNvCxnSpPr/>
-              <p:nvPr/>
-            </p:nvCxnSpPr>
-            <p:spPr>
-              <a:xfrm>
-                <a:off x="-2772816" y="647500"/>
-                <a:ext cx="792088" cy="484666"/>
-              </a:xfrm>
-              <a:prstGeom prst="bentConnector3">
-                <a:avLst>
-                  <a:gd name="adj1" fmla="val 61883"/>
-                </a:avLst>
-              </a:prstGeom>
-              <a:ln w="19050">
-                <a:solidFill>
-                  <a:schemeClr val="tx1"/>
-                </a:solidFill>
-              </a:ln>
-            </p:spPr>
-            <p:style>
-              <a:lnRef idx="1">
-                <a:schemeClr val="accent1"/>
-              </a:lnRef>
-              <a:fillRef idx="0">
-                <a:schemeClr val="accent1"/>
-              </a:fillRef>
-              <a:effectRef idx="0">
-                <a:schemeClr val="accent1"/>
-              </a:effectRef>
-              <a:fontRef idx="minor">
-                <a:schemeClr val="tx1"/>
-              </a:fontRef>
-            </p:style>
-          </p:cxnSp>
-        </p:grpSp>
-        <p:grpSp>
-          <p:nvGrpSpPr>
-            <p:cNvPr id="63" name="组合 62"/>
-            <p:cNvGrpSpPr/>
-            <p:nvPr/>
-          </p:nvGrpSpPr>
-          <p:grpSpPr>
-            <a:xfrm>
-              <a:off x="662793" y="188640"/>
-              <a:ext cx="881150" cy="404664"/>
-              <a:chOff x="-3348880" y="-84743"/>
-              <a:chExt cx="1368152" cy="484666"/>
-            </a:xfrm>
-          </p:grpSpPr>
-          <p:cxnSp>
-            <p:nvCxnSpPr>
-              <p:cNvPr id="64" name="肘形连接符 63"/>
-              <p:cNvCxnSpPr/>
-              <p:nvPr/>
-            </p:nvCxnSpPr>
-            <p:spPr>
-              <a:xfrm flipV="1">
-                <a:off x="-3348880" y="-84743"/>
-                <a:ext cx="576064" cy="484666"/>
-              </a:xfrm>
-              <a:prstGeom prst="bentConnector3">
-                <a:avLst/>
-              </a:prstGeom>
-              <a:ln w="19050">
-                <a:solidFill>
-                  <a:schemeClr val="tx1"/>
-                </a:solidFill>
-              </a:ln>
-            </p:spPr>
-            <p:style>
-              <a:lnRef idx="1">
-                <a:schemeClr val="accent1"/>
-              </a:lnRef>
-              <a:fillRef idx="0">
-                <a:schemeClr val="accent1"/>
-              </a:fillRef>
-              <a:effectRef idx="0">
-                <a:schemeClr val="accent1"/>
-              </a:effectRef>
-              <a:fontRef idx="minor">
-                <a:schemeClr val="tx1"/>
-              </a:fontRef>
-            </p:style>
-          </p:cxnSp>
-          <p:cxnSp>
-            <p:nvCxnSpPr>
-              <p:cNvPr id="65" name="肘形连接符 64"/>
-              <p:cNvCxnSpPr/>
-              <p:nvPr/>
-            </p:nvCxnSpPr>
-            <p:spPr>
-              <a:xfrm>
-                <a:off x="-2772816" y="-84743"/>
-                <a:ext cx="792088" cy="484666"/>
-              </a:xfrm>
-              <a:prstGeom prst="bentConnector3">
-                <a:avLst>
-                  <a:gd name="adj1" fmla="val 39814"/>
-                </a:avLst>
-              </a:prstGeom>
-              <a:ln w="19050">
-                <a:solidFill>
-                  <a:schemeClr val="tx1"/>
-                </a:solidFill>
-              </a:ln>
-            </p:spPr>
-            <p:style>
-              <a:lnRef idx="1">
-                <a:schemeClr val="accent1"/>
-              </a:lnRef>
-              <a:fillRef idx="0">
-                <a:schemeClr val="accent1"/>
-              </a:fillRef>
-              <a:effectRef idx="0">
-                <a:schemeClr val="accent1"/>
-              </a:effectRef>
-              <a:fontRef idx="minor">
-                <a:schemeClr val="tx1"/>
-              </a:fontRef>
-            </p:style>
-          </p:cxnSp>
-        </p:grpSp>
-        <p:grpSp>
-          <p:nvGrpSpPr>
-            <p:cNvPr id="69" name="组合 68"/>
-            <p:cNvGrpSpPr/>
-            <p:nvPr/>
-          </p:nvGrpSpPr>
-          <p:grpSpPr>
-            <a:xfrm>
-              <a:off x="662793" y="778396"/>
-              <a:ext cx="881150" cy="404664"/>
-              <a:chOff x="-3348880" y="-84743"/>
-              <a:chExt cx="1368152" cy="484666"/>
-            </a:xfrm>
-          </p:grpSpPr>
-          <p:cxnSp>
-            <p:nvCxnSpPr>
-              <p:cNvPr id="70" name="肘形连接符 69"/>
-              <p:cNvCxnSpPr/>
-              <p:nvPr/>
-            </p:nvCxnSpPr>
-            <p:spPr>
-              <a:xfrm flipV="1">
-                <a:off x="-3348880" y="-84743"/>
-                <a:ext cx="576064" cy="484666"/>
-              </a:xfrm>
-              <a:prstGeom prst="bentConnector3">
-                <a:avLst/>
-              </a:prstGeom>
-              <a:ln w="19050">
-                <a:solidFill>
-                  <a:schemeClr val="tx1"/>
-                </a:solidFill>
-              </a:ln>
-            </p:spPr>
-            <p:style>
-              <a:lnRef idx="1">
-                <a:schemeClr val="accent1"/>
-              </a:lnRef>
-              <a:fillRef idx="0">
-                <a:schemeClr val="accent1"/>
-              </a:fillRef>
-              <a:effectRef idx="0">
-                <a:schemeClr val="accent1"/>
-              </a:effectRef>
-              <a:fontRef idx="minor">
-                <a:schemeClr val="tx1"/>
-              </a:fontRef>
-            </p:style>
-          </p:cxnSp>
-          <p:cxnSp>
-            <p:nvCxnSpPr>
-              <p:cNvPr id="71" name="肘形连接符 70"/>
-              <p:cNvCxnSpPr/>
-              <p:nvPr/>
-            </p:nvCxnSpPr>
-            <p:spPr>
-              <a:xfrm>
-                <a:off x="-2772816" y="-84743"/>
-                <a:ext cx="792088" cy="484666"/>
-              </a:xfrm>
-              <a:prstGeom prst="bentConnector3">
-                <a:avLst>
-                  <a:gd name="adj1" fmla="val 39814"/>
-                </a:avLst>
-              </a:prstGeom>
-              <a:ln w="19050">
-                <a:solidFill>
-                  <a:schemeClr val="tx1"/>
-                </a:solidFill>
-              </a:ln>
-            </p:spPr>
-            <p:style>
-              <a:lnRef idx="1">
-                <a:schemeClr val="accent1"/>
-              </a:lnRef>
-              <a:fillRef idx="0">
-                <a:schemeClr val="accent1"/>
-              </a:fillRef>
-              <a:effectRef idx="0">
-                <a:schemeClr val="accent1"/>
-              </a:effectRef>
-              <a:fontRef idx="minor">
-                <a:schemeClr val="tx1"/>
-              </a:fontRef>
-            </p:style>
-          </p:cxnSp>
-        </p:grpSp>
-        <p:grpSp>
-          <p:nvGrpSpPr>
-            <p:cNvPr id="79" name="组合 78"/>
-            <p:cNvGrpSpPr/>
-            <p:nvPr/>
-          </p:nvGrpSpPr>
-          <p:grpSpPr>
-            <a:xfrm>
-              <a:off x="2725143" y="156277"/>
-              <a:ext cx="881150" cy="404664"/>
-              <a:chOff x="2740660" y="144016"/>
-              <a:chExt cx="881150" cy="404664"/>
-            </a:xfrm>
-          </p:grpSpPr>
-          <p:cxnSp>
-            <p:nvCxnSpPr>
-              <p:cNvPr id="73" name="肘形连接符 72"/>
-              <p:cNvCxnSpPr/>
-              <p:nvPr/>
-            </p:nvCxnSpPr>
-            <p:spPr>
-              <a:xfrm flipV="1">
-                <a:off x="2740660" y="144016"/>
-                <a:ext cx="371011" cy="404664"/>
-              </a:xfrm>
-              <a:prstGeom prst="bentConnector3">
-                <a:avLst>
-                  <a:gd name="adj1" fmla="val 93033"/>
-                </a:avLst>
-              </a:prstGeom>
-              <a:ln w="19050">
-                <a:solidFill>
-                  <a:schemeClr val="tx1"/>
-                </a:solidFill>
-              </a:ln>
-            </p:spPr>
-            <p:style>
-              <a:lnRef idx="1">
-                <a:schemeClr val="accent1"/>
-              </a:lnRef>
-              <a:fillRef idx="0">
-                <a:schemeClr val="accent1"/>
-              </a:fillRef>
-              <a:effectRef idx="0">
-                <a:schemeClr val="accent1"/>
-              </a:effectRef>
-              <a:fontRef idx="minor">
-                <a:schemeClr val="tx1"/>
-              </a:fontRef>
-            </p:style>
-          </p:cxnSp>
-          <p:cxnSp>
-            <p:nvCxnSpPr>
-              <p:cNvPr id="74" name="肘形连接符 73"/>
-              <p:cNvCxnSpPr/>
-              <p:nvPr/>
-            </p:nvCxnSpPr>
-            <p:spPr>
-              <a:xfrm>
-                <a:off x="3111671" y="144016"/>
-                <a:ext cx="510139" cy="404664"/>
-              </a:xfrm>
-              <a:prstGeom prst="bentConnector3">
-                <a:avLst>
-                  <a:gd name="adj1" fmla="val 39814"/>
-                </a:avLst>
-              </a:prstGeom>
-              <a:ln w="19050">
-                <a:solidFill>
-                  <a:schemeClr val="tx1"/>
-                </a:solidFill>
-              </a:ln>
-            </p:spPr>
-            <p:style>
-              <a:lnRef idx="1">
-                <a:schemeClr val="accent1"/>
-              </a:lnRef>
-              <a:fillRef idx="0">
-                <a:schemeClr val="accent1"/>
-              </a:fillRef>
-              <a:effectRef idx="0">
-                <a:schemeClr val="accent1"/>
-              </a:effectRef>
-              <a:fontRef idx="minor">
-                <a:schemeClr val="tx1"/>
-              </a:fontRef>
-            </p:style>
-          </p:cxnSp>
-        </p:grpSp>
-        <p:grpSp>
-          <p:nvGrpSpPr>
-            <p:cNvPr id="80" name="组合 79"/>
-            <p:cNvGrpSpPr/>
-            <p:nvPr/>
-          </p:nvGrpSpPr>
-          <p:grpSpPr>
-            <a:xfrm>
-              <a:off x="2725143" y="745168"/>
-              <a:ext cx="881150" cy="404664"/>
-              <a:chOff x="2740660" y="144016"/>
-              <a:chExt cx="881150" cy="404664"/>
-            </a:xfrm>
-          </p:grpSpPr>
-          <p:cxnSp>
-            <p:nvCxnSpPr>
-              <p:cNvPr id="81" name="肘形连接符 80"/>
-              <p:cNvCxnSpPr/>
-              <p:nvPr/>
-            </p:nvCxnSpPr>
-            <p:spPr>
-              <a:xfrm flipV="1">
-                <a:off x="2740660" y="144016"/>
-                <a:ext cx="371011" cy="404664"/>
-              </a:xfrm>
-              <a:prstGeom prst="bentConnector3">
-                <a:avLst>
-                  <a:gd name="adj1" fmla="val 93033"/>
-                </a:avLst>
-              </a:prstGeom>
-              <a:ln w="19050">
-                <a:solidFill>
-                  <a:schemeClr val="tx1"/>
-                </a:solidFill>
-              </a:ln>
-            </p:spPr>
-            <p:style>
-              <a:lnRef idx="1">
-                <a:schemeClr val="accent1"/>
-              </a:lnRef>
-              <a:fillRef idx="0">
-                <a:schemeClr val="accent1"/>
-              </a:fillRef>
-              <a:effectRef idx="0">
-                <a:schemeClr val="accent1"/>
-              </a:effectRef>
-              <a:fontRef idx="minor">
-                <a:schemeClr val="tx1"/>
-              </a:fontRef>
-            </p:style>
-          </p:cxnSp>
-          <p:cxnSp>
-            <p:nvCxnSpPr>
-              <p:cNvPr id="82" name="肘形连接符 81"/>
-              <p:cNvCxnSpPr/>
-              <p:nvPr/>
-            </p:nvCxnSpPr>
-            <p:spPr>
-              <a:xfrm>
-                <a:off x="3111671" y="144016"/>
-                <a:ext cx="510139" cy="404664"/>
-              </a:xfrm>
-              <a:prstGeom prst="bentConnector3">
-                <a:avLst>
-                  <a:gd name="adj1" fmla="val 39814"/>
-                </a:avLst>
-              </a:prstGeom>
-              <a:ln w="19050">
-                <a:solidFill>
-                  <a:schemeClr val="tx1"/>
-                </a:solidFill>
-              </a:ln>
-            </p:spPr>
-            <p:style>
-              <a:lnRef idx="1">
-                <a:schemeClr val="accent1"/>
-              </a:lnRef>
-              <a:fillRef idx="0">
-                <a:schemeClr val="accent1"/>
-              </a:fillRef>
-              <a:effectRef idx="0">
-                <a:schemeClr val="accent1"/>
-              </a:effectRef>
-              <a:fontRef idx="minor">
-                <a:schemeClr val="tx1"/>
-              </a:fontRef>
-            </p:style>
-          </p:cxnSp>
-        </p:grpSp>
-        <p:cxnSp>
-          <p:nvCxnSpPr>
-            <p:cNvPr id="85" name="肘形连接符 84"/>
-            <p:cNvCxnSpPr>
-              <a:endCxn id="109" idx="1"/>
-            </p:cNvCxnSpPr>
-            <p:nvPr/>
-          </p:nvCxnSpPr>
-          <p:spPr>
-            <a:xfrm>
-              <a:off x="8090251" y="2419080"/>
-              <a:ext cx="1103379" cy="810510"/>
-            </a:xfrm>
-            <a:prstGeom prst="bentConnector3">
-              <a:avLst>
-                <a:gd name="adj1" fmla="val 50000"/>
-              </a:avLst>
-            </a:prstGeom>
-            <a:ln w="28575">
-              <a:solidFill>
-                <a:schemeClr val="tx1"/>
-              </a:solidFill>
-              <a:tailEnd type="arrow"/>
-            </a:ln>
-          </p:spPr>
-          <p:style>
-            <a:lnRef idx="1">
-              <a:schemeClr val="accent1"/>
-            </a:lnRef>
-            <a:fillRef idx="0">
-              <a:schemeClr val="accent1"/>
-            </a:fillRef>
-            <a:effectRef idx="0">
-              <a:schemeClr val="accent1"/>
-            </a:effectRef>
-            <a:fontRef idx="minor">
-              <a:schemeClr val="tx1"/>
-            </a:fontRef>
-          </p:style>
-        </p:cxnSp>
-        <p:cxnSp>
-          <p:nvCxnSpPr>
-            <p:cNvPr id="89" name="肘形连接符 88"/>
-            <p:cNvCxnSpPr>
-              <a:endCxn id="105" idx="1"/>
-            </p:cNvCxnSpPr>
-            <p:nvPr/>
-          </p:nvCxnSpPr>
-          <p:spPr>
-            <a:xfrm flipV="1">
-              <a:off x="8113510" y="1540178"/>
-              <a:ext cx="1080120" cy="876126"/>
-            </a:xfrm>
-            <a:prstGeom prst="bentConnector3">
-              <a:avLst>
-                <a:gd name="adj1" fmla="val 48657"/>
-              </a:avLst>
-            </a:prstGeom>
-            <a:ln w="28575">
-              <a:solidFill>
-                <a:schemeClr val="tx1"/>
-              </a:solidFill>
-              <a:tailEnd type="arrow"/>
-            </a:ln>
-          </p:spPr>
-          <p:style>
-            <a:lnRef idx="1">
-              <a:schemeClr val="accent1"/>
-            </a:lnRef>
-            <a:fillRef idx="0">
-              <a:schemeClr val="accent1"/>
-            </a:fillRef>
-            <a:effectRef idx="0">
-              <a:schemeClr val="accent1"/>
-            </a:effectRef>
-            <a:fontRef idx="minor">
-              <a:schemeClr val="tx1"/>
-            </a:fontRef>
-          </p:style>
-        </p:cxnSp>
-        <p:sp>
-          <p:nvSpPr>
-            <p:cNvPr id="91" name="矩形 90"/>
-            <p:cNvSpPr/>
-            <p:nvPr/>
-          </p:nvSpPr>
-          <p:spPr>
-            <a:xfrm>
-              <a:off x="3707904" y="2670140"/>
-              <a:ext cx="1872208" cy="1118900"/>
-            </a:xfrm>
-            <a:prstGeom prst="rect">
-              <a:avLst/>
-            </a:prstGeom>
-            <a:noFill/>
-            <a:ln>
-              <a:solidFill>
-                <a:schemeClr val="tx1"/>
-              </a:solidFill>
-            </a:ln>
-          </p:spPr>
-          <p:style>
-            <a:lnRef idx="2">
-              <a:schemeClr val="accent1">
-                <a:shade val="50000"/>
-              </a:schemeClr>
-            </a:lnRef>
-            <a:fillRef idx="1">
-              <a:schemeClr val="accent1"/>
-            </a:fillRef>
-            <a:effectRef idx="0">
-              <a:schemeClr val="accent1"/>
-            </a:effectRef>
-            <a:fontRef idx="minor">
-              <a:schemeClr val="lt1"/>
-            </a:fontRef>
-          </p:style>
-          <p:txBody>
-            <a:bodyPr rtlCol="0" anchor="ctr"/>
-            <a:lstStyle/>
-            <a:p>
-              <a:pPr algn="ctr"/>
-              <a:r>
-                <a:rPr lang="en-US" altLang="zh-CN" dirty="0" smtClean="0">
-                  <a:solidFill>
-                    <a:schemeClr val="tx1"/>
-                  </a:solidFill>
-                </a:rPr>
-                <a:t>DCM</a:t>
-              </a:r>
-              <a:endParaRPr lang="zh-CN" altLang="en-US" dirty="0">
-                <a:solidFill>
-                  <a:schemeClr val="tx1"/>
-                </a:solidFill>
-              </a:endParaRPr>
-            </a:p>
-          </p:txBody>
-        </p:sp>
-        <p:sp>
-          <p:nvSpPr>
-            <p:cNvPr id="92" name="右箭头 91"/>
-            <p:cNvSpPr/>
-            <p:nvPr/>
-          </p:nvSpPr>
-          <p:spPr>
-            <a:xfrm>
-              <a:off x="5580112" y="1233897"/>
-              <a:ext cx="624814" cy="576064"/>
-            </a:xfrm>
-            <a:prstGeom prst="rightArrow">
-              <a:avLst>
-                <a:gd name="adj1" fmla="val 50000"/>
-                <a:gd name="adj2" fmla="val 37402"/>
-              </a:avLst>
-            </a:prstGeom>
-            <a:noFill/>
-            <a:ln>
-              <a:solidFill>
-                <a:schemeClr val="tx1"/>
-              </a:solidFill>
-            </a:ln>
-          </p:spPr>
-          <p:style>
-            <a:lnRef idx="2">
-              <a:schemeClr val="accent1">
-                <a:shade val="50000"/>
-              </a:schemeClr>
-            </a:lnRef>
-            <a:fillRef idx="1">
-              <a:schemeClr val="accent1"/>
-            </a:fillRef>
-            <a:effectRef idx="0">
-              <a:schemeClr val="accent1"/>
-            </a:effectRef>
-            <a:fontRef idx="minor">
-              <a:schemeClr val="lt1"/>
-            </a:fontRef>
-          </p:style>
-          <p:txBody>
-            <a:bodyPr rtlCol="0" anchor="ctr"/>
-            <a:lstStyle/>
-            <a:p>
-              <a:pPr algn="ctr"/>
-              <a:endParaRPr lang="zh-CN" altLang="en-US"/>
-            </a:p>
-          </p:txBody>
-        </p:sp>
-        <p:sp>
-          <p:nvSpPr>
-            <p:cNvPr id="93" name="矩形 92"/>
-            <p:cNvSpPr/>
-            <p:nvPr/>
-          </p:nvSpPr>
-          <p:spPr>
-            <a:xfrm>
-              <a:off x="-620452" y="5190420"/>
-              <a:ext cx="11686290" cy="1118900"/>
-            </a:xfrm>
-            <a:prstGeom prst="rect">
-              <a:avLst/>
-            </a:prstGeom>
-            <a:noFill/>
-            <a:ln>
-              <a:solidFill>
-                <a:schemeClr val="tx1"/>
-              </a:solidFill>
-            </a:ln>
-          </p:spPr>
-          <p:style>
-            <a:lnRef idx="2">
-              <a:schemeClr val="accent1">
-                <a:shade val="50000"/>
-              </a:schemeClr>
-            </a:lnRef>
-            <a:fillRef idx="1">
-              <a:schemeClr val="accent1"/>
-            </a:fillRef>
-            <a:effectRef idx="0">
-              <a:schemeClr val="accent1"/>
-            </a:effectRef>
-            <a:fontRef idx="minor">
-              <a:schemeClr val="lt1"/>
-            </a:fontRef>
-          </p:style>
-          <p:txBody>
-            <a:bodyPr rtlCol="0" anchor="ctr"/>
-            <a:lstStyle/>
-            <a:p>
-              <a:pPr algn="ctr"/>
-              <a:r>
-                <a:rPr lang="en-US" altLang="zh-CN" dirty="0" smtClean="0">
-                  <a:solidFill>
-                    <a:schemeClr val="tx1"/>
-                  </a:solidFill>
-                </a:rPr>
-                <a:t>WISHBONE BUS</a:t>
-              </a:r>
-              <a:endParaRPr lang="zh-CN" altLang="en-US" dirty="0">
-                <a:solidFill>
-                  <a:schemeClr val="tx1"/>
-                </a:solidFill>
-              </a:endParaRPr>
-            </a:p>
-          </p:txBody>
-        </p:sp>
-        <p:cxnSp>
-          <p:nvCxnSpPr>
-            <p:cNvPr id="95" name="直接箭头连接符 94"/>
-            <p:cNvCxnSpPr>
-              <a:stCxn id="91" idx="0"/>
-              <a:endCxn id="40" idx="2"/>
-            </p:cNvCxnSpPr>
-            <p:nvPr/>
-          </p:nvCxnSpPr>
-          <p:spPr>
-            <a:xfrm flipV="1">
-              <a:off x="4644008" y="2099628"/>
-              <a:ext cx="0" cy="570512"/>
-            </a:xfrm>
-            <a:prstGeom prst="straightConnector1">
-              <a:avLst/>
-            </a:prstGeom>
-            <a:ln w="28575">
-              <a:solidFill>
-                <a:schemeClr val="tx1"/>
-              </a:solidFill>
-              <a:tailEnd type="arrow"/>
-            </a:ln>
-          </p:spPr>
-          <p:style>
-            <a:lnRef idx="1">
-              <a:schemeClr val="accent1"/>
-            </a:lnRef>
-            <a:fillRef idx="0">
-              <a:schemeClr val="accent1"/>
-            </a:fillRef>
-            <a:effectRef idx="0">
-              <a:schemeClr val="accent1"/>
-            </a:effectRef>
-            <a:fontRef idx="minor">
-              <a:schemeClr val="tx1"/>
-            </a:fontRef>
-          </p:style>
-        </p:cxnSp>
-        <p:cxnSp>
-          <p:nvCxnSpPr>
-            <p:cNvPr id="97" name="肘形连接符 96"/>
-            <p:cNvCxnSpPr/>
-            <p:nvPr/>
-          </p:nvCxnSpPr>
-          <p:spPr>
-            <a:xfrm flipV="1">
-              <a:off x="-2556792" y="3246802"/>
-              <a:ext cx="6272572" cy="1207522"/>
-            </a:xfrm>
-            <a:prstGeom prst="bentConnector3">
-              <a:avLst>
-                <a:gd name="adj1" fmla="val 92114"/>
-              </a:avLst>
-            </a:prstGeom>
-            <a:ln w="28575">
-              <a:solidFill>
-                <a:schemeClr val="tx1"/>
-              </a:solidFill>
-              <a:tailEnd type="arrow"/>
-            </a:ln>
-          </p:spPr>
-          <p:style>
-            <a:lnRef idx="1">
-              <a:schemeClr val="accent1"/>
-            </a:lnRef>
-            <a:fillRef idx="0">
-              <a:schemeClr val="accent1"/>
-            </a:fillRef>
-            <a:effectRef idx="0">
-              <a:schemeClr val="accent1"/>
-            </a:effectRef>
-            <a:fontRef idx="minor">
-              <a:schemeClr val="tx1"/>
-            </a:fontRef>
-          </p:style>
-        </p:cxnSp>
-        <p:sp>
-          <p:nvSpPr>
-            <p:cNvPr id="102" name="TextBox 101"/>
-            <p:cNvSpPr txBox="1"/>
-            <p:nvPr/>
-          </p:nvSpPr>
-          <p:spPr>
-            <a:xfrm>
-              <a:off x="-662345" y="4067780"/>
-              <a:ext cx="3021286" cy="369332"/>
-            </a:xfrm>
-            <a:prstGeom prst="rect">
-              <a:avLst/>
-            </a:prstGeom>
-            <a:noFill/>
-          </p:spPr>
-          <p:txBody>
-            <a:bodyPr wrap="square" rtlCol="0">
-              <a:spAutoFit/>
-            </a:bodyPr>
-            <a:lstStyle/>
-            <a:p>
-              <a:pPr algn="ctr"/>
-              <a:r>
-                <a:rPr lang="en-US" altLang="zh-CN" dirty="0" smtClean="0"/>
-                <a:t>SYNCHRONOUS CLK</a:t>
-              </a:r>
-              <a:endParaRPr lang="zh-CN" altLang="en-US" dirty="0"/>
-            </a:p>
-          </p:txBody>
-        </p:sp>
-        <p:sp>
-          <p:nvSpPr>
-            <p:cNvPr id="103" name="TextBox 102"/>
-            <p:cNvSpPr txBox="1"/>
-            <p:nvPr/>
-          </p:nvSpPr>
-          <p:spPr>
-            <a:xfrm>
-              <a:off x="4283968" y="2200218"/>
-              <a:ext cx="2160652" cy="369332"/>
-            </a:xfrm>
-            <a:prstGeom prst="rect">
-              <a:avLst/>
-            </a:prstGeom>
-            <a:noFill/>
-          </p:spPr>
-          <p:txBody>
-            <a:bodyPr wrap="square" rtlCol="0">
-              <a:spAutoFit/>
-            </a:bodyPr>
-            <a:lstStyle/>
-            <a:p>
-              <a:pPr algn="ctr"/>
-              <a:r>
-                <a:rPr lang="en-US" altLang="zh-CN" dirty="0" smtClean="0"/>
-                <a:t>SHIFTED CLK</a:t>
-              </a:r>
-              <a:endParaRPr lang="zh-CN" altLang="en-US" dirty="0"/>
-            </a:p>
-          </p:txBody>
-        </p:sp>
-        <p:sp>
-          <p:nvSpPr>
-            <p:cNvPr id="105" name="矩形 104"/>
-            <p:cNvSpPr/>
-            <p:nvPr/>
-          </p:nvSpPr>
-          <p:spPr>
-            <a:xfrm>
-              <a:off x="9193630" y="980728"/>
-              <a:ext cx="1872208" cy="1118900"/>
-            </a:xfrm>
-            <a:prstGeom prst="rect">
-              <a:avLst/>
-            </a:prstGeom>
-            <a:noFill/>
-            <a:ln>
-              <a:solidFill>
-                <a:schemeClr val="tx1"/>
-              </a:solidFill>
-            </a:ln>
-          </p:spPr>
-          <p:style>
-            <a:lnRef idx="2">
-              <a:schemeClr val="accent1">
-                <a:shade val="50000"/>
-              </a:schemeClr>
-            </a:lnRef>
-            <a:fillRef idx="1">
-              <a:schemeClr val="accent1"/>
-            </a:fillRef>
-            <a:effectRef idx="0">
-              <a:schemeClr val="accent1"/>
-            </a:effectRef>
-            <a:fontRef idx="minor">
-              <a:schemeClr val="lt1"/>
-            </a:fontRef>
-          </p:style>
-          <p:txBody>
-            <a:bodyPr rtlCol="0" anchor="ctr"/>
-            <a:lstStyle/>
-            <a:p>
-              <a:pPr algn="ctr"/>
-              <a:r>
-                <a:rPr lang="en-US" altLang="zh-CN" dirty="0" smtClean="0">
-                  <a:solidFill>
-                    <a:schemeClr val="tx1"/>
-                  </a:solidFill>
-                </a:rPr>
-                <a:t>DDR FIFO</a:t>
-              </a:r>
-              <a:endParaRPr lang="zh-CN" altLang="en-US" dirty="0">
-                <a:solidFill>
-                  <a:schemeClr val="tx1"/>
-                </a:solidFill>
-              </a:endParaRPr>
-            </a:p>
-          </p:txBody>
-        </p:sp>
-        <p:sp>
-          <p:nvSpPr>
-            <p:cNvPr id="109" name="矩形 108"/>
-            <p:cNvSpPr/>
-            <p:nvPr/>
-          </p:nvSpPr>
-          <p:spPr>
-            <a:xfrm>
-              <a:off x="9193630" y="2670140"/>
-              <a:ext cx="1872208" cy="1118900"/>
-            </a:xfrm>
-            <a:prstGeom prst="rect">
-              <a:avLst/>
-            </a:prstGeom>
-            <a:noFill/>
-            <a:ln>
-              <a:solidFill>
-                <a:schemeClr val="tx1"/>
-              </a:solidFill>
-            </a:ln>
-          </p:spPr>
-          <p:style>
-            <a:lnRef idx="2">
-              <a:schemeClr val="accent1">
-                <a:shade val="50000"/>
-              </a:schemeClr>
-            </a:lnRef>
-            <a:fillRef idx="1">
-              <a:schemeClr val="accent1"/>
-            </a:fillRef>
-            <a:effectRef idx="0">
-              <a:schemeClr val="accent1"/>
-            </a:effectRef>
-            <a:fontRef idx="minor">
-              <a:schemeClr val="lt1"/>
-            </a:fontRef>
-          </p:style>
-          <p:txBody>
-            <a:bodyPr rtlCol="0" anchor="ctr"/>
-            <a:lstStyle/>
-            <a:p>
-              <a:pPr algn="ctr"/>
-              <a:r>
-                <a:rPr lang="en-US" altLang="zh-CN" dirty="0" smtClean="0">
-                  <a:solidFill>
-                    <a:schemeClr val="tx1"/>
-                  </a:solidFill>
-                </a:rPr>
-                <a:t>BRAM FIFO</a:t>
-              </a:r>
-              <a:endParaRPr lang="zh-CN" altLang="en-US" dirty="0">
-                <a:solidFill>
-                  <a:schemeClr val="tx1"/>
-                </a:solidFill>
-              </a:endParaRPr>
-            </a:p>
-          </p:txBody>
-        </p:sp>
-        <p:sp>
-          <p:nvSpPr>
-            <p:cNvPr id="113" name="右箭头 112"/>
-            <p:cNvSpPr/>
-            <p:nvPr/>
-          </p:nvSpPr>
-          <p:spPr>
-            <a:xfrm rot="16200000">
-              <a:off x="-689556" y="4393359"/>
-              <a:ext cx="1378097" cy="216028"/>
-            </a:xfrm>
-            <a:prstGeom prst="rightArrow">
-              <a:avLst>
-                <a:gd name="adj1" fmla="val 50000"/>
-                <a:gd name="adj2" fmla="val 60078"/>
-              </a:avLst>
-            </a:prstGeom>
-            <a:solidFill>
-              <a:schemeClr val="tx1"/>
-            </a:solidFill>
-            <a:ln>
-              <a:solidFill>
-                <a:schemeClr val="tx1"/>
-              </a:solidFill>
-            </a:ln>
-          </p:spPr>
-          <p:style>
-            <a:lnRef idx="2">
-              <a:schemeClr val="accent1">
-                <a:shade val="50000"/>
-              </a:schemeClr>
-            </a:lnRef>
-            <a:fillRef idx="1">
-              <a:schemeClr val="accent1"/>
-            </a:fillRef>
-            <a:effectRef idx="0">
-              <a:schemeClr val="accent1"/>
-            </a:effectRef>
-            <a:fontRef idx="minor">
-              <a:schemeClr val="lt1"/>
-            </a:fontRef>
-          </p:style>
-          <p:txBody>
-            <a:bodyPr rtlCol="0" anchor="ctr"/>
-            <a:lstStyle/>
-            <a:p>
-              <a:pPr algn="ctr"/>
-              <a:endParaRPr lang="zh-CN" altLang="en-US"/>
-            </a:p>
-          </p:txBody>
-        </p:sp>
-        <p:sp>
-          <p:nvSpPr>
-            <p:cNvPr id="114" name="右箭头 113"/>
-            <p:cNvSpPr/>
-            <p:nvPr/>
-          </p:nvSpPr>
-          <p:spPr>
-            <a:xfrm rot="16200000">
-              <a:off x="3983624" y="4330354"/>
-              <a:ext cx="1378097" cy="342039"/>
-            </a:xfrm>
-            <a:prstGeom prst="rightArrow">
-              <a:avLst>
-                <a:gd name="adj1" fmla="val 50000"/>
-                <a:gd name="adj2" fmla="val 60078"/>
-              </a:avLst>
-            </a:prstGeom>
-            <a:solidFill>
-              <a:schemeClr val="tx1"/>
-            </a:solidFill>
-            <a:ln>
-              <a:solidFill>
-                <a:schemeClr val="tx1"/>
-              </a:solidFill>
-            </a:ln>
-          </p:spPr>
-          <p:style>
-            <a:lnRef idx="2">
-              <a:schemeClr val="accent1">
-                <a:shade val="50000"/>
-              </a:schemeClr>
-            </a:lnRef>
-            <a:fillRef idx="1">
-              <a:schemeClr val="accent1"/>
-            </a:fillRef>
-            <a:effectRef idx="0">
-              <a:schemeClr val="accent1"/>
-            </a:effectRef>
-            <a:fontRef idx="minor">
-              <a:schemeClr val="lt1"/>
-            </a:fontRef>
-          </p:style>
-          <p:txBody>
-            <a:bodyPr rtlCol="0" anchor="ctr"/>
-            <a:lstStyle/>
-            <a:p>
-              <a:pPr algn="ctr"/>
-              <a:endParaRPr lang="zh-CN" altLang="en-US"/>
-            </a:p>
-          </p:txBody>
-        </p:sp>
-        <p:sp>
-          <p:nvSpPr>
-            <p:cNvPr id="115" name="矩形 114"/>
-            <p:cNvSpPr/>
-            <p:nvPr/>
-          </p:nvSpPr>
-          <p:spPr>
-            <a:xfrm>
-              <a:off x="9202708" y="4161646"/>
-              <a:ext cx="1872208" cy="585356"/>
-            </a:xfrm>
-            <a:prstGeom prst="rect">
-              <a:avLst/>
-            </a:prstGeom>
-            <a:noFill/>
-            <a:ln>
-              <a:solidFill>
-                <a:schemeClr val="tx1"/>
-              </a:solidFill>
-            </a:ln>
-          </p:spPr>
-          <p:style>
-            <a:lnRef idx="2">
-              <a:schemeClr val="accent1">
-                <a:shade val="50000"/>
-              </a:schemeClr>
-            </a:lnRef>
-            <a:fillRef idx="1">
-              <a:schemeClr val="accent1"/>
-            </a:fillRef>
-            <a:effectRef idx="0">
-              <a:schemeClr val="accent1"/>
-            </a:effectRef>
-            <a:fontRef idx="minor">
-              <a:schemeClr val="lt1"/>
-            </a:fontRef>
-          </p:style>
-          <p:txBody>
-            <a:bodyPr rtlCol="0" anchor="ctr"/>
-            <a:lstStyle/>
-            <a:p>
-              <a:pPr algn="ctr"/>
-              <a:r>
-                <a:rPr lang="en-US" altLang="zh-CN" dirty="0" smtClean="0">
-                  <a:solidFill>
-                    <a:schemeClr val="tx1"/>
-                  </a:solidFill>
-                </a:rPr>
-                <a:t>BLOCK RAM</a:t>
-              </a:r>
-              <a:endParaRPr lang="zh-CN" altLang="en-US" dirty="0">
-                <a:solidFill>
-                  <a:schemeClr val="tx1"/>
-                </a:solidFill>
-              </a:endParaRPr>
-            </a:p>
-          </p:txBody>
-        </p:sp>
-        <p:sp>
-          <p:nvSpPr>
-            <p:cNvPr id="116" name="上下箭头 115"/>
-            <p:cNvSpPr/>
-            <p:nvPr/>
-          </p:nvSpPr>
-          <p:spPr>
-            <a:xfrm>
-              <a:off x="10068824" y="4747002"/>
-              <a:ext cx="121820" cy="443418"/>
-            </a:xfrm>
-            <a:prstGeom prst="upDownArrow">
-              <a:avLst/>
-            </a:prstGeom>
-            <a:noFill/>
-            <a:ln>
-              <a:solidFill>
-                <a:schemeClr val="tx1"/>
-              </a:solidFill>
-            </a:ln>
-          </p:spPr>
-          <p:style>
-            <a:lnRef idx="2">
-              <a:schemeClr val="accent1">
-                <a:shade val="50000"/>
-              </a:schemeClr>
-            </a:lnRef>
-            <a:fillRef idx="1">
-              <a:schemeClr val="accent1"/>
-            </a:fillRef>
-            <a:effectRef idx="0">
-              <a:schemeClr val="accent1"/>
-            </a:effectRef>
-            <a:fontRef idx="minor">
-              <a:schemeClr val="lt1"/>
-            </a:fontRef>
-          </p:style>
-          <p:txBody>
-            <a:bodyPr rtlCol="0" anchor="ctr"/>
-            <a:lstStyle/>
-            <a:p>
-              <a:pPr algn="ctr"/>
-              <a:endParaRPr lang="zh-CN" altLang="en-US"/>
-            </a:p>
-          </p:txBody>
-        </p:sp>
-        <p:sp>
-          <p:nvSpPr>
-            <p:cNvPr id="117" name="矩形 116"/>
-            <p:cNvSpPr/>
-            <p:nvPr/>
-          </p:nvSpPr>
-          <p:spPr>
-            <a:xfrm>
-              <a:off x="12204848" y="947500"/>
-              <a:ext cx="1872208" cy="5361820"/>
-            </a:xfrm>
-            <a:prstGeom prst="rect">
-              <a:avLst/>
-            </a:prstGeom>
-            <a:noFill/>
-            <a:ln>
-              <a:solidFill>
-                <a:schemeClr val="tx1"/>
-              </a:solidFill>
-            </a:ln>
-          </p:spPr>
-          <p:style>
-            <a:lnRef idx="2">
-              <a:schemeClr val="accent1">
-                <a:shade val="50000"/>
-              </a:schemeClr>
-            </a:lnRef>
-            <a:fillRef idx="1">
-              <a:schemeClr val="accent1"/>
-            </a:fillRef>
-            <a:effectRef idx="0">
-              <a:schemeClr val="accent1"/>
-            </a:effectRef>
-            <a:fontRef idx="minor">
-              <a:schemeClr val="lt1"/>
-            </a:fontRef>
-          </p:style>
-          <p:txBody>
-            <a:bodyPr rtlCol="0" anchor="ctr"/>
-            <a:lstStyle/>
-            <a:p>
-              <a:pPr algn="ctr"/>
-              <a:r>
-                <a:rPr lang="en-US" altLang="zh-CN" dirty="0" smtClean="0">
-                  <a:solidFill>
-                    <a:schemeClr val="tx1"/>
-                  </a:solidFill>
-                </a:rPr>
-                <a:t>LPDDR</a:t>
-              </a:r>
-              <a:endParaRPr lang="zh-CN" altLang="en-US" dirty="0">
-                <a:solidFill>
-                  <a:schemeClr val="tx1"/>
-                </a:solidFill>
-              </a:endParaRPr>
-            </a:p>
-          </p:txBody>
-        </p:sp>
-        <p:sp>
-          <p:nvSpPr>
-            <p:cNvPr id="118" name="右箭头 117"/>
-            <p:cNvSpPr/>
-            <p:nvPr/>
-          </p:nvSpPr>
-          <p:spPr>
-            <a:xfrm>
-              <a:off x="11075978" y="1273406"/>
-              <a:ext cx="1128870" cy="576064"/>
-            </a:xfrm>
-            <a:prstGeom prst="rightArrow">
-              <a:avLst>
-                <a:gd name="adj1" fmla="val 50000"/>
-                <a:gd name="adj2" fmla="val 37402"/>
-              </a:avLst>
-            </a:prstGeom>
-            <a:noFill/>
-            <a:ln>
-              <a:solidFill>
-                <a:schemeClr val="tx1"/>
-              </a:solidFill>
-            </a:ln>
-          </p:spPr>
-          <p:style>
-            <a:lnRef idx="2">
-              <a:schemeClr val="accent1">
-                <a:shade val="50000"/>
-              </a:schemeClr>
-            </a:lnRef>
-            <a:fillRef idx="1">
-              <a:schemeClr val="accent1"/>
-            </a:fillRef>
-            <a:effectRef idx="0">
-              <a:schemeClr val="accent1"/>
-            </a:effectRef>
-            <a:fontRef idx="minor">
-              <a:schemeClr val="lt1"/>
-            </a:fontRef>
-          </p:style>
-          <p:txBody>
-            <a:bodyPr rtlCol="0" anchor="ctr"/>
-            <a:lstStyle/>
-            <a:p>
-              <a:pPr algn="ctr"/>
-              <a:endParaRPr lang="zh-CN" altLang="en-US"/>
-            </a:p>
-          </p:txBody>
-        </p:sp>
-        <p:sp>
-          <p:nvSpPr>
-            <p:cNvPr id="119" name="上下箭头 118"/>
-            <p:cNvSpPr/>
-            <p:nvPr/>
-          </p:nvSpPr>
-          <p:spPr>
-            <a:xfrm rot="16200000">
-              <a:off x="11480279" y="5206967"/>
-              <a:ext cx="282619" cy="1085805"/>
-            </a:xfrm>
-            <a:prstGeom prst="upDownArrow">
-              <a:avLst/>
-            </a:prstGeom>
-            <a:noFill/>
-            <a:ln>
-              <a:solidFill>
-                <a:schemeClr val="tx1"/>
-              </a:solidFill>
-            </a:ln>
-          </p:spPr>
-          <p:style>
-            <a:lnRef idx="2">
-              <a:schemeClr val="accent1">
-                <a:shade val="50000"/>
-              </a:schemeClr>
-            </a:lnRef>
-            <a:fillRef idx="1">
-              <a:schemeClr val="accent1"/>
-            </a:fillRef>
-            <a:effectRef idx="0">
-              <a:schemeClr val="accent1"/>
-            </a:effectRef>
-            <a:fontRef idx="minor">
-              <a:schemeClr val="lt1"/>
-            </a:fontRef>
-          </p:style>
-          <p:txBody>
-            <a:bodyPr rtlCol="0" anchor="ctr"/>
-            <a:lstStyle/>
-            <a:p>
-              <a:pPr algn="ctr"/>
-              <a:endParaRPr lang="zh-CN" altLang="en-US"/>
-            </a:p>
-          </p:txBody>
-        </p:sp>
-        <p:sp>
-          <p:nvSpPr>
-            <p:cNvPr id="120" name="右箭头 119"/>
-            <p:cNvSpPr/>
-            <p:nvPr/>
-          </p:nvSpPr>
-          <p:spPr>
-            <a:xfrm rot="5400000">
-              <a:off x="9964150" y="3842969"/>
-              <a:ext cx="349321" cy="288033"/>
-            </a:xfrm>
-            <a:prstGeom prst="rightArrow">
-              <a:avLst>
-                <a:gd name="adj1" fmla="val 50000"/>
-                <a:gd name="adj2" fmla="val 37402"/>
-              </a:avLst>
-            </a:prstGeom>
-            <a:noFill/>
-            <a:ln>
-              <a:solidFill>
-                <a:schemeClr val="tx1"/>
-              </a:solidFill>
-            </a:ln>
-          </p:spPr>
-          <p:style>
-            <a:lnRef idx="2">
-              <a:schemeClr val="accent1">
-                <a:shade val="50000"/>
-              </a:schemeClr>
-            </a:lnRef>
-            <a:fillRef idx="1">
-              <a:schemeClr val="accent1"/>
-            </a:fillRef>
-            <a:effectRef idx="0">
-              <a:schemeClr val="accent1"/>
-            </a:effectRef>
-            <a:fontRef idx="minor">
-              <a:schemeClr val="lt1"/>
-            </a:fontRef>
-          </p:style>
-          <p:txBody>
-            <a:bodyPr rtlCol="0" anchor="ctr"/>
-            <a:lstStyle/>
-            <a:p>
-              <a:pPr algn="ctr"/>
-              <a:endParaRPr lang="zh-CN" altLang="en-US"/>
-            </a:p>
-          </p:txBody>
-        </p:sp>
-        <p:sp>
-          <p:nvSpPr>
-            <p:cNvPr id="121" name="TextBox 120"/>
-            <p:cNvSpPr txBox="1"/>
-            <p:nvPr/>
-          </p:nvSpPr>
-          <p:spPr>
-            <a:xfrm>
-              <a:off x="9642062" y="71951"/>
-              <a:ext cx="993500" cy="461665"/>
-            </a:xfrm>
-            <a:prstGeom prst="rect">
-              <a:avLst/>
-            </a:prstGeom>
-            <a:noFill/>
-          </p:spPr>
-          <p:txBody>
-            <a:bodyPr wrap="square" rtlCol="0">
-              <a:spAutoFit/>
-            </a:bodyPr>
-            <a:lstStyle/>
-            <a:p>
-              <a:pPr algn="ctr"/>
-              <a:r>
-                <a:rPr lang="en-US" altLang="zh-CN" sz="2400" dirty="0" smtClean="0"/>
-                <a:t>FPGA</a:t>
-              </a:r>
-              <a:endParaRPr lang="zh-CN" altLang="en-US" sz="2400" dirty="0"/>
-            </a:p>
-          </p:txBody>
-        </p:sp>
-        <p:sp>
-          <p:nvSpPr>
-            <p:cNvPr id="122" name="上下箭头 121"/>
-            <p:cNvSpPr/>
-            <p:nvPr/>
-          </p:nvSpPr>
-          <p:spPr>
-            <a:xfrm rot="16200000">
-              <a:off x="-1761340" y="4805231"/>
-              <a:ext cx="282619" cy="1889275"/>
-            </a:xfrm>
-            <a:prstGeom prst="upDownArrow">
-              <a:avLst/>
-            </a:prstGeom>
-            <a:noFill/>
-            <a:ln>
-              <a:solidFill>
-                <a:schemeClr val="tx1"/>
-              </a:solidFill>
-            </a:ln>
-          </p:spPr>
-          <p:style>
-            <a:lnRef idx="2">
-              <a:schemeClr val="accent1">
-                <a:shade val="50000"/>
-              </a:schemeClr>
-            </a:lnRef>
-            <a:fillRef idx="1">
-              <a:schemeClr val="accent1"/>
-            </a:fillRef>
-            <a:effectRef idx="0">
-              <a:schemeClr val="accent1"/>
-            </a:effectRef>
-            <a:fontRef idx="minor">
-              <a:schemeClr val="lt1"/>
-            </a:fontRef>
-          </p:style>
-          <p:txBody>
-            <a:bodyPr rtlCol="0" anchor="ctr"/>
-            <a:lstStyle/>
-            <a:p>
-              <a:pPr algn="ctr"/>
-              <a:endParaRPr lang="zh-CN" altLang="en-US"/>
-            </a:p>
-          </p:txBody>
-        </p:sp>
-        <p:sp>
-          <p:nvSpPr>
-            <p:cNvPr id="124" name="TextBox 123"/>
-            <p:cNvSpPr txBox="1"/>
-            <p:nvPr/>
-          </p:nvSpPr>
-          <p:spPr>
-            <a:xfrm>
-              <a:off x="-2116781" y="5239227"/>
-              <a:ext cx="993500" cy="369332"/>
-            </a:xfrm>
-            <a:prstGeom prst="rect">
-              <a:avLst/>
-            </a:prstGeom>
-            <a:noFill/>
-          </p:spPr>
-          <p:txBody>
-            <a:bodyPr wrap="square" rtlCol="0">
-              <a:spAutoFit/>
-            </a:bodyPr>
-            <a:lstStyle/>
-            <a:p>
-              <a:pPr algn="ctr"/>
-              <a:r>
-                <a:rPr lang="en-US" altLang="zh-CN" dirty="0" smtClean="0"/>
-                <a:t>USB</a:t>
-              </a:r>
-              <a:endParaRPr lang="zh-CN" altLang="en-US" dirty="0"/>
-            </a:p>
-          </p:txBody>
-        </p:sp>
-        <p:sp>
-          <p:nvSpPr>
-            <p:cNvPr id="125" name="矩形 124"/>
-            <p:cNvSpPr/>
-            <p:nvPr/>
-          </p:nvSpPr>
-          <p:spPr>
-            <a:xfrm>
-              <a:off x="-4436876" y="5190422"/>
-              <a:ext cx="1872208" cy="1118900"/>
-            </a:xfrm>
-            <a:prstGeom prst="rect">
-              <a:avLst/>
-            </a:prstGeom>
-            <a:noFill/>
-            <a:ln>
-              <a:solidFill>
-                <a:schemeClr val="tx1"/>
-              </a:solidFill>
-            </a:ln>
-          </p:spPr>
-          <p:style>
-            <a:lnRef idx="2">
-              <a:schemeClr val="accent1">
-                <a:shade val="50000"/>
-              </a:schemeClr>
-            </a:lnRef>
-            <a:fillRef idx="1">
-              <a:schemeClr val="accent1"/>
-            </a:fillRef>
-            <a:effectRef idx="0">
-              <a:schemeClr val="accent1"/>
-            </a:effectRef>
-            <a:fontRef idx="minor">
-              <a:schemeClr val="lt1"/>
-            </a:fontRef>
-          </p:style>
-          <p:txBody>
-            <a:bodyPr rtlCol="0" anchor="ctr"/>
-            <a:lstStyle/>
-            <a:p>
-              <a:pPr algn="ctr"/>
-              <a:r>
-                <a:rPr lang="en-US" altLang="zh-CN" dirty="0" smtClean="0">
-                  <a:solidFill>
-                    <a:schemeClr val="tx1"/>
-                  </a:solidFill>
-                </a:rPr>
-                <a:t>PC</a:t>
-              </a:r>
-              <a:endParaRPr lang="zh-CN" altLang="en-US" dirty="0">
-                <a:solidFill>
-                  <a:schemeClr val="tx1"/>
-                </a:solidFill>
-              </a:endParaRPr>
+              <a:endParaRPr lang="en-US"/>
             </a:p>
           </p:txBody>
         </p:sp>
       </p:grpSp>
+      <p:cxnSp>
+        <p:nvCxnSpPr>
+          <p:cNvPr id="78" name="直接箭头连接符 77"/>
+          <p:cNvCxnSpPr/>
+          <p:nvPr/>
+        </p:nvCxnSpPr>
+        <p:spPr>
+          <a:xfrm>
+            <a:off x="-4113714" y="1387900"/>
+            <a:ext cx="943980" cy="1"/>
+          </a:xfrm>
+          <a:prstGeom prst="straightConnector1">
+            <a:avLst/>
+          </a:prstGeom>
+          <a:ln w="28575">
+            <a:solidFill>
+              <a:schemeClr val="tx1"/>
+            </a:solidFill>
+            <a:prstDash val="sysDash"/>
+            <a:tailEnd type="triangle"/>
+          </a:ln>
+        </p:spPr>
+        <p:style>
+          <a:lnRef idx="1">
+            <a:schemeClr val="accent1"/>
+          </a:lnRef>
+          <a:fillRef idx="0">
+            <a:schemeClr val="accent1"/>
+          </a:fillRef>
+          <a:effectRef idx="0">
+            <a:schemeClr val="accent1"/>
+          </a:effectRef>
+          <a:fontRef idx="minor">
+            <a:schemeClr val="tx1"/>
+          </a:fontRef>
+        </p:style>
+      </p:cxnSp>
+      <p:cxnSp>
+        <p:nvCxnSpPr>
+          <p:cNvPr id="79" name="直接箭头连接符 78"/>
+          <p:cNvCxnSpPr/>
+          <p:nvPr/>
+        </p:nvCxnSpPr>
+        <p:spPr>
+          <a:xfrm>
+            <a:off x="-4113714" y="1855952"/>
+            <a:ext cx="943980" cy="1"/>
+          </a:xfrm>
+          <a:prstGeom prst="straightConnector1">
+            <a:avLst/>
+          </a:prstGeom>
+          <a:ln w="28575">
+            <a:solidFill>
+              <a:schemeClr val="tx1"/>
+            </a:solidFill>
+            <a:prstDash val="sysDash"/>
+            <a:tailEnd type="triangle"/>
+          </a:ln>
+        </p:spPr>
+        <p:style>
+          <a:lnRef idx="1">
+            <a:schemeClr val="accent1"/>
+          </a:lnRef>
+          <a:fillRef idx="0">
+            <a:schemeClr val="accent1"/>
+          </a:fillRef>
+          <a:effectRef idx="0">
+            <a:schemeClr val="accent1"/>
+          </a:effectRef>
+          <a:fontRef idx="minor">
+            <a:schemeClr val="tx1"/>
+          </a:fontRef>
+        </p:style>
+      </p:cxnSp>
+      <p:cxnSp>
+        <p:nvCxnSpPr>
+          <p:cNvPr id="80" name="直接箭头连接符 79"/>
+          <p:cNvCxnSpPr/>
+          <p:nvPr/>
+        </p:nvCxnSpPr>
+        <p:spPr>
+          <a:xfrm>
+            <a:off x="-4113714" y="3473356"/>
+            <a:ext cx="943980" cy="1"/>
+          </a:xfrm>
+          <a:prstGeom prst="straightConnector1">
+            <a:avLst/>
+          </a:prstGeom>
+          <a:ln w="28575">
+            <a:solidFill>
+              <a:schemeClr val="tx1"/>
+            </a:solidFill>
+            <a:prstDash val="sysDash"/>
+            <a:tailEnd type="triangle"/>
+          </a:ln>
+        </p:spPr>
+        <p:style>
+          <a:lnRef idx="1">
+            <a:schemeClr val="accent1"/>
+          </a:lnRef>
+          <a:fillRef idx="0">
+            <a:schemeClr val="accent1"/>
+          </a:fillRef>
+          <a:effectRef idx="0">
+            <a:schemeClr val="accent1"/>
+          </a:effectRef>
+          <a:fontRef idx="minor">
+            <a:schemeClr val="tx1"/>
+          </a:fontRef>
+        </p:style>
+      </p:cxnSp>
+      <p:sp>
+        <p:nvSpPr>
+          <p:cNvPr id="81" name="椭圆 80"/>
+          <p:cNvSpPr/>
+          <p:nvPr/>
+        </p:nvSpPr>
+        <p:spPr>
+          <a:xfrm>
+            <a:off x="-3657575" y="1988840"/>
+            <a:ext cx="65462" cy="72008"/>
+          </a:xfrm>
+          <a:prstGeom prst="ellipse">
+            <a:avLst/>
+          </a:prstGeom>
+          <a:solidFill>
+            <a:schemeClr val="tx1"/>
+          </a:solidFill>
+          <a:ln>
+            <a:solidFill>
+              <a:schemeClr val="tx1"/>
+            </a:solidFill>
+          </a:ln>
+        </p:spPr>
+        <p:style>
+          <a:lnRef idx="2">
+            <a:schemeClr val="accent1">
+              <a:shade val="50000"/>
+            </a:schemeClr>
+          </a:lnRef>
+          <a:fillRef idx="1">
+            <a:schemeClr val="accent1"/>
+          </a:fillRef>
+          <a:effectRef idx="0">
+            <a:schemeClr val="accent1"/>
+          </a:effectRef>
+          <a:fontRef idx="minor">
+            <a:schemeClr val="lt1"/>
+          </a:fontRef>
+        </p:style>
+        <p:txBody>
+          <a:bodyPr rtlCol="0" anchor="ctr"/>
+          <a:lstStyle/>
+          <a:p>
+            <a:pPr algn="ctr"/>
+            <a:endParaRPr lang="zh-CN" altLang="en-US"/>
+          </a:p>
+        </p:txBody>
+      </p:sp>
+      <p:sp>
+        <p:nvSpPr>
+          <p:cNvPr id="82" name="椭圆 81"/>
+          <p:cNvSpPr/>
+          <p:nvPr/>
+        </p:nvSpPr>
+        <p:spPr>
+          <a:xfrm>
+            <a:off x="-3657575" y="2384884"/>
+            <a:ext cx="65462" cy="72008"/>
+          </a:xfrm>
+          <a:prstGeom prst="ellipse">
+            <a:avLst/>
+          </a:prstGeom>
+          <a:solidFill>
+            <a:schemeClr val="tx1"/>
+          </a:solidFill>
+          <a:ln>
+            <a:solidFill>
+              <a:schemeClr val="tx1"/>
+            </a:solidFill>
+          </a:ln>
+        </p:spPr>
+        <p:style>
+          <a:lnRef idx="2">
+            <a:schemeClr val="accent1">
+              <a:shade val="50000"/>
+            </a:schemeClr>
+          </a:lnRef>
+          <a:fillRef idx="1">
+            <a:schemeClr val="accent1"/>
+          </a:fillRef>
+          <a:effectRef idx="0">
+            <a:schemeClr val="accent1"/>
+          </a:effectRef>
+          <a:fontRef idx="minor">
+            <a:schemeClr val="lt1"/>
+          </a:fontRef>
+        </p:style>
+        <p:txBody>
+          <a:bodyPr rtlCol="0" anchor="ctr"/>
+          <a:lstStyle/>
+          <a:p>
+            <a:pPr algn="ctr"/>
+            <a:endParaRPr lang="zh-CN" altLang="en-US"/>
+          </a:p>
+        </p:txBody>
+      </p:sp>
+      <p:sp>
+        <p:nvSpPr>
+          <p:cNvPr id="83" name="椭圆 82"/>
+          <p:cNvSpPr/>
+          <p:nvPr/>
+        </p:nvSpPr>
+        <p:spPr>
+          <a:xfrm>
+            <a:off x="-3657575" y="2780928"/>
+            <a:ext cx="65462" cy="72008"/>
+          </a:xfrm>
+          <a:prstGeom prst="ellipse">
+            <a:avLst/>
+          </a:prstGeom>
+          <a:solidFill>
+            <a:schemeClr val="tx1"/>
+          </a:solidFill>
+          <a:ln>
+            <a:solidFill>
+              <a:schemeClr val="tx1"/>
+            </a:solidFill>
+          </a:ln>
+        </p:spPr>
+        <p:style>
+          <a:lnRef idx="2">
+            <a:schemeClr val="accent1">
+              <a:shade val="50000"/>
+            </a:schemeClr>
+          </a:lnRef>
+          <a:fillRef idx="1">
+            <a:schemeClr val="accent1"/>
+          </a:fillRef>
+          <a:effectRef idx="0">
+            <a:schemeClr val="accent1"/>
+          </a:effectRef>
+          <a:fontRef idx="minor">
+            <a:schemeClr val="lt1"/>
+          </a:fontRef>
+        </p:style>
+        <p:txBody>
+          <a:bodyPr rtlCol="0" anchor="ctr"/>
+          <a:lstStyle/>
+          <a:p>
+            <a:pPr algn="ctr"/>
+            <a:endParaRPr lang="zh-CN" altLang="en-US"/>
+          </a:p>
+        </p:txBody>
+      </p:sp>
     </p:spTree>
     <p:extLst>
       <p:ext uri="{BB962C8B-B14F-4D97-AF65-F5344CB8AC3E}">
-        <p14:creationId xmlns:p14="http://schemas.microsoft.com/office/powerpoint/2010/main" val="2692375616"/>
+        <p14:creationId xmlns:p14="http://schemas.microsoft.com/office/powerpoint/2010/main" val="1639915514"/>
       </p:ext>
     </p:extLst>
   </p:cSld>

--- a/八光子.pptx
+++ b/八光子.pptx
@@ -305,7 +305,7 @@
           <a:p>
             <a:fld id="{EBD3FB01-EEE8-47FD-9879-E387D7838F1B}" type="datetimeFigureOut">
               <a:rPr lang="zh-CN" altLang="en-US" smtClean="0"/>
-              <a:t>2016/10/13</a:t>
+              <a:t>2016/10/14</a:t>
             </a:fld>
             <a:endParaRPr lang="zh-CN" altLang="en-US"/>
           </a:p>
@@ -475,7 +475,7 @@
           <a:p>
             <a:fld id="{EBD3FB01-EEE8-47FD-9879-E387D7838F1B}" type="datetimeFigureOut">
               <a:rPr lang="zh-CN" altLang="en-US" smtClean="0"/>
-              <a:t>2016/10/13</a:t>
+              <a:t>2016/10/14</a:t>
             </a:fld>
             <a:endParaRPr lang="zh-CN" altLang="en-US"/>
           </a:p>
@@ -655,7 +655,7 @@
           <a:p>
             <a:fld id="{EBD3FB01-EEE8-47FD-9879-E387D7838F1B}" type="datetimeFigureOut">
               <a:rPr lang="zh-CN" altLang="en-US" smtClean="0"/>
-              <a:t>2016/10/13</a:t>
+              <a:t>2016/10/14</a:t>
             </a:fld>
             <a:endParaRPr lang="zh-CN" altLang="en-US"/>
           </a:p>
@@ -825,7 +825,7 @@
           <a:p>
             <a:fld id="{EBD3FB01-EEE8-47FD-9879-E387D7838F1B}" type="datetimeFigureOut">
               <a:rPr lang="zh-CN" altLang="en-US" smtClean="0"/>
-              <a:t>2016/10/13</a:t>
+              <a:t>2016/10/14</a:t>
             </a:fld>
             <a:endParaRPr lang="zh-CN" altLang="en-US"/>
           </a:p>
@@ -1071,7 +1071,7 @@
           <a:p>
             <a:fld id="{EBD3FB01-EEE8-47FD-9879-E387D7838F1B}" type="datetimeFigureOut">
               <a:rPr lang="zh-CN" altLang="en-US" smtClean="0"/>
-              <a:t>2016/10/13</a:t>
+              <a:t>2016/10/14</a:t>
             </a:fld>
             <a:endParaRPr lang="zh-CN" altLang="en-US"/>
           </a:p>
@@ -1359,7 +1359,7 @@
           <a:p>
             <a:fld id="{EBD3FB01-EEE8-47FD-9879-E387D7838F1B}" type="datetimeFigureOut">
               <a:rPr lang="zh-CN" altLang="en-US" smtClean="0"/>
-              <a:t>2016/10/13</a:t>
+              <a:t>2016/10/14</a:t>
             </a:fld>
             <a:endParaRPr lang="zh-CN" altLang="en-US"/>
           </a:p>
@@ -1781,7 +1781,7 @@
           <a:p>
             <a:fld id="{EBD3FB01-EEE8-47FD-9879-E387D7838F1B}" type="datetimeFigureOut">
               <a:rPr lang="zh-CN" altLang="en-US" smtClean="0"/>
-              <a:t>2016/10/13</a:t>
+              <a:t>2016/10/14</a:t>
             </a:fld>
             <a:endParaRPr lang="zh-CN" altLang="en-US"/>
           </a:p>
@@ -1899,7 +1899,7 @@
           <a:p>
             <a:fld id="{EBD3FB01-EEE8-47FD-9879-E387D7838F1B}" type="datetimeFigureOut">
               <a:rPr lang="zh-CN" altLang="en-US" smtClean="0"/>
-              <a:t>2016/10/13</a:t>
+              <a:t>2016/10/14</a:t>
             </a:fld>
             <a:endParaRPr lang="zh-CN" altLang="en-US"/>
           </a:p>
@@ -1994,7 +1994,7 @@
           <a:p>
             <a:fld id="{EBD3FB01-EEE8-47FD-9879-E387D7838F1B}" type="datetimeFigureOut">
               <a:rPr lang="zh-CN" altLang="en-US" smtClean="0"/>
-              <a:t>2016/10/13</a:t>
+              <a:t>2016/10/14</a:t>
             </a:fld>
             <a:endParaRPr lang="zh-CN" altLang="en-US"/>
           </a:p>
@@ -2271,7 +2271,7 @@
           <a:p>
             <a:fld id="{EBD3FB01-EEE8-47FD-9879-E387D7838F1B}" type="datetimeFigureOut">
               <a:rPr lang="zh-CN" altLang="en-US" smtClean="0"/>
-              <a:t>2016/10/13</a:t>
+              <a:t>2016/10/14</a:t>
             </a:fld>
             <a:endParaRPr lang="zh-CN" altLang="en-US"/>
           </a:p>
@@ -2524,7 +2524,7 @@
           <a:p>
             <a:fld id="{EBD3FB01-EEE8-47FD-9879-E387D7838F1B}" type="datetimeFigureOut">
               <a:rPr lang="zh-CN" altLang="en-US" smtClean="0"/>
-              <a:t>2016/10/13</a:t>
+              <a:t>2016/10/14</a:t>
             </a:fld>
             <a:endParaRPr lang="zh-CN" altLang="en-US"/>
           </a:p>
@@ -2737,7 +2737,7 @@
           <a:p>
             <a:fld id="{EBD3FB01-EEE8-47FD-9879-E387D7838F1B}" type="datetimeFigureOut">
               <a:rPr lang="zh-CN" altLang="en-US" smtClean="0"/>
-              <a:t>2016/10/13</a:t>
+              <a:t>2016/10/14</a:t>
             </a:fld>
             <a:endParaRPr lang="zh-CN" altLang="en-US"/>
           </a:p>
@@ -4682,754 +4682,1287 @@
           <a:chExt cx="0" cy="0"/>
         </a:xfrm>
       </p:grpSpPr>
-      <p:sp>
-        <p:nvSpPr>
-          <p:cNvPr id="4" name="圆角矩形 3"/>
-          <p:cNvSpPr/>
-          <p:nvPr/>
-        </p:nvSpPr>
-        <p:spPr>
-          <a:xfrm>
-            <a:off x="-1980728" y="-243408"/>
-            <a:ext cx="13681520" cy="7101408"/>
-          </a:xfrm>
-          <a:prstGeom prst="roundRect">
-            <a:avLst/>
-          </a:prstGeom>
-          <a:noFill/>
-          <a:ln>
-            <a:solidFill>
-              <a:schemeClr val="tx1"/>
-            </a:solidFill>
-            <a:prstDash val="sysDash"/>
-          </a:ln>
-        </p:spPr>
-        <p:style>
-          <a:lnRef idx="2">
-            <a:schemeClr val="accent1">
-              <a:shade val="50000"/>
-            </a:schemeClr>
-          </a:lnRef>
-          <a:fillRef idx="1">
-            <a:schemeClr val="accent1"/>
-          </a:fillRef>
-          <a:effectRef idx="0">
-            <a:schemeClr val="accent1"/>
-          </a:effectRef>
-          <a:fontRef idx="minor">
-            <a:schemeClr val="lt1"/>
-          </a:fontRef>
-        </p:style>
-        <p:txBody>
-          <a:bodyPr rtlCol="0" anchor="ctr"/>
-          <a:lstStyle/>
-          <a:p>
-            <a:pPr algn="ctr"/>
-            <a:endParaRPr lang="zh-CN" altLang="en-US"/>
-          </a:p>
-        </p:txBody>
-      </p:sp>
-      <p:sp>
-        <p:nvSpPr>
-          <p:cNvPr id="5" name="矩形 4"/>
-          <p:cNvSpPr/>
-          <p:nvPr/>
-        </p:nvSpPr>
-        <p:spPr>
-          <a:xfrm>
-            <a:off x="-612576" y="980728"/>
-            <a:ext cx="1224136" cy="2808312"/>
-          </a:xfrm>
-          <a:prstGeom prst="rect">
-            <a:avLst/>
-          </a:prstGeom>
-          <a:noFill/>
-          <a:ln>
-            <a:solidFill>
-              <a:schemeClr val="tx1"/>
-            </a:solidFill>
-          </a:ln>
-        </p:spPr>
-        <p:style>
-          <a:lnRef idx="2">
-            <a:schemeClr val="accent1">
-              <a:shade val="50000"/>
-            </a:schemeClr>
-          </a:lnRef>
-          <a:fillRef idx="1">
-            <a:schemeClr val="accent1"/>
-          </a:fillRef>
-          <a:effectRef idx="0">
-            <a:schemeClr val="accent1"/>
-          </a:effectRef>
-          <a:fontRef idx="minor">
-            <a:schemeClr val="lt1"/>
-          </a:fontRef>
-        </p:style>
-        <p:txBody>
-          <a:bodyPr rtlCol="0" anchor="ctr"/>
-          <a:lstStyle/>
-          <a:p>
-            <a:pPr algn="ctr"/>
-            <a:r>
-              <a:rPr lang="en-US" altLang="zh-CN" dirty="0" smtClean="0">
-                <a:solidFill>
-                  <a:schemeClr val="tx1"/>
-                </a:solidFill>
-              </a:rPr>
-              <a:t>IODELAY2</a:t>
-            </a:r>
-            <a:endParaRPr lang="zh-CN" altLang="en-US" dirty="0">
-              <a:solidFill>
-                <a:schemeClr val="tx1"/>
-              </a:solidFill>
-            </a:endParaRPr>
-          </a:p>
-        </p:txBody>
-      </p:sp>
-      <p:cxnSp>
-        <p:nvCxnSpPr>
-          <p:cNvPr id="6" name="直接箭头连接符 5"/>
-          <p:cNvCxnSpPr/>
-          <p:nvPr/>
-        </p:nvCxnSpPr>
-        <p:spPr>
-          <a:xfrm>
-            <a:off x="-2556792" y="1376772"/>
-            <a:ext cx="1944216" cy="0"/>
-          </a:xfrm>
-          <a:prstGeom prst="straightConnector1">
-            <a:avLst/>
-          </a:prstGeom>
-          <a:ln w="28575">
-            <a:solidFill>
-              <a:schemeClr val="tx1"/>
-            </a:solidFill>
-            <a:tailEnd type="arrow"/>
-          </a:ln>
-        </p:spPr>
-        <p:style>
-          <a:lnRef idx="1">
-            <a:schemeClr val="accent1"/>
-          </a:lnRef>
-          <a:fillRef idx="0">
-            <a:schemeClr val="accent1"/>
-          </a:fillRef>
-          <a:effectRef idx="0">
-            <a:schemeClr val="accent1"/>
-          </a:effectRef>
-          <a:fontRef idx="minor">
-            <a:schemeClr val="tx1"/>
-          </a:fontRef>
-        </p:style>
-      </p:cxnSp>
-      <p:sp>
-        <p:nvSpPr>
-          <p:cNvPr id="7" name="椭圆 6"/>
-          <p:cNvSpPr/>
-          <p:nvPr/>
-        </p:nvSpPr>
-        <p:spPr>
-          <a:xfrm>
-            <a:off x="-1614142" y="1988840"/>
-            <a:ext cx="65462" cy="72008"/>
-          </a:xfrm>
-          <a:prstGeom prst="ellipse">
-            <a:avLst/>
-          </a:prstGeom>
-          <a:solidFill>
-            <a:schemeClr val="tx1"/>
-          </a:solidFill>
-          <a:ln>
-            <a:solidFill>
-              <a:schemeClr val="tx1"/>
-            </a:solidFill>
-          </a:ln>
-        </p:spPr>
-        <p:style>
-          <a:lnRef idx="2">
-            <a:schemeClr val="accent1">
-              <a:shade val="50000"/>
-            </a:schemeClr>
-          </a:lnRef>
-          <a:fillRef idx="1">
-            <a:schemeClr val="accent1"/>
-          </a:fillRef>
-          <a:effectRef idx="0">
-            <a:schemeClr val="accent1"/>
-          </a:effectRef>
-          <a:fontRef idx="minor">
-            <a:schemeClr val="lt1"/>
-          </a:fontRef>
-        </p:style>
-        <p:txBody>
-          <a:bodyPr rtlCol="0" anchor="ctr"/>
-          <a:lstStyle/>
-          <a:p>
-            <a:pPr algn="ctr"/>
-            <a:endParaRPr lang="zh-CN" altLang="en-US"/>
-          </a:p>
-        </p:txBody>
-      </p:sp>
-      <p:sp>
-        <p:nvSpPr>
-          <p:cNvPr id="8" name="椭圆 7"/>
-          <p:cNvSpPr/>
-          <p:nvPr/>
-        </p:nvSpPr>
-        <p:spPr>
-          <a:xfrm>
-            <a:off x="-1614142" y="2384884"/>
-            <a:ext cx="65462" cy="72008"/>
-          </a:xfrm>
-          <a:prstGeom prst="ellipse">
-            <a:avLst/>
-          </a:prstGeom>
-          <a:solidFill>
-            <a:schemeClr val="tx1"/>
-          </a:solidFill>
-          <a:ln>
-            <a:solidFill>
-              <a:schemeClr val="tx1"/>
-            </a:solidFill>
-          </a:ln>
-        </p:spPr>
-        <p:style>
-          <a:lnRef idx="2">
-            <a:schemeClr val="accent1">
-              <a:shade val="50000"/>
-            </a:schemeClr>
-          </a:lnRef>
-          <a:fillRef idx="1">
-            <a:schemeClr val="accent1"/>
-          </a:fillRef>
-          <a:effectRef idx="0">
-            <a:schemeClr val="accent1"/>
-          </a:effectRef>
-          <a:fontRef idx="minor">
-            <a:schemeClr val="lt1"/>
-          </a:fontRef>
-        </p:style>
-        <p:txBody>
-          <a:bodyPr rtlCol="0" anchor="ctr"/>
-          <a:lstStyle/>
-          <a:p>
-            <a:pPr algn="ctr"/>
-            <a:endParaRPr lang="zh-CN" altLang="en-US"/>
-          </a:p>
-        </p:txBody>
-      </p:sp>
-      <p:sp>
-        <p:nvSpPr>
-          <p:cNvPr id="9" name="椭圆 8"/>
-          <p:cNvSpPr/>
-          <p:nvPr/>
-        </p:nvSpPr>
-        <p:spPr>
-          <a:xfrm>
-            <a:off x="-1614142" y="2780928"/>
-            <a:ext cx="65462" cy="72008"/>
-          </a:xfrm>
-          <a:prstGeom prst="ellipse">
-            <a:avLst/>
-          </a:prstGeom>
-          <a:solidFill>
-            <a:schemeClr val="tx1"/>
-          </a:solidFill>
-          <a:ln>
-            <a:solidFill>
-              <a:schemeClr val="tx1"/>
-            </a:solidFill>
-          </a:ln>
-        </p:spPr>
-        <p:style>
-          <a:lnRef idx="2">
-            <a:schemeClr val="accent1">
-              <a:shade val="50000"/>
-            </a:schemeClr>
-          </a:lnRef>
-          <a:fillRef idx="1">
-            <a:schemeClr val="accent1"/>
-          </a:fillRef>
-          <a:effectRef idx="0">
-            <a:schemeClr val="accent1"/>
-          </a:effectRef>
-          <a:fontRef idx="minor">
-            <a:schemeClr val="lt1"/>
-          </a:fontRef>
-        </p:style>
-        <p:txBody>
-          <a:bodyPr rtlCol="0" anchor="ctr"/>
-          <a:lstStyle/>
-          <a:p>
-            <a:pPr algn="ctr"/>
-            <a:endParaRPr lang="zh-CN" altLang="en-US"/>
-          </a:p>
-        </p:txBody>
-      </p:sp>
-      <p:cxnSp>
-        <p:nvCxnSpPr>
-          <p:cNvPr id="10" name="直接箭头连接符 9"/>
-          <p:cNvCxnSpPr/>
-          <p:nvPr/>
-        </p:nvCxnSpPr>
-        <p:spPr>
-          <a:xfrm>
-            <a:off x="-2564668" y="3465004"/>
-            <a:ext cx="1944216" cy="0"/>
-          </a:xfrm>
-          <a:prstGeom prst="straightConnector1">
-            <a:avLst/>
-          </a:prstGeom>
-          <a:ln w="28575">
-            <a:solidFill>
-              <a:schemeClr val="tx1"/>
-            </a:solidFill>
-            <a:tailEnd type="arrow"/>
-          </a:ln>
-        </p:spPr>
-        <p:style>
-          <a:lnRef idx="1">
-            <a:schemeClr val="accent1"/>
-          </a:lnRef>
-          <a:fillRef idx="0">
-            <a:schemeClr val="accent1"/>
-          </a:fillRef>
-          <a:effectRef idx="0">
-            <a:schemeClr val="accent1"/>
-          </a:effectRef>
-          <a:fontRef idx="minor">
-            <a:schemeClr val="tx1"/>
-          </a:fontRef>
-        </p:style>
-      </p:cxnSp>
-      <p:sp>
-        <p:nvSpPr>
-          <p:cNvPr id="11" name="TextBox 13"/>
-          <p:cNvSpPr txBox="1"/>
-          <p:nvPr/>
-        </p:nvSpPr>
-        <p:spPr>
-          <a:xfrm>
-            <a:off x="-2078161" y="947500"/>
-            <a:ext cx="993500" cy="369332"/>
-          </a:xfrm>
-          <a:prstGeom prst="rect">
-            <a:avLst/>
-          </a:prstGeom>
-          <a:noFill/>
-        </p:spPr>
-        <p:txBody>
-          <a:bodyPr wrap="square" rtlCol="0">
-            <a:spAutoFit/>
-          </a:bodyPr>
-          <a:lstStyle/>
-          <a:p>
-            <a:pPr algn="ctr"/>
-            <a:r>
-              <a:rPr lang="en-US" altLang="zh-CN" dirty="0" smtClean="0"/>
-              <a:t>CH1</a:t>
-            </a:r>
-            <a:endParaRPr lang="zh-CN" altLang="en-US" dirty="0"/>
-          </a:p>
-        </p:txBody>
-      </p:sp>
-      <p:sp>
-        <p:nvSpPr>
-          <p:cNvPr id="12" name="TextBox 14"/>
-          <p:cNvSpPr txBox="1"/>
-          <p:nvPr/>
-        </p:nvSpPr>
-        <p:spPr>
-          <a:xfrm>
-            <a:off x="-2089310" y="3062136"/>
-            <a:ext cx="993500" cy="369332"/>
-          </a:xfrm>
-          <a:prstGeom prst="rect">
-            <a:avLst/>
-          </a:prstGeom>
-          <a:noFill/>
-        </p:spPr>
-        <p:txBody>
-          <a:bodyPr wrap="square" rtlCol="0">
-            <a:spAutoFit/>
-          </a:bodyPr>
-          <a:lstStyle/>
-          <a:p>
-            <a:pPr algn="ctr"/>
-            <a:r>
-              <a:rPr lang="en-US" altLang="zh-CN" dirty="0" err="1" smtClean="0"/>
-              <a:t>CHn</a:t>
-            </a:r>
-            <a:endParaRPr lang="zh-CN" altLang="en-US" dirty="0"/>
-          </a:p>
-        </p:txBody>
-      </p:sp>
-      <p:sp>
-        <p:nvSpPr>
-          <p:cNvPr id="13" name="矩形 12"/>
-          <p:cNvSpPr/>
-          <p:nvPr/>
-        </p:nvSpPr>
-        <p:spPr>
-          <a:xfrm>
-            <a:off x="1518882" y="980728"/>
-            <a:ext cx="1224136" cy="2808312"/>
-          </a:xfrm>
-          <a:prstGeom prst="rect">
-            <a:avLst/>
-          </a:prstGeom>
-          <a:noFill/>
-          <a:ln>
-            <a:solidFill>
-              <a:schemeClr val="tx1"/>
-            </a:solidFill>
-          </a:ln>
-        </p:spPr>
-        <p:style>
-          <a:lnRef idx="2">
-            <a:schemeClr val="accent1">
-              <a:shade val="50000"/>
-            </a:schemeClr>
-          </a:lnRef>
-          <a:fillRef idx="1">
-            <a:schemeClr val="accent1"/>
-          </a:fillRef>
-          <a:effectRef idx="0">
-            <a:schemeClr val="accent1"/>
-          </a:effectRef>
-          <a:fontRef idx="minor">
-            <a:schemeClr val="lt1"/>
-          </a:fontRef>
-        </p:style>
-        <p:txBody>
-          <a:bodyPr rtlCol="0" anchor="ctr"/>
-          <a:lstStyle/>
-          <a:p>
-            <a:pPr algn="ctr"/>
-            <a:r>
-              <a:rPr lang="en-US" altLang="zh-CN" dirty="0" smtClean="0">
-                <a:solidFill>
-                  <a:schemeClr val="tx1"/>
-                </a:solidFill>
-              </a:rPr>
-              <a:t>PULSE SHAPING</a:t>
-            </a:r>
-            <a:endParaRPr lang="zh-CN" altLang="en-US" dirty="0">
-              <a:solidFill>
-                <a:schemeClr val="tx1"/>
-              </a:solidFill>
-            </a:endParaRPr>
-          </a:p>
-        </p:txBody>
-      </p:sp>
-      <p:cxnSp>
-        <p:nvCxnSpPr>
-          <p:cNvPr id="14" name="直接箭头连接符 13"/>
-          <p:cNvCxnSpPr/>
-          <p:nvPr/>
-        </p:nvCxnSpPr>
-        <p:spPr>
-          <a:xfrm>
-            <a:off x="-2556792" y="1806044"/>
-            <a:ext cx="1944216" cy="0"/>
-          </a:xfrm>
-          <a:prstGeom prst="straightConnector1">
-            <a:avLst/>
-          </a:prstGeom>
-          <a:ln w="28575">
-            <a:solidFill>
-              <a:schemeClr val="tx1"/>
-            </a:solidFill>
-            <a:tailEnd type="arrow"/>
-          </a:ln>
-        </p:spPr>
-        <p:style>
-          <a:lnRef idx="1">
-            <a:schemeClr val="accent1"/>
-          </a:lnRef>
-          <a:fillRef idx="0">
-            <a:schemeClr val="accent1"/>
-          </a:fillRef>
-          <a:effectRef idx="0">
-            <a:schemeClr val="accent1"/>
-          </a:effectRef>
-          <a:fontRef idx="minor">
-            <a:schemeClr val="tx1"/>
-          </a:fontRef>
-        </p:style>
-      </p:cxnSp>
-      <p:sp>
-        <p:nvSpPr>
-          <p:cNvPr id="15" name="TextBox 35"/>
-          <p:cNvSpPr txBox="1"/>
-          <p:nvPr/>
-        </p:nvSpPr>
-        <p:spPr>
-          <a:xfrm>
-            <a:off x="-2078161" y="1376772"/>
-            <a:ext cx="993500" cy="369332"/>
-          </a:xfrm>
-          <a:prstGeom prst="rect">
-            <a:avLst/>
-          </a:prstGeom>
-          <a:noFill/>
-        </p:spPr>
-        <p:txBody>
-          <a:bodyPr wrap="square" rtlCol="0">
-            <a:spAutoFit/>
-          </a:bodyPr>
-          <a:lstStyle/>
-          <a:p>
-            <a:pPr algn="ctr"/>
-            <a:r>
-              <a:rPr lang="en-US" altLang="zh-CN" dirty="0" smtClean="0"/>
-              <a:t>CH2</a:t>
-            </a:r>
-            <a:endParaRPr lang="zh-CN" altLang="en-US" dirty="0"/>
-          </a:p>
-        </p:txBody>
-      </p:sp>
-      <p:sp>
-        <p:nvSpPr>
-          <p:cNvPr id="16" name="右箭头 15"/>
-          <p:cNvSpPr/>
-          <p:nvPr/>
-        </p:nvSpPr>
-        <p:spPr>
-          <a:xfrm>
-            <a:off x="603267" y="2132856"/>
-            <a:ext cx="907322" cy="576064"/>
-          </a:xfrm>
-          <a:prstGeom prst="rightArrow">
-            <a:avLst/>
-          </a:prstGeom>
-          <a:noFill/>
-          <a:ln>
-            <a:solidFill>
-              <a:schemeClr val="tx1"/>
-            </a:solidFill>
-          </a:ln>
-        </p:spPr>
-        <p:style>
-          <a:lnRef idx="2">
-            <a:schemeClr val="accent1">
-              <a:shade val="50000"/>
-            </a:schemeClr>
-          </a:lnRef>
-          <a:fillRef idx="1">
-            <a:schemeClr val="accent1"/>
-          </a:fillRef>
-          <a:effectRef idx="0">
-            <a:schemeClr val="accent1"/>
-          </a:effectRef>
-          <a:fontRef idx="minor">
-            <a:schemeClr val="lt1"/>
-          </a:fontRef>
-        </p:style>
-        <p:txBody>
-          <a:bodyPr rtlCol="0" anchor="ctr"/>
-          <a:lstStyle/>
-          <a:p>
-            <a:pPr algn="ctr"/>
-            <a:endParaRPr lang="zh-CN" altLang="en-US"/>
-          </a:p>
-        </p:txBody>
-      </p:sp>
-      <p:sp>
-        <p:nvSpPr>
-          <p:cNvPr id="17" name="矩形 16"/>
-          <p:cNvSpPr/>
-          <p:nvPr/>
-        </p:nvSpPr>
-        <p:spPr>
-          <a:xfrm>
-            <a:off x="6204925" y="1001988"/>
-            <a:ext cx="1872208" cy="2787052"/>
-          </a:xfrm>
-          <a:prstGeom prst="rect">
-            <a:avLst/>
-          </a:prstGeom>
-          <a:noFill/>
-          <a:ln>
-            <a:solidFill>
-              <a:schemeClr val="tx1"/>
-            </a:solidFill>
-          </a:ln>
-        </p:spPr>
-        <p:style>
-          <a:lnRef idx="2">
-            <a:schemeClr val="accent1">
-              <a:shade val="50000"/>
-            </a:schemeClr>
-          </a:lnRef>
-          <a:fillRef idx="1">
-            <a:schemeClr val="accent1"/>
-          </a:fillRef>
-          <a:effectRef idx="0">
-            <a:schemeClr val="accent1"/>
-          </a:effectRef>
-          <a:fontRef idx="minor">
-            <a:schemeClr val="lt1"/>
-          </a:fontRef>
-        </p:style>
-        <p:txBody>
-          <a:bodyPr rtlCol="0" anchor="ctr"/>
-          <a:lstStyle/>
-          <a:p>
-            <a:pPr algn="ctr"/>
-            <a:r>
-              <a:rPr lang="en-US" altLang="zh-CN" dirty="0" smtClean="0">
-                <a:solidFill>
-                  <a:schemeClr val="tx1"/>
-                </a:solidFill>
-              </a:rPr>
-              <a:t>COINCIDENCE LOGIC</a:t>
-            </a:r>
-            <a:endParaRPr lang="zh-CN" altLang="en-US" dirty="0">
-              <a:solidFill>
-                <a:schemeClr val="tx1"/>
-              </a:solidFill>
-            </a:endParaRPr>
-          </a:p>
-        </p:txBody>
-      </p:sp>
-      <p:sp>
-        <p:nvSpPr>
-          <p:cNvPr id="18" name="右箭头 17"/>
-          <p:cNvSpPr/>
-          <p:nvPr/>
-        </p:nvSpPr>
-        <p:spPr>
-          <a:xfrm>
-            <a:off x="2766011" y="1252146"/>
-            <a:ext cx="941893" cy="576064"/>
-          </a:xfrm>
-          <a:prstGeom prst="rightArrow">
-            <a:avLst/>
-          </a:prstGeom>
-          <a:noFill/>
-          <a:ln>
-            <a:solidFill>
-              <a:schemeClr val="tx1"/>
-            </a:solidFill>
-          </a:ln>
-        </p:spPr>
-        <p:style>
-          <a:lnRef idx="2">
-            <a:schemeClr val="accent1">
-              <a:shade val="50000"/>
-            </a:schemeClr>
-          </a:lnRef>
-          <a:fillRef idx="1">
-            <a:schemeClr val="accent1"/>
-          </a:fillRef>
-          <a:effectRef idx="0">
-            <a:schemeClr val="accent1"/>
-          </a:effectRef>
-          <a:fontRef idx="minor">
-            <a:schemeClr val="lt1"/>
-          </a:fontRef>
-        </p:style>
-        <p:txBody>
-          <a:bodyPr rtlCol="0" anchor="ctr"/>
-          <a:lstStyle/>
-          <a:p>
-            <a:pPr algn="ctr"/>
-            <a:endParaRPr lang="zh-CN" altLang="en-US"/>
-          </a:p>
-        </p:txBody>
-      </p:sp>
-      <p:sp>
-        <p:nvSpPr>
-          <p:cNvPr id="19" name="矩形 18"/>
-          <p:cNvSpPr/>
-          <p:nvPr/>
-        </p:nvSpPr>
-        <p:spPr>
-          <a:xfrm>
-            <a:off x="3707904" y="980728"/>
-            <a:ext cx="1872208" cy="1118900"/>
-          </a:xfrm>
-          <a:prstGeom prst="rect">
-            <a:avLst/>
-          </a:prstGeom>
-          <a:noFill/>
-          <a:ln>
-            <a:solidFill>
-              <a:schemeClr val="tx1"/>
-            </a:solidFill>
-          </a:ln>
-        </p:spPr>
-        <p:style>
-          <a:lnRef idx="2">
-            <a:schemeClr val="accent1">
-              <a:shade val="50000"/>
-            </a:schemeClr>
-          </a:lnRef>
-          <a:fillRef idx="1">
-            <a:schemeClr val="accent1"/>
-          </a:fillRef>
-          <a:effectRef idx="0">
-            <a:schemeClr val="accent1"/>
-          </a:effectRef>
-          <a:fontRef idx="minor">
-            <a:schemeClr val="lt1"/>
-          </a:fontRef>
-        </p:style>
-        <p:txBody>
-          <a:bodyPr rtlCol="0" anchor="ctr"/>
-          <a:lstStyle/>
-          <a:p>
-            <a:pPr algn="ctr"/>
-            <a:r>
-              <a:rPr lang="en-US" altLang="zh-CN" dirty="0" smtClean="0">
-                <a:solidFill>
-                  <a:schemeClr val="tx1"/>
-                </a:solidFill>
-              </a:rPr>
-              <a:t>Register</a:t>
-            </a:r>
-            <a:endParaRPr lang="zh-CN" altLang="en-US" dirty="0">
-              <a:solidFill>
-                <a:schemeClr val="tx1"/>
-              </a:solidFill>
-            </a:endParaRPr>
-          </a:p>
-        </p:txBody>
-      </p:sp>
       <p:grpSp>
         <p:nvGrpSpPr>
-          <p:cNvPr id="20" name="组合 19"/>
+          <p:cNvPr id="2" name="组合 1"/>
           <p:cNvGrpSpPr/>
           <p:nvPr/>
         </p:nvGrpSpPr>
         <p:grpSpPr>
           <a:xfrm>
-            <a:off x="-3121746" y="216024"/>
-            <a:ext cx="881150" cy="404664"/>
-            <a:chOff x="-3348880" y="-84743"/>
-            <a:chExt cx="1368152" cy="484666"/>
+            <a:off x="-4156323" y="-243408"/>
+            <a:ext cx="18233379" cy="8078732"/>
+            <a:chOff x="-4156323" y="-243408"/>
+            <a:chExt cx="18233379" cy="8078732"/>
           </a:xfrm>
         </p:grpSpPr>
+        <p:sp>
+          <p:nvSpPr>
+            <p:cNvPr id="4" name="圆角矩形 3"/>
+            <p:cNvSpPr/>
+            <p:nvPr/>
+          </p:nvSpPr>
+          <p:spPr>
+            <a:xfrm>
+              <a:off x="-1980728" y="-243408"/>
+              <a:ext cx="13681520" cy="7101408"/>
+            </a:xfrm>
+            <a:prstGeom prst="roundRect">
+              <a:avLst/>
+            </a:prstGeom>
+            <a:noFill/>
+            <a:ln>
+              <a:solidFill>
+                <a:schemeClr val="tx1"/>
+              </a:solidFill>
+              <a:prstDash val="sysDash"/>
+            </a:ln>
+          </p:spPr>
+          <p:style>
+            <a:lnRef idx="2">
+              <a:schemeClr val="accent1">
+                <a:shade val="50000"/>
+              </a:schemeClr>
+            </a:lnRef>
+            <a:fillRef idx="1">
+              <a:schemeClr val="accent1"/>
+            </a:fillRef>
+            <a:effectRef idx="0">
+              <a:schemeClr val="accent1"/>
+            </a:effectRef>
+            <a:fontRef idx="minor">
+              <a:schemeClr val="lt1"/>
+            </a:fontRef>
+          </p:style>
+          <p:txBody>
+            <a:bodyPr rtlCol="0" anchor="ctr"/>
+            <a:lstStyle/>
+            <a:p>
+              <a:pPr algn="ctr"/>
+              <a:endParaRPr lang="zh-CN" altLang="en-US"/>
+            </a:p>
+          </p:txBody>
+        </p:sp>
+        <p:sp>
+          <p:nvSpPr>
+            <p:cNvPr id="5" name="矩形 4"/>
+            <p:cNvSpPr/>
+            <p:nvPr/>
+          </p:nvSpPr>
+          <p:spPr>
+            <a:xfrm>
+              <a:off x="-612576" y="980728"/>
+              <a:ext cx="1224136" cy="2808312"/>
+            </a:xfrm>
+            <a:prstGeom prst="rect">
+              <a:avLst/>
+            </a:prstGeom>
+            <a:noFill/>
+            <a:ln>
+              <a:solidFill>
+                <a:schemeClr val="tx1"/>
+              </a:solidFill>
+            </a:ln>
+          </p:spPr>
+          <p:style>
+            <a:lnRef idx="2">
+              <a:schemeClr val="accent1">
+                <a:shade val="50000"/>
+              </a:schemeClr>
+            </a:lnRef>
+            <a:fillRef idx="1">
+              <a:schemeClr val="accent1"/>
+            </a:fillRef>
+            <a:effectRef idx="0">
+              <a:schemeClr val="accent1"/>
+            </a:effectRef>
+            <a:fontRef idx="minor">
+              <a:schemeClr val="lt1"/>
+            </a:fontRef>
+          </p:style>
+          <p:txBody>
+            <a:bodyPr rtlCol="0" anchor="ctr"/>
+            <a:lstStyle/>
+            <a:p>
+              <a:pPr algn="ctr"/>
+              <a:r>
+                <a:rPr lang="en-US" altLang="zh-CN" dirty="0" smtClean="0">
+                  <a:solidFill>
+                    <a:schemeClr val="tx1"/>
+                  </a:solidFill>
+                </a:rPr>
+                <a:t>IODELAY2</a:t>
+              </a:r>
+              <a:endParaRPr lang="zh-CN" altLang="en-US" dirty="0">
+                <a:solidFill>
+                  <a:schemeClr val="tx1"/>
+                </a:solidFill>
+              </a:endParaRPr>
+            </a:p>
+          </p:txBody>
+        </p:sp>
         <p:cxnSp>
           <p:nvCxnSpPr>
-            <p:cNvPr id="21" name="肘形连接符 20"/>
+            <p:cNvPr id="6" name="直接箭头连接符 5"/>
             <p:cNvCxnSpPr/>
             <p:nvPr/>
           </p:nvCxnSpPr>
           <p:spPr>
-            <a:xfrm flipV="1">
-              <a:off x="-3348880" y="-84743"/>
-              <a:ext cx="576064" cy="484666"/>
+            <a:xfrm>
+              <a:off x="-2556792" y="1376772"/>
+              <a:ext cx="1944216" cy="0"/>
             </a:xfrm>
-            <a:prstGeom prst="bentConnector3">
+            <a:prstGeom prst="straightConnector1">
               <a:avLst/>
             </a:prstGeom>
-            <a:ln w="19050">
+            <a:ln w="28575">
               <a:solidFill>
                 <a:schemeClr val="tx1"/>
               </a:solidFill>
+              <a:tailEnd type="arrow"/>
+            </a:ln>
+          </p:spPr>
+          <p:style>
+            <a:lnRef idx="1">
+              <a:schemeClr val="accent1"/>
+            </a:lnRef>
+            <a:fillRef idx="0">
+              <a:schemeClr val="accent1"/>
+            </a:fillRef>
+            <a:effectRef idx="0">
+              <a:schemeClr val="accent1"/>
+            </a:effectRef>
+            <a:fontRef idx="minor">
+              <a:schemeClr val="tx1"/>
+            </a:fontRef>
+          </p:style>
+        </p:cxnSp>
+        <p:sp>
+          <p:nvSpPr>
+            <p:cNvPr id="7" name="椭圆 6"/>
+            <p:cNvSpPr/>
+            <p:nvPr/>
+          </p:nvSpPr>
+          <p:spPr>
+            <a:xfrm>
+              <a:off x="-1614142" y="1988840"/>
+              <a:ext cx="65462" cy="72008"/>
+            </a:xfrm>
+            <a:prstGeom prst="ellipse">
+              <a:avLst/>
+            </a:prstGeom>
+            <a:solidFill>
+              <a:schemeClr val="tx1"/>
+            </a:solidFill>
+            <a:ln>
+              <a:solidFill>
+                <a:schemeClr val="tx1"/>
+              </a:solidFill>
+            </a:ln>
+          </p:spPr>
+          <p:style>
+            <a:lnRef idx="2">
+              <a:schemeClr val="accent1">
+                <a:shade val="50000"/>
+              </a:schemeClr>
+            </a:lnRef>
+            <a:fillRef idx="1">
+              <a:schemeClr val="accent1"/>
+            </a:fillRef>
+            <a:effectRef idx="0">
+              <a:schemeClr val="accent1"/>
+            </a:effectRef>
+            <a:fontRef idx="minor">
+              <a:schemeClr val="lt1"/>
+            </a:fontRef>
+          </p:style>
+          <p:txBody>
+            <a:bodyPr rtlCol="0" anchor="ctr"/>
+            <a:lstStyle/>
+            <a:p>
+              <a:pPr algn="ctr"/>
+              <a:endParaRPr lang="zh-CN" altLang="en-US"/>
+            </a:p>
+          </p:txBody>
+        </p:sp>
+        <p:sp>
+          <p:nvSpPr>
+            <p:cNvPr id="8" name="椭圆 7"/>
+            <p:cNvSpPr/>
+            <p:nvPr/>
+          </p:nvSpPr>
+          <p:spPr>
+            <a:xfrm>
+              <a:off x="-1614142" y="2384884"/>
+              <a:ext cx="65462" cy="72008"/>
+            </a:xfrm>
+            <a:prstGeom prst="ellipse">
+              <a:avLst/>
+            </a:prstGeom>
+            <a:solidFill>
+              <a:schemeClr val="tx1"/>
+            </a:solidFill>
+            <a:ln>
+              <a:solidFill>
+                <a:schemeClr val="tx1"/>
+              </a:solidFill>
+            </a:ln>
+          </p:spPr>
+          <p:style>
+            <a:lnRef idx="2">
+              <a:schemeClr val="accent1">
+                <a:shade val="50000"/>
+              </a:schemeClr>
+            </a:lnRef>
+            <a:fillRef idx="1">
+              <a:schemeClr val="accent1"/>
+            </a:fillRef>
+            <a:effectRef idx="0">
+              <a:schemeClr val="accent1"/>
+            </a:effectRef>
+            <a:fontRef idx="minor">
+              <a:schemeClr val="lt1"/>
+            </a:fontRef>
+          </p:style>
+          <p:txBody>
+            <a:bodyPr rtlCol="0" anchor="ctr"/>
+            <a:lstStyle/>
+            <a:p>
+              <a:pPr algn="ctr"/>
+              <a:endParaRPr lang="zh-CN" altLang="en-US"/>
+            </a:p>
+          </p:txBody>
+        </p:sp>
+        <p:sp>
+          <p:nvSpPr>
+            <p:cNvPr id="9" name="椭圆 8"/>
+            <p:cNvSpPr/>
+            <p:nvPr/>
+          </p:nvSpPr>
+          <p:spPr>
+            <a:xfrm>
+              <a:off x="-1614142" y="2780928"/>
+              <a:ext cx="65462" cy="72008"/>
+            </a:xfrm>
+            <a:prstGeom prst="ellipse">
+              <a:avLst/>
+            </a:prstGeom>
+            <a:solidFill>
+              <a:schemeClr val="tx1"/>
+            </a:solidFill>
+            <a:ln>
+              <a:solidFill>
+                <a:schemeClr val="tx1"/>
+              </a:solidFill>
+            </a:ln>
+          </p:spPr>
+          <p:style>
+            <a:lnRef idx="2">
+              <a:schemeClr val="accent1">
+                <a:shade val="50000"/>
+              </a:schemeClr>
+            </a:lnRef>
+            <a:fillRef idx="1">
+              <a:schemeClr val="accent1"/>
+            </a:fillRef>
+            <a:effectRef idx="0">
+              <a:schemeClr val="accent1"/>
+            </a:effectRef>
+            <a:fontRef idx="minor">
+              <a:schemeClr val="lt1"/>
+            </a:fontRef>
+          </p:style>
+          <p:txBody>
+            <a:bodyPr rtlCol="0" anchor="ctr"/>
+            <a:lstStyle/>
+            <a:p>
+              <a:pPr algn="ctr"/>
+              <a:endParaRPr lang="zh-CN" altLang="en-US"/>
+            </a:p>
+          </p:txBody>
+        </p:sp>
+        <p:cxnSp>
+          <p:nvCxnSpPr>
+            <p:cNvPr id="10" name="直接箭头连接符 9"/>
+            <p:cNvCxnSpPr/>
+            <p:nvPr/>
+          </p:nvCxnSpPr>
+          <p:spPr>
+            <a:xfrm>
+              <a:off x="-2564668" y="3465004"/>
+              <a:ext cx="1944216" cy="0"/>
+            </a:xfrm>
+            <a:prstGeom prst="straightConnector1">
+              <a:avLst/>
+            </a:prstGeom>
+            <a:ln w="28575">
+              <a:solidFill>
+                <a:schemeClr val="tx1"/>
+              </a:solidFill>
+              <a:tailEnd type="arrow"/>
+            </a:ln>
+          </p:spPr>
+          <p:style>
+            <a:lnRef idx="1">
+              <a:schemeClr val="accent1"/>
+            </a:lnRef>
+            <a:fillRef idx="0">
+              <a:schemeClr val="accent1"/>
+            </a:fillRef>
+            <a:effectRef idx="0">
+              <a:schemeClr val="accent1"/>
+            </a:effectRef>
+            <a:fontRef idx="minor">
+              <a:schemeClr val="tx1"/>
+            </a:fontRef>
+          </p:style>
+        </p:cxnSp>
+        <p:sp>
+          <p:nvSpPr>
+            <p:cNvPr id="11" name="TextBox 13"/>
+            <p:cNvSpPr txBox="1"/>
+            <p:nvPr/>
+          </p:nvSpPr>
+          <p:spPr>
+            <a:xfrm>
+              <a:off x="-2078161" y="947500"/>
+              <a:ext cx="993500" cy="369332"/>
+            </a:xfrm>
+            <a:prstGeom prst="rect">
+              <a:avLst/>
+            </a:prstGeom>
+            <a:noFill/>
+          </p:spPr>
+          <p:txBody>
+            <a:bodyPr wrap="square" rtlCol="0">
+              <a:spAutoFit/>
+            </a:bodyPr>
+            <a:lstStyle/>
+            <a:p>
+              <a:pPr algn="ctr"/>
+              <a:r>
+                <a:rPr lang="en-US" altLang="zh-CN" dirty="0" smtClean="0"/>
+                <a:t>CH1</a:t>
+              </a:r>
+              <a:endParaRPr lang="zh-CN" altLang="en-US" dirty="0"/>
+            </a:p>
+          </p:txBody>
+        </p:sp>
+        <p:sp>
+          <p:nvSpPr>
+            <p:cNvPr id="12" name="TextBox 14"/>
+            <p:cNvSpPr txBox="1"/>
+            <p:nvPr/>
+          </p:nvSpPr>
+          <p:spPr>
+            <a:xfrm>
+              <a:off x="-2089310" y="3062136"/>
+              <a:ext cx="993500" cy="369332"/>
+            </a:xfrm>
+            <a:prstGeom prst="rect">
+              <a:avLst/>
+            </a:prstGeom>
+            <a:noFill/>
+          </p:spPr>
+          <p:txBody>
+            <a:bodyPr wrap="square" rtlCol="0">
+              <a:spAutoFit/>
+            </a:bodyPr>
+            <a:lstStyle/>
+            <a:p>
+              <a:pPr algn="ctr"/>
+              <a:r>
+                <a:rPr lang="en-US" altLang="zh-CN" dirty="0" err="1" smtClean="0"/>
+                <a:t>CHn</a:t>
+              </a:r>
+              <a:endParaRPr lang="zh-CN" altLang="en-US" dirty="0"/>
+            </a:p>
+          </p:txBody>
+        </p:sp>
+        <p:sp>
+          <p:nvSpPr>
+            <p:cNvPr id="13" name="矩形 12"/>
+            <p:cNvSpPr/>
+            <p:nvPr/>
+          </p:nvSpPr>
+          <p:spPr>
+            <a:xfrm>
+              <a:off x="1518882" y="980728"/>
+              <a:ext cx="1224136" cy="2808312"/>
+            </a:xfrm>
+            <a:prstGeom prst="rect">
+              <a:avLst/>
+            </a:prstGeom>
+            <a:noFill/>
+            <a:ln>
+              <a:solidFill>
+                <a:schemeClr val="tx1"/>
+              </a:solidFill>
+            </a:ln>
+          </p:spPr>
+          <p:style>
+            <a:lnRef idx="2">
+              <a:schemeClr val="accent1">
+                <a:shade val="50000"/>
+              </a:schemeClr>
+            </a:lnRef>
+            <a:fillRef idx="1">
+              <a:schemeClr val="accent1"/>
+            </a:fillRef>
+            <a:effectRef idx="0">
+              <a:schemeClr val="accent1"/>
+            </a:effectRef>
+            <a:fontRef idx="minor">
+              <a:schemeClr val="lt1"/>
+            </a:fontRef>
+          </p:style>
+          <p:txBody>
+            <a:bodyPr rtlCol="0" anchor="ctr"/>
+            <a:lstStyle/>
+            <a:p>
+              <a:pPr algn="ctr"/>
+              <a:r>
+                <a:rPr lang="en-US" altLang="zh-CN" dirty="0" smtClean="0">
+                  <a:solidFill>
+                    <a:schemeClr val="tx1"/>
+                  </a:solidFill>
+                </a:rPr>
+                <a:t>PULSE SHAPING</a:t>
+              </a:r>
+              <a:endParaRPr lang="zh-CN" altLang="en-US" dirty="0">
+                <a:solidFill>
+                  <a:schemeClr val="tx1"/>
+                </a:solidFill>
+              </a:endParaRPr>
+            </a:p>
+          </p:txBody>
+        </p:sp>
+        <p:cxnSp>
+          <p:nvCxnSpPr>
+            <p:cNvPr id="14" name="直接箭头连接符 13"/>
+            <p:cNvCxnSpPr/>
+            <p:nvPr/>
+          </p:nvCxnSpPr>
+          <p:spPr>
+            <a:xfrm>
+              <a:off x="-2556792" y="1806044"/>
+              <a:ext cx="1944216" cy="0"/>
+            </a:xfrm>
+            <a:prstGeom prst="straightConnector1">
+              <a:avLst/>
+            </a:prstGeom>
+            <a:ln w="28575">
+              <a:solidFill>
+                <a:schemeClr val="tx1"/>
+              </a:solidFill>
+              <a:tailEnd type="arrow"/>
+            </a:ln>
+          </p:spPr>
+          <p:style>
+            <a:lnRef idx="1">
+              <a:schemeClr val="accent1"/>
+            </a:lnRef>
+            <a:fillRef idx="0">
+              <a:schemeClr val="accent1"/>
+            </a:fillRef>
+            <a:effectRef idx="0">
+              <a:schemeClr val="accent1"/>
+            </a:effectRef>
+            <a:fontRef idx="minor">
+              <a:schemeClr val="tx1"/>
+            </a:fontRef>
+          </p:style>
+        </p:cxnSp>
+        <p:sp>
+          <p:nvSpPr>
+            <p:cNvPr id="15" name="TextBox 35"/>
+            <p:cNvSpPr txBox="1"/>
+            <p:nvPr/>
+          </p:nvSpPr>
+          <p:spPr>
+            <a:xfrm>
+              <a:off x="-2078161" y="1376772"/>
+              <a:ext cx="993500" cy="369332"/>
+            </a:xfrm>
+            <a:prstGeom prst="rect">
+              <a:avLst/>
+            </a:prstGeom>
+            <a:noFill/>
+          </p:spPr>
+          <p:txBody>
+            <a:bodyPr wrap="square" rtlCol="0">
+              <a:spAutoFit/>
+            </a:bodyPr>
+            <a:lstStyle/>
+            <a:p>
+              <a:pPr algn="ctr"/>
+              <a:r>
+                <a:rPr lang="en-US" altLang="zh-CN" dirty="0" smtClean="0"/>
+                <a:t>CH2</a:t>
+              </a:r>
+              <a:endParaRPr lang="zh-CN" altLang="en-US" dirty="0"/>
+            </a:p>
+          </p:txBody>
+        </p:sp>
+        <p:sp>
+          <p:nvSpPr>
+            <p:cNvPr id="16" name="右箭头 15"/>
+            <p:cNvSpPr/>
+            <p:nvPr/>
+          </p:nvSpPr>
+          <p:spPr>
+            <a:xfrm>
+              <a:off x="603267" y="2132856"/>
+              <a:ext cx="907322" cy="576064"/>
+            </a:xfrm>
+            <a:prstGeom prst="rightArrow">
+              <a:avLst/>
+            </a:prstGeom>
+            <a:noFill/>
+            <a:ln>
+              <a:solidFill>
+                <a:schemeClr val="tx1"/>
+              </a:solidFill>
+            </a:ln>
+          </p:spPr>
+          <p:style>
+            <a:lnRef idx="2">
+              <a:schemeClr val="accent1">
+                <a:shade val="50000"/>
+              </a:schemeClr>
+            </a:lnRef>
+            <a:fillRef idx="1">
+              <a:schemeClr val="accent1"/>
+            </a:fillRef>
+            <a:effectRef idx="0">
+              <a:schemeClr val="accent1"/>
+            </a:effectRef>
+            <a:fontRef idx="minor">
+              <a:schemeClr val="lt1"/>
+            </a:fontRef>
+          </p:style>
+          <p:txBody>
+            <a:bodyPr rtlCol="0" anchor="ctr"/>
+            <a:lstStyle/>
+            <a:p>
+              <a:pPr algn="ctr"/>
+              <a:endParaRPr lang="zh-CN" altLang="en-US"/>
+            </a:p>
+          </p:txBody>
+        </p:sp>
+        <p:sp>
+          <p:nvSpPr>
+            <p:cNvPr id="17" name="矩形 16"/>
+            <p:cNvSpPr/>
+            <p:nvPr/>
+          </p:nvSpPr>
+          <p:spPr>
+            <a:xfrm>
+              <a:off x="6204925" y="1001988"/>
+              <a:ext cx="1872208" cy="2787052"/>
+            </a:xfrm>
+            <a:prstGeom prst="rect">
+              <a:avLst/>
+            </a:prstGeom>
+            <a:noFill/>
+            <a:ln>
+              <a:solidFill>
+                <a:schemeClr val="tx1"/>
+              </a:solidFill>
+            </a:ln>
+          </p:spPr>
+          <p:style>
+            <a:lnRef idx="2">
+              <a:schemeClr val="accent1">
+                <a:shade val="50000"/>
+              </a:schemeClr>
+            </a:lnRef>
+            <a:fillRef idx="1">
+              <a:schemeClr val="accent1"/>
+            </a:fillRef>
+            <a:effectRef idx="0">
+              <a:schemeClr val="accent1"/>
+            </a:effectRef>
+            <a:fontRef idx="minor">
+              <a:schemeClr val="lt1"/>
+            </a:fontRef>
+          </p:style>
+          <p:txBody>
+            <a:bodyPr rtlCol="0" anchor="ctr"/>
+            <a:lstStyle/>
+            <a:p>
+              <a:pPr algn="ctr"/>
+              <a:r>
+                <a:rPr lang="en-US" altLang="zh-CN" dirty="0" smtClean="0">
+                  <a:solidFill>
+                    <a:schemeClr val="tx1"/>
+                  </a:solidFill>
+                </a:rPr>
+                <a:t>COINCIDENCE LOGIC</a:t>
+              </a:r>
+              <a:endParaRPr lang="zh-CN" altLang="en-US" dirty="0">
+                <a:solidFill>
+                  <a:schemeClr val="tx1"/>
+                </a:solidFill>
+              </a:endParaRPr>
+            </a:p>
+          </p:txBody>
+        </p:sp>
+        <p:sp>
+          <p:nvSpPr>
+            <p:cNvPr id="18" name="右箭头 17"/>
+            <p:cNvSpPr/>
+            <p:nvPr/>
+          </p:nvSpPr>
+          <p:spPr>
+            <a:xfrm>
+              <a:off x="2766011" y="1252146"/>
+              <a:ext cx="941893" cy="576064"/>
+            </a:xfrm>
+            <a:prstGeom prst="rightArrow">
+              <a:avLst/>
+            </a:prstGeom>
+            <a:noFill/>
+            <a:ln>
+              <a:solidFill>
+                <a:schemeClr val="tx1"/>
+              </a:solidFill>
+            </a:ln>
+          </p:spPr>
+          <p:style>
+            <a:lnRef idx="2">
+              <a:schemeClr val="accent1">
+                <a:shade val="50000"/>
+              </a:schemeClr>
+            </a:lnRef>
+            <a:fillRef idx="1">
+              <a:schemeClr val="accent1"/>
+            </a:fillRef>
+            <a:effectRef idx="0">
+              <a:schemeClr val="accent1"/>
+            </a:effectRef>
+            <a:fontRef idx="minor">
+              <a:schemeClr val="lt1"/>
+            </a:fontRef>
+          </p:style>
+          <p:txBody>
+            <a:bodyPr rtlCol="0" anchor="ctr"/>
+            <a:lstStyle/>
+            <a:p>
+              <a:pPr algn="ctr"/>
+              <a:endParaRPr lang="zh-CN" altLang="en-US"/>
+            </a:p>
+          </p:txBody>
+        </p:sp>
+        <p:sp>
+          <p:nvSpPr>
+            <p:cNvPr id="19" name="矩形 18"/>
+            <p:cNvSpPr/>
+            <p:nvPr/>
+          </p:nvSpPr>
+          <p:spPr>
+            <a:xfrm>
+              <a:off x="3707904" y="980728"/>
+              <a:ext cx="1872208" cy="1118900"/>
+            </a:xfrm>
+            <a:prstGeom prst="rect">
+              <a:avLst/>
+            </a:prstGeom>
+            <a:noFill/>
+            <a:ln>
+              <a:solidFill>
+                <a:schemeClr val="tx1"/>
+              </a:solidFill>
+            </a:ln>
+          </p:spPr>
+          <p:style>
+            <a:lnRef idx="2">
+              <a:schemeClr val="accent1">
+                <a:shade val="50000"/>
+              </a:schemeClr>
+            </a:lnRef>
+            <a:fillRef idx="1">
+              <a:schemeClr val="accent1"/>
+            </a:fillRef>
+            <a:effectRef idx="0">
+              <a:schemeClr val="accent1"/>
+            </a:effectRef>
+            <a:fontRef idx="minor">
+              <a:schemeClr val="lt1"/>
+            </a:fontRef>
+          </p:style>
+          <p:txBody>
+            <a:bodyPr rtlCol="0" anchor="ctr"/>
+            <a:lstStyle/>
+            <a:p>
+              <a:pPr algn="ctr"/>
+              <a:r>
+                <a:rPr lang="en-US" altLang="zh-CN" dirty="0" smtClean="0">
+                  <a:solidFill>
+                    <a:schemeClr val="tx1"/>
+                  </a:solidFill>
+                </a:rPr>
+                <a:t>Register</a:t>
+              </a:r>
+              <a:endParaRPr lang="zh-CN" altLang="en-US" dirty="0">
+                <a:solidFill>
+                  <a:schemeClr val="tx1"/>
+                </a:solidFill>
+              </a:endParaRPr>
+            </a:p>
+          </p:txBody>
+        </p:sp>
+        <p:grpSp>
+          <p:nvGrpSpPr>
+            <p:cNvPr id="20" name="组合 19"/>
+            <p:cNvGrpSpPr/>
+            <p:nvPr/>
+          </p:nvGrpSpPr>
+          <p:grpSpPr>
+            <a:xfrm>
+              <a:off x="-1548680" y="216024"/>
+              <a:ext cx="881150" cy="404664"/>
+              <a:chOff x="-3348880" y="-84743"/>
+              <a:chExt cx="1368152" cy="484666"/>
+            </a:xfrm>
+          </p:grpSpPr>
+          <p:cxnSp>
+            <p:nvCxnSpPr>
+              <p:cNvPr id="21" name="肘形连接符 20"/>
+              <p:cNvCxnSpPr/>
+              <p:nvPr/>
+            </p:nvCxnSpPr>
+            <p:spPr>
+              <a:xfrm flipV="1">
+                <a:off x="-3348880" y="-84743"/>
+                <a:ext cx="576064" cy="484666"/>
+              </a:xfrm>
+              <a:prstGeom prst="bentConnector3">
+                <a:avLst/>
+              </a:prstGeom>
+              <a:ln w="19050">
+                <a:solidFill>
+                  <a:schemeClr val="tx1"/>
+                </a:solidFill>
+              </a:ln>
+            </p:spPr>
+            <p:style>
+              <a:lnRef idx="1">
+                <a:schemeClr val="accent1"/>
+              </a:lnRef>
+              <a:fillRef idx="0">
+                <a:schemeClr val="accent1"/>
+              </a:fillRef>
+              <a:effectRef idx="0">
+                <a:schemeClr val="accent1"/>
+              </a:effectRef>
+              <a:fontRef idx="minor">
+                <a:schemeClr val="tx1"/>
+              </a:fontRef>
+            </p:style>
+          </p:cxnSp>
+          <p:cxnSp>
+            <p:nvCxnSpPr>
+              <p:cNvPr id="22" name="肘形连接符 21"/>
+              <p:cNvCxnSpPr/>
+              <p:nvPr/>
+            </p:nvCxnSpPr>
+            <p:spPr>
+              <a:xfrm>
+                <a:off x="-2772816" y="-84743"/>
+                <a:ext cx="792088" cy="484666"/>
+              </a:xfrm>
+              <a:prstGeom prst="bentConnector3">
+                <a:avLst>
+                  <a:gd name="adj1" fmla="val 39814"/>
+                </a:avLst>
+              </a:prstGeom>
+              <a:ln w="19050">
+                <a:solidFill>
+                  <a:schemeClr val="tx1"/>
+                </a:solidFill>
+              </a:ln>
+            </p:spPr>
+            <p:style>
+              <a:lnRef idx="1">
+                <a:schemeClr val="accent1"/>
+              </a:lnRef>
+              <a:fillRef idx="0">
+                <a:schemeClr val="accent1"/>
+              </a:fillRef>
+              <a:effectRef idx="0">
+                <a:schemeClr val="accent1"/>
+              </a:effectRef>
+              <a:fontRef idx="minor">
+                <a:schemeClr val="tx1"/>
+              </a:fontRef>
+            </p:style>
+          </p:cxnSp>
+        </p:grpSp>
+        <p:grpSp>
+          <p:nvGrpSpPr>
+            <p:cNvPr id="23" name="组合 22"/>
+            <p:cNvGrpSpPr/>
+            <p:nvPr/>
+          </p:nvGrpSpPr>
+          <p:grpSpPr>
+            <a:xfrm>
+              <a:off x="-1548680" y="829290"/>
+              <a:ext cx="881150" cy="367462"/>
+              <a:chOff x="-3348880" y="647500"/>
+              <a:chExt cx="1368152" cy="484666"/>
+            </a:xfrm>
+          </p:grpSpPr>
+          <p:cxnSp>
+            <p:nvCxnSpPr>
+              <p:cNvPr id="24" name="肘形连接符 23"/>
+              <p:cNvCxnSpPr/>
+              <p:nvPr/>
+            </p:nvCxnSpPr>
+            <p:spPr>
+              <a:xfrm flipV="1">
+                <a:off x="-3348880" y="647500"/>
+                <a:ext cx="576064" cy="484666"/>
+              </a:xfrm>
+              <a:prstGeom prst="bentConnector3">
+                <a:avLst>
+                  <a:gd name="adj1" fmla="val 80346"/>
+                </a:avLst>
+              </a:prstGeom>
+              <a:ln w="19050">
+                <a:solidFill>
+                  <a:schemeClr val="tx1"/>
+                </a:solidFill>
+              </a:ln>
+            </p:spPr>
+            <p:style>
+              <a:lnRef idx="1">
+                <a:schemeClr val="accent1"/>
+              </a:lnRef>
+              <a:fillRef idx="0">
+                <a:schemeClr val="accent1"/>
+              </a:fillRef>
+              <a:effectRef idx="0">
+                <a:schemeClr val="accent1"/>
+              </a:effectRef>
+              <a:fontRef idx="minor">
+                <a:schemeClr val="tx1"/>
+              </a:fontRef>
+            </p:style>
+          </p:cxnSp>
+          <p:cxnSp>
+            <p:nvCxnSpPr>
+              <p:cNvPr id="25" name="肘形连接符 24"/>
+              <p:cNvCxnSpPr/>
+              <p:nvPr/>
+            </p:nvCxnSpPr>
+            <p:spPr>
+              <a:xfrm>
+                <a:off x="-2772816" y="647500"/>
+                <a:ext cx="792088" cy="484666"/>
+              </a:xfrm>
+              <a:prstGeom prst="bentConnector3">
+                <a:avLst>
+                  <a:gd name="adj1" fmla="val 61883"/>
+                </a:avLst>
+              </a:prstGeom>
+              <a:ln w="19050">
+                <a:solidFill>
+                  <a:schemeClr val="tx1"/>
+                </a:solidFill>
+              </a:ln>
+            </p:spPr>
+            <p:style>
+              <a:lnRef idx="1">
+                <a:schemeClr val="accent1"/>
+              </a:lnRef>
+              <a:fillRef idx="0">
+                <a:schemeClr val="accent1"/>
+              </a:fillRef>
+              <a:effectRef idx="0">
+                <a:schemeClr val="accent1"/>
+              </a:effectRef>
+              <a:fontRef idx="minor">
+                <a:schemeClr val="tx1"/>
+              </a:fontRef>
+            </p:style>
+          </p:cxnSp>
+        </p:grpSp>
+        <p:grpSp>
+          <p:nvGrpSpPr>
+            <p:cNvPr id="26" name="组合 25"/>
+            <p:cNvGrpSpPr/>
+            <p:nvPr/>
+          </p:nvGrpSpPr>
+          <p:grpSpPr>
+            <a:xfrm>
+              <a:off x="662793" y="188640"/>
+              <a:ext cx="881150" cy="404664"/>
+              <a:chOff x="-3348880" y="-84743"/>
+              <a:chExt cx="1368152" cy="484666"/>
+            </a:xfrm>
+          </p:grpSpPr>
+          <p:cxnSp>
+            <p:nvCxnSpPr>
+              <p:cNvPr id="27" name="肘形连接符 26"/>
+              <p:cNvCxnSpPr/>
+              <p:nvPr/>
+            </p:nvCxnSpPr>
+            <p:spPr>
+              <a:xfrm flipV="1">
+                <a:off x="-3348880" y="-84743"/>
+                <a:ext cx="576064" cy="484666"/>
+              </a:xfrm>
+              <a:prstGeom prst="bentConnector3">
+                <a:avLst/>
+              </a:prstGeom>
+              <a:ln w="19050">
+                <a:solidFill>
+                  <a:schemeClr val="tx1"/>
+                </a:solidFill>
+              </a:ln>
+            </p:spPr>
+            <p:style>
+              <a:lnRef idx="1">
+                <a:schemeClr val="accent1"/>
+              </a:lnRef>
+              <a:fillRef idx="0">
+                <a:schemeClr val="accent1"/>
+              </a:fillRef>
+              <a:effectRef idx="0">
+                <a:schemeClr val="accent1"/>
+              </a:effectRef>
+              <a:fontRef idx="minor">
+                <a:schemeClr val="tx1"/>
+              </a:fontRef>
+            </p:style>
+          </p:cxnSp>
+          <p:cxnSp>
+            <p:nvCxnSpPr>
+              <p:cNvPr id="28" name="肘形连接符 27"/>
+              <p:cNvCxnSpPr/>
+              <p:nvPr/>
+            </p:nvCxnSpPr>
+            <p:spPr>
+              <a:xfrm>
+                <a:off x="-2772816" y="-84743"/>
+                <a:ext cx="792088" cy="484666"/>
+              </a:xfrm>
+              <a:prstGeom prst="bentConnector3">
+                <a:avLst>
+                  <a:gd name="adj1" fmla="val 39814"/>
+                </a:avLst>
+              </a:prstGeom>
+              <a:ln w="19050">
+                <a:solidFill>
+                  <a:schemeClr val="tx1"/>
+                </a:solidFill>
+              </a:ln>
+            </p:spPr>
+            <p:style>
+              <a:lnRef idx="1">
+                <a:schemeClr val="accent1"/>
+              </a:lnRef>
+              <a:fillRef idx="0">
+                <a:schemeClr val="accent1"/>
+              </a:fillRef>
+              <a:effectRef idx="0">
+                <a:schemeClr val="accent1"/>
+              </a:effectRef>
+              <a:fontRef idx="minor">
+                <a:schemeClr val="tx1"/>
+              </a:fontRef>
+            </p:style>
+          </p:cxnSp>
+        </p:grpSp>
+        <p:grpSp>
+          <p:nvGrpSpPr>
+            <p:cNvPr id="29" name="组合 28"/>
+            <p:cNvGrpSpPr/>
+            <p:nvPr/>
+          </p:nvGrpSpPr>
+          <p:grpSpPr>
+            <a:xfrm>
+              <a:off x="662793" y="778396"/>
+              <a:ext cx="881150" cy="404664"/>
+              <a:chOff x="-3348880" y="-84743"/>
+              <a:chExt cx="1368152" cy="484666"/>
+            </a:xfrm>
+          </p:grpSpPr>
+          <p:cxnSp>
+            <p:nvCxnSpPr>
+              <p:cNvPr id="30" name="肘形连接符 29"/>
+              <p:cNvCxnSpPr/>
+              <p:nvPr/>
+            </p:nvCxnSpPr>
+            <p:spPr>
+              <a:xfrm flipV="1">
+                <a:off x="-3348880" y="-84743"/>
+                <a:ext cx="576064" cy="484666"/>
+              </a:xfrm>
+              <a:prstGeom prst="bentConnector3">
+                <a:avLst/>
+              </a:prstGeom>
+              <a:ln w="19050">
+                <a:solidFill>
+                  <a:schemeClr val="tx1"/>
+                </a:solidFill>
+              </a:ln>
+            </p:spPr>
+            <p:style>
+              <a:lnRef idx="1">
+                <a:schemeClr val="accent1"/>
+              </a:lnRef>
+              <a:fillRef idx="0">
+                <a:schemeClr val="accent1"/>
+              </a:fillRef>
+              <a:effectRef idx="0">
+                <a:schemeClr val="accent1"/>
+              </a:effectRef>
+              <a:fontRef idx="minor">
+                <a:schemeClr val="tx1"/>
+              </a:fontRef>
+            </p:style>
+          </p:cxnSp>
+          <p:cxnSp>
+            <p:nvCxnSpPr>
+              <p:cNvPr id="31" name="肘形连接符 30"/>
+              <p:cNvCxnSpPr/>
+              <p:nvPr/>
+            </p:nvCxnSpPr>
+            <p:spPr>
+              <a:xfrm>
+                <a:off x="-2772816" y="-84743"/>
+                <a:ext cx="792088" cy="484666"/>
+              </a:xfrm>
+              <a:prstGeom prst="bentConnector3">
+                <a:avLst>
+                  <a:gd name="adj1" fmla="val 39814"/>
+                </a:avLst>
+              </a:prstGeom>
+              <a:ln w="19050">
+                <a:solidFill>
+                  <a:schemeClr val="tx1"/>
+                </a:solidFill>
+              </a:ln>
+            </p:spPr>
+            <p:style>
+              <a:lnRef idx="1">
+                <a:schemeClr val="accent1"/>
+              </a:lnRef>
+              <a:fillRef idx="0">
+                <a:schemeClr val="accent1"/>
+              </a:fillRef>
+              <a:effectRef idx="0">
+                <a:schemeClr val="accent1"/>
+              </a:effectRef>
+              <a:fontRef idx="minor">
+                <a:schemeClr val="tx1"/>
+              </a:fontRef>
+            </p:style>
+          </p:cxnSp>
+        </p:grpSp>
+        <p:grpSp>
+          <p:nvGrpSpPr>
+            <p:cNvPr id="32" name="组合 31"/>
+            <p:cNvGrpSpPr/>
+            <p:nvPr/>
+          </p:nvGrpSpPr>
+          <p:grpSpPr>
+            <a:xfrm>
+              <a:off x="2725143" y="156277"/>
+              <a:ext cx="881150" cy="404664"/>
+              <a:chOff x="2740660" y="144016"/>
+              <a:chExt cx="881150" cy="404664"/>
+            </a:xfrm>
+          </p:grpSpPr>
+          <p:cxnSp>
+            <p:nvCxnSpPr>
+              <p:cNvPr id="33" name="肘形连接符 32"/>
+              <p:cNvCxnSpPr/>
+              <p:nvPr/>
+            </p:nvCxnSpPr>
+            <p:spPr>
+              <a:xfrm flipV="1">
+                <a:off x="2740660" y="144016"/>
+                <a:ext cx="371011" cy="404664"/>
+              </a:xfrm>
+              <a:prstGeom prst="bentConnector3">
+                <a:avLst>
+                  <a:gd name="adj1" fmla="val 93033"/>
+                </a:avLst>
+              </a:prstGeom>
+              <a:ln w="19050">
+                <a:solidFill>
+                  <a:schemeClr val="tx1"/>
+                </a:solidFill>
+              </a:ln>
+            </p:spPr>
+            <p:style>
+              <a:lnRef idx="1">
+                <a:schemeClr val="accent1"/>
+              </a:lnRef>
+              <a:fillRef idx="0">
+                <a:schemeClr val="accent1"/>
+              </a:fillRef>
+              <a:effectRef idx="0">
+                <a:schemeClr val="accent1"/>
+              </a:effectRef>
+              <a:fontRef idx="minor">
+                <a:schemeClr val="tx1"/>
+              </a:fontRef>
+            </p:style>
+          </p:cxnSp>
+          <p:cxnSp>
+            <p:nvCxnSpPr>
+              <p:cNvPr id="34" name="肘形连接符 33"/>
+              <p:cNvCxnSpPr/>
+              <p:nvPr/>
+            </p:nvCxnSpPr>
+            <p:spPr>
+              <a:xfrm>
+                <a:off x="3111671" y="144016"/>
+                <a:ext cx="510139" cy="404664"/>
+              </a:xfrm>
+              <a:prstGeom prst="bentConnector3">
+                <a:avLst>
+                  <a:gd name="adj1" fmla="val 39814"/>
+                </a:avLst>
+              </a:prstGeom>
+              <a:ln w="19050">
+                <a:solidFill>
+                  <a:schemeClr val="tx1"/>
+                </a:solidFill>
+              </a:ln>
+            </p:spPr>
+            <p:style>
+              <a:lnRef idx="1">
+                <a:schemeClr val="accent1"/>
+              </a:lnRef>
+              <a:fillRef idx="0">
+                <a:schemeClr val="accent1"/>
+              </a:fillRef>
+              <a:effectRef idx="0">
+                <a:schemeClr val="accent1"/>
+              </a:effectRef>
+              <a:fontRef idx="minor">
+                <a:schemeClr val="tx1"/>
+              </a:fontRef>
+            </p:style>
+          </p:cxnSp>
+        </p:grpSp>
+        <p:grpSp>
+          <p:nvGrpSpPr>
+            <p:cNvPr id="35" name="组合 34"/>
+            <p:cNvGrpSpPr/>
+            <p:nvPr/>
+          </p:nvGrpSpPr>
+          <p:grpSpPr>
+            <a:xfrm>
+              <a:off x="2725143" y="745168"/>
+              <a:ext cx="881150" cy="404664"/>
+              <a:chOff x="2740660" y="144016"/>
+              <a:chExt cx="881150" cy="404664"/>
+            </a:xfrm>
+          </p:grpSpPr>
+          <p:cxnSp>
+            <p:nvCxnSpPr>
+              <p:cNvPr id="36" name="肘形连接符 35"/>
+              <p:cNvCxnSpPr/>
+              <p:nvPr/>
+            </p:nvCxnSpPr>
+            <p:spPr>
+              <a:xfrm flipV="1">
+                <a:off x="2740660" y="144016"/>
+                <a:ext cx="371011" cy="404664"/>
+              </a:xfrm>
+              <a:prstGeom prst="bentConnector3">
+                <a:avLst>
+                  <a:gd name="adj1" fmla="val 93033"/>
+                </a:avLst>
+              </a:prstGeom>
+              <a:ln w="19050">
+                <a:solidFill>
+                  <a:schemeClr val="tx1"/>
+                </a:solidFill>
+              </a:ln>
+            </p:spPr>
+            <p:style>
+              <a:lnRef idx="1">
+                <a:schemeClr val="accent1"/>
+              </a:lnRef>
+              <a:fillRef idx="0">
+                <a:schemeClr val="accent1"/>
+              </a:fillRef>
+              <a:effectRef idx="0">
+                <a:schemeClr val="accent1"/>
+              </a:effectRef>
+              <a:fontRef idx="minor">
+                <a:schemeClr val="tx1"/>
+              </a:fontRef>
+            </p:style>
+          </p:cxnSp>
+          <p:cxnSp>
+            <p:nvCxnSpPr>
+              <p:cNvPr id="37" name="肘形连接符 36"/>
+              <p:cNvCxnSpPr/>
+              <p:nvPr/>
+            </p:nvCxnSpPr>
+            <p:spPr>
+              <a:xfrm>
+                <a:off x="3111671" y="144016"/>
+                <a:ext cx="510139" cy="404664"/>
+              </a:xfrm>
+              <a:prstGeom prst="bentConnector3">
+                <a:avLst>
+                  <a:gd name="adj1" fmla="val 39814"/>
+                </a:avLst>
+              </a:prstGeom>
+              <a:ln w="19050">
+                <a:solidFill>
+                  <a:schemeClr val="tx1"/>
+                </a:solidFill>
+              </a:ln>
+            </p:spPr>
+            <p:style>
+              <a:lnRef idx="1">
+                <a:schemeClr val="accent1"/>
+              </a:lnRef>
+              <a:fillRef idx="0">
+                <a:schemeClr val="accent1"/>
+              </a:fillRef>
+              <a:effectRef idx="0">
+                <a:schemeClr val="accent1"/>
+              </a:effectRef>
+              <a:fontRef idx="minor">
+                <a:schemeClr val="tx1"/>
+              </a:fontRef>
+            </p:style>
+          </p:cxnSp>
+        </p:grpSp>
+        <p:cxnSp>
+          <p:nvCxnSpPr>
+            <p:cNvPr id="38" name="肘形连接符 37"/>
+            <p:cNvCxnSpPr>
+              <a:endCxn id="48" idx="1"/>
+            </p:cNvCxnSpPr>
+            <p:nvPr/>
+          </p:nvCxnSpPr>
+          <p:spPr>
+            <a:xfrm>
+              <a:off x="8090251" y="2419080"/>
+              <a:ext cx="1103379" cy="810510"/>
+            </a:xfrm>
+            <a:prstGeom prst="bentConnector3">
+              <a:avLst>
+                <a:gd name="adj1" fmla="val 50000"/>
+              </a:avLst>
+            </a:prstGeom>
+            <a:ln w="28575">
+              <a:solidFill>
+                <a:schemeClr val="tx1"/>
+              </a:solidFill>
+              <a:tailEnd type="arrow"/>
             </a:ln>
           </p:spPr>
           <p:style>
@@ -5449,76 +5982,231 @@
         </p:cxnSp>
         <p:cxnSp>
           <p:nvCxnSpPr>
-            <p:cNvPr id="22" name="肘形连接符 21"/>
-            <p:cNvCxnSpPr/>
+            <p:cNvPr id="39" name="肘形连接符 38"/>
+            <p:cNvCxnSpPr>
+              <a:endCxn id="47" idx="1"/>
+            </p:cNvCxnSpPr>
             <p:nvPr/>
           </p:nvCxnSpPr>
           <p:spPr>
-            <a:xfrm>
-              <a:off x="-2772816" y="-84743"/>
-              <a:ext cx="792088" cy="484666"/>
+            <a:xfrm flipV="1">
+              <a:off x="8113510" y="1540178"/>
+              <a:ext cx="1080120" cy="876126"/>
             </a:xfrm>
             <a:prstGeom prst="bentConnector3">
               <a:avLst>
-                <a:gd name="adj1" fmla="val 39814"/>
+                <a:gd name="adj1" fmla="val 48657"/>
               </a:avLst>
             </a:prstGeom>
-            <a:ln w="19050">
+            <a:ln w="28575">
+              <a:solidFill>
+                <a:schemeClr val="tx1"/>
+              </a:solidFill>
+              <a:tailEnd type="arrow"/>
+            </a:ln>
+          </p:spPr>
+          <p:style>
+            <a:lnRef idx="1">
+              <a:schemeClr val="accent1"/>
+            </a:lnRef>
+            <a:fillRef idx="0">
+              <a:schemeClr val="accent1"/>
+            </a:fillRef>
+            <a:effectRef idx="0">
+              <a:schemeClr val="accent1"/>
+            </a:effectRef>
+            <a:fontRef idx="minor">
+              <a:schemeClr val="tx1"/>
+            </a:fontRef>
+          </p:style>
+        </p:cxnSp>
+        <p:sp>
+          <p:nvSpPr>
+            <p:cNvPr id="40" name="矩形 39"/>
+            <p:cNvSpPr/>
+            <p:nvPr/>
+          </p:nvSpPr>
+          <p:spPr>
+            <a:xfrm>
+              <a:off x="3707904" y="2670140"/>
+              <a:ext cx="1872208" cy="1118900"/>
+            </a:xfrm>
+            <a:prstGeom prst="rect">
+              <a:avLst/>
+            </a:prstGeom>
+            <a:noFill/>
+            <a:ln>
               <a:solidFill>
                 <a:schemeClr val="tx1"/>
               </a:solidFill>
             </a:ln>
           </p:spPr>
           <p:style>
-            <a:lnRef idx="1">
-              <a:schemeClr val="accent1"/>
+            <a:lnRef idx="2">
+              <a:schemeClr val="accent1">
+                <a:shade val="50000"/>
+              </a:schemeClr>
             </a:lnRef>
-            <a:fillRef idx="0">
+            <a:fillRef idx="1">
               <a:schemeClr val="accent1"/>
             </a:fillRef>
             <a:effectRef idx="0">
               <a:schemeClr val="accent1"/>
             </a:effectRef>
             <a:fontRef idx="minor">
-              <a:schemeClr val="tx1"/>
+              <a:schemeClr val="lt1"/>
             </a:fontRef>
           </p:style>
-        </p:cxnSp>
-      </p:grpSp>
-      <p:grpSp>
-        <p:nvGrpSpPr>
-          <p:cNvPr id="23" name="组合 22"/>
-          <p:cNvGrpSpPr/>
-          <p:nvPr/>
-        </p:nvGrpSpPr>
-        <p:grpSpPr>
-          <a:xfrm>
-            <a:off x="-3121746" y="829290"/>
-            <a:ext cx="881150" cy="367462"/>
-            <a:chOff x="-3348880" y="647500"/>
-            <a:chExt cx="1368152" cy="484666"/>
-          </a:xfrm>
-        </p:grpSpPr>
+          <p:txBody>
+            <a:bodyPr rtlCol="0" anchor="ctr"/>
+            <a:lstStyle/>
+            <a:p>
+              <a:pPr algn="ctr"/>
+              <a:r>
+                <a:rPr lang="en-US" altLang="zh-CN" dirty="0" smtClean="0">
+                  <a:solidFill>
+                    <a:schemeClr val="tx1"/>
+                  </a:solidFill>
+                </a:rPr>
+                <a:t>DCM</a:t>
+              </a:r>
+              <a:endParaRPr lang="zh-CN" altLang="en-US" dirty="0">
+                <a:solidFill>
+                  <a:schemeClr val="tx1"/>
+                </a:solidFill>
+              </a:endParaRPr>
+            </a:p>
+          </p:txBody>
+        </p:sp>
+        <p:sp>
+          <p:nvSpPr>
+            <p:cNvPr id="41" name="右箭头 40"/>
+            <p:cNvSpPr/>
+            <p:nvPr/>
+          </p:nvSpPr>
+          <p:spPr>
+            <a:xfrm>
+              <a:off x="5580112" y="1233897"/>
+              <a:ext cx="624814" cy="576064"/>
+            </a:xfrm>
+            <a:prstGeom prst="rightArrow">
+              <a:avLst>
+                <a:gd name="adj1" fmla="val 50000"/>
+                <a:gd name="adj2" fmla="val 37402"/>
+              </a:avLst>
+            </a:prstGeom>
+            <a:noFill/>
+            <a:ln>
+              <a:solidFill>
+                <a:schemeClr val="tx1"/>
+              </a:solidFill>
+            </a:ln>
+          </p:spPr>
+          <p:style>
+            <a:lnRef idx="2">
+              <a:schemeClr val="accent1">
+                <a:shade val="50000"/>
+              </a:schemeClr>
+            </a:lnRef>
+            <a:fillRef idx="1">
+              <a:schemeClr val="accent1"/>
+            </a:fillRef>
+            <a:effectRef idx="0">
+              <a:schemeClr val="accent1"/>
+            </a:effectRef>
+            <a:fontRef idx="minor">
+              <a:schemeClr val="lt1"/>
+            </a:fontRef>
+          </p:style>
+          <p:txBody>
+            <a:bodyPr rtlCol="0" anchor="ctr"/>
+            <a:lstStyle/>
+            <a:p>
+              <a:pPr algn="ctr"/>
+              <a:endParaRPr lang="zh-CN" altLang="en-US"/>
+            </a:p>
+          </p:txBody>
+        </p:sp>
+        <p:sp>
+          <p:nvSpPr>
+            <p:cNvPr id="42" name="矩形 41"/>
+            <p:cNvSpPr/>
+            <p:nvPr/>
+          </p:nvSpPr>
+          <p:spPr>
+            <a:xfrm>
+              <a:off x="-620452" y="5190420"/>
+              <a:ext cx="11686290" cy="1118900"/>
+            </a:xfrm>
+            <a:prstGeom prst="rect">
+              <a:avLst/>
+            </a:prstGeom>
+            <a:noFill/>
+            <a:ln>
+              <a:solidFill>
+                <a:schemeClr val="tx1"/>
+              </a:solidFill>
+            </a:ln>
+          </p:spPr>
+          <p:style>
+            <a:lnRef idx="2">
+              <a:schemeClr val="accent1">
+                <a:shade val="50000"/>
+              </a:schemeClr>
+            </a:lnRef>
+            <a:fillRef idx="1">
+              <a:schemeClr val="accent1"/>
+            </a:fillRef>
+            <a:effectRef idx="0">
+              <a:schemeClr val="accent1"/>
+            </a:effectRef>
+            <a:fontRef idx="minor">
+              <a:schemeClr val="lt1"/>
+            </a:fontRef>
+          </p:style>
+          <p:txBody>
+            <a:bodyPr rtlCol="0" anchor="ctr"/>
+            <a:lstStyle/>
+            <a:p>
+              <a:pPr algn="ctr"/>
+              <a:r>
+                <a:rPr lang="en-US" altLang="zh-CN" dirty="0" smtClean="0">
+                  <a:solidFill>
+                    <a:schemeClr val="tx1"/>
+                  </a:solidFill>
+                </a:rPr>
+                <a:t>WISHBONE BUS</a:t>
+              </a:r>
+              <a:endParaRPr lang="zh-CN" altLang="en-US" dirty="0">
+                <a:solidFill>
+                  <a:schemeClr val="tx1"/>
+                </a:solidFill>
+              </a:endParaRPr>
+            </a:p>
+          </p:txBody>
+        </p:sp>
         <p:cxnSp>
           <p:nvCxnSpPr>
-            <p:cNvPr id="24" name="肘形连接符 23"/>
-            <p:cNvCxnSpPr/>
+            <p:cNvPr id="43" name="直接箭头连接符 42"/>
+            <p:cNvCxnSpPr>
+              <a:stCxn id="40" idx="0"/>
+              <a:endCxn id="19" idx="2"/>
+            </p:cNvCxnSpPr>
             <p:nvPr/>
           </p:nvCxnSpPr>
           <p:spPr>
             <a:xfrm flipV="1">
-              <a:off x="-3348880" y="647500"/>
-              <a:ext cx="576064" cy="484666"/>
+              <a:off x="4644008" y="2099628"/>
+              <a:ext cx="0" cy="570512"/>
             </a:xfrm>
-            <a:prstGeom prst="bentConnector3">
-              <a:avLst>
-                <a:gd name="adj1" fmla="val 80346"/>
-              </a:avLst>
+            <a:prstGeom prst="straightConnector1">
+              <a:avLst/>
             </a:prstGeom>
-            <a:ln w="19050">
+            <a:ln w="28575">
               <a:solidFill>
                 <a:schemeClr val="tx1"/>
               </a:solidFill>
+              <a:tailEnd type="arrow"/>
             </a:ln>
           </p:spPr>
           <p:style>
@@ -5538,1698 +6226,139 @@
         </p:cxnSp>
         <p:cxnSp>
           <p:nvCxnSpPr>
-            <p:cNvPr id="25" name="肘形连接符 24"/>
+            <p:cNvPr id="44" name="肘形连接符 43"/>
             <p:cNvCxnSpPr/>
             <p:nvPr/>
           </p:nvCxnSpPr>
           <p:spPr>
-            <a:xfrm>
-              <a:off x="-2772816" y="647500"/>
-              <a:ext cx="792088" cy="484666"/>
+            <a:xfrm flipV="1">
+              <a:off x="-2556792" y="3246802"/>
+              <a:ext cx="6272572" cy="1207522"/>
             </a:xfrm>
             <a:prstGeom prst="bentConnector3">
               <a:avLst>
-                <a:gd name="adj1" fmla="val 61883"/>
+                <a:gd name="adj1" fmla="val 92114"/>
               </a:avLst>
             </a:prstGeom>
-            <a:ln w="19050">
+            <a:ln w="28575">
+              <a:solidFill>
+                <a:schemeClr val="tx1"/>
+              </a:solidFill>
+              <a:tailEnd type="arrow"/>
+            </a:ln>
+          </p:spPr>
+          <p:style>
+            <a:lnRef idx="1">
+              <a:schemeClr val="accent1"/>
+            </a:lnRef>
+            <a:fillRef idx="0">
+              <a:schemeClr val="accent1"/>
+            </a:fillRef>
+            <a:effectRef idx="0">
+              <a:schemeClr val="accent1"/>
+            </a:effectRef>
+            <a:fontRef idx="minor">
+              <a:schemeClr val="tx1"/>
+            </a:fontRef>
+          </p:style>
+        </p:cxnSp>
+        <p:sp>
+          <p:nvSpPr>
+            <p:cNvPr id="45" name="TextBox 101"/>
+            <p:cNvSpPr txBox="1"/>
+            <p:nvPr/>
+          </p:nvSpPr>
+          <p:spPr>
+            <a:xfrm>
+              <a:off x="-662345" y="4067780"/>
+              <a:ext cx="3021286" cy="369332"/>
+            </a:xfrm>
+            <a:prstGeom prst="rect">
+              <a:avLst/>
+            </a:prstGeom>
+            <a:noFill/>
+          </p:spPr>
+          <p:txBody>
+            <a:bodyPr wrap="square" rtlCol="0">
+              <a:spAutoFit/>
+            </a:bodyPr>
+            <a:lstStyle/>
+            <a:p>
+              <a:pPr algn="ctr"/>
+              <a:r>
+                <a:rPr lang="en-US" altLang="zh-CN" dirty="0" smtClean="0"/>
+                <a:t>SYNCHRONOUS CLK</a:t>
+              </a:r>
+              <a:endParaRPr lang="zh-CN" altLang="en-US" dirty="0"/>
+            </a:p>
+          </p:txBody>
+        </p:sp>
+        <p:sp>
+          <p:nvSpPr>
+            <p:cNvPr id="46" name="TextBox 102"/>
+            <p:cNvSpPr txBox="1"/>
+            <p:nvPr/>
+          </p:nvSpPr>
+          <p:spPr>
+            <a:xfrm>
+              <a:off x="4283968" y="2200218"/>
+              <a:ext cx="2160652" cy="369332"/>
+            </a:xfrm>
+            <a:prstGeom prst="rect">
+              <a:avLst/>
+            </a:prstGeom>
+            <a:noFill/>
+          </p:spPr>
+          <p:txBody>
+            <a:bodyPr wrap="square" rtlCol="0">
+              <a:spAutoFit/>
+            </a:bodyPr>
+            <a:lstStyle/>
+            <a:p>
+              <a:pPr algn="ctr"/>
+              <a:r>
+                <a:rPr lang="en-US" altLang="zh-CN" dirty="0" smtClean="0"/>
+                <a:t>SHIFTED CLK</a:t>
+              </a:r>
+              <a:endParaRPr lang="zh-CN" altLang="en-US" dirty="0"/>
+            </a:p>
+          </p:txBody>
+        </p:sp>
+        <p:sp>
+          <p:nvSpPr>
+            <p:cNvPr id="47" name="矩形 46"/>
+            <p:cNvSpPr/>
+            <p:nvPr/>
+          </p:nvSpPr>
+          <p:spPr>
+            <a:xfrm>
+              <a:off x="9193630" y="980728"/>
+              <a:ext cx="1872208" cy="1118900"/>
+            </a:xfrm>
+            <a:prstGeom prst="rect">
+              <a:avLst/>
+            </a:prstGeom>
+            <a:noFill/>
+            <a:ln>
               <a:solidFill>
                 <a:schemeClr val="tx1"/>
               </a:solidFill>
             </a:ln>
           </p:spPr>
           <p:style>
-            <a:lnRef idx="1">
-              <a:schemeClr val="accent1"/>
+            <a:lnRef idx="2">
+              <a:schemeClr val="accent1">
+                <a:shade val="50000"/>
+              </a:schemeClr>
             </a:lnRef>
-            <a:fillRef idx="0">
+            <a:fillRef idx="1">
               <a:schemeClr val="accent1"/>
             </a:fillRef>
             <a:effectRef idx="0">
               <a:schemeClr val="accent1"/>
             </a:effectRef>
             <a:fontRef idx="minor">
-              <a:schemeClr val="tx1"/>
-            </a:fontRef>
-          </p:style>
-        </p:cxnSp>
-      </p:grpSp>
-      <p:grpSp>
-        <p:nvGrpSpPr>
-          <p:cNvPr id="26" name="组合 25"/>
-          <p:cNvGrpSpPr/>
-          <p:nvPr/>
-        </p:nvGrpSpPr>
-        <p:grpSpPr>
-          <a:xfrm>
-            <a:off x="662793" y="188640"/>
-            <a:ext cx="881150" cy="404664"/>
-            <a:chOff x="-3348880" y="-84743"/>
-            <a:chExt cx="1368152" cy="484666"/>
-          </a:xfrm>
-        </p:grpSpPr>
-        <p:cxnSp>
-          <p:nvCxnSpPr>
-            <p:cNvPr id="27" name="肘形连接符 26"/>
-            <p:cNvCxnSpPr/>
-            <p:nvPr/>
-          </p:nvCxnSpPr>
-          <p:spPr>
-            <a:xfrm flipV="1">
-              <a:off x="-3348880" y="-84743"/>
-              <a:ext cx="576064" cy="484666"/>
-            </a:xfrm>
-            <a:prstGeom prst="bentConnector3">
-              <a:avLst/>
-            </a:prstGeom>
-            <a:ln w="19050">
-              <a:solidFill>
-                <a:schemeClr val="tx1"/>
-              </a:solidFill>
-            </a:ln>
-          </p:spPr>
-          <p:style>
-            <a:lnRef idx="1">
-              <a:schemeClr val="accent1"/>
-            </a:lnRef>
-            <a:fillRef idx="0">
-              <a:schemeClr val="accent1"/>
-            </a:fillRef>
-            <a:effectRef idx="0">
-              <a:schemeClr val="accent1"/>
-            </a:effectRef>
-            <a:fontRef idx="minor">
-              <a:schemeClr val="tx1"/>
-            </a:fontRef>
-          </p:style>
-        </p:cxnSp>
-        <p:cxnSp>
-          <p:nvCxnSpPr>
-            <p:cNvPr id="28" name="肘形连接符 27"/>
-            <p:cNvCxnSpPr/>
-            <p:nvPr/>
-          </p:nvCxnSpPr>
-          <p:spPr>
-            <a:xfrm>
-              <a:off x="-2772816" y="-84743"/>
-              <a:ext cx="792088" cy="484666"/>
-            </a:xfrm>
-            <a:prstGeom prst="bentConnector3">
-              <a:avLst>
-                <a:gd name="adj1" fmla="val 39814"/>
-              </a:avLst>
-            </a:prstGeom>
-            <a:ln w="19050">
-              <a:solidFill>
-                <a:schemeClr val="tx1"/>
-              </a:solidFill>
-            </a:ln>
-          </p:spPr>
-          <p:style>
-            <a:lnRef idx="1">
-              <a:schemeClr val="accent1"/>
-            </a:lnRef>
-            <a:fillRef idx="0">
-              <a:schemeClr val="accent1"/>
-            </a:fillRef>
-            <a:effectRef idx="0">
-              <a:schemeClr val="accent1"/>
-            </a:effectRef>
-            <a:fontRef idx="minor">
-              <a:schemeClr val="tx1"/>
-            </a:fontRef>
-          </p:style>
-        </p:cxnSp>
-      </p:grpSp>
-      <p:grpSp>
-        <p:nvGrpSpPr>
-          <p:cNvPr id="29" name="组合 28"/>
-          <p:cNvGrpSpPr/>
-          <p:nvPr/>
-        </p:nvGrpSpPr>
-        <p:grpSpPr>
-          <a:xfrm>
-            <a:off x="662793" y="778396"/>
-            <a:ext cx="881150" cy="404664"/>
-            <a:chOff x="-3348880" y="-84743"/>
-            <a:chExt cx="1368152" cy="484666"/>
-          </a:xfrm>
-        </p:grpSpPr>
-        <p:cxnSp>
-          <p:nvCxnSpPr>
-            <p:cNvPr id="30" name="肘形连接符 29"/>
-            <p:cNvCxnSpPr/>
-            <p:nvPr/>
-          </p:nvCxnSpPr>
-          <p:spPr>
-            <a:xfrm flipV="1">
-              <a:off x="-3348880" y="-84743"/>
-              <a:ext cx="576064" cy="484666"/>
-            </a:xfrm>
-            <a:prstGeom prst="bentConnector3">
-              <a:avLst/>
-            </a:prstGeom>
-            <a:ln w="19050">
-              <a:solidFill>
-                <a:schemeClr val="tx1"/>
-              </a:solidFill>
-            </a:ln>
-          </p:spPr>
-          <p:style>
-            <a:lnRef idx="1">
-              <a:schemeClr val="accent1"/>
-            </a:lnRef>
-            <a:fillRef idx="0">
-              <a:schemeClr val="accent1"/>
-            </a:fillRef>
-            <a:effectRef idx="0">
-              <a:schemeClr val="accent1"/>
-            </a:effectRef>
-            <a:fontRef idx="minor">
-              <a:schemeClr val="tx1"/>
-            </a:fontRef>
-          </p:style>
-        </p:cxnSp>
-        <p:cxnSp>
-          <p:nvCxnSpPr>
-            <p:cNvPr id="31" name="肘形连接符 30"/>
-            <p:cNvCxnSpPr/>
-            <p:nvPr/>
-          </p:nvCxnSpPr>
-          <p:spPr>
-            <a:xfrm>
-              <a:off x="-2772816" y="-84743"/>
-              <a:ext cx="792088" cy="484666"/>
-            </a:xfrm>
-            <a:prstGeom prst="bentConnector3">
-              <a:avLst>
-                <a:gd name="adj1" fmla="val 39814"/>
-              </a:avLst>
-            </a:prstGeom>
-            <a:ln w="19050">
-              <a:solidFill>
-                <a:schemeClr val="tx1"/>
-              </a:solidFill>
-            </a:ln>
-          </p:spPr>
-          <p:style>
-            <a:lnRef idx="1">
-              <a:schemeClr val="accent1"/>
-            </a:lnRef>
-            <a:fillRef idx="0">
-              <a:schemeClr val="accent1"/>
-            </a:fillRef>
-            <a:effectRef idx="0">
-              <a:schemeClr val="accent1"/>
-            </a:effectRef>
-            <a:fontRef idx="minor">
-              <a:schemeClr val="tx1"/>
-            </a:fontRef>
-          </p:style>
-        </p:cxnSp>
-      </p:grpSp>
-      <p:grpSp>
-        <p:nvGrpSpPr>
-          <p:cNvPr id="32" name="组合 31"/>
-          <p:cNvGrpSpPr/>
-          <p:nvPr/>
-        </p:nvGrpSpPr>
-        <p:grpSpPr>
-          <a:xfrm>
-            <a:off x="2725143" y="156277"/>
-            <a:ext cx="881150" cy="404664"/>
-            <a:chOff x="2740660" y="144016"/>
-            <a:chExt cx="881150" cy="404664"/>
-          </a:xfrm>
-        </p:grpSpPr>
-        <p:cxnSp>
-          <p:nvCxnSpPr>
-            <p:cNvPr id="33" name="肘形连接符 32"/>
-            <p:cNvCxnSpPr/>
-            <p:nvPr/>
-          </p:nvCxnSpPr>
-          <p:spPr>
-            <a:xfrm flipV="1">
-              <a:off x="2740660" y="144016"/>
-              <a:ext cx="371011" cy="404664"/>
-            </a:xfrm>
-            <a:prstGeom prst="bentConnector3">
-              <a:avLst>
-                <a:gd name="adj1" fmla="val 93033"/>
-              </a:avLst>
-            </a:prstGeom>
-            <a:ln w="19050">
-              <a:solidFill>
-                <a:schemeClr val="tx1"/>
-              </a:solidFill>
-            </a:ln>
-          </p:spPr>
-          <p:style>
-            <a:lnRef idx="1">
-              <a:schemeClr val="accent1"/>
-            </a:lnRef>
-            <a:fillRef idx="0">
-              <a:schemeClr val="accent1"/>
-            </a:fillRef>
-            <a:effectRef idx="0">
-              <a:schemeClr val="accent1"/>
-            </a:effectRef>
-            <a:fontRef idx="minor">
-              <a:schemeClr val="tx1"/>
-            </a:fontRef>
-          </p:style>
-        </p:cxnSp>
-        <p:cxnSp>
-          <p:nvCxnSpPr>
-            <p:cNvPr id="34" name="肘形连接符 33"/>
-            <p:cNvCxnSpPr/>
-            <p:nvPr/>
-          </p:nvCxnSpPr>
-          <p:spPr>
-            <a:xfrm>
-              <a:off x="3111671" y="144016"/>
-              <a:ext cx="510139" cy="404664"/>
-            </a:xfrm>
-            <a:prstGeom prst="bentConnector3">
-              <a:avLst>
-                <a:gd name="adj1" fmla="val 39814"/>
-              </a:avLst>
-            </a:prstGeom>
-            <a:ln w="19050">
-              <a:solidFill>
-                <a:schemeClr val="tx1"/>
-              </a:solidFill>
-            </a:ln>
-          </p:spPr>
-          <p:style>
-            <a:lnRef idx="1">
-              <a:schemeClr val="accent1"/>
-            </a:lnRef>
-            <a:fillRef idx="0">
-              <a:schemeClr val="accent1"/>
-            </a:fillRef>
-            <a:effectRef idx="0">
-              <a:schemeClr val="accent1"/>
-            </a:effectRef>
-            <a:fontRef idx="minor">
-              <a:schemeClr val="tx1"/>
-            </a:fontRef>
-          </p:style>
-        </p:cxnSp>
-      </p:grpSp>
-      <p:grpSp>
-        <p:nvGrpSpPr>
-          <p:cNvPr id="35" name="组合 34"/>
-          <p:cNvGrpSpPr/>
-          <p:nvPr/>
-        </p:nvGrpSpPr>
-        <p:grpSpPr>
-          <a:xfrm>
-            <a:off x="2725143" y="745168"/>
-            <a:ext cx="881150" cy="404664"/>
-            <a:chOff x="2740660" y="144016"/>
-            <a:chExt cx="881150" cy="404664"/>
-          </a:xfrm>
-        </p:grpSpPr>
-        <p:cxnSp>
-          <p:nvCxnSpPr>
-            <p:cNvPr id="36" name="肘形连接符 35"/>
-            <p:cNvCxnSpPr/>
-            <p:nvPr/>
-          </p:nvCxnSpPr>
-          <p:spPr>
-            <a:xfrm flipV="1">
-              <a:off x="2740660" y="144016"/>
-              <a:ext cx="371011" cy="404664"/>
-            </a:xfrm>
-            <a:prstGeom prst="bentConnector3">
-              <a:avLst>
-                <a:gd name="adj1" fmla="val 93033"/>
-              </a:avLst>
-            </a:prstGeom>
-            <a:ln w="19050">
-              <a:solidFill>
-                <a:schemeClr val="tx1"/>
-              </a:solidFill>
-            </a:ln>
-          </p:spPr>
-          <p:style>
-            <a:lnRef idx="1">
-              <a:schemeClr val="accent1"/>
-            </a:lnRef>
-            <a:fillRef idx="0">
-              <a:schemeClr val="accent1"/>
-            </a:fillRef>
-            <a:effectRef idx="0">
-              <a:schemeClr val="accent1"/>
-            </a:effectRef>
-            <a:fontRef idx="minor">
-              <a:schemeClr val="tx1"/>
-            </a:fontRef>
-          </p:style>
-        </p:cxnSp>
-        <p:cxnSp>
-          <p:nvCxnSpPr>
-            <p:cNvPr id="37" name="肘形连接符 36"/>
-            <p:cNvCxnSpPr/>
-            <p:nvPr/>
-          </p:nvCxnSpPr>
-          <p:spPr>
-            <a:xfrm>
-              <a:off x="3111671" y="144016"/>
-              <a:ext cx="510139" cy="404664"/>
-            </a:xfrm>
-            <a:prstGeom prst="bentConnector3">
-              <a:avLst>
-                <a:gd name="adj1" fmla="val 39814"/>
-              </a:avLst>
-            </a:prstGeom>
-            <a:ln w="19050">
-              <a:solidFill>
-                <a:schemeClr val="tx1"/>
-              </a:solidFill>
-            </a:ln>
-          </p:spPr>
-          <p:style>
-            <a:lnRef idx="1">
-              <a:schemeClr val="accent1"/>
-            </a:lnRef>
-            <a:fillRef idx="0">
-              <a:schemeClr val="accent1"/>
-            </a:fillRef>
-            <a:effectRef idx="0">
-              <a:schemeClr val="accent1"/>
-            </a:effectRef>
-            <a:fontRef idx="minor">
-              <a:schemeClr val="tx1"/>
-            </a:fontRef>
-          </p:style>
-        </p:cxnSp>
-      </p:grpSp>
-      <p:cxnSp>
-        <p:nvCxnSpPr>
-          <p:cNvPr id="38" name="肘形连接符 37"/>
-          <p:cNvCxnSpPr>
-            <a:endCxn id="48" idx="1"/>
-          </p:cNvCxnSpPr>
-          <p:nvPr/>
-        </p:nvCxnSpPr>
-        <p:spPr>
-          <a:xfrm>
-            <a:off x="8090251" y="2419080"/>
-            <a:ext cx="1103379" cy="810510"/>
-          </a:xfrm>
-          <a:prstGeom prst="bentConnector3">
-            <a:avLst>
-              <a:gd name="adj1" fmla="val 50000"/>
-            </a:avLst>
-          </a:prstGeom>
-          <a:ln w="28575">
-            <a:solidFill>
-              <a:schemeClr val="tx1"/>
-            </a:solidFill>
-            <a:tailEnd type="arrow"/>
-          </a:ln>
-        </p:spPr>
-        <p:style>
-          <a:lnRef idx="1">
-            <a:schemeClr val="accent1"/>
-          </a:lnRef>
-          <a:fillRef idx="0">
-            <a:schemeClr val="accent1"/>
-          </a:fillRef>
-          <a:effectRef idx="0">
-            <a:schemeClr val="accent1"/>
-          </a:effectRef>
-          <a:fontRef idx="minor">
-            <a:schemeClr val="tx1"/>
-          </a:fontRef>
-        </p:style>
-      </p:cxnSp>
-      <p:cxnSp>
-        <p:nvCxnSpPr>
-          <p:cNvPr id="39" name="肘形连接符 38"/>
-          <p:cNvCxnSpPr>
-            <a:endCxn id="47" idx="1"/>
-          </p:cNvCxnSpPr>
-          <p:nvPr/>
-        </p:nvCxnSpPr>
-        <p:spPr>
-          <a:xfrm flipV="1">
-            <a:off x="8113510" y="1540178"/>
-            <a:ext cx="1080120" cy="876126"/>
-          </a:xfrm>
-          <a:prstGeom prst="bentConnector3">
-            <a:avLst>
-              <a:gd name="adj1" fmla="val 48657"/>
-            </a:avLst>
-          </a:prstGeom>
-          <a:ln w="28575">
-            <a:solidFill>
-              <a:schemeClr val="tx1"/>
-            </a:solidFill>
-            <a:tailEnd type="arrow"/>
-          </a:ln>
-        </p:spPr>
-        <p:style>
-          <a:lnRef idx="1">
-            <a:schemeClr val="accent1"/>
-          </a:lnRef>
-          <a:fillRef idx="0">
-            <a:schemeClr val="accent1"/>
-          </a:fillRef>
-          <a:effectRef idx="0">
-            <a:schemeClr val="accent1"/>
-          </a:effectRef>
-          <a:fontRef idx="minor">
-            <a:schemeClr val="tx1"/>
-          </a:fontRef>
-        </p:style>
-      </p:cxnSp>
-      <p:sp>
-        <p:nvSpPr>
-          <p:cNvPr id="40" name="矩形 39"/>
-          <p:cNvSpPr/>
-          <p:nvPr/>
-        </p:nvSpPr>
-        <p:spPr>
-          <a:xfrm>
-            <a:off x="3707904" y="2670140"/>
-            <a:ext cx="1872208" cy="1118900"/>
-          </a:xfrm>
-          <a:prstGeom prst="rect">
-            <a:avLst/>
-          </a:prstGeom>
-          <a:noFill/>
-          <a:ln>
-            <a:solidFill>
-              <a:schemeClr val="tx1"/>
-            </a:solidFill>
-          </a:ln>
-        </p:spPr>
-        <p:style>
-          <a:lnRef idx="2">
-            <a:schemeClr val="accent1">
-              <a:shade val="50000"/>
-            </a:schemeClr>
-          </a:lnRef>
-          <a:fillRef idx="1">
-            <a:schemeClr val="accent1"/>
-          </a:fillRef>
-          <a:effectRef idx="0">
-            <a:schemeClr val="accent1"/>
-          </a:effectRef>
-          <a:fontRef idx="minor">
-            <a:schemeClr val="lt1"/>
-          </a:fontRef>
-        </p:style>
-        <p:txBody>
-          <a:bodyPr rtlCol="0" anchor="ctr"/>
-          <a:lstStyle/>
-          <a:p>
-            <a:pPr algn="ctr"/>
-            <a:r>
-              <a:rPr lang="en-US" altLang="zh-CN" dirty="0" smtClean="0">
-                <a:solidFill>
-                  <a:schemeClr val="tx1"/>
-                </a:solidFill>
-              </a:rPr>
-              <a:t>DCM</a:t>
-            </a:r>
-            <a:endParaRPr lang="zh-CN" altLang="en-US" dirty="0">
-              <a:solidFill>
-                <a:schemeClr val="tx1"/>
-              </a:solidFill>
-            </a:endParaRPr>
-          </a:p>
-        </p:txBody>
-      </p:sp>
-      <p:sp>
-        <p:nvSpPr>
-          <p:cNvPr id="41" name="右箭头 40"/>
-          <p:cNvSpPr/>
-          <p:nvPr/>
-        </p:nvSpPr>
-        <p:spPr>
-          <a:xfrm>
-            <a:off x="5580112" y="1233897"/>
-            <a:ext cx="624814" cy="576064"/>
-          </a:xfrm>
-          <a:prstGeom prst="rightArrow">
-            <a:avLst>
-              <a:gd name="adj1" fmla="val 50000"/>
-              <a:gd name="adj2" fmla="val 37402"/>
-            </a:avLst>
-          </a:prstGeom>
-          <a:noFill/>
-          <a:ln>
-            <a:solidFill>
-              <a:schemeClr val="tx1"/>
-            </a:solidFill>
-          </a:ln>
-        </p:spPr>
-        <p:style>
-          <a:lnRef idx="2">
-            <a:schemeClr val="accent1">
-              <a:shade val="50000"/>
-            </a:schemeClr>
-          </a:lnRef>
-          <a:fillRef idx="1">
-            <a:schemeClr val="accent1"/>
-          </a:fillRef>
-          <a:effectRef idx="0">
-            <a:schemeClr val="accent1"/>
-          </a:effectRef>
-          <a:fontRef idx="minor">
-            <a:schemeClr val="lt1"/>
-          </a:fontRef>
-        </p:style>
-        <p:txBody>
-          <a:bodyPr rtlCol="0" anchor="ctr"/>
-          <a:lstStyle/>
-          <a:p>
-            <a:pPr algn="ctr"/>
-            <a:endParaRPr lang="zh-CN" altLang="en-US"/>
-          </a:p>
-        </p:txBody>
-      </p:sp>
-      <p:sp>
-        <p:nvSpPr>
-          <p:cNvPr id="42" name="矩形 41"/>
-          <p:cNvSpPr/>
-          <p:nvPr/>
-        </p:nvSpPr>
-        <p:spPr>
-          <a:xfrm>
-            <a:off x="-620452" y="5190420"/>
-            <a:ext cx="11686290" cy="1118900"/>
-          </a:xfrm>
-          <a:prstGeom prst="rect">
-            <a:avLst/>
-          </a:prstGeom>
-          <a:noFill/>
-          <a:ln>
-            <a:solidFill>
-              <a:schemeClr val="tx1"/>
-            </a:solidFill>
-          </a:ln>
-        </p:spPr>
-        <p:style>
-          <a:lnRef idx="2">
-            <a:schemeClr val="accent1">
-              <a:shade val="50000"/>
-            </a:schemeClr>
-          </a:lnRef>
-          <a:fillRef idx="1">
-            <a:schemeClr val="accent1"/>
-          </a:fillRef>
-          <a:effectRef idx="0">
-            <a:schemeClr val="accent1"/>
-          </a:effectRef>
-          <a:fontRef idx="minor">
-            <a:schemeClr val="lt1"/>
-          </a:fontRef>
-        </p:style>
-        <p:txBody>
-          <a:bodyPr rtlCol="0" anchor="ctr"/>
-          <a:lstStyle/>
-          <a:p>
-            <a:pPr algn="ctr"/>
-            <a:r>
-              <a:rPr lang="en-US" altLang="zh-CN" dirty="0" smtClean="0">
-                <a:solidFill>
-                  <a:schemeClr val="tx1"/>
-                </a:solidFill>
-              </a:rPr>
-              <a:t>WISHBONE BUS</a:t>
-            </a:r>
-            <a:endParaRPr lang="zh-CN" altLang="en-US" dirty="0">
-              <a:solidFill>
-                <a:schemeClr val="tx1"/>
-              </a:solidFill>
-            </a:endParaRPr>
-          </a:p>
-        </p:txBody>
-      </p:sp>
-      <p:cxnSp>
-        <p:nvCxnSpPr>
-          <p:cNvPr id="43" name="直接箭头连接符 42"/>
-          <p:cNvCxnSpPr>
-            <a:stCxn id="40" idx="0"/>
-            <a:endCxn id="19" idx="2"/>
-          </p:cNvCxnSpPr>
-          <p:nvPr/>
-        </p:nvCxnSpPr>
-        <p:spPr>
-          <a:xfrm flipV="1">
-            <a:off x="4644008" y="2099628"/>
-            <a:ext cx="0" cy="570512"/>
-          </a:xfrm>
-          <a:prstGeom prst="straightConnector1">
-            <a:avLst/>
-          </a:prstGeom>
-          <a:ln w="28575">
-            <a:solidFill>
-              <a:schemeClr val="tx1"/>
-            </a:solidFill>
-            <a:tailEnd type="arrow"/>
-          </a:ln>
-        </p:spPr>
-        <p:style>
-          <a:lnRef idx="1">
-            <a:schemeClr val="accent1"/>
-          </a:lnRef>
-          <a:fillRef idx="0">
-            <a:schemeClr val="accent1"/>
-          </a:fillRef>
-          <a:effectRef idx="0">
-            <a:schemeClr val="accent1"/>
-          </a:effectRef>
-          <a:fontRef idx="minor">
-            <a:schemeClr val="tx1"/>
-          </a:fontRef>
-        </p:style>
-      </p:cxnSp>
-      <p:cxnSp>
-        <p:nvCxnSpPr>
-          <p:cNvPr id="44" name="肘形连接符 43"/>
-          <p:cNvCxnSpPr/>
-          <p:nvPr/>
-        </p:nvCxnSpPr>
-        <p:spPr>
-          <a:xfrm flipV="1">
-            <a:off x="-2556792" y="3246802"/>
-            <a:ext cx="6272572" cy="1207522"/>
-          </a:xfrm>
-          <a:prstGeom prst="bentConnector3">
-            <a:avLst>
-              <a:gd name="adj1" fmla="val 92114"/>
-            </a:avLst>
-          </a:prstGeom>
-          <a:ln w="28575">
-            <a:solidFill>
-              <a:schemeClr val="tx1"/>
-            </a:solidFill>
-            <a:tailEnd type="arrow"/>
-          </a:ln>
-        </p:spPr>
-        <p:style>
-          <a:lnRef idx="1">
-            <a:schemeClr val="accent1"/>
-          </a:lnRef>
-          <a:fillRef idx="0">
-            <a:schemeClr val="accent1"/>
-          </a:fillRef>
-          <a:effectRef idx="0">
-            <a:schemeClr val="accent1"/>
-          </a:effectRef>
-          <a:fontRef idx="minor">
-            <a:schemeClr val="tx1"/>
-          </a:fontRef>
-        </p:style>
-      </p:cxnSp>
-      <p:sp>
-        <p:nvSpPr>
-          <p:cNvPr id="45" name="TextBox 101"/>
-          <p:cNvSpPr txBox="1"/>
-          <p:nvPr/>
-        </p:nvSpPr>
-        <p:spPr>
-          <a:xfrm>
-            <a:off x="-662345" y="4067780"/>
-            <a:ext cx="3021286" cy="369332"/>
-          </a:xfrm>
-          <a:prstGeom prst="rect">
-            <a:avLst/>
-          </a:prstGeom>
-          <a:noFill/>
-        </p:spPr>
-        <p:txBody>
-          <a:bodyPr wrap="square" rtlCol="0">
-            <a:spAutoFit/>
-          </a:bodyPr>
-          <a:lstStyle/>
-          <a:p>
-            <a:pPr algn="ctr"/>
-            <a:r>
-              <a:rPr lang="en-US" altLang="zh-CN" dirty="0" smtClean="0"/>
-              <a:t>SYNCHRONOUS CLK</a:t>
-            </a:r>
-            <a:endParaRPr lang="zh-CN" altLang="en-US" dirty="0"/>
-          </a:p>
-        </p:txBody>
-      </p:sp>
-      <p:sp>
-        <p:nvSpPr>
-          <p:cNvPr id="46" name="TextBox 102"/>
-          <p:cNvSpPr txBox="1"/>
-          <p:nvPr/>
-        </p:nvSpPr>
-        <p:spPr>
-          <a:xfrm>
-            <a:off x="4283968" y="2200218"/>
-            <a:ext cx="2160652" cy="369332"/>
-          </a:xfrm>
-          <a:prstGeom prst="rect">
-            <a:avLst/>
-          </a:prstGeom>
-          <a:noFill/>
-        </p:spPr>
-        <p:txBody>
-          <a:bodyPr wrap="square" rtlCol="0">
-            <a:spAutoFit/>
-          </a:bodyPr>
-          <a:lstStyle/>
-          <a:p>
-            <a:pPr algn="ctr"/>
-            <a:r>
-              <a:rPr lang="en-US" altLang="zh-CN" dirty="0" smtClean="0"/>
-              <a:t>SHIFTED CLK</a:t>
-            </a:r>
-            <a:endParaRPr lang="zh-CN" altLang="en-US" dirty="0"/>
-          </a:p>
-        </p:txBody>
-      </p:sp>
-      <p:sp>
-        <p:nvSpPr>
-          <p:cNvPr id="47" name="矩形 46"/>
-          <p:cNvSpPr/>
-          <p:nvPr/>
-        </p:nvSpPr>
-        <p:spPr>
-          <a:xfrm>
-            <a:off x="9193630" y="980728"/>
-            <a:ext cx="1872208" cy="1118900"/>
-          </a:xfrm>
-          <a:prstGeom prst="rect">
-            <a:avLst/>
-          </a:prstGeom>
-          <a:noFill/>
-          <a:ln>
-            <a:solidFill>
-              <a:schemeClr val="tx1"/>
-            </a:solidFill>
-          </a:ln>
-        </p:spPr>
-        <p:style>
-          <a:lnRef idx="2">
-            <a:schemeClr val="accent1">
-              <a:shade val="50000"/>
-            </a:schemeClr>
-          </a:lnRef>
-          <a:fillRef idx="1">
-            <a:schemeClr val="accent1"/>
-          </a:fillRef>
-          <a:effectRef idx="0">
-            <a:schemeClr val="accent1"/>
-          </a:effectRef>
-          <a:fontRef idx="minor">
-            <a:schemeClr val="lt1"/>
-          </a:fontRef>
-        </p:style>
-        <p:txBody>
-          <a:bodyPr rtlCol="0" anchor="ctr"/>
-          <a:lstStyle/>
-          <a:p>
-            <a:pPr algn="ctr"/>
-            <a:r>
-              <a:rPr lang="en-US" altLang="zh-CN" dirty="0" smtClean="0">
-                <a:solidFill>
-                  <a:schemeClr val="tx1"/>
-                </a:solidFill>
-              </a:rPr>
-              <a:t>DDR FIFO</a:t>
-            </a:r>
-            <a:endParaRPr lang="zh-CN" altLang="en-US" dirty="0">
-              <a:solidFill>
-                <a:schemeClr val="tx1"/>
-              </a:solidFill>
-            </a:endParaRPr>
-          </a:p>
-        </p:txBody>
-      </p:sp>
-      <p:sp>
-        <p:nvSpPr>
-          <p:cNvPr id="48" name="矩形 47"/>
-          <p:cNvSpPr/>
-          <p:nvPr/>
-        </p:nvSpPr>
-        <p:spPr>
-          <a:xfrm>
-            <a:off x="9193630" y="2670140"/>
-            <a:ext cx="1872208" cy="1118900"/>
-          </a:xfrm>
-          <a:prstGeom prst="rect">
-            <a:avLst/>
-          </a:prstGeom>
-          <a:noFill/>
-          <a:ln>
-            <a:solidFill>
-              <a:schemeClr val="tx1"/>
-            </a:solidFill>
-          </a:ln>
-        </p:spPr>
-        <p:style>
-          <a:lnRef idx="2">
-            <a:schemeClr val="accent1">
-              <a:shade val="50000"/>
-            </a:schemeClr>
-          </a:lnRef>
-          <a:fillRef idx="1">
-            <a:schemeClr val="accent1"/>
-          </a:fillRef>
-          <a:effectRef idx="0">
-            <a:schemeClr val="accent1"/>
-          </a:effectRef>
-          <a:fontRef idx="minor">
-            <a:schemeClr val="lt1"/>
-          </a:fontRef>
-        </p:style>
-        <p:txBody>
-          <a:bodyPr rtlCol="0" anchor="ctr"/>
-          <a:lstStyle/>
-          <a:p>
-            <a:pPr algn="ctr"/>
-            <a:r>
-              <a:rPr lang="en-US" altLang="zh-CN" dirty="0" smtClean="0">
-                <a:solidFill>
-                  <a:schemeClr val="tx1"/>
-                </a:solidFill>
-              </a:rPr>
-              <a:t>BRAM FIFO</a:t>
-            </a:r>
-            <a:endParaRPr lang="zh-CN" altLang="en-US" dirty="0">
-              <a:solidFill>
-                <a:schemeClr val="tx1"/>
-              </a:solidFill>
-            </a:endParaRPr>
-          </a:p>
-        </p:txBody>
-      </p:sp>
-      <p:sp>
-        <p:nvSpPr>
-          <p:cNvPr id="49" name="右箭头 48"/>
-          <p:cNvSpPr/>
-          <p:nvPr/>
-        </p:nvSpPr>
-        <p:spPr>
-          <a:xfrm rot="16200000">
-            <a:off x="-689556" y="4393359"/>
-            <a:ext cx="1378097" cy="216028"/>
-          </a:xfrm>
-          <a:prstGeom prst="rightArrow">
-            <a:avLst>
-              <a:gd name="adj1" fmla="val 50000"/>
-              <a:gd name="adj2" fmla="val 60078"/>
-            </a:avLst>
-          </a:prstGeom>
-          <a:solidFill>
-            <a:schemeClr val="tx1"/>
-          </a:solidFill>
-          <a:ln>
-            <a:solidFill>
-              <a:schemeClr val="tx1"/>
-            </a:solidFill>
-          </a:ln>
-        </p:spPr>
-        <p:style>
-          <a:lnRef idx="2">
-            <a:schemeClr val="accent1">
-              <a:shade val="50000"/>
-            </a:schemeClr>
-          </a:lnRef>
-          <a:fillRef idx="1">
-            <a:schemeClr val="accent1"/>
-          </a:fillRef>
-          <a:effectRef idx="0">
-            <a:schemeClr val="accent1"/>
-          </a:effectRef>
-          <a:fontRef idx="minor">
-            <a:schemeClr val="lt1"/>
-          </a:fontRef>
-        </p:style>
-        <p:txBody>
-          <a:bodyPr rtlCol="0" anchor="ctr"/>
-          <a:lstStyle/>
-          <a:p>
-            <a:pPr algn="ctr"/>
-            <a:endParaRPr lang="zh-CN" altLang="en-US"/>
-          </a:p>
-        </p:txBody>
-      </p:sp>
-      <p:sp>
-        <p:nvSpPr>
-          <p:cNvPr id="50" name="右箭头 49"/>
-          <p:cNvSpPr/>
-          <p:nvPr/>
-        </p:nvSpPr>
-        <p:spPr>
-          <a:xfrm rot="16200000">
-            <a:off x="3983624" y="4330354"/>
-            <a:ext cx="1378097" cy="342039"/>
-          </a:xfrm>
-          <a:prstGeom prst="rightArrow">
-            <a:avLst>
-              <a:gd name="adj1" fmla="val 50000"/>
-              <a:gd name="adj2" fmla="val 60078"/>
-            </a:avLst>
-          </a:prstGeom>
-          <a:solidFill>
-            <a:schemeClr val="tx1"/>
-          </a:solidFill>
-          <a:ln>
-            <a:solidFill>
-              <a:schemeClr val="tx1"/>
-            </a:solidFill>
-          </a:ln>
-        </p:spPr>
-        <p:style>
-          <a:lnRef idx="2">
-            <a:schemeClr val="accent1">
-              <a:shade val="50000"/>
-            </a:schemeClr>
-          </a:lnRef>
-          <a:fillRef idx="1">
-            <a:schemeClr val="accent1"/>
-          </a:fillRef>
-          <a:effectRef idx="0">
-            <a:schemeClr val="accent1"/>
-          </a:effectRef>
-          <a:fontRef idx="minor">
-            <a:schemeClr val="lt1"/>
-          </a:fontRef>
-        </p:style>
-        <p:txBody>
-          <a:bodyPr rtlCol="0" anchor="ctr"/>
-          <a:lstStyle/>
-          <a:p>
-            <a:pPr algn="ctr"/>
-            <a:endParaRPr lang="zh-CN" altLang="en-US"/>
-          </a:p>
-        </p:txBody>
-      </p:sp>
-      <p:sp>
-        <p:nvSpPr>
-          <p:cNvPr id="51" name="矩形 50"/>
-          <p:cNvSpPr/>
-          <p:nvPr/>
-        </p:nvSpPr>
-        <p:spPr>
-          <a:xfrm>
-            <a:off x="9202708" y="4161646"/>
-            <a:ext cx="1872208" cy="585356"/>
-          </a:xfrm>
-          <a:prstGeom prst="rect">
-            <a:avLst/>
-          </a:prstGeom>
-          <a:noFill/>
-          <a:ln>
-            <a:solidFill>
-              <a:schemeClr val="tx1"/>
-            </a:solidFill>
-          </a:ln>
-        </p:spPr>
-        <p:style>
-          <a:lnRef idx="2">
-            <a:schemeClr val="accent1">
-              <a:shade val="50000"/>
-            </a:schemeClr>
-          </a:lnRef>
-          <a:fillRef idx="1">
-            <a:schemeClr val="accent1"/>
-          </a:fillRef>
-          <a:effectRef idx="0">
-            <a:schemeClr val="accent1"/>
-          </a:effectRef>
-          <a:fontRef idx="minor">
-            <a:schemeClr val="lt1"/>
-          </a:fontRef>
-        </p:style>
-        <p:txBody>
-          <a:bodyPr rtlCol="0" anchor="ctr"/>
-          <a:lstStyle/>
-          <a:p>
-            <a:pPr algn="ctr"/>
-            <a:r>
-              <a:rPr lang="en-US" altLang="zh-CN" dirty="0" smtClean="0">
-                <a:solidFill>
-                  <a:schemeClr val="tx1"/>
-                </a:solidFill>
-              </a:rPr>
-              <a:t>BLOCK RAM</a:t>
-            </a:r>
-            <a:endParaRPr lang="zh-CN" altLang="en-US" dirty="0">
-              <a:solidFill>
-                <a:schemeClr val="tx1"/>
-              </a:solidFill>
-            </a:endParaRPr>
-          </a:p>
-        </p:txBody>
-      </p:sp>
-      <p:sp>
-        <p:nvSpPr>
-          <p:cNvPr id="52" name="上下箭头 51"/>
-          <p:cNvSpPr/>
-          <p:nvPr/>
-        </p:nvSpPr>
-        <p:spPr>
-          <a:xfrm>
-            <a:off x="10068824" y="4747002"/>
-            <a:ext cx="121820" cy="443418"/>
-          </a:xfrm>
-          <a:prstGeom prst="upDownArrow">
-            <a:avLst/>
-          </a:prstGeom>
-          <a:noFill/>
-          <a:ln>
-            <a:solidFill>
-              <a:schemeClr val="tx1"/>
-            </a:solidFill>
-          </a:ln>
-        </p:spPr>
-        <p:style>
-          <a:lnRef idx="2">
-            <a:schemeClr val="accent1">
-              <a:shade val="50000"/>
-            </a:schemeClr>
-          </a:lnRef>
-          <a:fillRef idx="1">
-            <a:schemeClr val="accent1"/>
-          </a:fillRef>
-          <a:effectRef idx="0">
-            <a:schemeClr val="accent1"/>
-          </a:effectRef>
-          <a:fontRef idx="minor">
-            <a:schemeClr val="lt1"/>
-          </a:fontRef>
-        </p:style>
-        <p:txBody>
-          <a:bodyPr rtlCol="0" anchor="ctr"/>
-          <a:lstStyle/>
-          <a:p>
-            <a:pPr algn="ctr"/>
-            <a:endParaRPr lang="zh-CN" altLang="en-US"/>
-          </a:p>
-        </p:txBody>
-      </p:sp>
-      <p:sp>
-        <p:nvSpPr>
-          <p:cNvPr id="53" name="矩形 52"/>
-          <p:cNvSpPr/>
-          <p:nvPr/>
-        </p:nvSpPr>
-        <p:spPr>
-          <a:xfrm>
-            <a:off x="12204848" y="947500"/>
-            <a:ext cx="1872208" cy="5361820"/>
-          </a:xfrm>
-          <a:prstGeom prst="rect">
-            <a:avLst/>
-          </a:prstGeom>
-          <a:noFill/>
-          <a:ln>
-            <a:solidFill>
-              <a:schemeClr val="tx1"/>
-            </a:solidFill>
-          </a:ln>
-        </p:spPr>
-        <p:style>
-          <a:lnRef idx="2">
-            <a:schemeClr val="accent1">
-              <a:shade val="50000"/>
-            </a:schemeClr>
-          </a:lnRef>
-          <a:fillRef idx="1">
-            <a:schemeClr val="accent1"/>
-          </a:fillRef>
-          <a:effectRef idx="0">
-            <a:schemeClr val="accent1"/>
-          </a:effectRef>
-          <a:fontRef idx="minor">
-            <a:schemeClr val="lt1"/>
-          </a:fontRef>
-        </p:style>
-        <p:txBody>
-          <a:bodyPr rtlCol="0" anchor="ctr"/>
-          <a:lstStyle/>
-          <a:p>
-            <a:pPr algn="ctr"/>
-            <a:r>
-              <a:rPr lang="en-US" altLang="zh-CN" dirty="0" smtClean="0">
-                <a:solidFill>
-                  <a:schemeClr val="tx1"/>
-                </a:solidFill>
-              </a:rPr>
-              <a:t>LPDDR</a:t>
-            </a:r>
-            <a:endParaRPr lang="zh-CN" altLang="en-US" dirty="0">
-              <a:solidFill>
-                <a:schemeClr val="tx1"/>
-              </a:solidFill>
-            </a:endParaRPr>
-          </a:p>
-        </p:txBody>
-      </p:sp>
-      <p:sp>
-        <p:nvSpPr>
-          <p:cNvPr id="54" name="右箭头 53"/>
-          <p:cNvSpPr/>
-          <p:nvPr/>
-        </p:nvSpPr>
-        <p:spPr>
-          <a:xfrm>
-            <a:off x="11075978" y="1273406"/>
-            <a:ext cx="1128870" cy="576064"/>
-          </a:xfrm>
-          <a:prstGeom prst="rightArrow">
-            <a:avLst>
-              <a:gd name="adj1" fmla="val 50000"/>
-              <a:gd name="adj2" fmla="val 37402"/>
-            </a:avLst>
-          </a:prstGeom>
-          <a:noFill/>
-          <a:ln>
-            <a:solidFill>
-              <a:schemeClr val="tx1"/>
-            </a:solidFill>
-          </a:ln>
-        </p:spPr>
-        <p:style>
-          <a:lnRef idx="2">
-            <a:schemeClr val="accent1">
-              <a:shade val="50000"/>
-            </a:schemeClr>
-          </a:lnRef>
-          <a:fillRef idx="1">
-            <a:schemeClr val="accent1"/>
-          </a:fillRef>
-          <a:effectRef idx="0">
-            <a:schemeClr val="accent1"/>
-          </a:effectRef>
-          <a:fontRef idx="minor">
-            <a:schemeClr val="lt1"/>
-          </a:fontRef>
-        </p:style>
-        <p:txBody>
-          <a:bodyPr rtlCol="0" anchor="ctr"/>
-          <a:lstStyle/>
-          <a:p>
-            <a:pPr algn="ctr"/>
-            <a:endParaRPr lang="zh-CN" altLang="en-US"/>
-          </a:p>
-        </p:txBody>
-      </p:sp>
-      <p:sp>
-        <p:nvSpPr>
-          <p:cNvPr id="55" name="上下箭头 54"/>
-          <p:cNvSpPr/>
-          <p:nvPr/>
-        </p:nvSpPr>
-        <p:spPr>
-          <a:xfrm rot="16200000">
-            <a:off x="11480279" y="5206967"/>
-            <a:ext cx="282619" cy="1085805"/>
-          </a:xfrm>
-          <a:prstGeom prst="upDownArrow">
-            <a:avLst/>
-          </a:prstGeom>
-          <a:noFill/>
-          <a:ln>
-            <a:solidFill>
-              <a:schemeClr val="tx1"/>
-            </a:solidFill>
-          </a:ln>
-        </p:spPr>
-        <p:style>
-          <a:lnRef idx="2">
-            <a:schemeClr val="accent1">
-              <a:shade val="50000"/>
-            </a:schemeClr>
-          </a:lnRef>
-          <a:fillRef idx="1">
-            <a:schemeClr val="accent1"/>
-          </a:fillRef>
-          <a:effectRef idx="0">
-            <a:schemeClr val="accent1"/>
-          </a:effectRef>
-          <a:fontRef idx="minor">
-            <a:schemeClr val="lt1"/>
-          </a:fontRef>
-        </p:style>
-        <p:txBody>
-          <a:bodyPr rtlCol="0" anchor="ctr"/>
-          <a:lstStyle/>
-          <a:p>
-            <a:pPr algn="ctr"/>
-            <a:endParaRPr lang="zh-CN" altLang="en-US"/>
-          </a:p>
-        </p:txBody>
-      </p:sp>
-      <p:sp>
-        <p:nvSpPr>
-          <p:cNvPr id="56" name="右箭头 55"/>
-          <p:cNvSpPr/>
-          <p:nvPr/>
-        </p:nvSpPr>
-        <p:spPr>
-          <a:xfrm rot="5400000">
-            <a:off x="9964150" y="3842969"/>
-            <a:ext cx="349321" cy="288033"/>
-          </a:xfrm>
-          <a:prstGeom prst="rightArrow">
-            <a:avLst>
-              <a:gd name="adj1" fmla="val 50000"/>
-              <a:gd name="adj2" fmla="val 37402"/>
-            </a:avLst>
-          </a:prstGeom>
-          <a:noFill/>
-          <a:ln>
-            <a:solidFill>
-              <a:schemeClr val="tx1"/>
-            </a:solidFill>
-          </a:ln>
-        </p:spPr>
-        <p:style>
-          <a:lnRef idx="2">
-            <a:schemeClr val="accent1">
-              <a:shade val="50000"/>
-            </a:schemeClr>
-          </a:lnRef>
-          <a:fillRef idx="1">
-            <a:schemeClr val="accent1"/>
-          </a:fillRef>
-          <a:effectRef idx="0">
-            <a:schemeClr val="accent1"/>
-          </a:effectRef>
-          <a:fontRef idx="minor">
-            <a:schemeClr val="lt1"/>
-          </a:fontRef>
-        </p:style>
-        <p:txBody>
-          <a:bodyPr rtlCol="0" anchor="ctr"/>
-          <a:lstStyle/>
-          <a:p>
-            <a:pPr algn="ctr"/>
-            <a:endParaRPr lang="zh-CN" altLang="en-US"/>
-          </a:p>
-        </p:txBody>
-      </p:sp>
-      <p:sp>
-        <p:nvSpPr>
-          <p:cNvPr id="57" name="TextBox 120"/>
-          <p:cNvSpPr txBox="1"/>
-          <p:nvPr/>
-        </p:nvSpPr>
-        <p:spPr>
-          <a:xfrm>
-            <a:off x="9642062" y="71951"/>
-            <a:ext cx="993500" cy="461665"/>
-          </a:xfrm>
-          <a:prstGeom prst="rect">
-            <a:avLst/>
-          </a:prstGeom>
-          <a:noFill/>
-        </p:spPr>
-        <p:txBody>
-          <a:bodyPr wrap="square" rtlCol="0">
-            <a:spAutoFit/>
-          </a:bodyPr>
-          <a:lstStyle/>
-          <a:p>
-            <a:pPr algn="ctr"/>
-            <a:r>
-              <a:rPr lang="en-US" altLang="zh-CN" sz="2400" dirty="0" smtClean="0"/>
-              <a:t>FPGA</a:t>
-            </a:r>
-            <a:endParaRPr lang="zh-CN" altLang="en-US" sz="2400" dirty="0"/>
-          </a:p>
-        </p:txBody>
-      </p:sp>
-      <p:sp>
-        <p:nvSpPr>
-          <p:cNvPr id="58" name="上下箭头 57"/>
-          <p:cNvSpPr/>
-          <p:nvPr/>
-        </p:nvSpPr>
-        <p:spPr>
-          <a:xfrm rot="16200000">
-            <a:off x="-1761340" y="4805231"/>
-            <a:ext cx="282619" cy="1889275"/>
-          </a:xfrm>
-          <a:prstGeom prst="upDownArrow">
-            <a:avLst/>
-          </a:prstGeom>
-          <a:noFill/>
-          <a:ln>
-            <a:solidFill>
-              <a:schemeClr val="tx1"/>
-            </a:solidFill>
-          </a:ln>
-        </p:spPr>
-        <p:style>
-          <a:lnRef idx="2">
-            <a:schemeClr val="accent1">
-              <a:shade val="50000"/>
-            </a:schemeClr>
-          </a:lnRef>
-          <a:fillRef idx="1">
-            <a:schemeClr val="accent1"/>
-          </a:fillRef>
-          <a:effectRef idx="0">
-            <a:schemeClr val="accent1"/>
-          </a:effectRef>
-          <a:fontRef idx="minor">
-            <a:schemeClr val="lt1"/>
-          </a:fontRef>
-        </p:style>
-        <p:txBody>
-          <a:bodyPr rtlCol="0" anchor="ctr"/>
-          <a:lstStyle/>
-          <a:p>
-            <a:pPr algn="ctr"/>
-            <a:endParaRPr lang="zh-CN" altLang="en-US"/>
-          </a:p>
-        </p:txBody>
-      </p:sp>
-      <p:sp>
-        <p:nvSpPr>
-          <p:cNvPr id="59" name="TextBox 123"/>
-          <p:cNvSpPr txBox="1"/>
-          <p:nvPr/>
-        </p:nvSpPr>
-        <p:spPr>
-          <a:xfrm>
-            <a:off x="-2116781" y="5239227"/>
-            <a:ext cx="993500" cy="369332"/>
-          </a:xfrm>
-          <a:prstGeom prst="rect">
-            <a:avLst/>
-          </a:prstGeom>
-          <a:noFill/>
-        </p:spPr>
-        <p:txBody>
-          <a:bodyPr wrap="square" rtlCol="0">
-            <a:spAutoFit/>
-          </a:bodyPr>
-          <a:lstStyle/>
-          <a:p>
-            <a:pPr algn="ctr"/>
-            <a:r>
-              <a:rPr lang="en-US" altLang="zh-CN" dirty="0" smtClean="0"/>
-              <a:t>USB</a:t>
-            </a:r>
-            <a:endParaRPr lang="zh-CN" altLang="en-US" dirty="0"/>
-          </a:p>
-        </p:txBody>
-      </p:sp>
-      <p:sp>
-        <p:nvSpPr>
-          <p:cNvPr id="63" name="椭圆 62"/>
-          <p:cNvSpPr/>
-          <p:nvPr/>
-        </p:nvSpPr>
-        <p:spPr>
-          <a:xfrm>
-            <a:off x="-2763094" y="4346312"/>
-            <a:ext cx="216024" cy="216024"/>
-          </a:xfrm>
-          <a:prstGeom prst="ellipse">
-            <a:avLst/>
-          </a:prstGeom>
-          <a:noFill/>
-          <a:ln>
-            <a:solidFill>
-              <a:schemeClr val="tx1"/>
-            </a:solidFill>
-          </a:ln>
-        </p:spPr>
-        <p:style>
-          <a:lnRef idx="2">
-            <a:schemeClr val="accent1">
-              <a:shade val="50000"/>
-            </a:schemeClr>
-          </a:lnRef>
-          <a:fillRef idx="1">
-            <a:schemeClr val="accent1"/>
-          </a:fillRef>
-          <a:effectRef idx="0">
-            <a:schemeClr val="accent1"/>
-          </a:effectRef>
-          <a:fontRef idx="minor">
-            <a:schemeClr val="lt1"/>
-          </a:fontRef>
-        </p:style>
-        <p:txBody>
-          <a:bodyPr rtlCol="0" anchor="ctr"/>
-          <a:lstStyle/>
-          <a:p>
-            <a:pPr algn="ctr"/>
-            <a:endParaRPr lang="en-US"/>
-          </a:p>
-        </p:txBody>
-      </p:sp>
-      <p:sp>
-        <p:nvSpPr>
-          <p:cNvPr id="65" name="矩形 64"/>
-          <p:cNvSpPr/>
-          <p:nvPr/>
-        </p:nvSpPr>
-        <p:spPr>
-          <a:xfrm>
-            <a:off x="-4156323" y="5216489"/>
-            <a:ext cx="1583955" cy="1066758"/>
-          </a:xfrm>
-          <a:prstGeom prst="rect">
-            <a:avLst/>
-          </a:prstGeom>
-          <a:noFill/>
-          <a:ln>
-            <a:solidFill>
-              <a:schemeClr val="tx1"/>
-            </a:solidFill>
-          </a:ln>
-        </p:spPr>
-        <p:style>
-          <a:lnRef idx="2">
-            <a:schemeClr val="accent1">
-              <a:shade val="50000"/>
-            </a:schemeClr>
-          </a:lnRef>
-          <a:fillRef idx="1">
-            <a:schemeClr val="accent1"/>
-          </a:fillRef>
-          <a:effectRef idx="0">
-            <a:schemeClr val="accent1"/>
-          </a:effectRef>
-          <a:fontRef idx="minor">
-            <a:schemeClr val="lt1"/>
-          </a:fontRef>
-        </p:style>
-        <p:txBody>
-          <a:bodyPr rtlCol="0" anchor="ctr"/>
-          <a:lstStyle/>
-          <a:p>
-            <a:pPr algn="ctr"/>
-            <a:r>
-              <a:rPr lang="en-US" altLang="zh-CN" dirty="0" smtClean="0">
-                <a:solidFill>
-                  <a:schemeClr val="tx1"/>
-                </a:solidFill>
-              </a:rPr>
-              <a:t>USB chip</a:t>
-            </a:r>
-            <a:endParaRPr lang="zh-CN" altLang="en-US" dirty="0">
-              <a:solidFill>
-                <a:schemeClr val="tx1"/>
-              </a:solidFill>
-            </a:endParaRPr>
-          </a:p>
-        </p:txBody>
-      </p:sp>
-      <p:sp>
-        <p:nvSpPr>
-          <p:cNvPr id="66" name="上下箭头 65"/>
-          <p:cNvSpPr/>
-          <p:nvPr/>
-        </p:nvSpPr>
-        <p:spPr>
-          <a:xfrm rot="16200000">
-            <a:off x="-4836124" y="5254419"/>
-            <a:ext cx="284738" cy="993019"/>
-          </a:xfrm>
-          <a:prstGeom prst="upDownArrow">
-            <a:avLst/>
-          </a:prstGeom>
-          <a:noFill/>
-          <a:ln>
-            <a:solidFill>
-              <a:schemeClr val="tx1"/>
-            </a:solidFill>
-          </a:ln>
-        </p:spPr>
-        <p:style>
-          <a:lnRef idx="2">
-            <a:schemeClr val="accent1">
-              <a:shade val="50000"/>
-            </a:schemeClr>
-          </a:lnRef>
-          <a:fillRef idx="1">
-            <a:schemeClr val="accent1"/>
-          </a:fillRef>
-          <a:effectRef idx="0">
-            <a:schemeClr val="accent1"/>
-          </a:effectRef>
-          <a:fontRef idx="minor">
-            <a:schemeClr val="lt1"/>
-          </a:fontRef>
-        </p:style>
-        <p:txBody>
-          <a:bodyPr rtlCol="0" anchor="ctr"/>
-          <a:lstStyle/>
-          <a:p>
-            <a:pPr algn="ctr"/>
-            <a:endParaRPr lang="zh-CN" altLang="en-US"/>
-          </a:p>
-        </p:txBody>
-      </p:sp>
-      <p:sp>
-        <p:nvSpPr>
-          <p:cNvPr id="67" name="TextBox 123"/>
-          <p:cNvSpPr txBox="1"/>
-          <p:nvPr/>
-        </p:nvSpPr>
-        <p:spPr>
-          <a:xfrm>
-            <a:off x="-5190745" y="5251382"/>
-            <a:ext cx="993500" cy="369332"/>
-          </a:xfrm>
-          <a:prstGeom prst="rect">
-            <a:avLst/>
-          </a:prstGeom>
-          <a:noFill/>
-        </p:spPr>
-        <p:txBody>
-          <a:bodyPr wrap="square" rtlCol="0">
-            <a:spAutoFit/>
-          </a:bodyPr>
-          <a:lstStyle/>
-          <a:p>
-            <a:pPr algn="ctr"/>
-            <a:r>
-              <a:rPr lang="en-US" altLang="zh-CN" dirty="0" smtClean="0"/>
-              <a:t>USB</a:t>
-            </a:r>
-            <a:endParaRPr lang="zh-CN" altLang="en-US" dirty="0"/>
-          </a:p>
-        </p:txBody>
-      </p:sp>
-      <p:sp>
-        <p:nvSpPr>
-          <p:cNvPr id="68" name="矩形 67"/>
-          <p:cNvSpPr/>
-          <p:nvPr/>
-        </p:nvSpPr>
-        <p:spPr>
-          <a:xfrm>
-            <a:off x="-6600723" y="5251382"/>
-            <a:ext cx="1375853" cy="1066758"/>
-          </a:xfrm>
-          <a:prstGeom prst="rect">
-            <a:avLst/>
-          </a:prstGeom>
-          <a:noFill/>
-          <a:ln>
-            <a:solidFill>
-              <a:schemeClr val="tx1"/>
-            </a:solidFill>
-          </a:ln>
-        </p:spPr>
-        <p:style>
-          <a:lnRef idx="2">
-            <a:schemeClr val="accent1">
-              <a:shade val="50000"/>
-            </a:schemeClr>
-          </a:lnRef>
-          <a:fillRef idx="1">
-            <a:schemeClr val="accent1"/>
-          </a:fillRef>
-          <a:effectRef idx="0">
-            <a:schemeClr val="accent1"/>
-          </a:effectRef>
-          <a:fontRef idx="minor">
-            <a:schemeClr val="lt1"/>
-          </a:fontRef>
-        </p:style>
-        <p:txBody>
-          <a:bodyPr rtlCol="0" anchor="ctr"/>
-          <a:lstStyle/>
-          <a:p>
-            <a:pPr algn="ctr"/>
-            <a:r>
-              <a:rPr lang="en-US" altLang="zh-CN" dirty="0" smtClean="0">
-                <a:solidFill>
-                  <a:schemeClr val="tx1"/>
-                </a:solidFill>
-              </a:rPr>
-              <a:t>PC</a:t>
-            </a:r>
-            <a:endParaRPr lang="zh-CN" altLang="en-US" dirty="0">
-              <a:solidFill>
-                <a:schemeClr val="tx1"/>
-              </a:solidFill>
-            </a:endParaRPr>
-          </a:p>
-        </p:txBody>
-      </p:sp>
-      <p:grpSp>
-        <p:nvGrpSpPr>
-          <p:cNvPr id="69" name="组合 68"/>
-          <p:cNvGrpSpPr/>
-          <p:nvPr/>
-        </p:nvGrpSpPr>
-        <p:grpSpPr>
-          <a:xfrm>
-            <a:off x="-3185164" y="1207880"/>
-            <a:ext cx="700380" cy="360040"/>
-            <a:chOff x="-6229200" y="-1971600"/>
-            <a:chExt cx="4202280" cy="2160240"/>
-          </a:xfrm>
-        </p:grpSpPr>
-        <p:sp>
-          <p:nvSpPr>
-            <p:cNvPr id="70" name="弧形 69"/>
-            <p:cNvSpPr/>
-            <p:nvPr/>
-          </p:nvSpPr>
-          <p:spPr>
-            <a:xfrm flipV="1">
-              <a:off x="-6229200" y="-1971600"/>
-              <a:ext cx="2238794" cy="2160240"/>
-            </a:xfrm>
-            <a:prstGeom prst="arc">
-              <a:avLst>
-                <a:gd name="adj1" fmla="val 16200000"/>
-                <a:gd name="adj2" fmla="val 5519353"/>
-              </a:avLst>
-            </a:prstGeom>
-            <a:ln w="19050">
-              <a:solidFill>
-                <a:schemeClr val="tx1"/>
-              </a:solidFill>
-            </a:ln>
-          </p:spPr>
-          <p:style>
-            <a:lnRef idx="1">
-              <a:schemeClr val="accent1"/>
-            </a:lnRef>
-            <a:fillRef idx="0">
-              <a:schemeClr val="accent1"/>
-            </a:fillRef>
-            <a:effectRef idx="0">
-              <a:schemeClr val="accent1"/>
-            </a:effectRef>
-            <a:fontRef idx="minor">
-              <a:schemeClr val="tx1"/>
+              <a:schemeClr val="lt1"/>
             </a:fontRef>
           </p:style>
           <p:txBody>
@@ -7237,92 +6366,612 @@
             <a:lstStyle/>
             <a:p>
               <a:pPr algn="ctr"/>
-              <a:endParaRPr lang="en-US"/>
+              <a:r>
+                <a:rPr lang="en-US" altLang="zh-CN" dirty="0" smtClean="0">
+                  <a:solidFill>
+                    <a:schemeClr val="tx1"/>
+                  </a:solidFill>
+                </a:rPr>
+                <a:t>DDR FIFO</a:t>
+              </a:r>
+              <a:endParaRPr lang="zh-CN" altLang="en-US" dirty="0">
+                <a:solidFill>
+                  <a:schemeClr val="tx1"/>
+                </a:solidFill>
+              </a:endParaRPr>
             </a:p>
           </p:txBody>
         </p:sp>
         <p:sp>
           <p:nvSpPr>
-            <p:cNvPr id="71" name="任意多边形 70"/>
+            <p:cNvPr id="48" name="矩形 47"/>
             <p:cNvSpPr/>
             <p:nvPr/>
           </p:nvSpPr>
           <p:spPr>
             <a:xfrm>
-              <a:off x="-3992880" y="-1568504"/>
-              <a:ext cx="1965960" cy="1167581"/>
+              <a:off x="9193630" y="2670140"/>
+              <a:ext cx="1872208" cy="1118900"/>
             </a:xfrm>
-            <a:custGeom>
+            <a:prstGeom prst="rect">
               <a:avLst/>
-              <a:gdLst>
-                <a:gd name="connsiteX0" fmla="*/ 0 w 1965960"/>
-                <a:gd name="connsiteY0" fmla="*/ 623624 h 1167581"/>
-                <a:gd name="connsiteX1" fmla="*/ 609600 w 1965960"/>
-                <a:gd name="connsiteY1" fmla="*/ 14024 h 1167581"/>
-                <a:gd name="connsiteX2" fmla="*/ 975360 w 1965960"/>
-                <a:gd name="connsiteY2" fmla="*/ 1157024 h 1167581"/>
-                <a:gd name="connsiteX3" fmla="*/ 1463040 w 1965960"/>
-                <a:gd name="connsiteY3" fmla="*/ 577904 h 1167581"/>
-                <a:gd name="connsiteX4" fmla="*/ 1965960 w 1965960"/>
-                <a:gd name="connsiteY4" fmla="*/ 486464 h 1167581"/>
-                <a:gd name="connsiteX5" fmla="*/ 1965960 w 1965960"/>
-                <a:gd name="connsiteY5" fmla="*/ 486464 h 1167581"/>
-              </a:gdLst>
-              <a:ahLst/>
-              <a:cxnLst>
-                <a:cxn ang="0">
-                  <a:pos x="connsiteX0" y="connsiteY0"/>
-                </a:cxn>
-                <a:cxn ang="0">
-                  <a:pos x="connsiteX1" y="connsiteY1"/>
-                </a:cxn>
-                <a:cxn ang="0">
-                  <a:pos x="connsiteX2" y="connsiteY2"/>
-                </a:cxn>
-                <a:cxn ang="0">
-                  <a:pos x="connsiteX3" y="connsiteY3"/>
-                </a:cxn>
-                <a:cxn ang="0">
-                  <a:pos x="connsiteX4" y="connsiteY4"/>
-                </a:cxn>
-                <a:cxn ang="0">
-                  <a:pos x="connsiteX5" y="connsiteY5"/>
-                </a:cxn>
-              </a:cxnLst>
-              <a:rect l="l" t="t" r="r" b="b"/>
-              <a:pathLst>
-                <a:path w="1965960" h="1167581">
-                  <a:moveTo>
-                    <a:pt x="0" y="623624"/>
-                  </a:moveTo>
-                  <a:cubicBezTo>
-                    <a:pt x="223520" y="274374"/>
-                    <a:pt x="447040" y="-74876"/>
-                    <a:pt x="609600" y="14024"/>
-                  </a:cubicBezTo>
-                  <a:cubicBezTo>
-                    <a:pt x="772160" y="102924"/>
-                    <a:pt x="833120" y="1063044"/>
-                    <a:pt x="975360" y="1157024"/>
-                  </a:cubicBezTo>
-                  <a:cubicBezTo>
-                    <a:pt x="1117600" y="1251004"/>
-                    <a:pt x="1297940" y="689664"/>
-                    <a:pt x="1463040" y="577904"/>
-                  </a:cubicBezTo>
-                  <a:cubicBezTo>
-                    <a:pt x="1628140" y="466144"/>
-                    <a:pt x="1965960" y="486464"/>
-                    <a:pt x="1965960" y="486464"/>
-                  </a:cubicBezTo>
-                  <a:lnTo>
-                    <a:pt x="1965960" y="486464"/>
-                  </a:lnTo>
-                </a:path>
-              </a:pathLst>
-            </a:custGeom>
+            </a:prstGeom>
             <a:noFill/>
-            <a:ln w="19050">
+            <a:ln>
+              <a:solidFill>
+                <a:schemeClr val="tx1"/>
+              </a:solidFill>
+            </a:ln>
+          </p:spPr>
+          <p:style>
+            <a:lnRef idx="2">
+              <a:schemeClr val="accent1">
+                <a:shade val="50000"/>
+              </a:schemeClr>
+            </a:lnRef>
+            <a:fillRef idx="1">
+              <a:schemeClr val="accent1"/>
+            </a:fillRef>
+            <a:effectRef idx="0">
+              <a:schemeClr val="accent1"/>
+            </a:effectRef>
+            <a:fontRef idx="minor">
+              <a:schemeClr val="lt1"/>
+            </a:fontRef>
+          </p:style>
+          <p:txBody>
+            <a:bodyPr rtlCol="0" anchor="ctr"/>
+            <a:lstStyle/>
+            <a:p>
+              <a:pPr algn="ctr"/>
+              <a:r>
+                <a:rPr lang="en-US" altLang="zh-CN" dirty="0" smtClean="0">
+                  <a:solidFill>
+                    <a:schemeClr val="tx1"/>
+                  </a:solidFill>
+                </a:rPr>
+                <a:t>BRAM FIFO</a:t>
+              </a:r>
+              <a:endParaRPr lang="zh-CN" altLang="en-US" dirty="0">
+                <a:solidFill>
+                  <a:schemeClr val="tx1"/>
+                </a:solidFill>
+              </a:endParaRPr>
+            </a:p>
+          </p:txBody>
+        </p:sp>
+        <p:sp>
+          <p:nvSpPr>
+            <p:cNvPr id="49" name="右箭头 48"/>
+            <p:cNvSpPr/>
+            <p:nvPr/>
+          </p:nvSpPr>
+          <p:spPr>
+            <a:xfrm rot="16200000">
+              <a:off x="-689556" y="4393359"/>
+              <a:ext cx="1378097" cy="216028"/>
+            </a:xfrm>
+            <a:prstGeom prst="rightArrow">
+              <a:avLst>
+                <a:gd name="adj1" fmla="val 50000"/>
+                <a:gd name="adj2" fmla="val 60078"/>
+              </a:avLst>
+            </a:prstGeom>
+            <a:solidFill>
+              <a:schemeClr val="tx1"/>
+            </a:solidFill>
+            <a:ln>
+              <a:solidFill>
+                <a:schemeClr val="tx1"/>
+              </a:solidFill>
+            </a:ln>
+          </p:spPr>
+          <p:style>
+            <a:lnRef idx="2">
+              <a:schemeClr val="accent1">
+                <a:shade val="50000"/>
+              </a:schemeClr>
+            </a:lnRef>
+            <a:fillRef idx="1">
+              <a:schemeClr val="accent1"/>
+            </a:fillRef>
+            <a:effectRef idx="0">
+              <a:schemeClr val="accent1"/>
+            </a:effectRef>
+            <a:fontRef idx="minor">
+              <a:schemeClr val="lt1"/>
+            </a:fontRef>
+          </p:style>
+          <p:txBody>
+            <a:bodyPr rtlCol="0" anchor="ctr"/>
+            <a:lstStyle/>
+            <a:p>
+              <a:pPr algn="ctr"/>
+              <a:endParaRPr lang="zh-CN" altLang="en-US"/>
+            </a:p>
+          </p:txBody>
+        </p:sp>
+        <p:sp>
+          <p:nvSpPr>
+            <p:cNvPr id="50" name="右箭头 49"/>
+            <p:cNvSpPr/>
+            <p:nvPr/>
+          </p:nvSpPr>
+          <p:spPr>
+            <a:xfrm rot="16200000">
+              <a:off x="3983624" y="4330354"/>
+              <a:ext cx="1378097" cy="342039"/>
+            </a:xfrm>
+            <a:prstGeom prst="rightArrow">
+              <a:avLst>
+                <a:gd name="adj1" fmla="val 50000"/>
+                <a:gd name="adj2" fmla="val 60078"/>
+              </a:avLst>
+            </a:prstGeom>
+            <a:solidFill>
+              <a:schemeClr val="tx1"/>
+            </a:solidFill>
+            <a:ln>
+              <a:solidFill>
+                <a:schemeClr val="tx1"/>
+              </a:solidFill>
+            </a:ln>
+          </p:spPr>
+          <p:style>
+            <a:lnRef idx="2">
+              <a:schemeClr val="accent1">
+                <a:shade val="50000"/>
+              </a:schemeClr>
+            </a:lnRef>
+            <a:fillRef idx="1">
+              <a:schemeClr val="accent1"/>
+            </a:fillRef>
+            <a:effectRef idx="0">
+              <a:schemeClr val="accent1"/>
+            </a:effectRef>
+            <a:fontRef idx="minor">
+              <a:schemeClr val="lt1"/>
+            </a:fontRef>
+          </p:style>
+          <p:txBody>
+            <a:bodyPr rtlCol="0" anchor="ctr"/>
+            <a:lstStyle/>
+            <a:p>
+              <a:pPr algn="ctr"/>
+              <a:endParaRPr lang="zh-CN" altLang="en-US"/>
+            </a:p>
+          </p:txBody>
+        </p:sp>
+        <p:sp>
+          <p:nvSpPr>
+            <p:cNvPr id="51" name="矩形 50"/>
+            <p:cNvSpPr/>
+            <p:nvPr/>
+          </p:nvSpPr>
+          <p:spPr>
+            <a:xfrm>
+              <a:off x="9202708" y="4161646"/>
+              <a:ext cx="1872208" cy="585356"/>
+            </a:xfrm>
+            <a:prstGeom prst="rect">
+              <a:avLst/>
+            </a:prstGeom>
+            <a:noFill/>
+            <a:ln>
+              <a:solidFill>
+                <a:schemeClr val="tx1"/>
+              </a:solidFill>
+            </a:ln>
+          </p:spPr>
+          <p:style>
+            <a:lnRef idx="2">
+              <a:schemeClr val="accent1">
+                <a:shade val="50000"/>
+              </a:schemeClr>
+            </a:lnRef>
+            <a:fillRef idx="1">
+              <a:schemeClr val="accent1"/>
+            </a:fillRef>
+            <a:effectRef idx="0">
+              <a:schemeClr val="accent1"/>
+            </a:effectRef>
+            <a:fontRef idx="minor">
+              <a:schemeClr val="lt1"/>
+            </a:fontRef>
+          </p:style>
+          <p:txBody>
+            <a:bodyPr rtlCol="0" anchor="ctr"/>
+            <a:lstStyle/>
+            <a:p>
+              <a:pPr algn="ctr"/>
+              <a:r>
+                <a:rPr lang="en-US" altLang="zh-CN" dirty="0" smtClean="0">
+                  <a:solidFill>
+                    <a:schemeClr val="tx1"/>
+                  </a:solidFill>
+                </a:rPr>
+                <a:t>BLOCK RAM</a:t>
+              </a:r>
+              <a:endParaRPr lang="zh-CN" altLang="en-US" dirty="0">
+                <a:solidFill>
+                  <a:schemeClr val="tx1"/>
+                </a:solidFill>
+              </a:endParaRPr>
+            </a:p>
+          </p:txBody>
+        </p:sp>
+        <p:sp>
+          <p:nvSpPr>
+            <p:cNvPr id="52" name="上下箭头 51"/>
+            <p:cNvSpPr/>
+            <p:nvPr/>
+          </p:nvSpPr>
+          <p:spPr>
+            <a:xfrm>
+              <a:off x="10068824" y="4747002"/>
+              <a:ext cx="121820" cy="443418"/>
+            </a:xfrm>
+            <a:prstGeom prst="upDownArrow">
+              <a:avLst/>
+            </a:prstGeom>
+            <a:noFill/>
+            <a:ln>
+              <a:solidFill>
+                <a:schemeClr val="tx1"/>
+              </a:solidFill>
+            </a:ln>
+          </p:spPr>
+          <p:style>
+            <a:lnRef idx="2">
+              <a:schemeClr val="accent1">
+                <a:shade val="50000"/>
+              </a:schemeClr>
+            </a:lnRef>
+            <a:fillRef idx="1">
+              <a:schemeClr val="accent1"/>
+            </a:fillRef>
+            <a:effectRef idx="0">
+              <a:schemeClr val="accent1"/>
+            </a:effectRef>
+            <a:fontRef idx="minor">
+              <a:schemeClr val="lt1"/>
+            </a:fontRef>
+          </p:style>
+          <p:txBody>
+            <a:bodyPr rtlCol="0" anchor="ctr"/>
+            <a:lstStyle/>
+            <a:p>
+              <a:pPr algn="ctr"/>
+              <a:endParaRPr lang="zh-CN" altLang="en-US"/>
+            </a:p>
+          </p:txBody>
+        </p:sp>
+        <p:sp>
+          <p:nvSpPr>
+            <p:cNvPr id="53" name="矩形 52"/>
+            <p:cNvSpPr/>
+            <p:nvPr/>
+          </p:nvSpPr>
+          <p:spPr>
+            <a:xfrm>
+              <a:off x="12204848" y="947500"/>
+              <a:ext cx="1872208" cy="5361820"/>
+            </a:xfrm>
+            <a:prstGeom prst="rect">
+              <a:avLst/>
+            </a:prstGeom>
+            <a:noFill/>
+            <a:ln>
+              <a:solidFill>
+                <a:schemeClr val="tx1"/>
+              </a:solidFill>
+            </a:ln>
+          </p:spPr>
+          <p:style>
+            <a:lnRef idx="2">
+              <a:schemeClr val="accent1">
+                <a:shade val="50000"/>
+              </a:schemeClr>
+            </a:lnRef>
+            <a:fillRef idx="1">
+              <a:schemeClr val="accent1"/>
+            </a:fillRef>
+            <a:effectRef idx="0">
+              <a:schemeClr val="accent1"/>
+            </a:effectRef>
+            <a:fontRef idx="minor">
+              <a:schemeClr val="lt1"/>
+            </a:fontRef>
+          </p:style>
+          <p:txBody>
+            <a:bodyPr rtlCol="0" anchor="ctr"/>
+            <a:lstStyle/>
+            <a:p>
+              <a:pPr algn="ctr"/>
+              <a:r>
+                <a:rPr lang="en-US" altLang="zh-CN" dirty="0" smtClean="0">
+                  <a:solidFill>
+                    <a:schemeClr val="tx1"/>
+                  </a:solidFill>
+                </a:rPr>
+                <a:t>LPDDR</a:t>
+              </a:r>
+              <a:endParaRPr lang="zh-CN" altLang="en-US" dirty="0">
+                <a:solidFill>
+                  <a:schemeClr val="tx1"/>
+                </a:solidFill>
+              </a:endParaRPr>
+            </a:p>
+          </p:txBody>
+        </p:sp>
+        <p:sp>
+          <p:nvSpPr>
+            <p:cNvPr id="54" name="右箭头 53"/>
+            <p:cNvSpPr/>
+            <p:nvPr/>
+          </p:nvSpPr>
+          <p:spPr>
+            <a:xfrm>
+              <a:off x="11075978" y="1273406"/>
+              <a:ext cx="1128870" cy="576064"/>
+            </a:xfrm>
+            <a:prstGeom prst="rightArrow">
+              <a:avLst>
+                <a:gd name="adj1" fmla="val 50000"/>
+                <a:gd name="adj2" fmla="val 37402"/>
+              </a:avLst>
+            </a:prstGeom>
+            <a:noFill/>
+            <a:ln>
+              <a:solidFill>
+                <a:schemeClr val="tx1"/>
+              </a:solidFill>
+            </a:ln>
+          </p:spPr>
+          <p:style>
+            <a:lnRef idx="2">
+              <a:schemeClr val="accent1">
+                <a:shade val="50000"/>
+              </a:schemeClr>
+            </a:lnRef>
+            <a:fillRef idx="1">
+              <a:schemeClr val="accent1"/>
+            </a:fillRef>
+            <a:effectRef idx="0">
+              <a:schemeClr val="accent1"/>
+            </a:effectRef>
+            <a:fontRef idx="minor">
+              <a:schemeClr val="lt1"/>
+            </a:fontRef>
+          </p:style>
+          <p:txBody>
+            <a:bodyPr rtlCol="0" anchor="ctr"/>
+            <a:lstStyle/>
+            <a:p>
+              <a:pPr algn="ctr"/>
+              <a:endParaRPr lang="zh-CN" altLang="en-US"/>
+            </a:p>
+          </p:txBody>
+        </p:sp>
+        <p:sp>
+          <p:nvSpPr>
+            <p:cNvPr id="55" name="上下箭头 54"/>
+            <p:cNvSpPr/>
+            <p:nvPr/>
+          </p:nvSpPr>
+          <p:spPr>
+            <a:xfrm rot="16200000">
+              <a:off x="11480279" y="5206967"/>
+              <a:ext cx="282619" cy="1085805"/>
+            </a:xfrm>
+            <a:prstGeom prst="upDownArrow">
+              <a:avLst/>
+            </a:prstGeom>
+            <a:noFill/>
+            <a:ln>
+              <a:solidFill>
+                <a:schemeClr val="tx1"/>
+              </a:solidFill>
+            </a:ln>
+          </p:spPr>
+          <p:style>
+            <a:lnRef idx="2">
+              <a:schemeClr val="accent1">
+                <a:shade val="50000"/>
+              </a:schemeClr>
+            </a:lnRef>
+            <a:fillRef idx="1">
+              <a:schemeClr val="accent1"/>
+            </a:fillRef>
+            <a:effectRef idx="0">
+              <a:schemeClr val="accent1"/>
+            </a:effectRef>
+            <a:fontRef idx="minor">
+              <a:schemeClr val="lt1"/>
+            </a:fontRef>
+          </p:style>
+          <p:txBody>
+            <a:bodyPr rtlCol="0" anchor="ctr"/>
+            <a:lstStyle/>
+            <a:p>
+              <a:pPr algn="ctr"/>
+              <a:endParaRPr lang="zh-CN" altLang="en-US"/>
+            </a:p>
+          </p:txBody>
+        </p:sp>
+        <p:sp>
+          <p:nvSpPr>
+            <p:cNvPr id="56" name="右箭头 55"/>
+            <p:cNvSpPr/>
+            <p:nvPr/>
+          </p:nvSpPr>
+          <p:spPr>
+            <a:xfrm rot="5400000">
+              <a:off x="9964150" y="3842969"/>
+              <a:ext cx="349321" cy="288033"/>
+            </a:xfrm>
+            <a:prstGeom prst="rightArrow">
+              <a:avLst>
+                <a:gd name="adj1" fmla="val 50000"/>
+                <a:gd name="adj2" fmla="val 37402"/>
+              </a:avLst>
+            </a:prstGeom>
+            <a:noFill/>
+            <a:ln>
+              <a:solidFill>
+                <a:schemeClr val="tx1"/>
+              </a:solidFill>
+            </a:ln>
+          </p:spPr>
+          <p:style>
+            <a:lnRef idx="2">
+              <a:schemeClr val="accent1">
+                <a:shade val="50000"/>
+              </a:schemeClr>
+            </a:lnRef>
+            <a:fillRef idx="1">
+              <a:schemeClr val="accent1"/>
+            </a:fillRef>
+            <a:effectRef idx="0">
+              <a:schemeClr val="accent1"/>
+            </a:effectRef>
+            <a:fontRef idx="minor">
+              <a:schemeClr val="lt1"/>
+            </a:fontRef>
+          </p:style>
+          <p:txBody>
+            <a:bodyPr rtlCol="0" anchor="ctr"/>
+            <a:lstStyle/>
+            <a:p>
+              <a:pPr algn="ctr"/>
+              <a:endParaRPr lang="zh-CN" altLang="en-US"/>
+            </a:p>
+          </p:txBody>
+        </p:sp>
+        <p:sp>
+          <p:nvSpPr>
+            <p:cNvPr id="57" name="TextBox 120"/>
+            <p:cNvSpPr txBox="1"/>
+            <p:nvPr/>
+          </p:nvSpPr>
+          <p:spPr>
+            <a:xfrm>
+              <a:off x="9642062" y="71951"/>
+              <a:ext cx="993500" cy="461665"/>
+            </a:xfrm>
+            <a:prstGeom prst="rect">
+              <a:avLst/>
+            </a:prstGeom>
+            <a:noFill/>
+          </p:spPr>
+          <p:txBody>
+            <a:bodyPr wrap="square" rtlCol="0">
+              <a:spAutoFit/>
+            </a:bodyPr>
+            <a:lstStyle/>
+            <a:p>
+              <a:pPr algn="ctr"/>
+              <a:r>
+                <a:rPr lang="en-US" altLang="zh-CN" sz="2400" dirty="0" smtClean="0"/>
+                <a:t>FPGA</a:t>
+              </a:r>
+              <a:endParaRPr lang="zh-CN" altLang="en-US" sz="2400" dirty="0"/>
+            </a:p>
+          </p:txBody>
+        </p:sp>
+        <p:sp>
+          <p:nvSpPr>
+            <p:cNvPr id="58" name="上下箭头 57"/>
+            <p:cNvSpPr/>
+            <p:nvPr/>
+          </p:nvSpPr>
+          <p:spPr>
+            <a:xfrm rot="16200000">
+              <a:off x="-1761340" y="4805231"/>
+              <a:ext cx="282619" cy="1889275"/>
+            </a:xfrm>
+            <a:prstGeom prst="upDownArrow">
+              <a:avLst/>
+            </a:prstGeom>
+            <a:noFill/>
+            <a:ln>
+              <a:solidFill>
+                <a:schemeClr val="tx1"/>
+              </a:solidFill>
+            </a:ln>
+          </p:spPr>
+          <p:style>
+            <a:lnRef idx="2">
+              <a:schemeClr val="accent1">
+                <a:shade val="50000"/>
+              </a:schemeClr>
+            </a:lnRef>
+            <a:fillRef idx="1">
+              <a:schemeClr val="accent1"/>
+            </a:fillRef>
+            <a:effectRef idx="0">
+              <a:schemeClr val="accent1"/>
+            </a:effectRef>
+            <a:fontRef idx="minor">
+              <a:schemeClr val="lt1"/>
+            </a:fontRef>
+          </p:style>
+          <p:txBody>
+            <a:bodyPr rtlCol="0" anchor="ctr"/>
+            <a:lstStyle/>
+            <a:p>
+              <a:pPr algn="ctr"/>
+              <a:endParaRPr lang="zh-CN" altLang="en-US"/>
+            </a:p>
+          </p:txBody>
+        </p:sp>
+        <p:sp>
+          <p:nvSpPr>
+            <p:cNvPr id="59" name="TextBox 123"/>
+            <p:cNvSpPr txBox="1"/>
+            <p:nvPr/>
+          </p:nvSpPr>
+          <p:spPr>
+            <a:xfrm>
+              <a:off x="-2116781" y="5239227"/>
+              <a:ext cx="993500" cy="369332"/>
+            </a:xfrm>
+            <a:prstGeom prst="rect">
+              <a:avLst/>
+            </a:prstGeom>
+            <a:noFill/>
+          </p:spPr>
+          <p:txBody>
+            <a:bodyPr wrap="square" rtlCol="0">
+              <a:spAutoFit/>
+            </a:bodyPr>
+            <a:lstStyle/>
+            <a:p>
+              <a:pPr algn="ctr"/>
+              <a:r>
+                <a:rPr lang="en-US" altLang="zh-CN" dirty="0" smtClean="0"/>
+                <a:t>USB</a:t>
+              </a:r>
+              <a:endParaRPr lang="zh-CN" altLang="en-US" dirty="0"/>
+            </a:p>
+          </p:txBody>
+        </p:sp>
+        <p:sp>
+          <p:nvSpPr>
+            <p:cNvPr id="63" name="椭圆 62"/>
+            <p:cNvSpPr/>
+            <p:nvPr/>
+          </p:nvSpPr>
+          <p:spPr>
+            <a:xfrm>
+              <a:off x="-2763094" y="4346312"/>
+              <a:ext cx="216024" cy="216024"/>
+            </a:xfrm>
+            <a:prstGeom prst="ellipse">
+              <a:avLst/>
+            </a:prstGeom>
+            <a:noFill/>
+            <a:ln>
               <a:solidFill>
                 <a:schemeClr val="tx1"/>
               </a:solidFill>
@@ -7353,149 +7002,22 @@
             </a:p>
           </p:txBody>
         </p:sp>
-      </p:grpSp>
-      <p:grpSp>
-        <p:nvGrpSpPr>
-          <p:cNvPr id="72" name="组合 71"/>
-          <p:cNvGrpSpPr/>
-          <p:nvPr/>
-        </p:nvGrpSpPr>
-        <p:grpSpPr>
-          <a:xfrm>
-            <a:off x="-3197079" y="1654326"/>
-            <a:ext cx="700380" cy="360040"/>
-            <a:chOff x="-6229200" y="-1971600"/>
-            <a:chExt cx="4202280" cy="2160240"/>
-          </a:xfrm>
-        </p:grpSpPr>
         <p:sp>
           <p:nvSpPr>
-            <p:cNvPr id="73" name="弧形 72"/>
-            <p:cNvSpPr/>
-            <p:nvPr/>
-          </p:nvSpPr>
-          <p:spPr>
-            <a:xfrm flipV="1">
-              <a:off x="-6229200" y="-1971600"/>
-              <a:ext cx="2238794" cy="2160240"/>
-            </a:xfrm>
-            <a:prstGeom prst="arc">
-              <a:avLst>
-                <a:gd name="adj1" fmla="val 16200000"/>
-                <a:gd name="adj2" fmla="val 5519353"/>
-              </a:avLst>
-            </a:prstGeom>
-            <a:ln w="19050">
-              <a:solidFill>
-                <a:schemeClr val="tx1"/>
-              </a:solidFill>
-            </a:ln>
-          </p:spPr>
-          <p:style>
-            <a:lnRef idx="1">
-              <a:schemeClr val="accent1"/>
-            </a:lnRef>
-            <a:fillRef idx="0">
-              <a:schemeClr val="accent1"/>
-            </a:fillRef>
-            <a:effectRef idx="0">
-              <a:schemeClr val="accent1"/>
-            </a:effectRef>
-            <a:fontRef idx="minor">
-              <a:schemeClr val="tx1"/>
-            </a:fontRef>
-          </p:style>
-          <p:txBody>
-            <a:bodyPr rtlCol="0" anchor="ctr"/>
-            <a:lstStyle/>
-            <a:p>
-              <a:pPr algn="ctr"/>
-              <a:endParaRPr lang="en-US"/>
-            </a:p>
-          </p:txBody>
-        </p:sp>
-        <p:sp>
-          <p:nvSpPr>
-            <p:cNvPr id="74" name="任意多边形 73"/>
+            <p:cNvPr id="65" name="矩形 64"/>
             <p:cNvSpPr/>
             <p:nvPr/>
           </p:nvSpPr>
           <p:spPr>
             <a:xfrm>
-              <a:off x="-3992880" y="-1568504"/>
-              <a:ext cx="1965960" cy="1167581"/>
+              <a:off x="-4156323" y="5216489"/>
+              <a:ext cx="1583955" cy="1066758"/>
             </a:xfrm>
-            <a:custGeom>
+            <a:prstGeom prst="rect">
               <a:avLst/>
-              <a:gdLst>
-                <a:gd name="connsiteX0" fmla="*/ 0 w 1965960"/>
-                <a:gd name="connsiteY0" fmla="*/ 623624 h 1167581"/>
-                <a:gd name="connsiteX1" fmla="*/ 609600 w 1965960"/>
-                <a:gd name="connsiteY1" fmla="*/ 14024 h 1167581"/>
-                <a:gd name="connsiteX2" fmla="*/ 975360 w 1965960"/>
-                <a:gd name="connsiteY2" fmla="*/ 1157024 h 1167581"/>
-                <a:gd name="connsiteX3" fmla="*/ 1463040 w 1965960"/>
-                <a:gd name="connsiteY3" fmla="*/ 577904 h 1167581"/>
-                <a:gd name="connsiteX4" fmla="*/ 1965960 w 1965960"/>
-                <a:gd name="connsiteY4" fmla="*/ 486464 h 1167581"/>
-                <a:gd name="connsiteX5" fmla="*/ 1965960 w 1965960"/>
-                <a:gd name="connsiteY5" fmla="*/ 486464 h 1167581"/>
-              </a:gdLst>
-              <a:ahLst/>
-              <a:cxnLst>
-                <a:cxn ang="0">
-                  <a:pos x="connsiteX0" y="connsiteY0"/>
-                </a:cxn>
-                <a:cxn ang="0">
-                  <a:pos x="connsiteX1" y="connsiteY1"/>
-                </a:cxn>
-                <a:cxn ang="0">
-                  <a:pos x="connsiteX2" y="connsiteY2"/>
-                </a:cxn>
-                <a:cxn ang="0">
-                  <a:pos x="connsiteX3" y="connsiteY3"/>
-                </a:cxn>
-                <a:cxn ang="0">
-                  <a:pos x="connsiteX4" y="connsiteY4"/>
-                </a:cxn>
-                <a:cxn ang="0">
-                  <a:pos x="connsiteX5" y="connsiteY5"/>
-                </a:cxn>
-              </a:cxnLst>
-              <a:rect l="l" t="t" r="r" b="b"/>
-              <a:pathLst>
-                <a:path w="1965960" h="1167581">
-                  <a:moveTo>
-                    <a:pt x="0" y="623624"/>
-                  </a:moveTo>
-                  <a:cubicBezTo>
-                    <a:pt x="223520" y="274374"/>
-                    <a:pt x="447040" y="-74876"/>
-                    <a:pt x="609600" y="14024"/>
-                  </a:cubicBezTo>
-                  <a:cubicBezTo>
-                    <a:pt x="772160" y="102924"/>
-                    <a:pt x="833120" y="1063044"/>
-                    <a:pt x="975360" y="1157024"/>
-                  </a:cubicBezTo>
-                  <a:cubicBezTo>
-                    <a:pt x="1117600" y="1251004"/>
-                    <a:pt x="1297940" y="689664"/>
-                    <a:pt x="1463040" y="577904"/>
-                  </a:cubicBezTo>
-                  <a:cubicBezTo>
-                    <a:pt x="1628140" y="466144"/>
-                    <a:pt x="1965960" y="486464"/>
-                    <a:pt x="1965960" y="486464"/>
-                  </a:cubicBezTo>
-                  <a:lnTo>
-                    <a:pt x="1965960" y="486464"/>
-                  </a:lnTo>
-                </a:path>
-              </a:pathLst>
-            </a:custGeom>
+            </a:prstGeom>
             <a:noFill/>
-            <a:ln w="19050">
+            <a:ln>
               <a:solidFill>
                 <a:schemeClr val="tx1"/>
               </a:solidFill>
@@ -7522,153 +7044,38 @@
             <a:lstStyle/>
             <a:p>
               <a:pPr algn="ctr"/>
-              <a:endParaRPr lang="en-US"/>
-            </a:p>
-          </p:txBody>
-        </p:sp>
-      </p:grpSp>
-      <p:grpSp>
-        <p:nvGrpSpPr>
-          <p:cNvPr id="75" name="组合 74"/>
-          <p:cNvGrpSpPr/>
-          <p:nvPr/>
-        </p:nvGrpSpPr>
-        <p:grpSpPr>
-          <a:xfrm>
-            <a:off x="-3197901" y="3293337"/>
-            <a:ext cx="700380" cy="360040"/>
-            <a:chOff x="-6229200" y="-1971600"/>
-            <a:chExt cx="4202280" cy="2160240"/>
-          </a:xfrm>
-        </p:grpSpPr>
-        <p:sp>
-          <p:nvSpPr>
-            <p:cNvPr id="76" name="弧形 75"/>
-            <p:cNvSpPr/>
-            <p:nvPr/>
-          </p:nvSpPr>
-          <p:spPr>
-            <a:xfrm flipV="1">
-              <a:off x="-6229200" y="-1971600"/>
-              <a:ext cx="2238794" cy="2160240"/>
-            </a:xfrm>
-            <a:prstGeom prst="arc">
-              <a:avLst>
-                <a:gd name="adj1" fmla="val 16200000"/>
-                <a:gd name="adj2" fmla="val 5519353"/>
-              </a:avLst>
-            </a:prstGeom>
-            <a:ln w="19050">
-              <a:solidFill>
-                <a:schemeClr val="tx1"/>
-              </a:solidFill>
-            </a:ln>
-          </p:spPr>
-          <p:style>
-            <a:lnRef idx="1">
-              <a:schemeClr val="accent1"/>
-            </a:lnRef>
-            <a:fillRef idx="0">
-              <a:schemeClr val="accent1"/>
-            </a:fillRef>
-            <a:effectRef idx="0">
-              <a:schemeClr val="accent1"/>
-            </a:effectRef>
-            <a:fontRef idx="minor">
-              <a:schemeClr val="tx1"/>
-            </a:fontRef>
-          </p:style>
-          <p:txBody>
-            <a:bodyPr rtlCol="0" anchor="ctr"/>
-            <a:lstStyle/>
-            <a:p>
-              <a:pPr algn="ctr"/>
-              <a:endParaRPr lang="en-US"/>
+              <a:r>
+                <a:rPr lang="en-US" altLang="zh-CN" dirty="0" smtClean="0">
+                  <a:solidFill>
+                    <a:schemeClr val="tx1"/>
+                  </a:solidFill>
+                </a:rPr>
+                <a:t>USB chip</a:t>
+              </a:r>
+              <a:endParaRPr lang="zh-CN" altLang="en-US" dirty="0">
+                <a:solidFill>
+                  <a:schemeClr val="tx1"/>
+                </a:solidFill>
+              </a:endParaRPr>
             </a:p>
           </p:txBody>
         </p:sp>
         <p:sp>
           <p:nvSpPr>
-            <p:cNvPr id="77" name="任意多边形 76"/>
+            <p:cNvPr id="66" name="上下箭头 65"/>
             <p:cNvSpPr/>
             <p:nvPr/>
           </p:nvSpPr>
           <p:spPr>
-            <a:xfrm>
-              <a:off x="-3992880" y="-1568504"/>
-              <a:ext cx="1965960" cy="1167581"/>
+            <a:xfrm rot="10800000">
+              <a:off x="-3505548" y="6283246"/>
+              <a:ext cx="282403" cy="485320"/>
             </a:xfrm>
-            <a:custGeom>
+            <a:prstGeom prst="upDownArrow">
               <a:avLst/>
-              <a:gdLst>
-                <a:gd name="connsiteX0" fmla="*/ 0 w 1965960"/>
-                <a:gd name="connsiteY0" fmla="*/ 623624 h 1167581"/>
-                <a:gd name="connsiteX1" fmla="*/ 609600 w 1965960"/>
-                <a:gd name="connsiteY1" fmla="*/ 14024 h 1167581"/>
-                <a:gd name="connsiteX2" fmla="*/ 975360 w 1965960"/>
-                <a:gd name="connsiteY2" fmla="*/ 1157024 h 1167581"/>
-                <a:gd name="connsiteX3" fmla="*/ 1463040 w 1965960"/>
-                <a:gd name="connsiteY3" fmla="*/ 577904 h 1167581"/>
-                <a:gd name="connsiteX4" fmla="*/ 1965960 w 1965960"/>
-                <a:gd name="connsiteY4" fmla="*/ 486464 h 1167581"/>
-                <a:gd name="connsiteX5" fmla="*/ 1965960 w 1965960"/>
-                <a:gd name="connsiteY5" fmla="*/ 486464 h 1167581"/>
-              </a:gdLst>
-              <a:ahLst/>
-              <a:cxnLst>
-                <a:cxn ang="0">
-                  <a:pos x="connsiteX0" y="connsiteY0"/>
-                </a:cxn>
-                <a:cxn ang="0">
-                  <a:pos x="connsiteX1" y="connsiteY1"/>
-                </a:cxn>
-                <a:cxn ang="0">
-                  <a:pos x="connsiteX2" y="connsiteY2"/>
-                </a:cxn>
-                <a:cxn ang="0">
-                  <a:pos x="connsiteX3" y="connsiteY3"/>
-                </a:cxn>
-                <a:cxn ang="0">
-                  <a:pos x="connsiteX4" y="connsiteY4"/>
-                </a:cxn>
-                <a:cxn ang="0">
-                  <a:pos x="connsiteX5" y="connsiteY5"/>
-                </a:cxn>
-              </a:cxnLst>
-              <a:rect l="l" t="t" r="r" b="b"/>
-              <a:pathLst>
-                <a:path w="1965960" h="1167581">
-                  <a:moveTo>
-                    <a:pt x="0" y="623624"/>
-                  </a:moveTo>
-                  <a:cubicBezTo>
-                    <a:pt x="223520" y="274374"/>
-                    <a:pt x="447040" y="-74876"/>
-                    <a:pt x="609600" y="14024"/>
-                  </a:cubicBezTo>
-                  <a:cubicBezTo>
-                    <a:pt x="772160" y="102924"/>
-                    <a:pt x="833120" y="1063044"/>
-                    <a:pt x="975360" y="1157024"/>
-                  </a:cubicBezTo>
-                  <a:cubicBezTo>
-                    <a:pt x="1117600" y="1251004"/>
-                    <a:pt x="1297940" y="689664"/>
-                    <a:pt x="1463040" y="577904"/>
-                  </a:cubicBezTo>
-                  <a:cubicBezTo>
-                    <a:pt x="1628140" y="466144"/>
-                    <a:pt x="1965960" y="486464"/>
-                    <a:pt x="1965960" y="486464"/>
-                  </a:cubicBezTo>
-                  <a:lnTo>
-                    <a:pt x="1965960" y="486464"/>
-                  </a:lnTo>
-                </a:path>
-              </a:pathLst>
-            </a:custGeom>
+            </a:prstGeom>
             <a:noFill/>
-            <a:ln w="19050">
+            <a:ln>
               <a:solidFill>
                 <a:schemeClr val="tx1"/>
               </a:solidFill>
@@ -7695,266 +7102,874 @@
             <a:lstStyle/>
             <a:p>
               <a:pPr algn="ctr"/>
-              <a:endParaRPr lang="en-US"/>
+              <a:endParaRPr lang="zh-CN" altLang="en-US"/>
+            </a:p>
+          </p:txBody>
+        </p:sp>
+        <p:sp>
+          <p:nvSpPr>
+            <p:cNvPr id="67" name="TextBox 123"/>
+            <p:cNvSpPr txBox="1"/>
+            <p:nvPr/>
+          </p:nvSpPr>
+          <p:spPr>
+            <a:xfrm>
+              <a:off x="-3437927" y="6333400"/>
+              <a:ext cx="993500" cy="369332"/>
+            </a:xfrm>
+            <a:prstGeom prst="rect">
+              <a:avLst/>
+            </a:prstGeom>
+            <a:noFill/>
+          </p:spPr>
+          <p:txBody>
+            <a:bodyPr wrap="square" rtlCol="0">
+              <a:spAutoFit/>
+            </a:bodyPr>
+            <a:lstStyle/>
+            <a:p>
+              <a:pPr algn="ctr"/>
+              <a:r>
+                <a:rPr lang="en-US" altLang="zh-CN" dirty="0" smtClean="0"/>
+                <a:t>USB</a:t>
+              </a:r>
+              <a:endParaRPr lang="zh-CN" altLang="en-US" dirty="0"/>
+            </a:p>
+          </p:txBody>
+        </p:sp>
+        <p:sp>
+          <p:nvSpPr>
+            <p:cNvPr id="68" name="矩形 67"/>
+            <p:cNvSpPr/>
+            <p:nvPr/>
+          </p:nvSpPr>
+          <p:spPr>
+            <a:xfrm>
+              <a:off x="-4156323" y="6768566"/>
+              <a:ext cx="1583955" cy="1066758"/>
+            </a:xfrm>
+            <a:prstGeom prst="rect">
+              <a:avLst/>
+            </a:prstGeom>
+            <a:noFill/>
+            <a:ln>
+              <a:solidFill>
+                <a:schemeClr val="tx1"/>
+              </a:solidFill>
+            </a:ln>
+          </p:spPr>
+          <p:style>
+            <a:lnRef idx="2">
+              <a:schemeClr val="accent1">
+                <a:shade val="50000"/>
+              </a:schemeClr>
+            </a:lnRef>
+            <a:fillRef idx="1">
+              <a:schemeClr val="accent1"/>
+            </a:fillRef>
+            <a:effectRef idx="0">
+              <a:schemeClr val="accent1"/>
+            </a:effectRef>
+            <a:fontRef idx="minor">
+              <a:schemeClr val="lt1"/>
+            </a:fontRef>
+          </p:style>
+          <p:txBody>
+            <a:bodyPr rtlCol="0" anchor="ctr"/>
+            <a:lstStyle/>
+            <a:p>
+              <a:pPr algn="ctr"/>
+              <a:r>
+                <a:rPr lang="en-US" altLang="zh-CN" dirty="0" smtClean="0">
+                  <a:solidFill>
+                    <a:schemeClr val="tx1"/>
+                  </a:solidFill>
+                </a:rPr>
+                <a:t>PC</a:t>
+              </a:r>
+              <a:endParaRPr lang="zh-CN" altLang="en-US" dirty="0">
+                <a:solidFill>
+                  <a:schemeClr val="tx1"/>
+                </a:solidFill>
+              </a:endParaRPr>
+            </a:p>
+          </p:txBody>
+        </p:sp>
+        <p:grpSp>
+          <p:nvGrpSpPr>
+            <p:cNvPr id="69" name="组合 68"/>
+            <p:cNvGrpSpPr/>
+            <p:nvPr/>
+          </p:nvGrpSpPr>
+          <p:grpSpPr>
+            <a:xfrm>
+              <a:off x="-3185164" y="1207880"/>
+              <a:ext cx="700380" cy="360040"/>
+              <a:chOff x="-6229200" y="-1971600"/>
+              <a:chExt cx="4202280" cy="2160240"/>
+            </a:xfrm>
+          </p:grpSpPr>
+          <p:sp>
+            <p:nvSpPr>
+              <p:cNvPr id="70" name="弧形 69"/>
+              <p:cNvSpPr/>
+              <p:nvPr/>
+            </p:nvSpPr>
+            <p:spPr>
+              <a:xfrm flipV="1">
+                <a:off x="-6229200" y="-1971600"/>
+                <a:ext cx="2238794" cy="2160240"/>
+              </a:xfrm>
+              <a:prstGeom prst="arc">
+                <a:avLst>
+                  <a:gd name="adj1" fmla="val 16200000"/>
+                  <a:gd name="adj2" fmla="val 5519353"/>
+                </a:avLst>
+              </a:prstGeom>
+              <a:ln w="19050">
+                <a:solidFill>
+                  <a:schemeClr val="tx1"/>
+                </a:solidFill>
+              </a:ln>
+            </p:spPr>
+            <p:style>
+              <a:lnRef idx="1">
+                <a:schemeClr val="accent1"/>
+              </a:lnRef>
+              <a:fillRef idx="0">
+                <a:schemeClr val="accent1"/>
+              </a:fillRef>
+              <a:effectRef idx="0">
+                <a:schemeClr val="accent1"/>
+              </a:effectRef>
+              <a:fontRef idx="minor">
+                <a:schemeClr val="tx1"/>
+              </a:fontRef>
+            </p:style>
+            <p:txBody>
+              <a:bodyPr rtlCol="0" anchor="ctr"/>
+              <a:lstStyle/>
+              <a:p>
+                <a:pPr algn="ctr"/>
+                <a:endParaRPr lang="en-US"/>
+              </a:p>
+            </p:txBody>
+          </p:sp>
+          <p:sp>
+            <p:nvSpPr>
+              <p:cNvPr id="71" name="任意多边形 70"/>
+              <p:cNvSpPr/>
+              <p:nvPr/>
+            </p:nvSpPr>
+            <p:spPr>
+              <a:xfrm>
+                <a:off x="-3992880" y="-1568504"/>
+                <a:ext cx="1965960" cy="1167581"/>
+              </a:xfrm>
+              <a:custGeom>
+                <a:avLst/>
+                <a:gdLst>
+                  <a:gd name="connsiteX0" fmla="*/ 0 w 1965960"/>
+                  <a:gd name="connsiteY0" fmla="*/ 623624 h 1167581"/>
+                  <a:gd name="connsiteX1" fmla="*/ 609600 w 1965960"/>
+                  <a:gd name="connsiteY1" fmla="*/ 14024 h 1167581"/>
+                  <a:gd name="connsiteX2" fmla="*/ 975360 w 1965960"/>
+                  <a:gd name="connsiteY2" fmla="*/ 1157024 h 1167581"/>
+                  <a:gd name="connsiteX3" fmla="*/ 1463040 w 1965960"/>
+                  <a:gd name="connsiteY3" fmla="*/ 577904 h 1167581"/>
+                  <a:gd name="connsiteX4" fmla="*/ 1965960 w 1965960"/>
+                  <a:gd name="connsiteY4" fmla="*/ 486464 h 1167581"/>
+                  <a:gd name="connsiteX5" fmla="*/ 1965960 w 1965960"/>
+                  <a:gd name="connsiteY5" fmla="*/ 486464 h 1167581"/>
+                </a:gdLst>
+                <a:ahLst/>
+                <a:cxnLst>
+                  <a:cxn ang="0">
+                    <a:pos x="connsiteX0" y="connsiteY0"/>
+                  </a:cxn>
+                  <a:cxn ang="0">
+                    <a:pos x="connsiteX1" y="connsiteY1"/>
+                  </a:cxn>
+                  <a:cxn ang="0">
+                    <a:pos x="connsiteX2" y="connsiteY2"/>
+                  </a:cxn>
+                  <a:cxn ang="0">
+                    <a:pos x="connsiteX3" y="connsiteY3"/>
+                  </a:cxn>
+                  <a:cxn ang="0">
+                    <a:pos x="connsiteX4" y="connsiteY4"/>
+                  </a:cxn>
+                  <a:cxn ang="0">
+                    <a:pos x="connsiteX5" y="connsiteY5"/>
+                  </a:cxn>
+                </a:cxnLst>
+                <a:rect l="l" t="t" r="r" b="b"/>
+                <a:pathLst>
+                  <a:path w="1965960" h="1167581">
+                    <a:moveTo>
+                      <a:pt x="0" y="623624"/>
+                    </a:moveTo>
+                    <a:cubicBezTo>
+                      <a:pt x="223520" y="274374"/>
+                      <a:pt x="447040" y="-74876"/>
+                      <a:pt x="609600" y="14024"/>
+                    </a:cubicBezTo>
+                    <a:cubicBezTo>
+                      <a:pt x="772160" y="102924"/>
+                      <a:pt x="833120" y="1063044"/>
+                      <a:pt x="975360" y="1157024"/>
+                    </a:cubicBezTo>
+                    <a:cubicBezTo>
+                      <a:pt x="1117600" y="1251004"/>
+                      <a:pt x="1297940" y="689664"/>
+                      <a:pt x="1463040" y="577904"/>
+                    </a:cubicBezTo>
+                    <a:cubicBezTo>
+                      <a:pt x="1628140" y="466144"/>
+                      <a:pt x="1965960" y="486464"/>
+                      <a:pt x="1965960" y="486464"/>
+                    </a:cubicBezTo>
+                    <a:lnTo>
+                      <a:pt x="1965960" y="486464"/>
+                    </a:lnTo>
+                  </a:path>
+                </a:pathLst>
+              </a:custGeom>
+              <a:noFill/>
+              <a:ln w="19050">
+                <a:solidFill>
+                  <a:schemeClr val="tx1"/>
+                </a:solidFill>
+              </a:ln>
+            </p:spPr>
+            <p:style>
+              <a:lnRef idx="2">
+                <a:schemeClr val="accent1">
+                  <a:shade val="50000"/>
+                </a:schemeClr>
+              </a:lnRef>
+              <a:fillRef idx="1">
+                <a:schemeClr val="accent1"/>
+              </a:fillRef>
+              <a:effectRef idx="0">
+                <a:schemeClr val="accent1"/>
+              </a:effectRef>
+              <a:fontRef idx="minor">
+                <a:schemeClr val="lt1"/>
+              </a:fontRef>
+            </p:style>
+            <p:txBody>
+              <a:bodyPr rtlCol="0" anchor="ctr"/>
+              <a:lstStyle/>
+              <a:p>
+                <a:pPr algn="ctr"/>
+                <a:endParaRPr lang="en-US"/>
+              </a:p>
+            </p:txBody>
+          </p:sp>
+        </p:grpSp>
+        <p:grpSp>
+          <p:nvGrpSpPr>
+            <p:cNvPr id="72" name="组合 71"/>
+            <p:cNvGrpSpPr/>
+            <p:nvPr/>
+          </p:nvGrpSpPr>
+          <p:grpSpPr>
+            <a:xfrm>
+              <a:off x="-3197079" y="1654326"/>
+              <a:ext cx="700380" cy="360040"/>
+              <a:chOff x="-6229200" y="-1971600"/>
+              <a:chExt cx="4202280" cy="2160240"/>
+            </a:xfrm>
+          </p:grpSpPr>
+          <p:sp>
+            <p:nvSpPr>
+              <p:cNvPr id="73" name="弧形 72"/>
+              <p:cNvSpPr/>
+              <p:nvPr/>
+            </p:nvSpPr>
+            <p:spPr>
+              <a:xfrm flipV="1">
+                <a:off x="-6229200" y="-1971600"/>
+                <a:ext cx="2238794" cy="2160240"/>
+              </a:xfrm>
+              <a:prstGeom prst="arc">
+                <a:avLst>
+                  <a:gd name="adj1" fmla="val 16200000"/>
+                  <a:gd name="adj2" fmla="val 5519353"/>
+                </a:avLst>
+              </a:prstGeom>
+              <a:ln w="19050">
+                <a:solidFill>
+                  <a:schemeClr val="tx1"/>
+                </a:solidFill>
+              </a:ln>
+            </p:spPr>
+            <p:style>
+              <a:lnRef idx="1">
+                <a:schemeClr val="accent1"/>
+              </a:lnRef>
+              <a:fillRef idx="0">
+                <a:schemeClr val="accent1"/>
+              </a:fillRef>
+              <a:effectRef idx="0">
+                <a:schemeClr val="accent1"/>
+              </a:effectRef>
+              <a:fontRef idx="minor">
+                <a:schemeClr val="tx1"/>
+              </a:fontRef>
+            </p:style>
+            <p:txBody>
+              <a:bodyPr rtlCol="0" anchor="ctr"/>
+              <a:lstStyle/>
+              <a:p>
+                <a:pPr algn="ctr"/>
+                <a:endParaRPr lang="en-US"/>
+              </a:p>
+            </p:txBody>
+          </p:sp>
+          <p:sp>
+            <p:nvSpPr>
+              <p:cNvPr id="74" name="任意多边形 73"/>
+              <p:cNvSpPr/>
+              <p:nvPr/>
+            </p:nvSpPr>
+            <p:spPr>
+              <a:xfrm>
+                <a:off x="-3992880" y="-1568504"/>
+                <a:ext cx="1965960" cy="1167581"/>
+              </a:xfrm>
+              <a:custGeom>
+                <a:avLst/>
+                <a:gdLst>
+                  <a:gd name="connsiteX0" fmla="*/ 0 w 1965960"/>
+                  <a:gd name="connsiteY0" fmla="*/ 623624 h 1167581"/>
+                  <a:gd name="connsiteX1" fmla="*/ 609600 w 1965960"/>
+                  <a:gd name="connsiteY1" fmla="*/ 14024 h 1167581"/>
+                  <a:gd name="connsiteX2" fmla="*/ 975360 w 1965960"/>
+                  <a:gd name="connsiteY2" fmla="*/ 1157024 h 1167581"/>
+                  <a:gd name="connsiteX3" fmla="*/ 1463040 w 1965960"/>
+                  <a:gd name="connsiteY3" fmla="*/ 577904 h 1167581"/>
+                  <a:gd name="connsiteX4" fmla="*/ 1965960 w 1965960"/>
+                  <a:gd name="connsiteY4" fmla="*/ 486464 h 1167581"/>
+                  <a:gd name="connsiteX5" fmla="*/ 1965960 w 1965960"/>
+                  <a:gd name="connsiteY5" fmla="*/ 486464 h 1167581"/>
+                </a:gdLst>
+                <a:ahLst/>
+                <a:cxnLst>
+                  <a:cxn ang="0">
+                    <a:pos x="connsiteX0" y="connsiteY0"/>
+                  </a:cxn>
+                  <a:cxn ang="0">
+                    <a:pos x="connsiteX1" y="connsiteY1"/>
+                  </a:cxn>
+                  <a:cxn ang="0">
+                    <a:pos x="connsiteX2" y="connsiteY2"/>
+                  </a:cxn>
+                  <a:cxn ang="0">
+                    <a:pos x="connsiteX3" y="connsiteY3"/>
+                  </a:cxn>
+                  <a:cxn ang="0">
+                    <a:pos x="connsiteX4" y="connsiteY4"/>
+                  </a:cxn>
+                  <a:cxn ang="0">
+                    <a:pos x="connsiteX5" y="connsiteY5"/>
+                  </a:cxn>
+                </a:cxnLst>
+                <a:rect l="l" t="t" r="r" b="b"/>
+                <a:pathLst>
+                  <a:path w="1965960" h="1167581">
+                    <a:moveTo>
+                      <a:pt x="0" y="623624"/>
+                    </a:moveTo>
+                    <a:cubicBezTo>
+                      <a:pt x="223520" y="274374"/>
+                      <a:pt x="447040" y="-74876"/>
+                      <a:pt x="609600" y="14024"/>
+                    </a:cubicBezTo>
+                    <a:cubicBezTo>
+                      <a:pt x="772160" y="102924"/>
+                      <a:pt x="833120" y="1063044"/>
+                      <a:pt x="975360" y="1157024"/>
+                    </a:cubicBezTo>
+                    <a:cubicBezTo>
+                      <a:pt x="1117600" y="1251004"/>
+                      <a:pt x="1297940" y="689664"/>
+                      <a:pt x="1463040" y="577904"/>
+                    </a:cubicBezTo>
+                    <a:cubicBezTo>
+                      <a:pt x="1628140" y="466144"/>
+                      <a:pt x="1965960" y="486464"/>
+                      <a:pt x="1965960" y="486464"/>
+                    </a:cubicBezTo>
+                    <a:lnTo>
+                      <a:pt x="1965960" y="486464"/>
+                    </a:lnTo>
+                  </a:path>
+                </a:pathLst>
+              </a:custGeom>
+              <a:noFill/>
+              <a:ln w="19050">
+                <a:solidFill>
+                  <a:schemeClr val="tx1"/>
+                </a:solidFill>
+              </a:ln>
+            </p:spPr>
+            <p:style>
+              <a:lnRef idx="2">
+                <a:schemeClr val="accent1">
+                  <a:shade val="50000"/>
+                </a:schemeClr>
+              </a:lnRef>
+              <a:fillRef idx="1">
+                <a:schemeClr val="accent1"/>
+              </a:fillRef>
+              <a:effectRef idx="0">
+                <a:schemeClr val="accent1"/>
+              </a:effectRef>
+              <a:fontRef idx="minor">
+                <a:schemeClr val="lt1"/>
+              </a:fontRef>
+            </p:style>
+            <p:txBody>
+              <a:bodyPr rtlCol="0" anchor="ctr"/>
+              <a:lstStyle/>
+              <a:p>
+                <a:pPr algn="ctr"/>
+                <a:endParaRPr lang="en-US"/>
+              </a:p>
+            </p:txBody>
+          </p:sp>
+        </p:grpSp>
+        <p:grpSp>
+          <p:nvGrpSpPr>
+            <p:cNvPr id="75" name="组合 74"/>
+            <p:cNvGrpSpPr/>
+            <p:nvPr/>
+          </p:nvGrpSpPr>
+          <p:grpSpPr>
+            <a:xfrm>
+              <a:off x="-3197901" y="3293337"/>
+              <a:ext cx="700380" cy="360040"/>
+              <a:chOff x="-6229200" y="-1971600"/>
+              <a:chExt cx="4202280" cy="2160240"/>
+            </a:xfrm>
+          </p:grpSpPr>
+          <p:sp>
+            <p:nvSpPr>
+              <p:cNvPr id="76" name="弧形 75"/>
+              <p:cNvSpPr/>
+              <p:nvPr/>
+            </p:nvSpPr>
+            <p:spPr>
+              <a:xfrm flipV="1">
+                <a:off x="-6229200" y="-1971600"/>
+                <a:ext cx="2238794" cy="2160240"/>
+              </a:xfrm>
+              <a:prstGeom prst="arc">
+                <a:avLst>
+                  <a:gd name="adj1" fmla="val 16200000"/>
+                  <a:gd name="adj2" fmla="val 5519353"/>
+                </a:avLst>
+              </a:prstGeom>
+              <a:ln w="19050">
+                <a:solidFill>
+                  <a:schemeClr val="tx1"/>
+                </a:solidFill>
+              </a:ln>
+            </p:spPr>
+            <p:style>
+              <a:lnRef idx="1">
+                <a:schemeClr val="accent1"/>
+              </a:lnRef>
+              <a:fillRef idx="0">
+                <a:schemeClr val="accent1"/>
+              </a:fillRef>
+              <a:effectRef idx="0">
+                <a:schemeClr val="accent1"/>
+              </a:effectRef>
+              <a:fontRef idx="minor">
+                <a:schemeClr val="tx1"/>
+              </a:fontRef>
+            </p:style>
+            <p:txBody>
+              <a:bodyPr rtlCol="0" anchor="ctr"/>
+              <a:lstStyle/>
+              <a:p>
+                <a:pPr algn="ctr"/>
+                <a:endParaRPr lang="en-US"/>
+              </a:p>
+            </p:txBody>
+          </p:sp>
+          <p:sp>
+            <p:nvSpPr>
+              <p:cNvPr id="77" name="任意多边形 76"/>
+              <p:cNvSpPr/>
+              <p:nvPr/>
+            </p:nvSpPr>
+            <p:spPr>
+              <a:xfrm>
+                <a:off x="-3992880" y="-1568504"/>
+                <a:ext cx="1965960" cy="1167581"/>
+              </a:xfrm>
+              <a:custGeom>
+                <a:avLst/>
+                <a:gdLst>
+                  <a:gd name="connsiteX0" fmla="*/ 0 w 1965960"/>
+                  <a:gd name="connsiteY0" fmla="*/ 623624 h 1167581"/>
+                  <a:gd name="connsiteX1" fmla="*/ 609600 w 1965960"/>
+                  <a:gd name="connsiteY1" fmla="*/ 14024 h 1167581"/>
+                  <a:gd name="connsiteX2" fmla="*/ 975360 w 1965960"/>
+                  <a:gd name="connsiteY2" fmla="*/ 1157024 h 1167581"/>
+                  <a:gd name="connsiteX3" fmla="*/ 1463040 w 1965960"/>
+                  <a:gd name="connsiteY3" fmla="*/ 577904 h 1167581"/>
+                  <a:gd name="connsiteX4" fmla="*/ 1965960 w 1965960"/>
+                  <a:gd name="connsiteY4" fmla="*/ 486464 h 1167581"/>
+                  <a:gd name="connsiteX5" fmla="*/ 1965960 w 1965960"/>
+                  <a:gd name="connsiteY5" fmla="*/ 486464 h 1167581"/>
+                </a:gdLst>
+                <a:ahLst/>
+                <a:cxnLst>
+                  <a:cxn ang="0">
+                    <a:pos x="connsiteX0" y="connsiteY0"/>
+                  </a:cxn>
+                  <a:cxn ang="0">
+                    <a:pos x="connsiteX1" y="connsiteY1"/>
+                  </a:cxn>
+                  <a:cxn ang="0">
+                    <a:pos x="connsiteX2" y="connsiteY2"/>
+                  </a:cxn>
+                  <a:cxn ang="0">
+                    <a:pos x="connsiteX3" y="connsiteY3"/>
+                  </a:cxn>
+                  <a:cxn ang="0">
+                    <a:pos x="connsiteX4" y="connsiteY4"/>
+                  </a:cxn>
+                  <a:cxn ang="0">
+                    <a:pos x="connsiteX5" y="connsiteY5"/>
+                  </a:cxn>
+                </a:cxnLst>
+                <a:rect l="l" t="t" r="r" b="b"/>
+                <a:pathLst>
+                  <a:path w="1965960" h="1167581">
+                    <a:moveTo>
+                      <a:pt x="0" y="623624"/>
+                    </a:moveTo>
+                    <a:cubicBezTo>
+                      <a:pt x="223520" y="274374"/>
+                      <a:pt x="447040" y="-74876"/>
+                      <a:pt x="609600" y="14024"/>
+                    </a:cubicBezTo>
+                    <a:cubicBezTo>
+                      <a:pt x="772160" y="102924"/>
+                      <a:pt x="833120" y="1063044"/>
+                      <a:pt x="975360" y="1157024"/>
+                    </a:cubicBezTo>
+                    <a:cubicBezTo>
+                      <a:pt x="1117600" y="1251004"/>
+                      <a:pt x="1297940" y="689664"/>
+                      <a:pt x="1463040" y="577904"/>
+                    </a:cubicBezTo>
+                    <a:cubicBezTo>
+                      <a:pt x="1628140" y="466144"/>
+                      <a:pt x="1965960" y="486464"/>
+                      <a:pt x="1965960" y="486464"/>
+                    </a:cubicBezTo>
+                    <a:lnTo>
+                      <a:pt x="1965960" y="486464"/>
+                    </a:lnTo>
+                  </a:path>
+                </a:pathLst>
+              </a:custGeom>
+              <a:noFill/>
+              <a:ln w="19050">
+                <a:solidFill>
+                  <a:schemeClr val="tx1"/>
+                </a:solidFill>
+              </a:ln>
+            </p:spPr>
+            <p:style>
+              <a:lnRef idx="2">
+                <a:schemeClr val="accent1">
+                  <a:shade val="50000"/>
+                </a:schemeClr>
+              </a:lnRef>
+              <a:fillRef idx="1">
+                <a:schemeClr val="accent1"/>
+              </a:fillRef>
+              <a:effectRef idx="0">
+                <a:schemeClr val="accent1"/>
+              </a:effectRef>
+              <a:fontRef idx="minor">
+                <a:schemeClr val="lt1"/>
+              </a:fontRef>
+            </p:style>
+            <p:txBody>
+              <a:bodyPr rtlCol="0" anchor="ctr"/>
+              <a:lstStyle/>
+              <a:p>
+                <a:pPr algn="ctr"/>
+                <a:endParaRPr lang="en-US"/>
+              </a:p>
+            </p:txBody>
+          </p:sp>
+        </p:grpSp>
+        <p:cxnSp>
+          <p:nvCxnSpPr>
+            <p:cNvPr id="78" name="直接箭头连接符 77"/>
+            <p:cNvCxnSpPr/>
+            <p:nvPr/>
+          </p:nvCxnSpPr>
+          <p:spPr>
+            <a:xfrm>
+              <a:off x="-4113714" y="1387900"/>
+              <a:ext cx="943980" cy="1"/>
+            </a:xfrm>
+            <a:prstGeom prst="straightConnector1">
+              <a:avLst/>
+            </a:prstGeom>
+            <a:ln w="28575">
+              <a:solidFill>
+                <a:schemeClr val="tx1"/>
+              </a:solidFill>
+              <a:prstDash val="sysDash"/>
+              <a:tailEnd type="triangle"/>
+            </a:ln>
+          </p:spPr>
+          <p:style>
+            <a:lnRef idx="1">
+              <a:schemeClr val="accent1"/>
+            </a:lnRef>
+            <a:fillRef idx="0">
+              <a:schemeClr val="accent1"/>
+            </a:fillRef>
+            <a:effectRef idx="0">
+              <a:schemeClr val="accent1"/>
+            </a:effectRef>
+            <a:fontRef idx="minor">
+              <a:schemeClr val="tx1"/>
+            </a:fontRef>
+          </p:style>
+        </p:cxnSp>
+        <p:cxnSp>
+          <p:nvCxnSpPr>
+            <p:cNvPr id="79" name="直接箭头连接符 78"/>
+            <p:cNvCxnSpPr/>
+            <p:nvPr/>
+          </p:nvCxnSpPr>
+          <p:spPr>
+            <a:xfrm>
+              <a:off x="-4113714" y="1855952"/>
+              <a:ext cx="943980" cy="1"/>
+            </a:xfrm>
+            <a:prstGeom prst="straightConnector1">
+              <a:avLst/>
+            </a:prstGeom>
+            <a:ln w="28575">
+              <a:solidFill>
+                <a:schemeClr val="tx1"/>
+              </a:solidFill>
+              <a:prstDash val="sysDash"/>
+              <a:tailEnd type="triangle"/>
+            </a:ln>
+          </p:spPr>
+          <p:style>
+            <a:lnRef idx="1">
+              <a:schemeClr val="accent1"/>
+            </a:lnRef>
+            <a:fillRef idx="0">
+              <a:schemeClr val="accent1"/>
+            </a:fillRef>
+            <a:effectRef idx="0">
+              <a:schemeClr val="accent1"/>
+            </a:effectRef>
+            <a:fontRef idx="minor">
+              <a:schemeClr val="tx1"/>
+            </a:fontRef>
+          </p:style>
+        </p:cxnSp>
+        <p:cxnSp>
+          <p:nvCxnSpPr>
+            <p:cNvPr id="80" name="直接箭头连接符 79"/>
+            <p:cNvCxnSpPr/>
+            <p:nvPr/>
+          </p:nvCxnSpPr>
+          <p:spPr>
+            <a:xfrm>
+              <a:off x="-4113714" y="3473356"/>
+              <a:ext cx="943980" cy="1"/>
+            </a:xfrm>
+            <a:prstGeom prst="straightConnector1">
+              <a:avLst/>
+            </a:prstGeom>
+            <a:ln w="28575">
+              <a:solidFill>
+                <a:schemeClr val="tx1"/>
+              </a:solidFill>
+              <a:prstDash val="sysDash"/>
+              <a:tailEnd type="triangle"/>
+            </a:ln>
+          </p:spPr>
+          <p:style>
+            <a:lnRef idx="1">
+              <a:schemeClr val="accent1"/>
+            </a:lnRef>
+            <a:fillRef idx="0">
+              <a:schemeClr val="accent1"/>
+            </a:fillRef>
+            <a:effectRef idx="0">
+              <a:schemeClr val="accent1"/>
+            </a:effectRef>
+            <a:fontRef idx="minor">
+              <a:schemeClr val="tx1"/>
+            </a:fontRef>
+          </p:style>
+        </p:cxnSp>
+        <p:sp>
+          <p:nvSpPr>
+            <p:cNvPr id="81" name="椭圆 80"/>
+            <p:cNvSpPr/>
+            <p:nvPr/>
+          </p:nvSpPr>
+          <p:spPr>
+            <a:xfrm>
+              <a:off x="-3657575" y="1988840"/>
+              <a:ext cx="65462" cy="72008"/>
+            </a:xfrm>
+            <a:prstGeom prst="ellipse">
+              <a:avLst/>
+            </a:prstGeom>
+            <a:solidFill>
+              <a:schemeClr val="tx1"/>
+            </a:solidFill>
+            <a:ln>
+              <a:solidFill>
+                <a:schemeClr val="tx1"/>
+              </a:solidFill>
+            </a:ln>
+          </p:spPr>
+          <p:style>
+            <a:lnRef idx="2">
+              <a:schemeClr val="accent1">
+                <a:shade val="50000"/>
+              </a:schemeClr>
+            </a:lnRef>
+            <a:fillRef idx="1">
+              <a:schemeClr val="accent1"/>
+            </a:fillRef>
+            <a:effectRef idx="0">
+              <a:schemeClr val="accent1"/>
+            </a:effectRef>
+            <a:fontRef idx="minor">
+              <a:schemeClr val="lt1"/>
+            </a:fontRef>
+          </p:style>
+          <p:txBody>
+            <a:bodyPr rtlCol="0" anchor="ctr"/>
+            <a:lstStyle/>
+            <a:p>
+              <a:pPr algn="ctr"/>
+              <a:endParaRPr lang="zh-CN" altLang="en-US"/>
+            </a:p>
+          </p:txBody>
+        </p:sp>
+        <p:sp>
+          <p:nvSpPr>
+            <p:cNvPr id="82" name="椭圆 81"/>
+            <p:cNvSpPr/>
+            <p:nvPr/>
+          </p:nvSpPr>
+          <p:spPr>
+            <a:xfrm>
+              <a:off x="-3657575" y="2384884"/>
+              <a:ext cx="65462" cy="72008"/>
+            </a:xfrm>
+            <a:prstGeom prst="ellipse">
+              <a:avLst/>
+            </a:prstGeom>
+            <a:solidFill>
+              <a:schemeClr val="tx1"/>
+            </a:solidFill>
+            <a:ln>
+              <a:solidFill>
+                <a:schemeClr val="tx1"/>
+              </a:solidFill>
+            </a:ln>
+          </p:spPr>
+          <p:style>
+            <a:lnRef idx="2">
+              <a:schemeClr val="accent1">
+                <a:shade val="50000"/>
+              </a:schemeClr>
+            </a:lnRef>
+            <a:fillRef idx="1">
+              <a:schemeClr val="accent1"/>
+            </a:fillRef>
+            <a:effectRef idx="0">
+              <a:schemeClr val="accent1"/>
+            </a:effectRef>
+            <a:fontRef idx="minor">
+              <a:schemeClr val="lt1"/>
+            </a:fontRef>
+          </p:style>
+          <p:txBody>
+            <a:bodyPr rtlCol="0" anchor="ctr"/>
+            <a:lstStyle/>
+            <a:p>
+              <a:pPr algn="ctr"/>
+              <a:endParaRPr lang="zh-CN" altLang="en-US"/>
+            </a:p>
+          </p:txBody>
+        </p:sp>
+        <p:sp>
+          <p:nvSpPr>
+            <p:cNvPr id="83" name="椭圆 82"/>
+            <p:cNvSpPr/>
+            <p:nvPr/>
+          </p:nvSpPr>
+          <p:spPr>
+            <a:xfrm>
+              <a:off x="-3657575" y="2780928"/>
+              <a:ext cx="65462" cy="72008"/>
+            </a:xfrm>
+            <a:prstGeom prst="ellipse">
+              <a:avLst/>
+            </a:prstGeom>
+            <a:solidFill>
+              <a:schemeClr val="tx1"/>
+            </a:solidFill>
+            <a:ln>
+              <a:solidFill>
+                <a:schemeClr val="tx1"/>
+              </a:solidFill>
+            </a:ln>
+          </p:spPr>
+          <p:style>
+            <a:lnRef idx="2">
+              <a:schemeClr val="accent1">
+                <a:shade val="50000"/>
+              </a:schemeClr>
+            </a:lnRef>
+            <a:fillRef idx="1">
+              <a:schemeClr val="accent1"/>
+            </a:fillRef>
+            <a:effectRef idx="0">
+              <a:schemeClr val="accent1"/>
+            </a:effectRef>
+            <a:fontRef idx="minor">
+              <a:schemeClr val="lt1"/>
+            </a:fontRef>
+          </p:style>
+          <p:txBody>
+            <a:bodyPr rtlCol="0" anchor="ctr"/>
+            <a:lstStyle/>
+            <a:p>
+              <a:pPr algn="ctr"/>
+              <a:endParaRPr lang="zh-CN" altLang="en-US"/>
             </a:p>
           </p:txBody>
         </p:sp>
       </p:grpSp>
-      <p:cxnSp>
-        <p:nvCxnSpPr>
-          <p:cNvPr id="78" name="直接箭头连接符 77"/>
-          <p:cNvCxnSpPr/>
-          <p:nvPr/>
-        </p:nvCxnSpPr>
-        <p:spPr>
-          <a:xfrm>
-            <a:off x="-4113714" y="1387900"/>
-            <a:ext cx="943980" cy="1"/>
-          </a:xfrm>
-          <a:prstGeom prst="straightConnector1">
-            <a:avLst/>
-          </a:prstGeom>
-          <a:ln w="28575">
-            <a:solidFill>
-              <a:schemeClr val="tx1"/>
-            </a:solidFill>
-            <a:prstDash val="sysDash"/>
-            <a:tailEnd type="triangle"/>
-          </a:ln>
-        </p:spPr>
-        <p:style>
-          <a:lnRef idx="1">
-            <a:schemeClr val="accent1"/>
-          </a:lnRef>
-          <a:fillRef idx="0">
-            <a:schemeClr val="accent1"/>
-          </a:fillRef>
-          <a:effectRef idx="0">
-            <a:schemeClr val="accent1"/>
-          </a:effectRef>
-          <a:fontRef idx="minor">
-            <a:schemeClr val="tx1"/>
-          </a:fontRef>
-        </p:style>
-      </p:cxnSp>
-      <p:cxnSp>
-        <p:nvCxnSpPr>
-          <p:cNvPr id="79" name="直接箭头连接符 78"/>
-          <p:cNvCxnSpPr/>
-          <p:nvPr/>
-        </p:nvCxnSpPr>
-        <p:spPr>
-          <a:xfrm>
-            <a:off x="-4113714" y="1855952"/>
-            <a:ext cx="943980" cy="1"/>
-          </a:xfrm>
-          <a:prstGeom prst="straightConnector1">
-            <a:avLst/>
-          </a:prstGeom>
-          <a:ln w="28575">
-            <a:solidFill>
-              <a:schemeClr val="tx1"/>
-            </a:solidFill>
-            <a:prstDash val="sysDash"/>
-            <a:tailEnd type="triangle"/>
-          </a:ln>
-        </p:spPr>
-        <p:style>
-          <a:lnRef idx="1">
-            <a:schemeClr val="accent1"/>
-          </a:lnRef>
-          <a:fillRef idx="0">
-            <a:schemeClr val="accent1"/>
-          </a:fillRef>
-          <a:effectRef idx="0">
-            <a:schemeClr val="accent1"/>
-          </a:effectRef>
-          <a:fontRef idx="minor">
-            <a:schemeClr val="tx1"/>
-          </a:fontRef>
-        </p:style>
-      </p:cxnSp>
-      <p:cxnSp>
-        <p:nvCxnSpPr>
-          <p:cNvPr id="80" name="直接箭头连接符 79"/>
-          <p:cNvCxnSpPr/>
-          <p:nvPr/>
-        </p:nvCxnSpPr>
-        <p:spPr>
-          <a:xfrm>
-            <a:off x="-4113714" y="3473356"/>
-            <a:ext cx="943980" cy="1"/>
-          </a:xfrm>
-          <a:prstGeom prst="straightConnector1">
-            <a:avLst/>
-          </a:prstGeom>
-          <a:ln w="28575">
-            <a:solidFill>
-              <a:schemeClr val="tx1"/>
-            </a:solidFill>
-            <a:prstDash val="sysDash"/>
-            <a:tailEnd type="triangle"/>
-          </a:ln>
-        </p:spPr>
-        <p:style>
-          <a:lnRef idx="1">
-            <a:schemeClr val="accent1"/>
-          </a:lnRef>
-          <a:fillRef idx="0">
-            <a:schemeClr val="accent1"/>
-          </a:fillRef>
-          <a:effectRef idx="0">
-            <a:schemeClr val="accent1"/>
-          </a:effectRef>
-          <a:fontRef idx="minor">
-            <a:schemeClr val="tx1"/>
-          </a:fontRef>
-        </p:style>
-      </p:cxnSp>
-      <p:sp>
-        <p:nvSpPr>
-          <p:cNvPr id="81" name="椭圆 80"/>
-          <p:cNvSpPr/>
-          <p:nvPr/>
-        </p:nvSpPr>
-        <p:spPr>
-          <a:xfrm>
-            <a:off x="-3657575" y="1988840"/>
-            <a:ext cx="65462" cy="72008"/>
-          </a:xfrm>
-          <a:prstGeom prst="ellipse">
-            <a:avLst/>
-          </a:prstGeom>
-          <a:solidFill>
-            <a:schemeClr val="tx1"/>
-          </a:solidFill>
-          <a:ln>
-            <a:solidFill>
-              <a:schemeClr val="tx1"/>
-            </a:solidFill>
-          </a:ln>
-        </p:spPr>
-        <p:style>
-          <a:lnRef idx="2">
-            <a:schemeClr val="accent1">
-              <a:shade val="50000"/>
-            </a:schemeClr>
-          </a:lnRef>
-          <a:fillRef idx="1">
-            <a:schemeClr val="accent1"/>
-          </a:fillRef>
-          <a:effectRef idx="0">
-            <a:schemeClr val="accent1"/>
-          </a:effectRef>
-          <a:fontRef idx="minor">
-            <a:schemeClr val="lt1"/>
-          </a:fontRef>
-        </p:style>
-        <p:txBody>
-          <a:bodyPr rtlCol="0" anchor="ctr"/>
-          <a:lstStyle/>
-          <a:p>
-            <a:pPr algn="ctr"/>
-            <a:endParaRPr lang="zh-CN" altLang="en-US"/>
-          </a:p>
-        </p:txBody>
-      </p:sp>
-      <p:sp>
-        <p:nvSpPr>
-          <p:cNvPr id="82" name="椭圆 81"/>
-          <p:cNvSpPr/>
-          <p:nvPr/>
-        </p:nvSpPr>
-        <p:spPr>
-          <a:xfrm>
-            <a:off x="-3657575" y="2384884"/>
-            <a:ext cx="65462" cy="72008"/>
-          </a:xfrm>
-          <a:prstGeom prst="ellipse">
-            <a:avLst/>
-          </a:prstGeom>
-          <a:solidFill>
-            <a:schemeClr val="tx1"/>
-          </a:solidFill>
-          <a:ln>
-            <a:solidFill>
-              <a:schemeClr val="tx1"/>
-            </a:solidFill>
-          </a:ln>
-        </p:spPr>
-        <p:style>
-          <a:lnRef idx="2">
-            <a:schemeClr val="accent1">
-              <a:shade val="50000"/>
-            </a:schemeClr>
-          </a:lnRef>
-          <a:fillRef idx="1">
-            <a:schemeClr val="accent1"/>
-          </a:fillRef>
-          <a:effectRef idx="0">
-            <a:schemeClr val="accent1"/>
-          </a:effectRef>
-          <a:fontRef idx="minor">
-            <a:schemeClr val="lt1"/>
-          </a:fontRef>
-        </p:style>
-        <p:txBody>
-          <a:bodyPr rtlCol="0" anchor="ctr"/>
-          <a:lstStyle/>
-          <a:p>
-            <a:pPr algn="ctr"/>
-            <a:endParaRPr lang="zh-CN" altLang="en-US"/>
-          </a:p>
-        </p:txBody>
-      </p:sp>
-      <p:sp>
-        <p:nvSpPr>
-          <p:cNvPr id="83" name="椭圆 82"/>
-          <p:cNvSpPr/>
-          <p:nvPr/>
-        </p:nvSpPr>
-        <p:spPr>
-          <a:xfrm>
-            <a:off x="-3657575" y="2780928"/>
-            <a:ext cx="65462" cy="72008"/>
-          </a:xfrm>
-          <a:prstGeom prst="ellipse">
-            <a:avLst/>
-          </a:prstGeom>
-          <a:solidFill>
-            <a:schemeClr val="tx1"/>
-          </a:solidFill>
-          <a:ln>
-            <a:solidFill>
-              <a:schemeClr val="tx1"/>
-            </a:solidFill>
-          </a:ln>
-        </p:spPr>
-        <p:style>
-          <a:lnRef idx="2">
-            <a:schemeClr val="accent1">
-              <a:shade val="50000"/>
-            </a:schemeClr>
-          </a:lnRef>
-          <a:fillRef idx="1">
-            <a:schemeClr val="accent1"/>
-          </a:fillRef>
-          <a:effectRef idx="0">
-            <a:schemeClr val="accent1"/>
-          </a:effectRef>
-          <a:fontRef idx="minor">
-            <a:schemeClr val="lt1"/>
-          </a:fontRef>
-        </p:style>
-        <p:txBody>
-          <a:bodyPr rtlCol="0" anchor="ctr"/>
-          <a:lstStyle/>
-          <a:p>
-            <a:pPr algn="ctr"/>
-            <a:endParaRPr lang="zh-CN" altLang="en-US"/>
-          </a:p>
-        </p:txBody>
-      </p:sp>
     </p:spTree>
     <p:extLst>
       <p:ext uri="{BB962C8B-B14F-4D97-AF65-F5344CB8AC3E}">

--- a/八光子.pptx
+++ b/八光子.pptx
@@ -305,7 +305,7 @@
           <a:p>
             <a:fld id="{EBD3FB01-EEE8-47FD-9879-E387D7838F1B}" type="datetimeFigureOut">
               <a:rPr lang="zh-CN" altLang="en-US" smtClean="0"/>
-              <a:t>2016/10/14</a:t>
+              <a:t>2016/10/15</a:t>
             </a:fld>
             <a:endParaRPr lang="zh-CN" altLang="en-US"/>
           </a:p>
@@ -475,7 +475,7 @@
           <a:p>
             <a:fld id="{EBD3FB01-EEE8-47FD-9879-E387D7838F1B}" type="datetimeFigureOut">
               <a:rPr lang="zh-CN" altLang="en-US" smtClean="0"/>
-              <a:t>2016/10/14</a:t>
+              <a:t>2016/10/15</a:t>
             </a:fld>
             <a:endParaRPr lang="zh-CN" altLang="en-US"/>
           </a:p>
@@ -655,7 +655,7 @@
           <a:p>
             <a:fld id="{EBD3FB01-EEE8-47FD-9879-E387D7838F1B}" type="datetimeFigureOut">
               <a:rPr lang="zh-CN" altLang="en-US" smtClean="0"/>
-              <a:t>2016/10/14</a:t>
+              <a:t>2016/10/15</a:t>
             </a:fld>
             <a:endParaRPr lang="zh-CN" altLang="en-US"/>
           </a:p>
@@ -825,7 +825,7 @@
           <a:p>
             <a:fld id="{EBD3FB01-EEE8-47FD-9879-E387D7838F1B}" type="datetimeFigureOut">
               <a:rPr lang="zh-CN" altLang="en-US" smtClean="0"/>
-              <a:t>2016/10/14</a:t>
+              <a:t>2016/10/15</a:t>
             </a:fld>
             <a:endParaRPr lang="zh-CN" altLang="en-US"/>
           </a:p>
@@ -1071,7 +1071,7 @@
           <a:p>
             <a:fld id="{EBD3FB01-EEE8-47FD-9879-E387D7838F1B}" type="datetimeFigureOut">
               <a:rPr lang="zh-CN" altLang="en-US" smtClean="0"/>
-              <a:t>2016/10/14</a:t>
+              <a:t>2016/10/15</a:t>
             </a:fld>
             <a:endParaRPr lang="zh-CN" altLang="en-US"/>
           </a:p>
@@ -1359,7 +1359,7 @@
           <a:p>
             <a:fld id="{EBD3FB01-EEE8-47FD-9879-E387D7838F1B}" type="datetimeFigureOut">
               <a:rPr lang="zh-CN" altLang="en-US" smtClean="0"/>
-              <a:t>2016/10/14</a:t>
+              <a:t>2016/10/15</a:t>
             </a:fld>
             <a:endParaRPr lang="zh-CN" altLang="en-US"/>
           </a:p>
@@ -1781,7 +1781,7 @@
           <a:p>
             <a:fld id="{EBD3FB01-EEE8-47FD-9879-E387D7838F1B}" type="datetimeFigureOut">
               <a:rPr lang="zh-CN" altLang="en-US" smtClean="0"/>
-              <a:t>2016/10/14</a:t>
+              <a:t>2016/10/15</a:t>
             </a:fld>
             <a:endParaRPr lang="zh-CN" altLang="en-US"/>
           </a:p>
@@ -1899,7 +1899,7 @@
           <a:p>
             <a:fld id="{EBD3FB01-EEE8-47FD-9879-E387D7838F1B}" type="datetimeFigureOut">
               <a:rPr lang="zh-CN" altLang="en-US" smtClean="0"/>
-              <a:t>2016/10/14</a:t>
+              <a:t>2016/10/15</a:t>
             </a:fld>
             <a:endParaRPr lang="zh-CN" altLang="en-US"/>
           </a:p>
@@ -1994,7 +1994,7 @@
           <a:p>
             <a:fld id="{EBD3FB01-EEE8-47FD-9879-E387D7838F1B}" type="datetimeFigureOut">
               <a:rPr lang="zh-CN" altLang="en-US" smtClean="0"/>
-              <a:t>2016/10/14</a:t>
+              <a:t>2016/10/15</a:t>
             </a:fld>
             <a:endParaRPr lang="zh-CN" altLang="en-US"/>
           </a:p>
@@ -2271,7 +2271,7 @@
           <a:p>
             <a:fld id="{EBD3FB01-EEE8-47FD-9879-E387D7838F1B}" type="datetimeFigureOut">
               <a:rPr lang="zh-CN" altLang="en-US" smtClean="0"/>
-              <a:t>2016/10/14</a:t>
+              <a:t>2016/10/15</a:t>
             </a:fld>
             <a:endParaRPr lang="zh-CN" altLang="en-US"/>
           </a:p>
@@ -2524,7 +2524,7 @@
           <a:p>
             <a:fld id="{EBD3FB01-EEE8-47FD-9879-E387D7838F1B}" type="datetimeFigureOut">
               <a:rPr lang="zh-CN" altLang="en-US" smtClean="0"/>
-              <a:t>2016/10/14</a:t>
+              <a:t>2016/10/15</a:t>
             </a:fld>
             <a:endParaRPr lang="zh-CN" altLang="en-US"/>
           </a:p>
@@ -2737,7 +2737,7 @@
           <a:p>
             <a:fld id="{EBD3FB01-EEE8-47FD-9879-E387D7838F1B}" type="datetimeFigureOut">
               <a:rPr lang="zh-CN" altLang="en-US" smtClean="0"/>
-              <a:t>2016/10/14</a:t>
+              <a:t>2016/10/15</a:t>
             </a:fld>
             <a:endParaRPr lang="zh-CN" altLang="en-US"/>
           </a:p>
@@ -3112,1704 +3112,29 @@
           <a:chExt cx="0" cy="0"/>
         </a:xfrm>
       </p:grpSpPr>
-      <p:cxnSp>
-        <p:nvCxnSpPr>
-          <p:cNvPr id="7" name="直接箭头连接符 6"/>
-          <p:cNvCxnSpPr/>
-          <p:nvPr/>
-        </p:nvCxnSpPr>
-        <p:spPr>
-          <a:xfrm>
-            <a:off x="1107739" y="1376772"/>
-            <a:ext cx="1944216" cy="0"/>
-          </a:xfrm>
-          <a:prstGeom prst="straightConnector1">
-            <a:avLst/>
-          </a:prstGeom>
-          <a:ln w="28575">
-            <a:solidFill>
-              <a:schemeClr val="tx1"/>
-            </a:solidFill>
-            <a:tailEnd type="arrow"/>
-          </a:ln>
-        </p:spPr>
-        <p:style>
-          <a:lnRef idx="1">
-            <a:schemeClr val="accent1"/>
-          </a:lnRef>
-          <a:fillRef idx="0">
-            <a:schemeClr val="accent1"/>
-          </a:fillRef>
-          <a:effectRef idx="0">
-            <a:schemeClr val="accent1"/>
-          </a:effectRef>
-          <a:fontRef idx="minor">
-            <a:schemeClr val="tx1"/>
-          </a:fontRef>
-        </p:style>
-      </p:cxnSp>
-      <p:sp>
-        <p:nvSpPr>
-          <p:cNvPr id="8" name="椭圆 7"/>
-          <p:cNvSpPr/>
-          <p:nvPr/>
-        </p:nvSpPr>
-        <p:spPr>
-          <a:xfrm>
-            <a:off x="2050389" y="1988840"/>
-            <a:ext cx="65462" cy="72008"/>
-          </a:xfrm>
-          <a:prstGeom prst="ellipse">
-            <a:avLst/>
-          </a:prstGeom>
-          <a:solidFill>
-            <a:schemeClr val="tx1"/>
-          </a:solidFill>
-          <a:ln>
-            <a:solidFill>
-              <a:schemeClr val="tx1"/>
-            </a:solidFill>
-          </a:ln>
-        </p:spPr>
-        <p:style>
-          <a:lnRef idx="2">
-            <a:schemeClr val="accent1">
-              <a:shade val="50000"/>
-            </a:schemeClr>
-          </a:lnRef>
-          <a:fillRef idx="1">
-            <a:schemeClr val="accent1"/>
-          </a:fillRef>
-          <a:effectRef idx="0">
-            <a:schemeClr val="accent1"/>
-          </a:effectRef>
-          <a:fontRef idx="minor">
-            <a:schemeClr val="lt1"/>
-          </a:fontRef>
-        </p:style>
-        <p:txBody>
-          <a:bodyPr rtlCol="0" anchor="ctr"/>
-          <a:lstStyle/>
-          <a:p>
-            <a:pPr algn="ctr"/>
-            <a:endParaRPr lang="zh-CN" altLang="en-US"/>
-          </a:p>
-        </p:txBody>
-      </p:sp>
-      <p:sp>
-        <p:nvSpPr>
-          <p:cNvPr id="10" name="椭圆 9"/>
-          <p:cNvSpPr/>
-          <p:nvPr/>
-        </p:nvSpPr>
-        <p:spPr>
-          <a:xfrm>
-            <a:off x="2050389" y="2384884"/>
-            <a:ext cx="65462" cy="72008"/>
-          </a:xfrm>
-          <a:prstGeom prst="ellipse">
-            <a:avLst/>
-          </a:prstGeom>
-          <a:solidFill>
-            <a:schemeClr val="tx1"/>
-          </a:solidFill>
-          <a:ln>
-            <a:solidFill>
-              <a:schemeClr val="tx1"/>
-            </a:solidFill>
-          </a:ln>
-        </p:spPr>
-        <p:style>
-          <a:lnRef idx="2">
-            <a:schemeClr val="accent1">
-              <a:shade val="50000"/>
-            </a:schemeClr>
-          </a:lnRef>
-          <a:fillRef idx="1">
-            <a:schemeClr val="accent1"/>
-          </a:fillRef>
-          <a:effectRef idx="0">
-            <a:schemeClr val="accent1"/>
-          </a:effectRef>
-          <a:fontRef idx="minor">
-            <a:schemeClr val="lt1"/>
-          </a:fontRef>
-        </p:style>
-        <p:txBody>
-          <a:bodyPr rtlCol="0" anchor="ctr"/>
-          <a:lstStyle/>
-          <a:p>
-            <a:pPr algn="ctr"/>
-            <a:endParaRPr lang="zh-CN" altLang="en-US"/>
-          </a:p>
-        </p:txBody>
-      </p:sp>
-      <p:sp>
-        <p:nvSpPr>
-          <p:cNvPr id="11" name="椭圆 10"/>
-          <p:cNvSpPr/>
-          <p:nvPr/>
-        </p:nvSpPr>
-        <p:spPr>
-          <a:xfrm>
-            <a:off x="2050389" y="2780928"/>
-            <a:ext cx="65462" cy="72008"/>
-          </a:xfrm>
-          <a:prstGeom prst="ellipse">
-            <a:avLst/>
-          </a:prstGeom>
-          <a:solidFill>
-            <a:schemeClr val="tx1"/>
-          </a:solidFill>
-          <a:ln>
-            <a:solidFill>
-              <a:schemeClr val="tx1"/>
-            </a:solidFill>
-          </a:ln>
-        </p:spPr>
-        <p:style>
-          <a:lnRef idx="2">
-            <a:schemeClr val="accent1">
-              <a:shade val="50000"/>
-            </a:schemeClr>
-          </a:lnRef>
-          <a:fillRef idx="1">
-            <a:schemeClr val="accent1"/>
-          </a:fillRef>
-          <a:effectRef idx="0">
-            <a:schemeClr val="accent1"/>
-          </a:effectRef>
-          <a:fontRef idx="minor">
-            <a:schemeClr val="lt1"/>
-          </a:fontRef>
-        </p:style>
-        <p:txBody>
-          <a:bodyPr rtlCol="0" anchor="ctr"/>
-          <a:lstStyle/>
-          <a:p>
-            <a:pPr algn="ctr"/>
-            <a:endParaRPr lang="zh-CN" altLang="en-US"/>
-          </a:p>
-        </p:txBody>
-      </p:sp>
-      <p:cxnSp>
-        <p:nvCxnSpPr>
-          <p:cNvPr id="13" name="直接箭头连接符 12"/>
-          <p:cNvCxnSpPr/>
-          <p:nvPr/>
-        </p:nvCxnSpPr>
-        <p:spPr>
-          <a:xfrm>
-            <a:off x="1099863" y="3465004"/>
-            <a:ext cx="1944216" cy="0"/>
-          </a:xfrm>
-          <a:prstGeom prst="straightConnector1">
-            <a:avLst/>
-          </a:prstGeom>
-          <a:ln w="28575">
-            <a:solidFill>
-              <a:schemeClr val="tx1"/>
-            </a:solidFill>
-            <a:tailEnd type="arrow"/>
-          </a:ln>
-        </p:spPr>
-        <p:style>
-          <a:lnRef idx="1">
-            <a:schemeClr val="accent1"/>
-          </a:lnRef>
-          <a:fillRef idx="0">
-            <a:schemeClr val="accent1"/>
-          </a:fillRef>
-          <a:effectRef idx="0">
-            <a:schemeClr val="accent1"/>
-          </a:effectRef>
-          <a:fontRef idx="minor">
-            <a:schemeClr val="tx1"/>
-          </a:fontRef>
-        </p:style>
-      </p:cxnSp>
-      <p:sp>
-        <p:nvSpPr>
-          <p:cNvPr id="14" name="TextBox 13"/>
-          <p:cNvSpPr txBox="1"/>
-          <p:nvPr/>
-        </p:nvSpPr>
-        <p:spPr>
-          <a:xfrm>
-            <a:off x="1586370" y="947500"/>
-            <a:ext cx="993500" cy="369332"/>
-          </a:xfrm>
-          <a:prstGeom prst="rect">
-            <a:avLst/>
-          </a:prstGeom>
-          <a:noFill/>
-        </p:spPr>
-        <p:txBody>
-          <a:bodyPr wrap="square" rtlCol="0">
-            <a:spAutoFit/>
-          </a:bodyPr>
-          <a:lstStyle/>
-          <a:p>
-            <a:pPr algn="ctr"/>
-            <a:r>
-              <a:rPr lang="en-US" altLang="zh-CN" dirty="0" smtClean="0"/>
-              <a:t>CH1</a:t>
-            </a:r>
-            <a:endParaRPr lang="zh-CN" altLang="en-US" dirty="0"/>
-          </a:p>
-        </p:txBody>
-      </p:sp>
-      <p:sp>
-        <p:nvSpPr>
-          <p:cNvPr id="15" name="TextBox 14"/>
-          <p:cNvSpPr txBox="1"/>
-          <p:nvPr/>
-        </p:nvSpPr>
-        <p:spPr>
-          <a:xfrm>
-            <a:off x="1575221" y="3062136"/>
-            <a:ext cx="993500" cy="369332"/>
-          </a:xfrm>
-          <a:prstGeom prst="rect">
-            <a:avLst/>
-          </a:prstGeom>
-          <a:noFill/>
-        </p:spPr>
-        <p:txBody>
-          <a:bodyPr wrap="square" rtlCol="0">
-            <a:spAutoFit/>
-          </a:bodyPr>
-          <a:lstStyle/>
-          <a:p>
-            <a:pPr algn="ctr"/>
-            <a:r>
-              <a:rPr lang="en-US" altLang="zh-CN" dirty="0" err="1" smtClean="0"/>
-              <a:t>CHn</a:t>
-            </a:r>
-            <a:endParaRPr lang="zh-CN" altLang="en-US" dirty="0"/>
-          </a:p>
-        </p:txBody>
-      </p:sp>
-      <p:cxnSp>
-        <p:nvCxnSpPr>
-          <p:cNvPr id="35" name="直接箭头连接符 34"/>
-          <p:cNvCxnSpPr/>
-          <p:nvPr/>
-        </p:nvCxnSpPr>
-        <p:spPr>
-          <a:xfrm>
-            <a:off x="1107739" y="1806044"/>
-            <a:ext cx="1944216" cy="0"/>
-          </a:xfrm>
-          <a:prstGeom prst="straightConnector1">
-            <a:avLst/>
-          </a:prstGeom>
-          <a:ln w="28575">
-            <a:solidFill>
-              <a:schemeClr val="tx1"/>
-            </a:solidFill>
-            <a:tailEnd type="arrow"/>
-          </a:ln>
-        </p:spPr>
-        <p:style>
-          <a:lnRef idx="1">
-            <a:schemeClr val="accent1"/>
-          </a:lnRef>
-          <a:fillRef idx="0">
-            <a:schemeClr val="accent1"/>
-          </a:fillRef>
-          <a:effectRef idx="0">
-            <a:schemeClr val="accent1"/>
-          </a:effectRef>
-          <a:fontRef idx="minor">
-            <a:schemeClr val="tx1"/>
-          </a:fontRef>
-        </p:style>
-      </p:cxnSp>
-      <p:sp>
-        <p:nvSpPr>
-          <p:cNvPr id="36" name="TextBox 35"/>
-          <p:cNvSpPr txBox="1"/>
-          <p:nvPr/>
-        </p:nvSpPr>
-        <p:spPr>
-          <a:xfrm>
-            <a:off x="1586370" y="1376772"/>
-            <a:ext cx="993500" cy="369332"/>
-          </a:xfrm>
-          <a:prstGeom prst="rect">
-            <a:avLst/>
-          </a:prstGeom>
-          <a:noFill/>
-        </p:spPr>
-        <p:txBody>
-          <a:bodyPr wrap="square" rtlCol="0">
-            <a:spAutoFit/>
-          </a:bodyPr>
-          <a:lstStyle/>
-          <a:p>
-            <a:pPr algn="ctr"/>
-            <a:r>
-              <a:rPr lang="en-US" altLang="zh-CN" dirty="0" smtClean="0"/>
-              <a:t>CH2</a:t>
-            </a:r>
-            <a:endParaRPr lang="zh-CN" altLang="en-US" dirty="0"/>
-          </a:p>
-        </p:txBody>
-      </p:sp>
-      <p:cxnSp>
-        <p:nvCxnSpPr>
-          <p:cNvPr id="97" name="肘形连接符 96"/>
-          <p:cNvCxnSpPr>
-            <a:stCxn id="78" idx="2"/>
-            <a:endCxn id="66" idx="2"/>
-          </p:cNvCxnSpPr>
-          <p:nvPr/>
-        </p:nvCxnSpPr>
-        <p:spPr>
-          <a:xfrm rot="16200000" flipH="1">
-            <a:off x="-739147" y="-1113193"/>
-            <a:ext cx="1278037" cy="8814459"/>
-          </a:xfrm>
-          <a:prstGeom prst="bentConnector3">
-            <a:avLst>
-              <a:gd name="adj1" fmla="val 150083"/>
-            </a:avLst>
-          </a:prstGeom>
-          <a:ln w="28575">
-            <a:solidFill>
-              <a:schemeClr val="tx1"/>
-            </a:solidFill>
-            <a:tailEnd type="arrow"/>
-          </a:ln>
-        </p:spPr>
-        <p:style>
-          <a:lnRef idx="1">
-            <a:schemeClr val="accent1"/>
-          </a:lnRef>
-          <a:fillRef idx="0">
-            <a:schemeClr val="accent1"/>
-          </a:fillRef>
-          <a:effectRef idx="0">
-            <a:schemeClr val="accent1"/>
-          </a:effectRef>
-          <a:fontRef idx="minor">
-            <a:schemeClr val="tx1"/>
-          </a:fontRef>
-        </p:style>
-      </p:cxnSp>
-      <p:sp>
-        <p:nvSpPr>
-          <p:cNvPr id="122" name="上下箭头 121"/>
-          <p:cNvSpPr/>
-          <p:nvPr/>
-        </p:nvSpPr>
-        <p:spPr>
-          <a:xfrm rot="16200000">
-            <a:off x="5974765" y="1839829"/>
-            <a:ext cx="321329" cy="1162116"/>
-          </a:xfrm>
-          <a:prstGeom prst="upDownArrow">
-            <a:avLst/>
-          </a:prstGeom>
-          <a:noFill/>
-          <a:ln>
-            <a:solidFill>
-              <a:schemeClr val="tx1"/>
-            </a:solidFill>
-          </a:ln>
-        </p:spPr>
-        <p:style>
-          <a:lnRef idx="2">
-            <a:schemeClr val="accent1">
-              <a:shade val="50000"/>
-            </a:schemeClr>
-          </a:lnRef>
-          <a:fillRef idx="1">
-            <a:schemeClr val="accent1"/>
-          </a:fillRef>
-          <a:effectRef idx="0">
-            <a:schemeClr val="accent1"/>
-          </a:effectRef>
-          <a:fontRef idx="minor">
-            <a:schemeClr val="lt1"/>
-          </a:fontRef>
-        </p:style>
-        <p:txBody>
-          <a:bodyPr rtlCol="0" anchor="ctr"/>
-          <a:lstStyle/>
-          <a:p>
-            <a:pPr algn="ctr"/>
-            <a:endParaRPr lang="zh-CN" altLang="en-US"/>
-          </a:p>
-        </p:txBody>
-      </p:sp>
-      <p:sp>
-        <p:nvSpPr>
-          <p:cNvPr id="124" name="TextBox 123"/>
-          <p:cNvSpPr txBox="1"/>
-          <p:nvPr/>
-        </p:nvSpPr>
-        <p:spPr>
-          <a:xfrm>
-            <a:off x="5636074" y="1916106"/>
-            <a:ext cx="993500" cy="369332"/>
-          </a:xfrm>
-          <a:prstGeom prst="rect">
-            <a:avLst/>
-          </a:prstGeom>
-          <a:noFill/>
-        </p:spPr>
-        <p:txBody>
-          <a:bodyPr wrap="square" rtlCol="0">
-            <a:spAutoFit/>
-          </a:bodyPr>
-          <a:lstStyle/>
-          <a:p>
-            <a:pPr algn="ctr"/>
-            <a:r>
-              <a:rPr lang="en-US" altLang="zh-CN" dirty="0" smtClean="0"/>
-              <a:t>USB</a:t>
-            </a:r>
-            <a:endParaRPr lang="zh-CN" altLang="en-US" dirty="0"/>
-          </a:p>
-        </p:txBody>
-      </p:sp>
-      <p:sp>
-        <p:nvSpPr>
-          <p:cNvPr id="125" name="矩形 124"/>
-          <p:cNvSpPr/>
-          <p:nvPr/>
-        </p:nvSpPr>
-        <p:spPr>
-          <a:xfrm>
-            <a:off x="6732240" y="836712"/>
-            <a:ext cx="1872208" cy="3096343"/>
-          </a:xfrm>
-          <a:prstGeom prst="rect">
-            <a:avLst/>
-          </a:prstGeom>
-          <a:noFill/>
-          <a:ln>
-            <a:solidFill>
-              <a:schemeClr val="tx1"/>
-            </a:solidFill>
-          </a:ln>
-        </p:spPr>
-        <p:style>
-          <a:lnRef idx="2">
-            <a:schemeClr val="accent1">
-              <a:shade val="50000"/>
-            </a:schemeClr>
-          </a:lnRef>
-          <a:fillRef idx="1">
-            <a:schemeClr val="accent1"/>
-          </a:fillRef>
-          <a:effectRef idx="0">
-            <a:schemeClr val="accent1"/>
-          </a:effectRef>
-          <a:fontRef idx="minor">
-            <a:schemeClr val="lt1"/>
-          </a:fontRef>
-        </p:style>
-        <p:txBody>
-          <a:bodyPr rtlCol="0" anchor="ctr"/>
-          <a:lstStyle/>
-          <a:p>
-            <a:pPr algn="ctr"/>
-            <a:r>
-              <a:rPr lang="en-US" altLang="zh-CN" dirty="0" smtClean="0">
-                <a:solidFill>
-                  <a:schemeClr val="tx1"/>
-                </a:solidFill>
-              </a:rPr>
-              <a:t>PC</a:t>
-            </a:r>
-            <a:endParaRPr lang="zh-CN" altLang="en-US" dirty="0">
-              <a:solidFill>
-                <a:schemeClr val="tx1"/>
-              </a:solidFill>
-            </a:endParaRPr>
-          </a:p>
-        </p:txBody>
-      </p:sp>
-      <p:sp>
-        <p:nvSpPr>
-          <p:cNvPr id="66" name="矩形 65"/>
-          <p:cNvSpPr/>
-          <p:nvPr/>
-        </p:nvSpPr>
-        <p:spPr>
-          <a:xfrm>
-            <a:off x="3059831" y="836712"/>
-            <a:ext cx="2494540" cy="3096344"/>
-          </a:xfrm>
-          <a:prstGeom prst="rect">
-            <a:avLst/>
-          </a:prstGeom>
-          <a:noFill/>
-          <a:ln>
-            <a:solidFill>
-              <a:schemeClr val="tx1"/>
-            </a:solidFill>
-          </a:ln>
-        </p:spPr>
-        <p:style>
-          <a:lnRef idx="2">
-            <a:schemeClr val="accent1">
-              <a:shade val="50000"/>
-            </a:schemeClr>
-          </a:lnRef>
-          <a:fillRef idx="1">
-            <a:schemeClr val="accent1"/>
-          </a:fillRef>
-          <a:effectRef idx="0">
-            <a:schemeClr val="accent1"/>
-          </a:effectRef>
-          <a:fontRef idx="minor">
-            <a:schemeClr val="lt1"/>
-          </a:fontRef>
-        </p:style>
-        <p:txBody>
-          <a:bodyPr rtlCol="0" anchor="ctr"/>
-          <a:lstStyle/>
-          <a:p>
-            <a:pPr algn="ctr"/>
-            <a:r>
-              <a:rPr lang="en-US" altLang="zh-CN" dirty="0" smtClean="0">
-                <a:solidFill>
-                  <a:schemeClr val="tx1"/>
-                </a:solidFill>
-              </a:rPr>
-              <a:t>FPGA Board</a:t>
-            </a:r>
-            <a:endParaRPr lang="zh-CN" altLang="en-US" dirty="0">
-              <a:solidFill>
-                <a:schemeClr val="tx1"/>
-              </a:solidFill>
-            </a:endParaRPr>
-          </a:p>
-        </p:txBody>
-      </p:sp>
       <p:grpSp>
         <p:nvGrpSpPr>
-          <p:cNvPr id="6" name="组合 5"/>
+          <p:cNvPr id="4" name="组合 3"/>
           <p:cNvGrpSpPr/>
           <p:nvPr/>
         </p:nvGrpSpPr>
         <p:grpSpPr>
           <a:xfrm>
-            <a:off x="442445" y="1207880"/>
-            <a:ext cx="700380" cy="360040"/>
-            <a:chOff x="-6229200" y="-1971600"/>
-            <a:chExt cx="4202280" cy="2160240"/>
+            <a:off x="-5224553" y="813771"/>
+            <a:ext cx="16349281" cy="4227528"/>
+            <a:chOff x="-5224553" y="813771"/>
+            <a:chExt cx="16349281" cy="4227528"/>
           </a:xfrm>
         </p:grpSpPr>
-        <p:sp>
-          <p:nvSpPr>
-            <p:cNvPr id="2" name="弧形 1"/>
-            <p:cNvSpPr/>
-            <p:nvPr/>
-          </p:nvSpPr>
-          <p:spPr>
-            <a:xfrm flipV="1">
-              <a:off x="-6229200" y="-1971600"/>
-              <a:ext cx="2238794" cy="2160240"/>
-            </a:xfrm>
-            <a:prstGeom prst="arc">
-              <a:avLst>
-                <a:gd name="adj1" fmla="val 16200000"/>
-                <a:gd name="adj2" fmla="val 5519353"/>
-              </a:avLst>
-            </a:prstGeom>
-            <a:ln w="19050">
-              <a:solidFill>
-                <a:schemeClr val="tx1"/>
-              </a:solidFill>
-            </a:ln>
-          </p:spPr>
-          <p:style>
-            <a:lnRef idx="1">
-              <a:schemeClr val="accent1"/>
-            </a:lnRef>
-            <a:fillRef idx="0">
-              <a:schemeClr val="accent1"/>
-            </a:fillRef>
-            <a:effectRef idx="0">
-              <a:schemeClr val="accent1"/>
-            </a:effectRef>
-            <a:fontRef idx="minor">
-              <a:schemeClr val="tx1"/>
-            </a:fontRef>
-          </p:style>
-          <p:txBody>
-            <a:bodyPr rtlCol="0" anchor="ctr"/>
-            <a:lstStyle/>
-            <a:p>
-              <a:pPr algn="ctr"/>
-              <a:endParaRPr lang="en-US"/>
-            </a:p>
-          </p:txBody>
-        </p:sp>
-        <p:sp>
-          <p:nvSpPr>
-            <p:cNvPr id="3" name="任意多边形 2"/>
-            <p:cNvSpPr/>
-            <p:nvPr/>
-          </p:nvSpPr>
-          <p:spPr>
-            <a:xfrm>
-              <a:off x="-3992880" y="-1568504"/>
-              <a:ext cx="1965960" cy="1167581"/>
-            </a:xfrm>
-            <a:custGeom>
-              <a:avLst/>
-              <a:gdLst>
-                <a:gd name="connsiteX0" fmla="*/ 0 w 1965960"/>
-                <a:gd name="connsiteY0" fmla="*/ 623624 h 1167581"/>
-                <a:gd name="connsiteX1" fmla="*/ 609600 w 1965960"/>
-                <a:gd name="connsiteY1" fmla="*/ 14024 h 1167581"/>
-                <a:gd name="connsiteX2" fmla="*/ 975360 w 1965960"/>
-                <a:gd name="connsiteY2" fmla="*/ 1157024 h 1167581"/>
-                <a:gd name="connsiteX3" fmla="*/ 1463040 w 1965960"/>
-                <a:gd name="connsiteY3" fmla="*/ 577904 h 1167581"/>
-                <a:gd name="connsiteX4" fmla="*/ 1965960 w 1965960"/>
-                <a:gd name="connsiteY4" fmla="*/ 486464 h 1167581"/>
-                <a:gd name="connsiteX5" fmla="*/ 1965960 w 1965960"/>
-                <a:gd name="connsiteY5" fmla="*/ 486464 h 1167581"/>
-              </a:gdLst>
-              <a:ahLst/>
-              <a:cxnLst>
-                <a:cxn ang="0">
-                  <a:pos x="connsiteX0" y="connsiteY0"/>
-                </a:cxn>
-                <a:cxn ang="0">
-                  <a:pos x="connsiteX1" y="connsiteY1"/>
-                </a:cxn>
-                <a:cxn ang="0">
-                  <a:pos x="connsiteX2" y="connsiteY2"/>
-                </a:cxn>
-                <a:cxn ang="0">
-                  <a:pos x="connsiteX3" y="connsiteY3"/>
-                </a:cxn>
-                <a:cxn ang="0">
-                  <a:pos x="connsiteX4" y="connsiteY4"/>
-                </a:cxn>
-                <a:cxn ang="0">
-                  <a:pos x="connsiteX5" y="connsiteY5"/>
-                </a:cxn>
-              </a:cxnLst>
-              <a:rect l="l" t="t" r="r" b="b"/>
-              <a:pathLst>
-                <a:path w="1965960" h="1167581">
-                  <a:moveTo>
-                    <a:pt x="0" y="623624"/>
-                  </a:moveTo>
-                  <a:cubicBezTo>
-                    <a:pt x="223520" y="274374"/>
-                    <a:pt x="447040" y="-74876"/>
-                    <a:pt x="609600" y="14024"/>
-                  </a:cubicBezTo>
-                  <a:cubicBezTo>
-                    <a:pt x="772160" y="102924"/>
-                    <a:pt x="833120" y="1063044"/>
-                    <a:pt x="975360" y="1157024"/>
-                  </a:cubicBezTo>
-                  <a:cubicBezTo>
-                    <a:pt x="1117600" y="1251004"/>
-                    <a:pt x="1297940" y="689664"/>
-                    <a:pt x="1463040" y="577904"/>
-                  </a:cubicBezTo>
-                  <a:cubicBezTo>
-                    <a:pt x="1628140" y="466144"/>
-                    <a:pt x="1965960" y="486464"/>
-                    <a:pt x="1965960" y="486464"/>
-                  </a:cubicBezTo>
-                  <a:lnTo>
-                    <a:pt x="1965960" y="486464"/>
-                  </a:lnTo>
-                </a:path>
-              </a:pathLst>
-            </a:custGeom>
-            <a:noFill/>
-            <a:ln w="19050">
-              <a:solidFill>
-                <a:schemeClr val="tx1"/>
-              </a:solidFill>
-            </a:ln>
-          </p:spPr>
-          <p:style>
-            <a:lnRef idx="2">
-              <a:schemeClr val="accent1">
-                <a:shade val="50000"/>
-              </a:schemeClr>
-            </a:lnRef>
-            <a:fillRef idx="1">
-              <a:schemeClr val="accent1"/>
-            </a:fillRef>
-            <a:effectRef idx="0">
-              <a:schemeClr val="accent1"/>
-            </a:effectRef>
-            <a:fontRef idx="minor">
-              <a:schemeClr val="lt1"/>
-            </a:fontRef>
-          </p:style>
-          <p:txBody>
-            <a:bodyPr rtlCol="0" anchor="ctr"/>
-            <a:lstStyle/>
-            <a:p>
-              <a:pPr algn="ctr"/>
-              <a:endParaRPr lang="en-US"/>
-            </a:p>
-          </p:txBody>
-        </p:sp>
-      </p:grpSp>
-      <p:grpSp>
-        <p:nvGrpSpPr>
-          <p:cNvPr id="67" name="组合 66"/>
-          <p:cNvGrpSpPr/>
-          <p:nvPr/>
-        </p:nvGrpSpPr>
-        <p:grpSpPr>
-          <a:xfrm>
-            <a:off x="430530" y="1654326"/>
-            <a:ext cx="700380" cy="360040"/>
-            <a:chOff x="-6229200" y="-1971600"/>
-            <a:chExt cx="4202280" cy="2160240"/>
-          </a:xfrm>
-        </p:grpSpPr>
-        <p:sp>
-          <p:nvSpPr>
-            <p:cNvPr id="68" name="弧形 67"/>
-            <p:cNvSpPr/>
-            <p:nvPr/>
-          </p:nvSpPr>
-          <p:spPr>
-            <a:xfrm flipV="1">
-              <a:off x="-6229200" y="-1971600"/>
-              <a:ext cx="2238794" cy="2160240"/>
-            </a:xfrm>
-            <a:prstGeom prst="arc">
-              <a:avLst>
-                <a:gd name="adj1" fmla="val 16200000"/>
-                <a:gd name="adj2" fmla="val 5519353"/>
-              </a:avLst>
-            </a:prstGeom>
-            <a:ln w="19050">
-              <a:solidFill>
-                <a:schemeClr val="tx1"/>
-              </a:solidFill>
-            </a:ln>
-          </p:spPr>
-          <p:style>
-            <a:lnRef idx="1">
-              <a:schemeClr val="accent1"/>
-            </a:lnRef>
-            <a:fillRef idx="0">
-              <a:schemeClr val="accent1"/>
-            </a:fillRef>
-            <a:effectRef idx="0">
-              <a:schemeClr val="accent1"/>
-            </a:effectRef>
-            <a:fontRef idx="minor">
-              <a:schemeClr val="tx1"/>
-            </a:fontRef>
-          </p:style>
-          <p:txBody>
-            <a:bodyPr rtlCol="0" anchor="ctr"/>
-            <a:lstStyle/>
-            <a:p>
-              <a:pPr algn="ctr"/>
-              <a:endParaRPr lang="en-US"/>
-            </a:p>
-          </p:txBody>
-        </p:sp>
-        <p:sp>
-          <p:nvSpPr>
-            <p:cNvPr id="72" name="任意多边形 71"/>
-            <p:cNvSpPr/>
-            <p:nvPr/>
-          </p:nvSpPr>
-          <p:spPr>
-            <a:xfrm>
-              <a:off x="-3992880" y="-1568504"/>
-              <a:ext cx="1965960" cy="1167581"/>
-            </a:xfrm>
-            <a:custGeom>
-              <a:avLst/>
-              <a:gdLst>
-                <a:gd name="connsiteX0" fmla="*/ 0 w 1965960"/>
-                <a:gd name="connsiteY0" fmla="*/ 623624 h 1167581"/>
-                <a:gd name="connsiteX1" fmla="*/ 609600 w 1965960"/>
-                <a:gd name="connsiteY1" fmla="*/ 14024 h 1167581"/>
-                <a:gd name="connsiteX2" fmla="*/ 975360 w 1965960"/>
-                <a:gd name="connsiteY2" fmla="*/ 1157024 h 1167581"/>
-                <a:gd name="connsiteX3" fmla="*/ 1463040 w 1965960"/>
-                <a:gd name="connsiteY3" fmla="*/ 577904 h 1167581"/>
-                <a:gd name="connsiteX4" fmla="*/ 1965960 w 1965960"/>
-                <a:gd name="connsiteY4" fmla="*/ 486464 h 1167581"/>
-                <a:gd name="connsiteX5" fmla="*/ 1965960 w 1965960"/>
-                <a:gd name="connsiteY5" fmla="*/ 486464 h 1167581"/>
-              </a:gdLst>
-              <a:ahLst/>
-              <a:cxnLst>
-                <a:cxn ang="0">
-                  <a:pos x="connsiteX0" y="connsiteY0"/>
-                </a:cxn>
-                <a:cxn ang="0">
-                  <a:pos x="connsiteX1" y="connsiteY1"/>
-                </a:cxn>
-                <a:cxn ang="0">
-                  <a:pos x="connsiteX2" y="connsiteY2"/>
-                </a:cxn>
-                <a:cxn ang="0">
-                  <a:pos x="connsiteX3" y="connsiteY3"/>
-                </a:cxn>
-                <a:cxn ang="0">
-                  <a:pos x="connsiteX4" y="connsiteY4"/>
-                </a:cxn>
-                <a:cxn ang="0">
-                  <a:pos x="connsiteX5" y="connsiteY5"/>
-                </a:cxn>
-              </a:cxnLst>
-              <a:rect l="l" t="t" r="r" b="b"/>
-              <a:pathLst>
-                <a:path w="1965960" h="1167581">
-                  <a:moveTo>
-                    <a:pt x="0" y="623624"/>
-                  </a:moveTo>
-                  <a:cubicBezTo>
-                    <a:pt x="223520" y="274374"/>
-                    <a:pt x="447040" y="-74876"/>
-                    <a:pt x="609600" y="14024"/>
-                  </a:cubicBezTo>
-                  <a:cubicBezTo>
-                    <a:pt x="772160" y="102924"/>
-                    <a:pt x="833120" y="1063044"/>
-                    <a:pt x="975360" y="1157024"/>
-                  </a:cubicBezTo>
-                  <a:cubicBezTo>
-                    <a:pt x="1117600" y="1251004"/>
-                    <a:pt x="1297940" y="689664"/>
-                    <a:pt x="1463040" y="577904"/>
-                  </a:cubicBezTo>
-                  <a:cubicBezTo>
-                    <a:pt x="1628140" y="466144"/>
-                    <a:pt x="1965960" y="486464"/>
-                    <a:pt x="1965960" y="486464"/>
-                  </a:cubicBezTo>
-                  <a:lnTo>
-                    <a:pt x="1965960" y="486464"/>
-                  </a:lnTo>
-                </a:path>
-              </a:pathLst>
-            </a:custGeom>
-            <a:noFill/>
-            <a:ln w="19050">
-              <a:solidFill>
-                <a:schemeClr val="tx1"/>
-              </a:solidFill>
-            </a:ln>
-          </p:spPr>
-          <p:style>
-            <a:lnRef idx="2">
-              <a:schemeClr val="accent1">
-                <a:shade val="50000"/>
-              </a:schemeClr>
-            </a:lnRef>
-            <a:fillRef idx="1">
-              <a:schemeClr val="accent1"/>
-            </a:fillRef>
-            <a:effectRef idx="0">
-              <a:schemeClr val="accent1"/>
-            </a:effectRef>
-            <a:fontRef idx="minor">
-              <a:schemeClr val="lt1"/>
-            </a:fontRef>
-          </p:style>
-          <p:txBody>
-            <a:bodyPr rtlCol="0" anchor="ctr"/>
-            <a:lstStyle/>
-            <a:p>
-              <a:pPr algn="ctr"/>
-              <a:endParaRPr lang="en-US"/>
-            </a:p>
-          </p:txBody>
-        </p:sp>
-      </p:grpSp>
-      <p:grpSp>
-        <p:nvGrpSpPr>
-          <p:cNvPr id="75" name="组合 74"/>
-          <p:cNvGrpSpPr/>
-          <p:nvPr/>
-        </p:nvGrpSpPr>
-        <p:grpSpPr>
-          <a:xfrm>
-            <a:off x="429708" y="3293337"/>
-            <a:ext cx="700380" cy="360040"/>
-            <a:chOff x="-6229200" y="-1971600"/>
-            <a:chExt cx="4202280" cy="2160240"/>
-          </a:xfrm>
-        </p:grpSpPr>
-        <p:sp>
-          <p:nvSpPr>
-            <p:cNvPr id="76" name="弧形 75"/>
-            <p:cNvSpPr/>
-            <p:nvPr/>
-          </p:nvSpPr>
-          <p:spPr>
-            <a:xfrm flipV="1">
-              <a:off x="-6229200" y="-1971600"/>
-              <a:ext cx="2238794" cy="2160240"/>
-            </a:xfrm>
-            <a:prstGeom prst="arc">
-              <a:avLst>
-                <a:gd name="adj1" fmla="val 16200000"/>
-                <a:gd name="adj2" fmla="val 5519353"/>
-              </a:avLst>
-            </a:prstGeom>
-            <a:ln w="19050">
-              <a:solidFill>
-                <a:schemeClr val="tx1"/>
-              </a:solidFill>
-            </a:ln>
-          </p:spPr>
-          <p:style>
-            <a:lnRef idx="1">
-              <a:schemeClr val="accent1"/>
-            </a:lnRef>
-            <a:fillRef idx="0">
-              <a:schemeClr val="accent1"/>
-            </a:fillRef>
-            <a:effectRef idx="0">
-              <a:schemeClr val="accent1"/>
-            </a:effectRef>
-            <a:fontRef idx="minor">
-              <a:schemeClr val="tx1"/>
-            </a:fontRef>
-          </p:style>
-          <p:txBody>
-            <a:bodyPr rtlCol="0" anchor="ctr"/>
-            <a:lstStyle/>
-            <a:p>
-              <a:pPr algn="ctr"/>
-              <a:endParaRPr lang="en-US"/>
-            </a:p>
-          </p:txBody>
-        </p:sp>
-        <p:sp>
-          <p:nvSpPr>
-            <p:cNvPr id="77" name="任意多边形 76"/>
-            <p:cNvSpPr/>
-            <p:nvPr/>
-          </p:nvSpPr>
-          <p:spPr>
-            <a:xfrm>
-              <a:off x="-3992880" y="-1568504"/>
-              <a:ext cx="1965960" cy="1167581"/>
-            </a:xfrm>
-            <a:custGeom>
-              <a:avLst/>
-              <a:gdLst>
-                <a:gd name="connsiteX0" fmla="*/ 0 w 1965960"/>
-                <a:gd name="connsiteY0" fmla="*/ 623624 h 1167581"/>
-                <a:gd name="connsiteX1" fmla="*/ 609600 w 1965960"/>
-                <a:gd name="connsiteY1" fmla="*/ 14024 h 1167581"/>
-                <a:gd name="connsiteX2" fmla="*/ 975360 w 1965960"/>
-                <a:gd name="connsiteY2" fmla="*/ 1157024 h 1167581"/>
-                <a:gd name="connsiteX3" fmla="*/ 1463040 w 1965960"/>
-                <a:gd name="connsiteY3" fmla="*/ 577904 h 1167581"/>
-                <a:gd name="connsiteX4" fmla="*/ 1965960 w 1965960"/>
-                <a:gd name="connsiteY4" fmla="*/ 486464 h 1167581"/>
-                <a:gd name="connsiteX5" fmla="*/ 1965960 w 1965960"/>
-                <a:gd name="connsiteY5" fmla="*/ 486464 h 1167581"/>
-              </a:gdLst>
-              <a:ahLst/>
-              <a:cxnLst>
-                <a:cxn ang="0">
-                  <a:pos x="connsiteX0" y="connsiteY0"/>
-                </a:cxn>
-                <a:cxn ang="0">
-                  <a:pos x="connsiteX1" y="connsiteY1"/>
-                </a:cxn>
-                <a:cxn ang="0">
-                  <a:pos x="connsiteX2" y="connsiteY2"/>
-                </a:cxn>
-                <a:cxn ang="0">
-                  <a:pos x="connsiteX3" y="connsiteY3"/>
-                </a:cxn>
-                <a:cxn ang="0">
-                  <a:pos x="connsiteX4" y="connsiteY4"/>
-                </a:cxn>
-                <a:cxn ang="0">
-                  <a:pos x="connsiteX5" y="connsiteY5"/>
-                </a:cxn>
-              </a:cxnLst>
-              <a:rect l="l" t="t" r="r" b="b"/>
-              <a:pathLst>
-                <a:path w="1965960" h="1167581">
-                  <a:moveTo>
-                    <a:pt x="0" y="623624"/>
-                  </a:moveTo>
-                  <a:cubicBezTo>
-                    <a:pt x="223520" y="274374"/>
-                    <a:pt x="447040" y="-74876"/>
-                    <a:pt x="609600" y="14024"/>
-                  </a:cubicBezTo>
-                  <a:cubicBezTo>
-                    <a:pt x="772160" y="102924"/>
-                    <a:pt x="833120" y="1063044"/>
-                    <a:pt x="975360" y="1157024"/>
-                  </a:cubicBezTo>
-                  <a:cubicBezTo>
-                    <a:pt x="1117600" y="1251004"/>
-                    <a:pt x="1297940" y="689664"/>
-                    <a:pt x="1463040" y="577904"/>
-                  </a:cubicBezTo>
-                  <a:cubicBezTo>
-                    <a:pt x="1628140" y="466144"/>
-                    <a:pt x="1965960" y="486464"/>
-                    <a:pt x="1965960" y="486464"/>
-                  </a:cubicBezTo>
-                  <a:lnTo>
-                    <a:pt x="1965960" y="486464"/>
-                  </a:lnTo>
-                </a:path>
-              </a:pathLst>
-            </a:custGeom>
-            <a:noFill/>
-            <a:ln w="19050">
-              <a:solidFill>
-                <a:schemeClr val="tx1"/>
-              </a:solidFill>
-            </a:ln>
-          </p:spPr>
-          <p:style>
-            <a:lnRef idx="2">
-              <a:schemeClr val="accent1">
-                <a:shade val="50000"/>
-              </a:schemeClr>
-            </a:lnRef>
-            <a:fillRef idx="1">
-              <a:schemeClr val="accent1"/>
-            </a:fillRef>
-            <a:effectRef idx="0">
-              <a:schemeClr val="accent1"/>
-            </a:effectRef>
-            <a:fontRef idx="minor">
-              <a:schemeClr val="lt1"/>
-            </a:fontRef>
-          </p:style>
-          <p:txBody>
-            <a:bodyPr rtlCol="0" anchor="ctr"/>
-            <a:lstStyle/>
-            <a:p>
-              <a:pPr algn="ctr"/>
-              <a:endParaRPr lang="en-US"/>
-            </a:p>
-          </p:txBody>
-        </p:sp>
-      </p:grpSp>
-      <p:sp>
-        <p:nvSpPr>
-          <p:cNvPr id="78" name="矩形 77"/>
-          <p:cNvSpPr/>
-          <p:nvPr/>
-        </p:nvSpPr>
-        <p:spPr>
-          <a:xfrm>
-            <a:off x="-5224553" y="2114747"/>
-            <a:ext cx="1434390" cy="540272"/>
-          </a:xfrm>
-          <a:prstGeom prst="rect">
-            <a:avLst/>
-          </a:prstGeom>
-          <a:noFill/>
-          <a:ln>
-            <a:solidFill>
-              <a:schemeClr val="tx1"/>
-            </a:solidFill>
-          </a:ln>
-        </p:spPr>
-        <p:style>
-          <a:lnRef idx="2">
-            <a:schemeClr val="accent1">
-              <a:shade val="50000"/>
-            </a:schemeClr>
-          </a:lnRef>
-          <a:fillRef idx="1">
-            <a:schemeClr val="accent1"/>
-          </a:fillRef>
-          <a:effectRef idx="0">
-            <a:schemeClr val="accent1"/>
-          </a:effectRef>
-          <a:fontRef idx="minor">
-            <a:schemeClr val="lt1"/>
-          </a:fontRef>
-        </p:style>
-        <p:txBody>
-          <a:bodyPr rtlCol="0" anchor="ctr"/>
-          <a:lstStyle/>
-          <a:p>
-            <a:pPr algn="ctr"/>
-            <a:r>
-              <a:rPr lang="en-US" altLang="zh-CN" dirty="0" smtClean="0">
-                <a:solidFill>
-                  <a:schemeClr val="tx1"/>
-                </a:solidFill>
-              </a:rPr>
-              <a:t>Laser</a:t>
-            </a:r>
-            <a:endParaRPr lang="zh-CN" altLang="en-US" dirty="0">
-              <a:solidFill>
-                <a:schemeClr val="tx1"/>
-              </a:solidFill>
-            </a:endParaRPr>
-          </a:p>
-        </p:txBody>
-      </p:sp>
-      <p:sp>
-        <p:nvSpPr>
-          <p:cNvPr id="83" name="矩形 82"/>
-          <p:cNvSpPr/>
-          <p:nvPr/>
-        </p:nvSpPr>
-        <p:spPr>
-          <a:xfrm>
-            <a:off x="-2846183" y="836712"/>
-            <a:ext cx="2331911" cy="3096344"/>
-          </a:xfrm>
-          <a:prstGeom prst="rect">
-            <a:avLst/>
-          </a:prstGeom>
-          <a:noFill/>
-          <a:ln>
-            <a:solidFill>
-              <a:schemeClr val="tx1"/>
-            </a:solidFill>
-          </a:ln>
-        </p:spPr>
-        <p:style>
-          <a:lnRef idx="2">
-            <a:schemeClr val="accent1">
-              <a:shade val="50000"/>
-            </a:schemeClr>
-          </a:lnRef>
-          <a:fillRef idx="1">
-            <a:schemeClr val="accent1"/>
-          </a:fillRef>
-          <a:effectRef idx="0">
-            <a:schemeClr val="accent1"/>
-          </a:effectRef>
-          <a:fontRef idx="minor">
-            <a:schemeClr val="lt1"/>
-          </a:fontRef>
-        </p:style>
-        <p:txBody>
-          <a:bodyPr rtlCol="0" anchor="ctr"/>
-          <a:lstStyle/>
-          <a:p>
-            <a:pPr algn="ctr"/>
-            <a:r>
-              <a:rPr lang="en-US" altLang="zh-CN" dirty="0" smtClean="0">
-                <a:solidFill>
-                  <a:schemeClr val="tx1"/>
-                </a:solidFill>
-              </a:rPr>
-              <a:t>Optical System</a:t>
-            </a:r>
-            <a:endParaRPr lang="zh-CN" altLang="en-US" dirty="0">
-              <a:solidFill>
-                <a:schemeClr val="tx1"/>
-              </a:solidFill>
-            </a:endParaRPr>
-          </a:p>
-        </p:txBody>
-      </p:sp>
-      <p:cxnSp>
-        <p:nvCxnSpPr>
-          <p:cNvPr id="17" name="直接箭头连接符 16"/>
-          <p:cNvCxnSpPr>
-            <a:stCxn id="78" idx="3"/>
-            <a:endCxn id="83" idx="1"/>
-          </p:cNvCxnSpPr>
-          <p:nvPr/>
-        </p:nvCxnSpPr>
-        <p:spPr>
-          <a:xfrm>
-            <a:off x="-3790163" y="2384883"/>
-            <a:ext cx="943980" cy="1"/>
-          </a:xfrm>
-          <a:prstGeom prst="straightConnector1">
-            <a:avLst/>
-          </a:prstGeom>
-          <a:ln w="28575">
-            <a:solidFill>
-              <a:schemeClr val="tx1"/>
-            </a:solidFill>
-            <a:prstDash val="sysDash"/>
-            <a:tailEnd type="triangle"/>
-          </a:ln>
-        </p:spPr>
-        <p:style>
-          <a:lnRef idx="1">
-            <a:schemeClr val="accent1"/>
-          </a:lnRef>
-          <a:fillRef idx="0">
-            <a:schemeClr val="accent1"/>
-          </a:fillRef>
-          <a:effectRef idx="0">
-            <a:schemeClr val="accent1"/>
-          </a:effectRef>
-          <a:fontRef idx="minor">
-            <a:schemeClr val="tx1"/>
-          </a:fontRef>
-        </p:style>
-      </p:cxnSp>
-      <p:cxnSp>
-        <p:nvCxnSpPr>
-          <p:cNvPr id="84" name="直接箭头连接符 83"/>
-          <p:cNvCxnSpPr/>
-          <p:nvPr/>
-        </p:nvCxnSpPr>
-        <p:spPr>
-          <a:xfrm>
-            <a:off x="-486105" y="1387900"/>
-            <a:ext cx="943980" cy="1"/>
-          </a:xfrm>
-          <a:prstGeom prst="straightConnector1">
-            <a:avLst/>
-          </a:prstGeom>
-          <a:ln w="28575">
-            <a:solidFill>
-              <a:schemeClr val="tx1"/>
-            </a:solidFill>
-            <a:prstDash val="sysDash"/>
-            <a:tailEnd type="triangle"/>
-          </a:ln>
-        </p:spPr>
-        <p:style>
-          <a:lnRef idx="1">
-            <a:schemeClr val="accent1"/>
-          </a:lnRef>
-          <a:fillRef idx="0">
-            <a:schemeClr val="accent1"/>
-          </a:fillRef>
-          <a:effectRef idx="0">
-            <a:schemeClr val="accent1"/>
-          </a:effectRef>
-          <a:fontRef idx="minor">
-            <a:schemeClr val="tx1"/>
-          </a:fontRef>
-        </p:style>
-      </p:cxnSp>
-      <p:cxnSp>
-        <p:nvCxnSpPr>
-          <p:cNvPr id="86" name="直接箭头连接符 85"/>
-          <p:cNvCxnSpPr/>
-          <p:nvPr/>
-        </p:nvCxnSpPr>
-        <p:spPr>
-          <a:xfrm>
-            <a:off x="-486105" y="1855952"/>
-            <a:ext cx="943980" cy="1"/>
-          </a:xfrm>
-          <a:prstGeom prst="straightConnector1">
-            <a:avLst/>
-          </a:prstGeom>
-          <a:ln w="28575">
-            <a:solidFill>
-              <a:schemeClr val="tx1"/>
-            </a:solidFill>
-            <a:prstDash val="sysDash"/>
-            <a:tailEnd type="triangle"/>
-          </a:ln>
-        </p:spPr>
-        <p:style>
-          <a:lnRef idx="1">
-            <a:schemeClr val="accent1"/>
-          </a:lnRef>
-          <a:fillRef idx="0">
-            <a:schemeClr val="accent1"/>
-          </a:fillRef>
-          <a:effectRef idx="0">
-            <a:schemeClr val="accent1"/>
-          </a:effectRef>
-          <a:fontRef idx="minor">
-            <a:schemeClr val="tx1"/>
-          </a:fontRef>
-        </p:style>
-      </p:cxnSp>
-      <p:cxnSp>
-        <p:nvCxnSpPr>
-          <p:cNvPr id="87" name="直接箭头连接符 86"/>
-          <p:cNvCxnSpPr/>
-          <p:nvPr/>
-        </p:nvCxnSpPr>
-        <p:spPr>
-          <a:xfrm>
-            <a:off x="-486105" y="3473356"/>
-            <a:ext cx="943980" cy="1"/>
-          </a:xfrm>
-          <a:prstGeom prst="straightConnector1">
-            <a:avLst/>
-          </a:prstGeom>
-          <a:ln w="28575">
-            <a:solidFill>
-              <a:schemeClr val="tx1"/>
-            </a:solidFill>
-            <a:prstDash val="sysDash"/>
-            <a:tailEnd type="triangle"/>
-          </a:ln>
-        </p:spPr>
-        <p:style>
-          <a:lnRef idx="1">
-            <a:schemeClr val="accent1"/>
-          </a:lnRef>
-          <a:fillRef idx="0">
-            <a:schemeClr val="accent1"/>
-          </a:fillRef>
-          <a:effectRef idx="0">
-            <a:schemeClr val="accent1"/>
-          </a:effectRef>
-          <a:fontRef idx="minor">
-            <a:schemeClr val="tx1"/>
-          </a:fontRef>
-        </p:style>
-      </p:cxnSp>
-      <p:sp>
-        <p:nvSpPr>
-          <p:cNvPr id="88" name="椭圆 87"/>
-          <p:cNvSpPr/>
-          <p:nvPr/>
-        </p:nvSpPr>
-        <p:spPr>
-          <a:xfrm>
-            <a:off x="-29966" y="1988840"/>
-            <a:ext cx="65462" cy="72008"/>
-          </a:xfrm>
-          <a:prstGeom prst="ellipse">
-            <a:avLst/>
-          </a:prstGeom>
-          <a:solidFill>
-            <a:schemeClr val="tx1"/>
-          </a:solidFill>
-          <a:ln>
-            <a:solidFill>
-              <a:schemeClr val="tx1"/>
-            </a:solidFill>
-          </a:ln>
-        </p:spPr>
-        <p:style>
-          <a:lnRef idx="2">
-            <a:schemeClr val="accent1">
-              <a:shade val="50000"/>
-            </a:schemeClr>
-          </a:lnRef>
-          <a:fillRef idx="1">
-            <a:schemeClr val="accent1"/>
-          </a:fillRef>
-          <a:effectRef idx="0">
-            <a:schemeClr val="accent1"/>
-          </a:effectRef>
-          <a:fontRef idx="minor">
-            <a:schemeClr val="lt1"/>
-          </a:fontRef>
-        </p:style>
-        <p:txBody>
-          <a:bodyPr rtlCol="0" anchor="ctr"/>
-          <a:lstStyle/>
-          <a:p>
-            <a:pPr algn="ctr"/>
-            <a:endParaRPr lang="zh-CN" altLang="en-US"/>
-          </a:p>
-        </p:txBody>
-      </p:sp>
-      <p:sp>
-        <p:nvSpPr>
-          <p:cNvPr id="90" name="椭圆 89"/>
-          <p:cNvSpPr/>
-          <p:nvPr/>
-        </p:nvSpPr>
-        <p:spPr>
-          <a:xfrm>
-            <a:off x="-29966" y="2384884"/>
-            <a:ext cx="65462" cy="72008"/>
-          </a:xfrm>
-          <a:prstGeom prst="ellipse">
-            <a:avLst/>
-          </a:prstGeom>
-          <a:solidFill>
-            <a:schemeClr val="tx1"/>
-          </a:solidFill>
-          <a:ln>
-            <a:solidFill>
-              <a:schemeClr val="tx1"/>
-            </a:solidFill>
-          </a:ln>
-        </p:spPr>
-        <p:style>
-          <a:lnRef idx="2">
-            <a:schemeClr val="accent1">
-              <a:shade val="50000"/>
-            </a:schemeClr>
-          </a:lnRef>
-          <a:fillRef idx="1">
-            <a:schemeClr val="accent1"/>
-          </a:fillRef>
-          <a:effectRef idx="0">
-            <a:schemeClr val="accent1"/>
-          </a:effectRef>
-          <a:fontRef idx="minor">
-            <a:schemeClr val="lt1"/>
-          </a:fontRef>
-        </p:style>
-        <p:txBody>
-          <a:bodyPr rtlCol="0" anchor="ctr"/>
-          <a:lstStyle/>
-          <a:p>
-            <a:pPr algn="ctr"/>
-            <a:endParaRPr lang="zh-CN" altLang="en-US"/>
-          </a:p>
-        </p:txBody>
-      </p:sp>
-      <p:sp>
-        <p:nvSpPr>
-          <p:cNvPr id="94" name="椭圆 93"/>
-          <p:cNvSpPr/>
-          <p:nvPr/>
-        </p:nvSpPr>
-        <p:spPr>
-          <a:xfrm>
-            <a:off x="-29966" y="2780928"/>
-            <a:ext cx="65462" cy="72008"/>
-          </a:xfrm>
-          <a:prstGeom prst="ellipse">
-            <a:avLst/>
-          </a:prstGeom>
-          <a:solidFill>
-            <a:schemeClr val="tx1"/>
-          </a:solidFill>
-          <a:ln>
-            <a:solidFill>
-              <a:schemeClr val="tx1"/>
-            </a:solidFill>
-          </a:ln>
-        </p:spPr>
-        <p:style>
-          <a:lnRef idx="2">
-            <a:schemeClr val="accent1">
-              <a:shade val="50000"/>
-            </a:schemeClr>
-          </a:lnRef>
-          <a:fillRef idx="1">
-            <a:schemeClr val="accent1"/>
-          </a:fillRef>
-          <a:effectRef idx="0">
-            <a:schemeClr val="accent1"/>
-          </a:effectRef>
-          <a:fontRef idx="minor">
-            <a:schemeClr val="lt1"/>
-          </a:fontRef>
-        </p:style>
-        <p:txBody>
-          <a:bodyPr rtlCol="0" anchor="ctr"/>
-          <a:lstStyle/>
-          <a:p>
-            <a:pPr algn="ctr"/>
-            <a:endParaRPr lang="zh-CN" altLang="en-US"/>
-          </a:p>
-        </p:txBody>
-      </p:sp>
-      <p:sp>
-        <p:nvSpPr>
-          <p:cNvPr id="96" name="TextBox 101"/>
-          <p:cNvSpPr txBox="1"/>
-          <p:nvPr/>
-        </p:nvSpPr>
-        <p:spPr>
-          <a:xfrm>
-            <a:off x="-1610772" y="4671967"/>
-            <a:ext cx="3021286" cy="369332"/>
-          </a:xfrm>
-          <a:prstGeom prst="rect">
-            <a:avLst/>
-          </a:prstGeom>
-          <a:noFill/>
-        </p:spPr>
-        <p:txBody>
-          <a:bodyPr wrap="square" rtlCol="0">
-            <a:spAutoFit/>
-          </a:bodyPr>
-          <a:lstStyle/>
-          <a:p>
-            <a:pPr algn="ctr"/>
-            <a:r>
-              <a:rPr lang="en-US" altLang="zh-CN" dirty="0" smtClean="0"/>
-              <a:t>SYNCHRONOUS CLK</a:t>
-            </a:r>
-            <a:endParaRPr lang="zh-CN" altLang="en-US" dirty="0"/>
-          </a:p>
-        </p:txBody>
-      </p:sp>
-    </p:spTree>
-    <p:extLst>
-      <p:ext uri="{BB962C8B-B14F-4D97-AF65-F5344CB8AC3E}">
-        <p14:creationId xmlns:p14="http://schemas.microsoft.com/office/powerpoint/2010/main" val="2692375616"/>
-      </p:ext>
-    </p:extLst>
-  </p:cSld>
-  <p:clrMapOvr>
-    <a:masterClrMapping/>
-  </p:clrMapOvr>
-</p:sld>
-</file>
-
-<file path=ppt/slides/slide2.xml><?xml version="1.0" encoding="utf-8"?>
-<p:sld xmlns:a="http://schemas.openxmlformats.org/drawingml/2006/main" xmlns:r="http://schemas.openxmlformats.org/officeDocument/2006/relationships" xmlns:p="http://schemas.openxmlformats.org/presentationml/2006/main">
-  <p:cSld>
-    <p:spTree>
-      <p:nvGrpSpPr>
-        <p:cNvPr id="1" name=""/>
-        <p:cNvGrpSpPr/>
-        <p:nvPr/>
-      </p:nvGrpSpPr>
-      <p:grpSpPr>
-        <a:xfrm>
-          <a:off x="0" y="0"/>
-          <a:ext cx="0" cy="0"/>
-          <a:chOff x="0" y="0"/>
-          <a:chExt cx="0" cy="0"/>
-        </a:xfrm>
-      </p:grpSpPr>
-      <p:grpSp>
-        <p:nvGrpSpPr>
-          <p:cNvPr id="2" name="组合 1"/>
-          <p:cNvGrpSpPr/>
-          <p:nvPr/>
-        </p:nvGrpSpPr>
-        <p:grpSpPr>
-          <a:xfrm>
-            <a:off x="-4156323" y="-243408"/>
-            <a:ext cx="18233379" cy="8078732"/>
-            <a:chOff x="-4156323" y="-243408"/>
-            <a:chExt cx="18233379" cy="8078732"/>
-          </a:xfrm>
-        </p:grpSpPr>
-        <p:sp>
-          <p:nvSpPr>
-            <p:cNvPr id="4" name="圆角矩形 3"/>
-            <p:cNvSpPr/>
-            <p:nvPr/>
-          </p:nvSpPr>
-          <p:spPr>
-            <a:xfrm>
-              <a:off x="-1980728" y="-243408"/>
-              <a:ext cx="13681520" cy="7101408"/>
-            </a:xfrm>
-            <a:prstGeom prst="roundRect">
-              <a:avLst/>
-            </a:prstGeom>
-            <a:noFill/>
-            <a:ln>
-              <a:solidFill>
-                <a:schemeClr val="tx1"/>
-              </a:solidFill>
-              <a:prstDash val="sysDash"/>
-            </a:ln>
-          </p:spPr>
-          <p:style>
-            <a:lnRef idx="2">
-              <a:schemeClr val="accent1">
-                <a:shade val="50000"/>
-              </a:schemeClr>
-            </a:lnRef>
-            <a:fillRef idx="1">
-              <a:schemeClr val="accent1"/>
-            </a:fillRef>
-            <a:effectRef idx="0">
-              <a:schemeClr val="accent1"/>
-            </a:effectRef>
-            <a:fontRef idx="minor">
-              <a:schemeClr val="lt1"/>
-            </a:fontRef>
-          </p:style>
-          <p:txBody>
-            <a:bodyPr rtlCol="0" anchor="ctr"/>
-            <a:lstStyle/>
-            <a:p>
-              <a:pPr algn="ctr"/>
-              <a:endParaRPr lang="zh-CN" altLang="en-US"/>
-            </a:p>
-          </p:txBody>
-        </p:sp>
-        <p:sp>
-          <p:nvSpPr>
-            <p:cNvPr id="5" name="矩形 4"/>
-            <p:cNvSpPr/>
-            <p:nvPr/>
-          </p:nvSpPr>
-          <p:spPr>
-            <a:xfrm>
-              <a:off x="-612576" y="980728"/>
-              <a:ext cx="1224136" cy="2808312"/>
-            </a:xfrm>
-            <a:prstGeom prst="rect">
-              <a:avLst/>
-            </a:prstGeom>
-            <a:noFill/>
-            <a:ln>
-              <a:solidFill>
-                <a:schemeClr val="tx1"/>
-              </a:solidFill>
-            </a:ln>
-          </p:spPr>
-          <p:style>
-            <a:lnRef idx="2">
-              <a:schemeClr val="accent1">
-                <a:shade val="50000"/>
-              </a:schemeClr>
-            </a:lnRef>
-            <a:fillRef idx="1">
-              <a:schemeClr val="accent1"/>
-            </a:fillRef>
-            <a:effectRef idx="0">
-              <a:schemeClr val="accent1"/>
-            </a:effectRef>
-            <a:fontRef idx="minor">
-              <a:schemeClr val="lt1"/>
-            </a:fontRef>
-          </p:style>
-          <p:txBody>
-            <a:bodyPr rtlCol="0" anchor="ctr"/>
-            <a:lstStyle/>
-            <a:p>
-              <a:pPr algn="ctr"/>
-              <a:r>
-                <a:rPr lang="en-US" altLang="zh-CN" dirty="0" smtClean="0">
-                  <a:solidFill>
-                    <a:schemeClr val="tx1"/>
-                  </a:solidFill>
-                </a:rPr>
-                <a:t>IODELAY2</a:t>
-              </a:r>
-              <a:endParaRPr lang="zh-CN" altLang="en-US" dirty="0">
-                <a:solidFill>
-                  <a:schemeClr val="tx1"/>
-                </a:solidFill>
-              </a:endParaRPr>
-            </a:p>
-          </p:txBody>
-        </p:sp>
         <p:cxnSp>
           <p:nvCxnSpPr>
-            <p:cNvPr id="6" name="直接箭头连接符 5"/>
+            <p:cNvPr id="7" name="直接箭头连接符 6"/>
             <p:cNvCxnSpPr/>
             <p:nvPr/>
           </p:nvCxnSpPr>
           <p:spPr>
             <a:xfrm>
-              <a:off x="-2556792" y="1376772"/>
+              <a:off x="1107739" y="1376772"/>
               <a:ext cx="1944216" cy="0"/>
             </a:xfrm>
             <a:prstGeom prst="straightConnector1">
@@ -4839,13 +3164,13 @@
         </p:cxnSp>
         <p:sp>
           <p:nvSpPr>
-            <p:cNvPr id="7" name="椭圆 6"/>
+            <p:cNvPr id="8" name="椭圆 7"/>
             <p:cNvSpPr/>
             <p:nvPr/>
           </p:nvSpPr>
           <p:spPr>
             <a:xfrm>
-              <a:off x="-1614142" y="1988840"/>
+              <a:off x="2050389" y="1988840"/>
               <a:ext cx="65462" cy="72008"/>
             </a:xfrm>
             <a:prstGeom prst="ellipse">
@@ -4887,13 +3212,13 @@
         </p:sp>
         <p:sp>
           <p:nvSpPr>
-            <p:cNvPr id="8" name="椭圆 7"/>
+            <p:cNvPr id="10" name="椭圆 9"/>
             <p:cNvSpPr/>
             <p:nvPr/>
           </p:nvSpPr>
           <p:spPr>
             <a:xfrm>
-              <a:off x="-1614142" y="2384884"/>
+              <a:off x="2050389" y="2384884"/>
               <a:ext cx="65462" cy="72008"/>
             </a:xfrm>
             <a:prstGeom prst="ellipse">
@@ -4935,13 +3260,13 @@
         </p:sp>
         <p:sp>
           <p:nvSpPr>
-            <p:cNvPr id="9" name="椭圆 8"/>
+            <p:cNvPr id="11" name="椭圆 10"/>
             <p:cNvSpPr/>
             <p:nvPr/>
           </p:nvSpPr>
           <p:spPr>
             <a:xfrm>
-              <a:off x="-1614142" y="2780928"/>
+              <a:off x="2050389" y="2780928"/>
               <a:ext cx="65462" cy="72008"/>
             </a:xfrm>
             <a:prstGeom prst="ellipse">
@@ -4983,13 +3308,13 @@
         </p:sp>
         <p:cxnSp>
           <p:nvCxnSpPr>
-            <p:cNvPr id="10" name="直接箭头连接符 9"/>
+            <p:cNvPr id="13" name="直接箭头连接符 12"/>
             <p:cNvCxnSpPr/>
             <p:nvPr/>
           </p:nvCxnSpPr>
           <p:spPr>
             <a:xfrm>
-              <a:off x="-2564668" y="3465004"/>
+              <a:off x="1099863" y="3465004"/>
               <a:ext cx="1944216" cy="0"/>
             </a:xfrm>
             <a:prstGeom prst="straightConnector1">
@@ -5019,13 +3344,13 @@
         </p:cxnSp>
         <p:sp>
           <p:nvSpPr>
-            <p:cNvPr id="11" name="TextBox 13"/>
+            <p:cNvPr id="14" name="TextBox 13"/>
             <p:cNvSpPr txBox="1"/>
             <p:nvPr/>
           </p:nvSpPr>
           <p:spPr>
             <a:xfrm>
-              <a:off x="-2078161" y="947500"/>
+              <a:off x="1586370" y="947500"/>
               <a:ext cx="993500" cy="369332"/>
             </a:xfrm>
             <a:prstGeom prst="rect">
@@ -5050,13 +3375,13 @@
         </p:sp>
         <p:sp>
           <p:nvSpPr>
-            <p:cNvPr id="12" name="TextBox 14"/>
+            <p:cNvPr id="15" name="TextBox 14"/>
             <p:cNvSpPr txBox="1"/>
             <p:nvPr/>
           </p:nvSpPr>
           <p:spPr>
             <a:xfrm>
-              <a:off x="-2089310" y="3062136"/>
+              <a:off x="1575221" y="3062136"/>
               <a:ext cx="993500" cy="369332"/>
             </a:xfrm>
             <a:prstGeom prst="rect">
@@ -5079,73 +3404,15 @@
             </a:p>
           </p:txBody>
         </p:sp>
-        <p:sp>
-          <p:nvSpPr>
-            <p:cNvPr id="13" name="矩形 12"/>
-            <p:cNvSpPr/>
-            <p:nvPr/>
-          </p:nvSpPr>
-          <p:spPr>
-            <a:xfrm>
-              <a:off x="1518882" y="980728"/>
-              <a:ext cx="1224136" cy="2808312"/>
-            </a:xfrm>
-            <a:prstGeom prst="rect">
-              <a:avLst/>
-            </a:prstGeom>
-            <a:noFill/>
-            <a:ln>
-              <a:solidFill>
-                <a:schemeClr val="tx1"/>
-              </a:solidFill>
-            </a:ln>
-          </p:spPr>
-          <p:style>
-            <a:lnRef idx="2">
-              <a:schemeClr val="accent1">
-                <a:shade val="50000"/>
-              </a:schemeClr>
-            </a:lnRef>
-            <a:fillRef idx="1">
-              <a:schemeClr val="accent1"/>
-            </a:fillRef>
-            <a:effectRef idx="0">
-              <a:schemeClr val="accent1"/>
-            </a:effectRef>
-            <a:fontRef idx="minor">
-              <a:schemeClr val="lt1"/>
-            </a:fontRef>
-          </p:style>
-          <p:txBody>
-            <a:bodyPr rtlCol="0" anchor="ctr"/>
-            <a:lstStyle/>
-            <a:p>
-              <a:pPr algn="ctr"/>
-              <a:r>
-                <a:rPr lang="en-US" altLang="zh-CN" dirty="0" smtClean="0">
-                  <a:solidFill>
-                    <a:schemeClr val="tx1"/>
-                  </a:solidFill>
-                </a:rPr>
-                <a:t>PULSE SHAPING</a:t>
-              </a:r>
-              <a:endParaRPr lang="zh-CN" altLang="en-US" dirty="0">
-                <a:solidFill>
-                  <a:schemeClr val="tx1"/>
-                </a:solidFill>
-              </a:endParaRPr>
-            </a:p>
-          </p:txBody>
-        </p:sp>
         <p:cxnSp>
           <p:nvCxnSpPr>
-            <p:cNvPr id="14" name="直接箭头连接符 13"/>
+            <p:cNvPr id="35" name="直接箭头连接符 34"/>
             <p:cNvCxnSpPr/>
             <p:nvPr/>
           </p:nvCxnSpPr>
           <p:spPr>
             <a:xfrm>
-              <a:off x="-2556792" y="1806044"/>
+              <a:off x="1107739" y="1806044"/>
               <a:ext cx="1944216" cy="0"/>
             </a:xfrm>
             <a:prstGeom prst="straightConnector1">
@@ -5175,13 +3442,13 @@
         </p:cxnSp>
         <p:sp>
           <p:nvSpPr>
-            <p:cNvPr id="15" name="TextBox 35"/>
+            <p:cNvPr id="36" name="TextBox 35"/>
             <p:cNvSpPr txBox="1"/>
             <p:nvPr/>
           </p:nvSpPr>
           <p:spPr>
             <a:xfrm>
-              <a:off x="-2078161" y="1376772"/>
+              <a:off x="1586370" y="1376772"/>
               <a:ext cx="993500" cy="369332"/>
             </a:xfrm>
             <a:prstGeom prst="rect">
@@ -5204,758 +3471,23 @@
             </a:p>
           </p:txBody>
         </p:sp>
-        <p:sp>
-          <p:nvSpPr>
-            <p:cNvPr id="16" name="右箭头 15"/>
-            <p:cNvSpPr/>
-            <p:nvPr/>
-          </p:nvSpPr>
-          <p:spPr>
-            <a:xfrm>
-              <a:off x="603267" y="2132856"/>
-              <a:ext cx="907322" cy="576064"/>
-            </a:xfrm>
-            <a:prstGeom prst="rightArrow">
-              <a:avLst/>
-            </a:prstGeom>
-            <a:noFill/>
-            <a:ln>
-              <a:solidFill>
-                <a:schemeClr val="tx1"/>
-              </a:solidFill>
-            </a:ln>
-          </p:spPr>
-          <p:style>
-            <a:lnRef idx="2">
-              <a:schemeClr val="accent1">
-                <a:shade val="50000"/>
-              </a:schemeClr>
-            </a:lnRef>
-            <a:fillRef idx="1">
-              <a:schemeClr val="accent1"/>
-            </a:fillRef>
-            <a:effectRef idx="0">
-              <a:schemeClr val="accent1"/>
-            </a:effectRef>
-            <a:fontRef idx="minor">
-              <a:schemeClr val="lt1"/>
-            </a:fontRef>
-          </p:style>
-          <p:txBody>
-            <a:bodyPr rtlCol="0" anchor="ctr"/>
-            <a:lstStyle/>
-            <a:p>
-              <a:pPr algn="ctr"/>
-              <a:endParaRPr lang="zh-CN" altLang="en-US"/>
-            </a:p>
-          </p:txBody>
-        </p:sp>
-        <p:sp>
-          <p:nvSpPr>
-            <p:cNvPr id="17" name="矩形 16"/>
-            <p:cNvSpPr/>
-            <p:nvPr/>
-          </p:nvSpPr>
-          <p:spPr>
-            <a:xfrm>
-              <a:off x="6204925" y="1001988"/>
-              <a:ext cx="1872208" cy="2787052"/>
-            </a:xfrm>
-            <a:prstGeom prst="rect">
-              <a:avLst/>
-            </a:prstGeom>
-            <a:noFill/>
-            <a:ln>
-              <a:solidFill>
-                <a:schemeClr val="tx1"/>
-              </a:solidFill>
-            </a:ln>
-          </p:spPr>
-          <p:style>
-            <a:lnRef idx="2">
-              <a:schemeClr val="accent1">
-                <a:shade val="50000"/>
-              </a:schemeClr>
-            </a:lnRef>
-            <a:fillRef idx="1">
-              <a:schemeClr val="accent1"/>
-            </a:fillRef>
-            <a:effectRef idx="0">
-              <a:schemeClr val="accent1"/>
-            </a:effectRef>
-            <a:fontRef idx="minor">
-              <a:schemeClr val="lt1"/>
-            </a:fontRef>
-          </p:style>
-          <p:txBody>
-            <a:bodyPr rtlCol="0" anchor="ctr"/>
-            <a:lstStyle/>
-            <a:p>
-              <a:pPr algn="ctr"/>
-              <a:r>
-                <a:rPr lang="en-US" altLang="zh-CN" dirty="0" smtClean="0">
-                  <a:solidFill>
-                    <a:schemeClr val="tx1"/>
-                  </a:solidFill>
-                </a:rPr>
-                <a:t>COINCIDENCE LOGIC</a:t>
-              </a:r>
-              <a:endParaRPr lang="zh-CN" altLang="en-US" dirty="0">
-                <a:solidFill>
-                  <a:schemeClr val="tx1"/>
-                </a:solidFill>
-              </a:endParaRPr>
-            </a:p>
-          </p:txBody>
-        </p:sp>
-        <p:sp>
-          <p:nvSpPr>
-            <p:cNvPr id="18" name="右箭头 17"/>
-            <p:cNvSpPr/>
-            <p:nvPr/>
-          </p:nvSpPr>
-          <p:spPr>
-            <a:xfrm>
-              <a:off x="2766011" y="1252146"/>
-              <a:ext cx="941893" cy="576064"/>
-            </a:xfrm>
-            <a:prstGeom prst="rightArrow">
-              <a:avLst/>
-            </a:prstGeom>
-            <a:noFill/>
-            <a:ln>
-              <a:solidFill>
-                <a:schemeClr val="tx1"/>
-              </a:solidFill>
-            </a:ln>
-          </p:spPr>
-          <p:style>
-            <a:lnRef idx="2">
-              <a:schemeClr val="accent1">
-                <a:shade val="50000"/>
-              </a:schemeClr>
-            </a:lnRef>
-            <a:fillRef idx="1">
-              <a:schemeClr val="accent1"/>
-            </a:fillRef>
-            <a:effectRef idx="0">
-              <a:schemeClr val="accent1"/>
-            </a:effectRef>
-            <a:fontRef idx="minor">
-              <a:schemeClr val="lt1"/>
-            </a:fontRef>
-          </p:style>
-          <p:txBody>
-            <a:bodyPr rtlCol="0" anchor="ctr"/>
-            <a:lstStyle/>
-            <a:p>
-              <a:pPr algn="ctr"/>
-              <a:endParaRPr lang="zh-CN" altLang="en-US"/>
-            </a:p>
-          </p:txBody>
-        </p:sp>
-        <p:sp>
-          <p:nvSpPr>
-            <p:cNvPr id="19" name="矩形 18"/>
-            <p:cNvSpPr/>
-            <p:nvPr/>
-          </p:nvSpPr>
-          <p:spPr>
-            <a:xfrm>
-              <a:off x="3707904" y="980728"/>
-              <a:ext cx="1872208" cy="1118900"/>
-            </a:xfrm>
-            <a:prstGeom prst="rect">
-              <a:avLst/>
-            </a:prstGeom>
-            <a:noFill/>
-            <a:ln>
-              <a:solidFill>
-                <a:schemeClr val="tx1"/>
-              </a:solidFill>
-            </a:ln>
-          </p:spPr>
-          <p:style>
-            <a:lnRef idx="2">
-              <a:schemeClr val="accent1">
-                <a:shade val="50000"/>
-              </a:schemeClr>
-            </a:lnRef>
-            <a:fillRef idx="1">
-              <a:schemeClr val="accent1"/>
-            </a:fillRef>
-            <a:effectRef idx="0">
-              <a:schemeClr val="accent1"/>
-            </a:effectRef>
-            <a:fontRef idx="minor">
-              <a:schemeClr val="lt1"/>
-            </a:fontRef>
-          </p:style>
-          <p:txBody>
-            <a:bodyPr rtlCol="0" anchor="ctr"/>
-            <a:lstStyle/>
-            <a:p>
-              <a:pPr algn="ctr"/>
-              <a:r>
-                <a:rPr lang="en-US" altLang="zh-CN" dirty="0" smtClean="0">
-                  <a:solidFill>
-                    <a:schemeClr val="tx1"/>
-                  </a:solidFill>
-                </a:rPr>
-                <a:t>Register</a:t>
-              </a:r>
-              <a:endParaRPr lang="zh-CN" altLang="en-US" dirty="0">
-                <a:solidFill>
-                  <a:schemeClr val="tx1"/>
-                </a:solidFill>
-              </a:endParaRPr>
-            </a:p>
-          </p:txBody>
-        </p:sp>
-        <p:grpSp>
-          <p:nvGrpSpPr>
-            <p:cNvPr id="20" name="组合 19"/>
-            <p:cNvGrpSpPr/>
-            <p:nvPr/>
-          </p:nvGrpSpPr>
-          <p:grpSpPr>
-            <a:xfrm>
-              <a:off x="-1548680" y="216024"/>
-              <a:ext cx="881150" cy="404664"/>
-              <a:chOff x="-3348880" y="-84743"/>
-              <a:chExt cx="1368152" cy="484666"/>
-            </a:xfrm>
-          </p:grpSpPr>
-          <p:cxnSp>
-            <p:nvCxnSpPr>
-              <p:cNvPr id="21" name="肘形连接符 20"/>
-              <p:cNvCxnSpPr/>
-              <p:nvPr/>
-            </p:nvCxnSpPr>
-            <p:spPr>
-              <a:xfrm flipV="1">
-                <a:off x="-3348880" y="-84743"/>
-                <a:ext cx="576064" cy="484666"/>
-              </a:xfrm>
-              <a:prstGeom prst="bentConnector3">
-                <a:avLst/>
-              </a:prstGeom>
-              <a:ln w="19050">
-                <a:solidFill>
-                  <a:schemeClr val="tx1"/>
-                </a:solidFill>
-              </a:ln>
-            </p:spPr>
-            <p:style>
-              <a:lnRef idx="1">
-                <a:schemeClr val="accent1"/>
-              </a:lnRef>
-              <a:fillRef idx="0">
-                <a:schemeClr val="accent1"/>
-              </a:fillRef>
-              <a:effectRef idx="0">
-                <a:schemeClr val="accent1"/>
-              </a:effectRef>
-              <a:fontRef idx="minor">
-                <a:schemeClr val="tx1"/>
-              </a:fontRef>
-            </p:style>
-          </p:cxnSp>
-          <p:cxnSp>
-            <p:nvCxnSpPr>
-              <p:cNvPr id="22" name="肘形连接符 21"/>
-              <p:cNvCxnSpPr/>
-              <p:nvPr/>
-            </p:nvCxnSpPr>
-            <p:spPr>
-              <a:xfrm>
-                <a:off x="-2772816" y="-84743"/>
-                <a:ext cx="792088" cy="484666"/>
-              </a:xfrm>
-              <a:prstGeom prst="bentConnector3">
-                <a:avLst>
-                  <a:gd name="adj1" fmla="val 39814"/>
-                </a:avLst>
-              </a:prstGeom>
-              <a:ln w="19050">
-                <a:solidFill>
-                  <a:schemeClr val="tx1"/>
-                </a:solidFill>
-              </a:ln>
-            </p:spPr>
-            <p:style>
-              <a:lnRef idx="1">
-                <a:schemeClr val="accent1"/>
-              </a:lnRef>
-              <a:fillRef idx="0">
-                <a:schemeClr val="accent1"/>
-              </a:fillRef>
-              <a:effectRef idx="0">
-                <a:schemeClr val="accent1"/>
-              </a:effectRef>
-              <a:fontRef idx="minor">
-                <a:schemeClr val="tx1"/>
-              </a:fontRef>
-            </p:style>
-          </p:cxnSp>
-        </p:grpSp>
-        <p:grpSp>
-          <p:nvGrpSpPr>
-            <p:cNvPr id="23" name="组合 22"/>
-            <p:cNvGrpSpPr/>
-            <p:nvPr/>
-          </p:nvGrpSpPr>
-          <p:grpSpPr>
-            <a:xfrm>
-              <a:off x="-1548680" y="829290"/>
-              <a:ext cx="881150" cy="367462"/>
-              <a:chOff x="-3348880" y="647500"/>
-              <a:chExt cx="1368152" cy="484666"/>
-            </a:xfrm>
-          </p:grpSpPr>
-          <p:cxnSp>
-            <p:nvCxnSpPr>
-              <p:cNvPr id="24" name="肘形连接符 23"/>
-              <p:cNvCxnSpPr/>
-              <p:nvPr/>
-            </p:nvCxnSpPr>
-            <p:spPr>
-              <a:xfrm flipV="1">
-                <a:off x="-3348880" y="647500"/>
-                <a:ext cx="576064" cy="484666"/>
-              </a:xfrm>
-              <a:prstGeom prst="bentConnector3">
-                <a:avLst>
-                  <a:gd name="adj1" fmla="val 80346"/>
-                </a:avLst>
-              </a:prstGeom>
-              <a:ln w="19050">
-                <a:solidFill>
-                  <a:schemeClr val="tx1"/>
-                </a:solidFill>
-              </a:ln>
-            </p:spPr>
-            <p:style>
-              <a:lnRef idx="1">
-                <a:schemeClr val="accent1"/>
-              </a:lnRef>
-              <a:fillRef idx="0">
-                <a:schemeClr val="accent1"/>
-              </a:fillRef>
-              <a:effectRef idx="0">
-                <a:schemeClr val="accent1"/>
-              </a:effectRef>
-              <a:fontRef idx="minor">
-                <a:schemeClr val="tx1"/>
-              </a:fontRef>
-            </p:style>
-          </p:cxnSp>
-          <p:cxnSp>
-            <p:nvCxnSpPr>
-              <p:cNvPr id="25" name="肘形连接符 24"/>
-              <p:cNvCxnSpPr/>
-              <p:nvPr/>
-            </p:nvCxnSpPr>
-            <p:spPr>
-              <a:xfrm>
-                <a:off x="-2772816" y="647500"/>
-                <a:ext cx="792088" cy="484666"/>
-              </a:xfrm>
-              <a:prstGeom prst="bentConnector3">
-                <a:avLst>
-                  <a:gd name="adj1" fmla="val 61883"/>
-                </a:avLst>
-              </a:prstGeom>
-              <a:ln w="19050">
-                <a:solidFill>
-                  <a:schemeClr val="tx1"/>
-                </a:solidFill>
-              </a:ln>
-            </p:spPr>
-            <p:style>
-              <a:lnRef idx="1">
-                <a:schemeClr val="accent1"/>
-              </a:lnRef>
-              <a:fillRef idx="0">
-                <a:schemeClr val="accent1"/>
-              </a:fillRef>
-              <a:effectRef idx="0">
-                <a:schemeClr val="accent1"/>
-              </a:effectRef>
-              <a:fontRef idx="minor">
-                <a:schemeClr val="tx1"/>
-              </a:fontRef>
-            </p:style>
-          </p:cxnSp>
-        </p:grpSp>
-        <p:grpSp>
-          <p:nvGrpSpPr>
-            <p:cNvPr id="26" name="组合 25"/>
-            <p:cNvGrpSpPr/>
-            <p:nvPr/>
-          </p:nvGrpSpPr>
-          <p:grpSpPr>
-            <a:xfrm>
-              <a:off x="662793" y="188640"/>
-              <a:ext cx="881150" cy="404664"/>
-              <a:chOff x="-3348880" y="-84743"/>
-              <a:chExt cx="1368152" cy="484666"/>
-            </a:xfrm>
-          </p:grpSpPr>
-          <p:cxnSp>
-            <p:nvCxnSpPr>
-              <p:cNvPr id="27" name="肘形连接符 26"/>
-              <p:cNvCxnSpPr/>
-              <p:nvPr/>
-            </p:nvCxnSpPr>
-            <p:spPr>
-              <a:xfrm flipV="1">
-                <a:off x="-3348880" y="-84743"/>
-                <a:ext cx="576064" cy="484666"/>
-              </a:xfrm>
-              <a:prstGeom prst="bentConnector3">
-                <a:avLst/>
-              </a:prstGeom>
-              <a:ln w="19050">
-                <a:solidFill>
-                  <a:schemeClr val="tx1"/>
-                </a:solidFill>
-              </a:ln>
-            </p:spPr>
-            <p:style>
-              <a:lnRef idx="1">
-                <a:schemeClr val="accent1"/>
-              </a:lnRef>
-              <a:fillRef idx="0">
-                <a:schemeClr val="accent1"/>
-              </a:fillRef>
-              <a:effectRef idx="0">
-                <a:schemeClr val="accent1"/>
-              </a:effectRef>
-              <a:fontRef idx="minor">
-                <a:schemeClr val="tx1"/>
-              </a:fontRef>
-            </p:style>
-          </p:cxnSp>
-          <p:cxnSp>
-            <p:nvCxnSpPr>
-              <p:cNvPr id="28" name="肘形连接符 27"/>
-              <p:cNvCxnSpPr/>
-              <p:nvPr/>
-            </p:nvCxnSpPr>
-            <p:spPr>
-              <a:xfrm>
-                <a:off x="-2772816" y="-84743"/>
-                <a:ext cx="792088" cy="484666"/>
-              </a:xfrm>
-              <a:prstGeom prst="bentConnector3">
-                <a:avLst>
-                  <a:gd name="adj1" fmla="val 39814"/>
-                </a:avLst>
-              </a:prstGeom>
-              <a:ln w="19050">
-                <a:solidFill>
-                  <a:schemeClr val="tx1"/>
-                </a:solidFill>
-              </a:ln>
-            </p:spPr>
-            <p:style>
-              <a:lnRef idx="1">
-                <a:schemeClr val="accent1"/>
-              </a:lnRef>
-              <a:fillRef idx="0">
-                <a:schemeClr val="accent1"/>
-              </a:fillRef>
-              <a:effectRef idx="0">
-                <a:schemeClr val="accent1"/>
-              </a:effectRef>
-              <a:fontRef idx="minor">
-                <a:schemeClr val="tx1"/>
-              </a:fontRef>
-            </p:style>
-          </p:cxnSp>
-        </p:grpSp>
-        <p:grpSp>
-          <p:nvGrpSpPr>
-            <p:cNvPr id="29" name="组合 28"/>
-            <p:cNvGrpSpPr/>
-            <p:nvPr/>
-          </p:nvGrpSpPr>
-          <p:grpSpPr>
-            <a:xfrm>
-              <a:off x="662793" y="778396"/>
-              <a:ext cx="881150" cy="404664"/>
-              <a:chOff x="-3348880" y="-84743"/>
-              <a:chExt cx="1368152" cy="484666"/>
-            </a:xfrm>
-          </p:grpSpPr>
-          <p:cxnSp>
-            <p:nvCxnSpPr>
-              <p:cNvPr id="30" name="肘形连接符 29"/>
-              <p:cNvCxnSpPr/>
-              <p:nvPr/>
-            </p:nvCxnSpPr>
-            <p:spPr>
-              <a:xfrm flipV="1">
-                <a:off x="-3348880" y="-84743"/>
-                <a:ext cx="576064" cy="484666"/>
-              </a:xfrm>
-              <a:prstGeom prst="bentConnector3">
-                <a:avLst/>
-              </a:prstGeom>
-              <a:ln w="19050">
-                <a:solidFill>
-                  <a:schemeClr val="tx1"/>
-                </a:solidFill>
-              </a:ln>
-            </p:spPr>
-            <p:style>
-              <a:lnRef idx="1">
-                <a:schemeClr val="accent1"/>
-              </a:lnRef>
-              <a:fillRef idx="0">
-                <a:schemeClr val="accent1"/>
-              </a:fillRef>
-              <a:effectRef idx="0">
-                <a:schemeClr val="accent1"/>
-              </a:effectRef>
-              <a:fontRef idx="minor">
-                <a:schemeClr val="tx1"/>
-              </a:fontRef>
-            </p:style>
-          </p:cxnSp>
-          <p:cxnSp>
-            <p:nvCxnSpPr>
-              <p:cNvPr id="31" name="肘形连接符 30"/>
-              <p:cNvCxnSpPr/>
-              <p:nvPr/>
-            </p:nvCxnSpPr>
-            <p:spPr>
-              <a:xfrm>
-                <a:off x="-2772816" y="-84743"/>
-                <a:ext cx="792088" cy="484666"/>
-              </a:xfrm>
-              <a:prstGeom prst="bentConnector3">
-                <a:avLst>
-                  <a:gd name="adj1" fmla="val 39814"/>
-                </a:avLst>
-              </a:prstGeom>
-              <a:ln w="19050">
-                <a:solidFill>
-                  <a:schemeClr val="tx1"/>
-                </a:solidFill>
-              </a:ln>
-            </p:spPr>
-            <p:style>
-              <a:lnRef idx="1">
-                <a:schemeClr val="accent1"/>
-              </a:lnRef>
-              <a:fillRef idx="0">
-                <a:schemeClr val="accent1"/>
-              </a:fillRef>
-              <a:effectRef idx="0">
-                <a:schemeClr val="accent1"/>
-              </a:effectRef>
-              <a:fontRef idx="minor">
-                <a:schemeClr val="tx1"/>
-              </a:fontRef>
-            </p:style>
-          </p:cxnSp>
-        </p:grpSp>
-        <p:grpSp>
-          <p:nvGrpSpPr>
-            <p:cNvPr id="32" name="组合 31"/>
-            <p:cNvGrpSpPr/>
-            <p:nvPr/>
-          </p:nvGrpSpPr>
-          <p:grpSpPr>
-            <a:xfrm>
-              <a:off x="2725143" y="156277"/>
-              <a:ext cx="881150" cy="404664"/>
-              <a:chOff x="2740660" y="144016"/>
-              <a:chExt cx="881150" cy="404664"/>
-            </a:xfrm>
-          </p:grpSpPr>
-          <p:cxnSp>
-            <p:nvCxnSpPr>
-              <p:cNvPr id="33" name="肘形连接符 32"/>
-              <p:cNvCxnSpPr/>
-              <p:nvPr/>
-            </p:nvCxnSpPr>
-            <p:spPr>
-              <a:xfrm flipV="1">
-                <a:off x="2740660" y="144016"/>
-                <a:ext cx="371011" cy="404664"/>
-              </a:xfrm>
-              <a:prstGeom prst="bentConnector3">
-                <a:avLst>
-                  <a:gd name="adj1" fmla="val 93033"/>
-                </a:avLst>
-              </a:prstGeom>
-              <a:ln w="19050">
-                <a:solidFill>
-                  <a:schemeClr val="tx1"/>
-                </a:solidFill>
-              </a:ln>
-            </p:spPr>
-            <p:style>
-              <a:lnRef idx="1">
-                <a:schemeClr val="accent1"/>
-              </a:lnRef>
-              <a:fillRef idx="0">
-                <a:schemeClr val="accent1"/>
-              </a:fillRef>
-              <a:effectRef idx="0">
-                <a:schemeClr val="accent1"/>
-              </a:effectRef>
-              <a:fontRef idx="minor">
-                <a:schemeClr val="tx1"/>
-              </a:fontRef>
-            </p:style>
-          </p:cxnSp>
-          <p:cxnSp>
-            <p:nvCxnSpPr>
-              <p:cNvPr id="34" name="肘形连接符 33"/>
-              <p:cNvCxnSpPr/>
-              <p:nvPr/>
-            </p:nvCxnSpPr>
-            <p:spPr>
-              <a:xfrm>
-                <a:off x="3111671" y="144016"/>
-                <a:ext cx="510139" cy="404664"/>
-              </a:xfrm>
-              <a:prstGeom prst="bentConnector3">
-                <a:avLst>
-                  <a:gd name="adj1" fmla="val 39814"/>
-                </a:avLst>
-              </a:prstGeom>
-              <a:ln w="19050">
-                <a:solidFill>
-                  <a:schemeClr val="tx1"/>
-                </a:solidFill>
-              </a:ln>
-            </p:spPr>
-            <p:style>
-              <a:lnRef idx="1">
-                <a:schemeClr val="accent1"/>
-              </a:lnRef>
-              <a:fillRef idx="0">
-                <a:schemeClr val="accent1"/>
-              </a:fillRef>
-              <a:effectRef idx="0">
-                <a:schemeClr val="accent1"/>
-              </a:effectRef>
-              <a:fontRef idx="minor">
-                <a:schemeClr val="tx1"/>
-              </a:fontRef>
-            </p:style>
-          </p:cxnSp>
-        </p:grpSp>
-        <p:grpSp>
-          <p:nvGrpSpPr>
-            <p:cNvPr id="35" name="组合 34"/>
-            <p:cNvGrpSpPr/>
-            <p:nvPr/>
-          </p:nvGrpSpPr>
-          <p:grpSpPr>
-            <a:xfrm>
-              <a:off x="2725143" y="745168"/>
-              <a:ext cx="881150" cy="404664"/>
-              <a:chOff x="2740660" y="144016"/>
-              <a:chExt cx="881150" cy="404664"/>
-            </a:xfrm>
-          </p:grpSpPr>
-          <p:cxnSp>
-            <p:nvCxnSpPr>
-              <p:cNvPr id="36" name="肘形连接符 35"/>
-              <p:cNvCxnSpPr/>
-              <p:nvPr/>
-            </p:nvCxnSpPr>
-            <p:spPr>
-              <a:xfrm flipV="1">
-                <a:off x="2740660" y="144016"/>
-                <a:ext cx="371011" cy="404664"/>
-              </a:xfrm>
-              <a:prstGeom prst="bentConnector3">
-                <a:avLst>
-                  <a:gd name="adj1" fmla="val 93033"/>
-                </a:avLst>
-              </a:prstGeom>
-              <a:ln w="19050">
-                <a:solidFill>
-                  <a:schemeClr val="tx1"/>
-                </a:solidFill>
-              </a:ln>
-            </p:spPr>
-            <p:style>
-              <a:lnRef idx="1">
-                <a:schemeClr val="accent1"/>
-              </a:lnRef>
-              <a:fillRef idx="0">
-                <a:schemeClr val="accent1"/>
-              </a:fillRef>
-              <a:effectRef idx="0">
-                <a:schemeClr val="accent1"/>
-              </a:effectRef>
-              <a:fontRef idx="minor">
-                <a:schemeClr val="tx1"/>
-              </a:fontRef>
-            </p:style>
-          </p:cxnSp>
-          <p:cxnSp>
-            <p:nvCxnSpPr>
-              <p:cNvPr id="37" name="肘形连接符 36"/>
-              <p:cNvCxnSpPr/>
-              <p:nvPr/>
-            </p:nvCxnSpPr>
-            <p:spPr>
-              <a:xfrm>
-                <a:off x="3111671" y="144016"/>
-                <a:ext cx="510139" cy="404664"/>
-              </a:xfrm>
-              <a:prstGeom prst="bentConnector3">
-                <a:avLst>
-                  <a:gd name="adj1" fmla="val 39814"/>
-                </a:avLst>
-              </a:prstGeom>
-              <a:ln w="19050">
-                <a:solidFill>
-                  <a:schemeClr val="tx1"/>
-                </a:solidFill>
-              </a:ln>
-            </p:spPr>
-            <p:style>
-              <a:lnRef idx="1">
-                <a:schemeClr val="accent1"/>
-              </a:lnRef>
-              <a:fillRef idx="0">
-                <a:schemeClr val="accent1"/>
-              </a:fillRef>
-              <a:effectRef idx="0">
-                <a:schemeClr val="accent1"/>
-              </a:effectRef>
-              <a:fontRef idx="minor">
-                <a:schemeClr val="tx1"/>
-              </a:fontRef>
-            </p:style>
-          </p:cxnSp>
-        </p:grpSp>
         <p:cxnSp>
           <p:nvCxnSpPr>
-            <p:cNvPr id="38" name="肘形连接符 37"/>
+            <p:cNvPr id="97" name="肘形连接符 96"/>
             <p:cNvCxnSpPr>
-              <a:endCxn id="48" idx="1"/>
+              <a:stCxn id="78" idx="2"/>
+              <a:endCxn id="66" idx="2"/>
             </p:cNvCxnSpPr>
             <p:nvPr/>
           </p:nvCxnSpPr>
           <p:spPr>
-            <a:xfrm>
-              <a:off x="8090251" y="2419080"/>
-              <a:ext cx="1103379" cy="810510"/>
+            <a:xfrm rot="16200000" flipH="1">
+              <a:off x="-739147" y="-1113193"/>
+              <a:ext cx="1278037" cy="8814459"/>
             </a:xfrm>
             <a:prstGeom prst="bentConnector3">
               <a:avLst>
-                <a:gd name="adj1" fmla="val 50000"/>
+                <a:gd name="adj1" fmla="val 150083"/>
               </a:avLst>
             </a:prstGeom>
             <a:ln w="28575">
@@ -5980,636 +3512,16 @@
             </a:fontRef>
           </p:style>
         </p:cxnSp>
-        <p:cxnSp>
-          <p:nvCxnSpPr>
-            <p:cNvPr id="39" name="肘形连接符 38"/>
-            <p:cNvCxnSpPr>
-              <a:endCxn id="47" idx="1"/>
-            </p:cNvCxnSpPr>
-            <p:nvPr/>
-          </p:nvCxnSpPr>
-          <p:spPr>
-            <a:xfrm flipV="1">
-              <a:off x="8113510" y="1540178"/>
-              <a:ext cx="1080120" cy="876126"/>
-            </a:xfrm>
-            <a:prstGeom prst="bentConnector3">
-              <a:avLst>
-                <a:gd name="adj1" fmla="val 48657"/>
-              </a:avLst>
-            </a:prstGeom>
-            <a:ln w="28575">
-              <a:solidFill>
-                <a:schemeClr val="tx1"/>
-              </a:solidFill>
-              <a:tailEnd type="arrow"/>
-            </a:ln>
-          </p:spPr>
-          <p:style>
-            <a:lnRef idx="1">
-              <a:schemeClr val="accent1"/>
-            </a:lnRef>
-            <a:fillRef idx="0">
-              <a:schemeClr val="accent1"/>
-            </a:fillRef>
-            <a:effectRef idx="0">
-              <a:schemeClr val="accent1"/>
-            </a:effectRef>
-            <a:fontRef idx="minor">
-              <a:schemeClr val="tx1"/>
-            </a:fontRef>
-          </p:style>
-        </p:cxnSp>
         <p:sp>
           <p:nvSpPr>
-            <p:cNvPr id="40" name="矩形 39"/>
-            <p:cNvSpPr/>
-            <p:nvPr/>
-          </p:nvSpPr>
-          <p:spPr>
-            <a:xfrm>
-              <a:off x="3707904" y="2670140"/>
-              <a:ext cx="1872208" cy="1118900"/>
-            </a:xfrm>
-            <a:prstGeom prst="rect">
-              <a:avLst/>
-            </a:prstGeom>
-            <a:noFill/>
-            <a:ln>
-              <a:solidFill>
-                <a:schemeClr val="tx1"/>
-              </a:solidFill>
-            </a:ln>
-          </p:spPr>
-          <p:style>
-            <a:lnRef idx="2">
-              <a:schemeClr val="accent1">
-                <a:shade val="50000"/>
-              </a:schemeClr>
-            </a:lnRef>
-            <a:fillRef idx="1">
-              <a:schemeClr val="accent1"/>
-            </a:fillRef>
-            <a:effectRef idx="0">
-              <a:schemeClr val="accent1"/>
-            </a:effectRef>
-            <a:fontRef idx="minor">
-              <a:schemeClr val="lt1"/>
-            </a:fontRef>
-          </p:style>
-          <p:txBody>
-            <a:bodyPr rtlCol="0" anchor="ctr"/>
-            <a:lstStyle/>
-            <a:p>
-              <a:pPr algn="ctr"/>
-              <a:r>
-                <a:rPr lang="en-US" altLang="zh-CN" dirty="0" smtClean="0">
-                  <a:solidFill>
-                    <a:schemeClr val="tx1"/>
-                  </a:solidFill>
-                </a:rPr>
-                <a:t>DCM</a:t>
-              </a:r>
-              <a:endParaRPr lang="zh-CN" altLang="en-US" dirty="0">
-                <a:solidFill>
-                  <a:schemeClr val="tx1"/>
-                </a:solidFill>
-              </a:endParaRPr>
-            </a:p>
-          </p:txBody>
-        </p:sp>
-        <p:sp>
-          <p:nvSpPr>
-            <p:cNvPr id="41" name="右箭头 40"/>
-            <p:cNvSpPr/>
-            <p:nvPr/>
-          </p:nvSpPr>
-          <p:spPr>
-            <a:xfrm>
-              <a:off x="5580112" y="1233897"/>
-              <a:ext cx="624814" cy="576064"/>
-            </a:xfrm>
-            <a:prstGeom prst="rightArrow">
-              <a:avLst>
-                <a:gd name="adj1" fmla="val 50000"/>
-                <a:gd name="adj2" fmla="val 37402"/>
-              </a:avLst>
-            </a:prstGeom>
-            <a:noFill/>
-            <a:ln>
-              <a:solidFill>
-                <a:schemeClr val="tx1"/>
-              </a:solidFill>
-            </a:ln>
-          </p:spPr>
-          <p:style>
-            <a:lnRef idx="2">
-              <a:schemeClr val="accent1">
-                <a:shade val="50000"/>
-              </a:schemeClr>
-            </a:lnRef>
-            <a:fillRef idx="1">
-              <a:schemeClr val="accent1"/>
-            </a:fillRef>
-            <a:effectRef idx="0">
-              <a:schemeClr val="accent1"/>
-            </a:effectRef>
-            <a:fontRef idx="minor">
-              <a:schemeClr val="lt1"/>
-            </a:fontRef>
-          </p:style>
-          <p:txBody>
-            <a:bodyPr rtlCol="0" anchor="ctr"/>
-            <a:lstStyle/>
-            <a:p>
-              <a:pPr algn="ctr"/>
-              <a:endParaRPr lang="zh-CN" altLang="en-US"/>
-            </a:p>
-          </p:txBody>
-        </p:sp>
-        <p:sp>
-          <p:nvSpPr>
-            <p:cNvPr id="42" name="矩形 41"/>
-            <p:cNvSpPr/>
-            <p:nvPr/>
-          </p:nvSpPr>
-          <p:spPr>
-            <a:xfrm>
-              <a:off x="-620452" y="5190420"/>
-              <a:ext cx="11686290" cy="1118900"/>
-            </a:xfrm>
-            <a:prstGeom prst="rect">
-              <a:avLst/>
-            </a:prstGeom>
-            <a:noFill/>
-            <a:ln>
-              <a:solidFill>
-                <a:schemeClr val="tx1"/>
-              </a:solidFill>
-            </a:ln>
-          </p:spPr>
-          <p:style>
-            <a:lnRef idx="2">
-              <a:schemeClr val="accent1">
-                <a:shade val="50000"/>
-              </a:schemeClr>
-            </a:lnRef>
-            <a:fillRef idx="1">
-              <a:schemeClr val="accent1"/>
-            </a:fillRef>
-            <a:effectRef idx="0">
-              <a:schemeClr val="accent1"/>
-            </a:effectRef>
-            <a:fontRef idx="minor">
-              <a:schemeClr val="lt1"/>
-            </a:fontRef>
-          </p:style>
-          <p:txBody>
-            <a:bodyPr rtlCol="0" anchor="ctr"/>
-            <a:lstStyle/>
-            <a:p>
-              <a:pPr algn="ctr"/>
-              <a:r>
-                <a:rPr lang="en-US" altLang="zh-CN" dirty="0" smtClean="0">
-                  <a:solidFill>
-                    <a:schemeClr val="tx1"/>
-                  </a:solidFill>
-                </a:rPr>
-                <a:t>WISHBONE BUS</a:t>
-              </a:r>
-              <a:endParaRPr lang="zh-CN" altLang="en-US" dirty="0">
-                <a:solidFill>
-                  <a:schemeClr val="tx1"/>
-                </a:solidFill>
-              </a:endParaRPr>
-            </a:p>
-          </p:txBody>
-        </p:sp>
-        <p:cxnSp>
-          <p:nvCxnSpPr>
-            <p:cNvPr id="43" name="直接箭头连接符 42"/>
-            <p:cNvCxnSpPr>
-              <a:stCxn id="40" idx="0"/>
-              <a:endCxn id="19" idx="2"/>
-            </p:cNvCxnSpPr>
-            <p:nvPr/>
-          </p:nvCxnSpPr>
-          <p:spPr>
-            <a:xfrm flipV="1">
-              <a:off x="4644008" y="2099628"/>
-              <a:ext cx="0" cy="570512"/>
-            </a:xfrm>
-            <a:prstGeom prst="straightConnector1">
-              <a:avLst/>
-            </a:prstGeom>
-            <a:ln w="28575">
-              <a:solidFill>
-                <a:schemeClr val="tx1"/>
-              </a:solidFill>
-              <a:tailEnd type="arrow"/>
-            </a:ln>
-          </p:spPr>
-          <p:style>
-            <a:lnRef idx="1">
-              <a:schemeClr val="accent1"/>
-            </a:lnRef>
-            <a:fillRef idx="0">
-              <a:schemeClr val="accent1"/>
-            </a:fillRef>
-            <a:effectRef idx="0">
-              <a:schemeClr val="accent1"/>
-            </a:effectRef>
-            <a:fontRef idx="minor">
-              <a:schemeClr val="tx1"/>
-            </a:fontRef>
-          </p:style>
-        </p:cxnSp>
-        <p:cxnSp>
-          <p:nvCxnSpPr>
-            <p:cNvPr id="44" name="肘形连接符 43"/>
-            <p:cNvCxnSpPr/>
-            <p:nvPr/>
-          </p:nvCxnSpPr>
-          <p:spPr>
-            <a:xfrm flipV="1">
-              <a:off x="-2556792" y="3246802"/>
-              <a:ext cx="6272572" cy="1207522"/>
-            </a:xfrm>
-            <a:prstGeom prst="bentConnector3">
-              <a:avLst>
-                <a:gd name="adj1" fmla="val 92114"/>
-              </a:avLst>
-            </a:prstGeom>
-            <a:ln w="28575">
-              <a:solidFill>
-                <a:schemeClr val="tx1"/>
-              </a:solidFill>
-              <a:tailEnd type="arrow"/>
-            </a:ln>
-          </p:spPr>
-          <p:style>
-            <a:lnRef idx="1">
-              <a:schemeClr val="accent1"/>
-            </a:lnRef>
-            <a:fillRef idx="0">
-              <a:schemeClr val="accent1"/>
-            </a:fillRef>
-            <a:effectRef idx="0">
-              <a:schemeClr val="accent1"/>
-            </a:effectRef>
-            <a:fontRef idx="minor">
-              <a:schemeClr val="tx1"/>
-            </a:fontRef>
-          </p:style>
-        </p:cxnSp>
-        <p:sp>
-          <p:nvSpPr>
-            <p:cNvPr id="45" name="TextBox 101"/>
-            <p:cNvSpPr txBox="1"/>
-            <p:nvPr/>
-          </p:nvSpPr>
-          <p:spPr>
-            <a:xfrm>
-              <a:off x="-662345" y="4067780"/>
-              <a:ext cx="3021286" cy="369332"/>
-            </a:xfrm>
-            <a:prstGeom prst="rect">
-              <a:avLst/>
-            </a:prstGeom>
-            <a:noFill/>
-          </p:spPr>
-          <p:txBody>
-            <a:bodyPr wrap="square" rtlCol="0">
-              <a:spAutoFit/>
-            </a:bodyPr>
-            <a:lstStyle/>
-            <a:p>
-              <a:pPr algn="ctr"/>
-              <a:r>
-                <a:rPr lang="en-US" altLang="zh-CN" dirty="0" smtClean="0"/>
-                <a:t>SYNCHRONOUS CLK</a:t>
-              </a:r>
-              <a:endParaRPr lang="zh-CN" altLang="en-US" dirty="0"/>
-            </a:p>
-          </p:txBody>
-        </p:sp>
-        <p:sp>
-          <p:nvSpPr>
-            <p:cNvPr id="46" name="TextBox 102"/>
-            <p:cNvSpPr txBox="1"/>
-            <p:nvPr/>
-          </p:nvSpPr>
-          <p:spPr>
-            <a:xfrm>
-              <a:off x="4283968" y="2200218"/>
-              <a:ext cx="2160652" cy="369332"/>
-            </a:xfrm>
-            <a:prstGeom prst="rect">
-              <a:avLst/>
-            </a:prstGeom>
-            <a:noFill/>
-          </p:spPr>
-          <p:txBody>
-            <a:bodyPr wrap="square" rtlCol="0">
-              <a:spAutoFit/>
-            </a:bodyPr>
-            <a:lstStyle/>
-            <a:p>
-              <a:pPr algn="ctr"/>
-              <a:r>
-                <a:rPr lang="en-US" altLang="zh-CN" dirty="0" smtClean="0"/>
-                <a:t>SHIFTED CLK</a:t>
-              </a:r>
-              <a:endParaRPr lang="zh-CN" altLang="en-US" dirty="0"/>
-            </a:p>
-          </p:txBody>
-        </p:sp>
-        <p:sp>
-          <p:nvSpPr>
-            <p:cNvPr id="47" name="矩形 46"/>
-            <p:cNvSpPr/>
-            <p:nvPr/>
-          </p:nvSpPr>
-          <p:spPr>
-            <a:xfrm>
-              <a:off x="9193630" y="980728"/>
-              <a:ext cx="1872208" cy="1118900"/>
-            </a:xfrm>
-            <a:prstGeom prst="rect">
-              <a:avLst/>
-            </a:prstGeom>
-            <a:noFill/>
-            <a:ln>
-              <a:solidFill>
-                <a:schemeClr val="tx1"/>
-              </a:solidFill>
-            </a:ln>
-          </p:spPr>
-          <p:style>
-            <a:lnRef idx="2">
-              <a:schemeClr val="accent1">
-                <a:shade val="50000"/>
-              </a:schemeClr>
-            </a:lnRef>
-            <a:fillRef idx="1">
-              <a:schemeClr val="accent1"/>
-            </a:fillRef>
-            <a:effectRef idx="0">
-              <a:schemeClr val="accent1"/>
-            </a:effectRef>
-            <a:fontRef idx="minor">
-              <a:schemeClr val="lt1"/>
-            </a:fontRef>
-          </p:style>
-          <p:txBody>
-            <a:bodyPr rtlCol="0" anchor="ctr"/>
-            <a:lstStyle/>
-            <a:p>
-              <a:pPr algn="ctr"/>
-              <a:r>
-                <a:rPr lang="en-US" altLang="zh-CN" dirty="0" smtClean="0">
-                  <a:solidFill>
-                    <a:schemeClr val="tx1"/>
-                  </a:solidFill>
-                </a:rPr>
-                <a:t>DDR FIFO</a:t>
-              </a:r>
-              <a:endParaRPr lang="zh-CN" altLang="en-US" dirty="0">
-                <a:solidFill>
-                  <a:schemeClr val="tx1"/>
-                </a:solidFill>
-              </a:endParaRPr>
-            </a:p>
-          </p:txBody>
-        </p:sp>
-        <p:sp>
-          <p:nvSpPr>
-            <p:cNvPr id="48" name="矩形 47"/>
-            <p:cNvSpPr/>
-            <p:nvPr/>
-          </p:nvSpPr>
-          <p:spPr>
-            <a:xfrm>
-              <a:off x="9193630" y="2670140"/>
-              <a:ext cx="1872208" cy="1118900"/>
-            </a:xfrm>
-            <a:prstGeom prst="rect">
-              <a:avLst/>
-            </a:prstGeom>
-            <a:noFill/>
-            <a:ln>
-              <a:solidFill>
-                <a:schemeClr val="tx1"/>
-              </a:solidFill>
-            </a:ln>
-          </p:spPr>
-          <p:style>
-            <a:lnRef idx="2">
-              <a:schemeClr val="accent1">
-                <a:shade val="50000"/>
-              </a:schemeClr>
-            </a:lnRef>
-            <a:fillRef idx="1">
-              <a:schemeClr val="accent1"/>
-            </a:fillRef>
-            <a:effectRef idx="0">
-              <a:schemeClr val="accent1"/>
-            </a:effectRef>
-            <a:fontRef idx="minor">
-              <a:schemeClr val="lt1"/>
-            </a:fontRef>
-          </p:style>
-          <p:txBody>
-            <a:bodyPr rtlCol="0" anchor="ctr"/>
-            <a:lstStyle/>
-            <a:p>
-              <a:pPr algn="ctr"/>
-              <a:r>
-                <a:rPr lang="en-US" altLang="zh-CN" dirty="0" smtClean="0">
-                  <a:solidFill>
-                    <a:schemeClr val="tx1"/>
-                  </a:solidFill>
-                </a:rPr>
-                <a:t>BRAM FIFO</a:t>
-              </a:r>
-              <a:endParaRPr lang="zh-CN" altLang="en-US" dirty="0">
-                <a:solidFill>
-                  <a:schemeClr val="tx1"/>
-                </a:solidFill>
-              </a:endParaRPr>
-            </a:p>
-          </p:txBody>
-        </p:sp>
-        <p:sp>
-          <p:nvSpPr>
-            <p:cNvPr id="49" name="右箭头 48"/>
+            <p:cNvPr id="122" name="上下箭头 121"/>
             <p:cNvSpPr/>
             <p:nvPr/>
           </p:nvSpPr>
           <p:spPr>
             <a:xfrm rot="16200000">
-              <a:off x="-689556" y="4393359"/>
-              <a:ext cx="1378097" cy="216028"/>
-            </a:xfrm>
-            <a:prstGeom prst="rightArrow">
-              <a:avLst>
-                <a:gd name="adj1" fmla="val 50000"/>
-                <a:gd name="adj2" fmla="val 60078"/>
-              </a:avLst>
-            </a:prstGeom>
-            <a:solidFill>
-              <a:schemeClr val="tx1"/>
-            </a:solidFill>
-            <a:ln>
-              <a:solidFill>
-                <a:schemeClr val="tx1"/>
-              </a:solidFill>
-            </a:ln>
-          </p:spPr>
-          <p:style>
-            <a:lnRef idx="2">
-              <a:schemeClr val="accent1">
-                <a:shade val="50000"/>
-              </a:schemeClr>
-            </a:lnRef>
-            <a:fillRef idx="1">
-              <a:schemeClr val="accent1"/>
-            </a:fillRef>
-            <a:effectRef idx="0">
-              <a:schemeClr val="accent1"/>
-            </a:effectRef>
-            <a:fontRef idx="minor">
-              <a:schemeClr val="lt1"/>
-            </a:fontRef>
-          </p:style>
-          <p:txBody>
-            <a:bodyPr rtlCol="0" anchor="ctr"/>
-            <a:lstStyle/>
-            <a:p>
-              <a:pPr algn="ctr"/>
-              <a:endParaRPr lang="zh-CN" altLang="en-US"/>
-            </a:p>
-          </p:txBody>
-        </p:sp>
-        <p:sp>
-          <p:nvSpPr>
-            <p:cNvPr id="50" name="右箭头 49"/>
-            <p:cNvSpPr/>
-            <p:nvPr/>
-          </p:nvSpPr>
-          <p:spPr>
-            <a:xfrm rot="16200000">
-              <a:off x="3983624" y="4330354"/>
-              <a:ext cx="1378097" cy="342039"/>
-            </a:xfrm>
-            <a:prstGeom prst="rightArrow">
-              <a:avLst>
-                <a:gd name="adj1" fmla="val 50000"/>
-                <a:gd name="adj2" fmla="val 60078"/>
-              </a:avLst>
-            </a:prstGeom>
-            <a:solidFill>
-              <a:schemeClr val="tx1"/>
-            </a:solidFill>
-            <a:ln>
-              <a:solidFill>
-                <a:schemeClr val="tx1"/>
-              </a:solidFill>
-            </a:ln>
-          </p:spPr>
-          <p:style>
-            <a:lnRef idx="2">
-              <a:schemeClr val="accent1">
-                <a:shade val="50000"/>
-              </a:schemeClr>
-            </a:lnRef>
-            <a:fillRef idx="1">
-              <a:schemeClr val="accent1"/>
-            </a:fillRef>
-            <a:effectRef idx="0">
-              <a:schemeClr val="accent1"/>
-            </a:effectRef>
-            <a:fontRef idx="minor">
-              <a:schemeClr val="lt1"/>
-            </a:fontRef>
-          </p:style>
-          <p:txBody>
-            <a:bodyPr rtlCol="0" anchor="ctr"/>
-            <a:lstStyle/>
-            <a:p>
-              <a:pPr algn="ctr"/>
-              <a:endParaRPr lang="zh-CN" altLang="en-US"/>
-            </a:p>
-          </p:txBody>
-        </p:sp>
-        <p:sp>
-          <p:nvSpPr>
-            <p:cNvPr id="51" name="矩形 50"/>
-            <p:cNvSpPr/>
-            <p:nvPr/>
-          </p:nvSpPr>
-          <p:spPr>
-            <a:xfrm>
-              <a:off x="9202708" y="4161646"/>
-              <a:ext cx="1872208" cy="585356"/>
-            </a:xfrm>
-            <a:prstGeom prst="rect">
-              <a:avLst/>
-            </a:prstGeom>
-            <a:noFill/>
-            <a:ln>
-              <a:solidFill>
-                <a:schemeClr val="tx1"/>
-              </a:solidFill>
-            </a:ln>
-          </p:spPr>
-          <p:style>
-            <a:lnRef idx="2">
-              <a:schemeClr val="accent1">
-                <a:shade val="50000"/>
-              </a:schemeClr>
-            </a:lnRef>
-            <a:fillRef idx="1">
-              <a:schemeClr val="accent1"/>
-            </a:fillRef>
-            <a:effectRef idx="0">
-              <a:schemeClr val="accent1"/>
-            </a:effectRef>
-            <a:fontRef idx="minor">
-              <a:schemeClr val="lt1"/>
-            </a:fontRef>
-          </p:style>
-          <p:txBody>
-            <a:bodyPr rtlCol="0" anchor="ctr"/>
-            <a:lstStyle/>
-            <a:p>
-              <a:pPr algn="ctr"/>
-              <a:r>
-                <a:rPr lang="en-US" altLang="zh-CN" dirty="0" smtClean="0">
-                  <a:solidFill>
-                    <a:schemeClr val="tx1"/>
-                  </a:solidFill>
-                </a:rPr>
-                <a:t>BLOCK RAM</a:t>
-              </a:r>
-              <a:endParaRPr lang="zh-CN" altLang="en-US" dirty="0">
-                <a:solidFill>
-                  <a:schemeClr val="tx1"/>
-                </a:solidFill>
-              </a:endParaRPr>
-            </a:p>
-          </p:txBody>
-        </p:sp>
-        <p:sp>
-          <p:nvSpPr>
-            <p:cNvPr id="52" name="上下箭头 51"/>
-            <p:cNvSpPr/>
-            <p:nvPr/>
-          </p:nvSpPr>
-          <p:spPr>
-            <a:xfrm>
-              <a:off x="10068824" y="4747002"/>
-              <a:ext cx="121820" cy="443418"/>
+              <a:off x="8510798" y="2415468"/>
+              <a:ext cx="321329" cy="1162116"/>
             </a:xfrm>
             <a:prstGeom prst="upDownArrow">
               <a:avLst/>
@@ -6648,293 +3560,14 @@
         </p:sp>
         <p:sp>
           <p:nvSpPr>
-            <p:cNvPr id="53" name="矩形 52"/>
-            <p:cNvSpPr/>
+            <p:cNvPr id="124" name="TextBox 123"/>
+            <p:cNvSpPr txBox="1"/>
             <p:nvPr/>
           </p:nvSpPr>
           <p:spPr>
             <a:xfrm>
-              <a:off x="12204848" y="947500"/>
-              <a:ext cx="1872208" cy="5361820"/>
-            </a:xfrm>
-            <a:prstGeom prst="rect">
-              <a:avLst/>
-            </a:prstGeom>
-            <a:noFill/>
-            <a:ln>
-              <a:solidFill>
-                <a:schemeClr val="tx1"/>
-              </a:solidFill>
-            </a:ln>
-          </p:spPr>
-          <p:style>
-            <a:lnRef idx="2">
-              <a:schemeClr val="accent1">
-                <a:shade val="50000"/>
-              </a:schemeClr>
-            </a:lnRef>
-            <a:fillRef idx="1">
-              <a:schemeClr val="accent1"/>
-            </a:fillRef>
-            <a:effectRef idx="0">
-              <a:schemeClr val="accent1"/>
-            </a:effectRef>
-            <a:fontRef idx="minor">
-              <a:schemeClr val="lt1"/>
-            </a:fontRef>
-          </p:style>
-          <p:txBody>
-            <a:bodyPr rtlCol="0" anchor="ctr"/>
-            <a:lstStyle/>
-            <a:p>
-              <a:pPr algn="ctr"/>
-              <a:r>
-                <a:rPr lang="en-US" altLang="zh-CN" dirty="0" smtClean="0">
-                  <a:solidFill>
-                    <a:schemeClr val="tx1"/>
-                  </a:solidFill>
-                </a:rPr>
-                <a:t>LPDDR</a:t>
-              </a:r>
-              <a:endParaRPr lang="zh-CN" altLang="en-US" dirty="0">
-                <a:solidFill>
-                  <a:schemeClr val="tx1"/>
-                </a:solidFill>
-              </a:endParaRPr>
-            </a:p>
-          </p:txBody>
-        </p:sp>
-        <p:sp>
-          <p:nvSpPr>
-            <p:cNvPr id="54" name="右箭头 53"/>
-            <p:cNvSpPr/>
-            <p:nvPr/>
-          </p:nvSpPr>
-          <p:spPr>
-            <a:xfrm>
-              <a:off x="11075978" y="1273406"/>
-              <a:ext cx="1128870" cy="576064"/>
-            </a:xfrm>
-            <a:prstGeom prst="rightArrow">
-              <a:avLst>
-                <a:gd name="adj1" fmla="val 50000"/>
-                <a:gd name="adj2" fmla="val 37402"/>
-              </a:avLst>
-            </a:prstGeom>
-            <a:noFill/>
-            <a:ln>
-              <a:solidFill>
-                <a:schemeClr val="tx1"/>
-              </a:solidFill>
-            </a:ln>
-          </p:spPr>
-          <p:style>
-            <a:lnRef idx="2">
-              <a:schemeClr val="accent1">
-                <a:shade val="50000"/>
-              </a:schemeClr>
-            </a:lnRef>
-            <a:fillRef idx="1">
-              <a:schemeClr val="accent1"/>
-            </a:fillRef>
-            <a:effectRef idx="0">
-              <a:schemeClr val="accent1"/>
-            </a:effectRef>
-            <a:fontRef idx="minor">
-              <a:schemeClr val="lt1"/>
-            </a:fontRef>
-          </p:style>
-          <p:txBody>
-            <a:bodyPr rtlCol="0" anchor="ctr"/>
-            <a:lstStyle/>
-            <a:p>
-              <a:pPr algn="ctr"/>
-              <a:endParaRPr lang="zh-CN" altLang="en-US"/>
-            </a:p>
-          </p:txBody>
-        </p:sp>
-        <p:sp>
-          <p:nvSpPr>
-            <p:cNvPr id="55" name="上下箭头 54"/>
-            <p:cNvSpPr/>
-            <p:nvPr/>
-          </p:nvSpPr>
-          <p:spPr>
-            <a:xfrm rot="16200000">
-              <a:off x="11480279" y="5206967"/>
-              <a:ext cx="282619" cy="1085805"/>
-            </a:xfrm>
-            <a:prstGeom prst="upDownArrow">
-              <a:avLst/>
-            </a:prstGeom>
-            <a:noFill/>
-            <a:ln>
-              <a:solidFill>
-                <a:schemeClr val="tx1"/>
-              </a:solidFill>
-            </a:ln>
-          </p:spPr>
-          <p:style>
-            <a:lnRef idx="2">
-              <a:schemeClr val="accent1">
-                <a:shade val="50000"/>
-              </a:schemeClr>
-            </a:lnRef>
-            <a:fillRef idx="1">
-              <a:schemeClr val="accent1"/>
-            </a:fillRef>
-            <a:effectRef idx="0">
-              <a:schemeClr val="accent1"/>
-            </a:effectRef>
-            <a:fontRef idx="minor">
-              <a:schemeClr val="lt1"/>
-            </a:fontRef>
-          </p:style>
-          <p:txBody>
-            <a:bodyPr rtlCol="0" anchor="ctr"/>
-            <a:lstStyle/>
-            <a:p>
-              <a:pPr algn="ctr"/>
-              <a:endParaRPr lang="zh-CN" altLang="en-US"/>
-            </a:p>
-          </p:txBody>
-        </p:sp>
-        <p:sp>
-          <p:nvSpPr>
-            <p:cNvPr id="56" name="右箭头 55"/>
-            <p:cNvSpPr/>
-            <p:nvPr/>
-          </p:nvSpPr>
-          <p:spPr>
-            <a:xfrm rot="5400000">
-              <a:off x="9964150" y="3842969"/>
-              <a:ext cx="349321" cy="288033"/>
-            </a:xfrm>
-            <a:prstGeom prst="rightArrow">
-              <a:avLst>
-                <a:gd name="adj1" fmla="val 50000"/>
-                <a:gd name="adj2" fmla="val 37402"/>
-              </a:avLst>
-            </a:prstGeom>
-            <a:noFill/>
-            <a:ln>
-              <a:solidFill>
-                <a:schemeClr val="tx1"/>
-              </a:solidFill>
-            </a:ln>
-          </p:spPr>
-          <p:style>
-            <a:lnRef idx="2">
-              <a:schemeClr val="accent1">
-                <a:shade val="50000"/>
-              </a:schemeClr>
-            </a:lnRef>
-            <a:fillRef idx="1">
-              <a:schemeClr val="accent1"/>
-            </a:fillRef>
-            <a:effectRef idx="0">
-              <a:schemeClr val="accent1"/>
-            </a:effectRef>
-            <a:fontRef idx="minor">
-              <a:schemeClr val="lt1"/>
-            </a:fontRef>
-          </p:style>
-          <p:txBody>
-            <a:bodyPr rtlCol="0" anchor="ctr"/>
-            <a:lstStyle/>
-            <a:p>
-              <a:pPr algn="ctr"/>
-              <a:endParaRPr lang="zh-CN" altLang="en-US"/>
-            </a:p>
-          </p:txBody>
-        </p:sp>
-        <p:sp>
-          <p:nvSpPr>
-            <p:cNvPr id="57" name="TextBox 120"/>
-            <p:cNvSpPr txBox="1"/>
-            <p:nvPr/>
-          </p:nvSpPr>
-          <p:spPr>
-            <a:xfrm>
-              <a:off x="9642062" y="71951"/>
-              <a:ext cx="993500" cy="461665"/>
-            </a:xfrm>
-            <a:prstGeom prst="rect">
-              <a:avLst/>
-            </a:prstGeom>
-            <a:noFill/>
-          </p:spPr>
-          <p:txBody>
-            <a:bodyPr wrap="square" rtlCol="0">
-              <a:spAutoFit/>
-            </a:bodyPr>
-            <a:lstStyle/>
-            <a:p>
-              <a:pPr algn="ctr"/>
-              <a:r>
-                <a:rPr lang="en-US" altLang="zh-CN" sz="2400" dirty="0" smtClean="0"/>
-                <a:t>FPGA</a:t>
-              </a:r>
-              <a:endParaRPr lang="zh-CN" altLang="en-US" sz="2400" dirty="0"/>
-            </a:p>
-          </p:txBody>
-        </p:sp>
-        <p:sp>
-          <p:nvSpPr>
-            <p:cNvPr id="58" name="上下箭头 57"/>
-            <p:cNvSpPr/>
-            <p:nvPr/>
-          </p:nvSpPr>
-          <p:spPr>
-            <a:xfrm rot="16200000">
-              <a:off x="-1761340" y="4805231"/>
-              <a:ext cx="282619" cy="1889275"/>
-            </a:xfrm>
-            <a:prstGeom prst="upDownArrow">
-              <a:avLst/>
-            </a:prstGeom>
-            <a:noFill/>
-            <a:ln>
-              <a:solidFill>
-                <a:schemeClr val="tx1"/>
-              </a:solidFill>
-            </a:ln>
-          </p:spPr>
-          <p:style>
-            <a:lnRef idx="2">
-              <a:schemeClr val="accent1">
-                <a:shade val="50000"/>
-              </a:schemeClr>
-            </a:lnRef>
-            <a:fillRef idx="1">
-              <a:schemeClr val="accent1"/>
-            </a:fillRef>
-            <a:effectRef idx="0">
-              <a:schemeClr val="accent1"/>
-            </a:effectRef>
-            <a:fontRef idx="minor">
-              <a:schemeClr val="lt1"/>
-            </a:fontRef>
-          </p:style>
-          <p:txBody>
-            <a:bodyPr rtlCol="0" anchor="ctr"/>
-            <a:lstStyle/>
-            <a:p>
-              <a:pPr algn="ctr"/>
-              <a:endParaRPr lang="zh-CN" altLang="en-US"/>
-            </a:p>
-          </p:txBody>
-        </p:sp>
-        <p:sp>
-          <p:nvSpPr>
-            <p:cNvPr id="59" name="TextBox 123"/>
-            <p:cNvSpPr txBox="1"/>
-            <p:nvPr/>
-          </p:nvSpPr>
-          <p:spPr>
-            <a:xfrm>
-              <a:off x="-2116781" y="5239227"/>
-              <a:ext cx="993500" cy="369332"/>
+              <a:off x="8001805" y="2483604"/>
+              <a:ext cx="1339314" cy="369332"/>
             </a:xfrm>
             <a:prstGeom prst="rect">
               <a:avLst/>
@@ -6950,7 +3583,7 @@
               <a:pPr algn="ctr"/>
               <a:r>
                 <a:rPr lang="en-US" altLang="zh-CN" dirty="0" smtClean="0"/>
-                <a:t>USB</a:t>
+                <a:t>USB Line</a:t>
               </a:r>
               <a:endParaRPr lang="zh-CN" altLang="en-US" dirty="0"/>
             </a:p>
@@ -6958,195 +3591,14 @@
         </p:sp>
         <p:sp>
           <p:nvSpPr>
-            <p:cNvPr id="63" name="椭圆 62"/>
+            <p:cNvPr id="125" name="矩形 124"/>
             <p:cNvSpPr/>
             <p:nvPr/>
           </p:nvSpPr>
           <p:spPr>
             <a:xfrm>
-              <a:off x="-2763094" y="4346312"/>
-              <a:ext cx="216024" cy="216024"/>
-            </a:xfrm>
-            <a:prstGeom prst="ellipse">
-              <a:avLst/>
-            </a:prstGeom>
-            <a:noFill/>
-            <a:ln>
-              <a:solidFill>
-                <a:schemeClr val="tx1"/>
-              </a:solidFill>
-            </a:ln>
-          </p:spPr>
-          <p:style>
-            <a:lnRef idx="2">
-              <a:schemeClr val="accent1">
-                <a:shade val="50000"/>
-              </a:schemeClr>
-            </a:lnRef>
-            <a:fillRef idx="1">
-              <a:schemeClr val="accent1"/>
-            </a:fillRef>
-            <a:effectRef idx="0">
-              <a:schemeClr val="accent1"/>
-            </a:effectRef>
-            <a:fontRef idx="minor">
-              <a:schemeClr val="lt1"/>
-            </a:fontRef>
-          </p:style>
-          <p:txBody>
-            <a:bodyPr rtlCol="0" anchor="ctr"/>
-            <a:lstStyle/>
-            <a:p>
-              <a:pPr algn="ctr"/>
-              <a:endParaRPr lang="en-US"/>
-            </a:p>
-          </p:txBody>
-        </p:sp>
-        <p:sp>
-          <p:nvSpPr>
-            <p:cNvPr id="65" name="矩形 64"/>
-            <p:cNvSpPr/>
-            <p:nvPr/>
-          </p:nvSpPr>
-          <p:spPr>
-            <a:xfrm>
-              <a:off x="-4156323" y="5216489"/>
-              <a:ext cx="1583955" cy="1066758"/>
-            </a:xfrm>
-            <a:prstGeom prst="rect">
-              <a:avLst/>
-            </a:prstGeom>
-            <a:noFill/>
-            <a:ln>
-              <a:solidFill>
-                <a:schemeClr val="tx1"/>
-              </a:solidFill>
-            </a:ln>
-          </p:spPr>
-          <p:style>
-            <a:lnRef idx="2">
-              <a:schemeClr val="accent1">
-                <a:shade val="50000"/>
-              </a:schemeClr>
-            </a:lnRef>
-            <a:fillRef idx="1">
-              <a:schemeClr val="accent1"/>
-            </a:fillRef>
-            <a:effectRef idx="0">
-              <a:schemeClr val="accent1"/>
-            </a:effectRef>
-            <a:fontRef idx="minor">
-              <a:schemeClr val="lt1"/>
-            </a:fontRef>
-          </p:style>
-          <p:txBody>
-            <a:bodyPr rtlCol="0" anchor="ctr"/>
-            <a:lstStyle/>
-            <a:p>
-              <a:pPr algn="ctr"/>
-              <a:r>
-                <a:rPr lang="en-US" altLang="zh-CN" dirty="0" smtClean="0">
-                  <a:solidFill>
-                    <a:schemeClr val="tx1"/>
-                  </a:solidFill>
-                </a:rPr>
-                <a:t>USB chip</a:t>
-              </a:r>
-              <a:endParaRPr lang="zh-CN" altLang="en-US" dirty="0">
-                <a:solidFill>
-                  <a:schemeClr val="tx1"/>
-                </a:solidFill>
-              </a:endParaRPr>
-            </a:p>
-          </p:txBody>
-        </p:sp>
-        <p:sp>
-          <p:nvSpPr>
-            <p:cNvPr id="66" name="上下箭头 65"/>
-            <p:cNvSpPr/>
-            <p:nvPr/>
-          </p:nvSpPr>
-          <p:spPr>
-            <a:xfrm rot="10800000">
-              <a:off x="-3505548" y="6283246"/>
-              <a:ext cx="282403" cy="485320"/>
-            </a:xfrm>
-            <a:prstGeom prst="upDownArrow">
-              <a:avLst/>
-            </a:prstGeom>
-            <a:noFill/>
-            <a:ln>
-              <a:solidFill>
-                <a:schemeClr val="tx1"/>
-              </a:solidFill>
-            </a:ln>
-          </p:spPr>
-          <p:style>
-            <a:lnRef idx="2">
-              <a:schemeClr val="accent1">
-                <a:shade val="50000"/>
-              </a:schemeClr>
-            </a:lnRef>
-            <a:fillRef idx="1">
-              <a:schemeClr val="accent1"/>
-            </a:fillRef>
-            <a:effectRef idx="0">
-              <a:schemeClr val="accent1"/>
-            </a:effectRef>
-            <a:fontRef idx="minor">
-              <a:schemeClr val="lt1"/>
-            </a:fontRef>
-          </p:style>
-          <p:txBody>
-            <a:bodyPr rtlCol="0" anchor="ctr"/>
-            <a:lstStyle/>
-            <a:p>
-              <a:pPr algn="ctr"/>
-              <a:endParaRPr lang="zh-CN" altLang="en-US"/>
-            </a:p>
-          </p:txBody>
-        </p:sp>
-        <p:sp>
-          <p:nvSpPr>
-            <p:cNvPr id="67" name="TextBox 123"/>
-            <p:cNvSpPr txBox="1"/>
-            <p:nvPr/>
-          </p:nvSpPr>
-          <p:spPr>
-            <a:xfrm>
-              <a:off x="-3437927" y="6333400"/>
-              <a:ext cx="993500" cy="369332"/>
-            </a:xfrm>
-            <a:prstGeom prst="rect">
-              <a:avLst/>
-            </a:prstGeom>
-            <a:noFill/>
-          </p:spPr>
-          <p:txBody>
-            <a:bodyPr wrap="square" rtlCol="0">
-              <a:spAutoFit/>
-            </a:bodyPr>
-            <a:lstStyle/>
-            <a:p>
-              <a:pPr algn="ctr"/>
-              <a:r>
-                <a:rPr lang="en-US" altLang="zh-CN" dirty="0" smtClean="0"/>
-                <a:t>USB</a:t>
-              </a:r>
-              <a:endParaRPr lang="zh-CN" altLang="en-US" dirty="0"/>
-            </a:p>
-          </p:txBody>
-        </p:sp>
-        <p:sp>
-          <p:nvSpPr>
-            <p:cNvPr id="68" name="矩形 67"/>
-            <p:cNvSpPr/>
-            <p:nvPr/>
-          </p:nvSpPr>
-          <p:spPr>
-            <a:xfrm>
-              <a:off x="-4156323" y="6768566"/>
-              <a:ext cx="1583955" cy="1066758"/>
+              <a:off x="9252520" y="836712"/>
+              <a:ext cx="1872208" cy="3096343"/>
             </a:xfrm>
             <a:prstGeom prst="rect">
               <a:avLst/>
@@ -7195,15 +3647,81 @@
             </a:p>
           </p:txBody>
         </p:sp>
+        <p:sp>
+          <p:nvSpPr>
+            <p:cNvPr id="66" name="矩形 65"/>
+            <p:cNvSpPr/>
+            <p:nvPr/>
+          </p:nvSpPr>
+          <p:spPr>
+            <a:xfrm>
+              <a:off x="3059831" y="836712"/>
+              <a:ext cx="2494540" cy="3096344"/>
+            </a:xfrm>
+            <a:prstGeom prst="rect">
+              <a:avLst/>
+            </a:prstGeom>
+            <a:noFill/>
+            <a:ln>
+              <a:solidFill>
+                <a:schemeClr val="tx1"/>
+              </a:solidFill>
+            </a:ln>
+          </p:spPr>
+          <p:style>
+            <a:lnRef idx="2">
+              <a:schemeClr val="accent1">
+                <a:shade val="50000"/>
+              </a:schemeClr>
+            </a:lnRef>
+            <a:fillRef idx="1">
+              <a:schemeClr val="accent1"/>
+            </a:fillRef>
+            <a:effectRef idx="0">
+              <a:schemeClr val="accent1"/>
+            </a:effectRef>
+            <a:fontRef idx="minor">
+              <a:schemeClr val="lt1"/>
+            </a:fontRef>
+          </p:style>
+          <p:txBody>
+            <a:bodyPr rtlCol="0" anchor="ctr"/>
+            <a:lstStyle/>
+            <a:p>
+              <a:pPr algn="ctr"/>
+              <a:r>
+                <a:rPr lang="en-US" altLang="zh-CN" dirty="0" smtClean="0">
+                  <a:solidFill>
+                    <a:schemeClr val="tx1"/>
+                  </a:solidFill>
+                </a:rPr>
+                <a:t>FPGA </a:t>
+              </a:r>
+              <a:r>
+                <a:rPr lang="en-US" altLang="zh-CN" dirty="0" smtClean="0">
+                  <a:solidFill>
+                    <a:schemeClr val="tx1"/>
+                  </a:solidFill>
+                </a:rPr>
+                <a:t>Chip</a:t>
+              </a:r>
+              <a:endParaRPr lang="zh-CN" altLang="en-US" dirty="0">
+                <a:solidFill>
+                  <a:schemeClr val="tx1"/>
+                </a:solidFill>
+              </a:endParaRPr>
+            </a:p>
+          </p:txBody>
+        </p:sp>
         <p:grpSp>
           <p:nvGrpSpPr>
-            <p:cNvPr id="69" name="组合 68"/>
+            <p:cNvPr id="6" name="组合 5"/>
             <p:cNvGrpSpPr/>
             <p:nvPr/>
           </p:nvGrpSpPr>
           <p:grpSpPr>
             <a:xfrm>
-              <a:off x="-3185164" y="1207880"/>
+              <a:off x="442445" y="1207880"/>
               <a:ext cx="700380" cy="360040"/>
               <a:chOff x="-6229200" y="-1971600"/>
               <a:chExt cx="4202280" cy="2160240"/>
@@ -7211,7 +3729,7 @@
           </p:grpSpPr>
           <p:sp>
             <p:nvSpPr>
-              <p:cNvPr id="70" name="弧形 69"/>
+              <p:cNvPr id="2" name="弧形 1"/>
               <p:cNvSpPr/>
               <p:nvPr/>
             </p:nvSpPr>
@@ -7257,7 +3775,7 @@
           </p:sp>
           <p:sp>
             <p:nvSpPr>
-              <p:cNvPr id="71" name="任意多边形 70"/>
+              <p:cNvPr id="3" name="任意多边形 2"/>
               <p:cNvSpPr/>
               <p:nvPr/>
             </p:nvSpPr>
@@ -7370,13 +3888,13 @@
         </p:grpSp>
         <p:grpSp>
           <p:nvGrpSpPr>
-            <p:cNvPr id="72" name="组合 71"/>
+            <p:cNvPr id="67" name="组合 66"/>
             <p:cNvGrpSpPr/>
             <p:nvPr/>
           </p:nvGrpSpPr>
           <p:grpSpPr>
             <a:xfrm>
-              <a:off x="-3197079" y="1654326"/>
+              <a:off x="430530" y="1654326"/>
               <a:ext cx="700380" cy="360040"/>
               <a:chOff x="-6229200" y="-1971600"/>
               <a:chExt cx="4202280" cy="2160240"/>
@@ -7384,7 +3902,7 @@
           </p:grpSpPr>
           <p:sp>
             <p:nvSpPr>
-              <p:cNvPr id="73" name="弧形 72"/>
+              <p:cNvPr id="68" name="弧形 67"/>
               <p:cNvSpPr/>
               <p:nvPr/>
             </p:nvSpPr>
@@ -7430,7 +3948,7 @@
           </p:sp>
           <p:sp>
             <p:nvSpPr>
-              <p:cNvPr id="74" name="任意多边形 73"/>
+              <p:cNvPr id="72" name="任意多边形 71"/>
               <p:cNvSpPr/>
               <p:nvPr/>
             </p:nvSpPr>
@@ -7549,7 +4067,7 @@
           </p:nvGrpSpPr>
           <p:grpSpPr>
             <a:xfrm>
-              <a:off x="-3197901" y="3293337"/>
+              <a:off x="429708" y="3293337"/>
               <a:ext cx="700380" cy="360040"/>
               <a:chOff x="-6229200" y="-1971600"/>
               <a:chExt cx="4202280" cy="2160240"/>
@@ -7714,15 +4232,134 @@
             </p:txBody>
           </p:sp>
         </p:grpSp>
+        <p:sp>
+          <p:nvSpPr>
+            <p:cNvPr id="78" name="矩形 77"/>
+            <p:cNvSpPr/>
+            <p:nvPr/>
+          </p:nvSpPr>
+          <p:spPr>
+            <a:xfrm>
+              <a:off x="-5224553" y="2114747"/>
+              <a:ext cx="1434390" cy="540272"/>
+            </a:xfrm>
+            <a:prstGeom prst="rect">
+              <a:avLst/>
+            </a:prstGeom>
+            <a:noFill/>
+            <a:ln>
+              <a:solidFill>
+                <a:schemeClr val="tx1"/>
+              </a:solidFill>
+            </a:ln>
+          </p:spPr>
+          <p:style>
+            <a:lnRef idx="2">
+              <a:schemeClr val="accent1">
+                <a:shade val="50000"/>
+              </a:schemeClr>
+            </a:lnRef>
+            <a:fillRef idx="1">
+              <a:schemeClr val="accent1"/>
+            </a:fillRef>
+            <a:effectRef idx="0">
+              <a:schemeClr val="accent1"/>
+            </a:effectRef>
+            <a:fontRef idx="minor">
+              <a:schemeClr val="lt1"/>
+            </a:fontRef>
+          </p:style>
+          <p:txBody>
+            <a:bodyPr rtlCol="0" anchor="ctr"/>
+            <a:lstStyle/>
+            <a:p>
+              <a:pPr algn="ctr"/>
+              <a:r>
+                <a:rPr lang="en-US" altLang="zh-CN" dirty="0" smtClean="0">
+                  <a:solidFill>
+                    <a:schemeClr val="tx1"/>
+                  </a:solidFill>
+                </a:rPr>
+                <a:t>Laser</a:t>
+              </a:r>
+              <a:endParaRPr lang="zh-CN" altLang="en-US" dirty="0">
+                <a:solidFill>
+                  <a:schemeClr val="tx1"/>
+                </a:solidFill>
+              </a:endParaRPr>
+            </a:p>
+          </p:txBody>
+        </p:sp>
+        <p:sp>
+          <p:nvSpPr>
+            <p:cNvPr id="83" name="矩形 82"/>
+            <p:cNvSpPr/>
+            <p:nvPr/>
+          </p:nvSpPr>
+          <p:spPr>
+            <a:xfrm>
+              <a:off x="-2846183" y="836712"/>
+              <a:ext cx="2331911" cy="3096344"/>
+            </a:xfrm>
+            <a:prstGeom prst="rect">
+              <a:avLst/>
+            </a:prstGeom>
+            <a:noFill/>
+            <a:ln>
+              <a:solidFill>
+                <a:schemeClr val="tx1"/>
+              </a:solidFill>
+            </a:ln>
+          </p:spPr>
+          <p:style>
+            <a:lnRef idx="2">
+              <a:schemeClr val="accent1">
+                <a:shade val="50000"/>
+              </a:schemeClr>
+            </a:lnRef>
+            <a:fillRef idx="1">
+              <a:schemeClr val="accent1"/>
+            </a:fillRef>
+            <a:effectRef idx="0">
+              <a:schemeClr val="accent1"/>
+            </a:effectRef>
+            <a:fontRef idx="minor">
+              <a:schemeClr val="lt1"/>
+            </a:fontRef>
+          </p:style>
+          <p:txBody>
+            <a:bodyPr rtlCol="0" anchor="ctr"/>
+            <a:lstStyle/>
+            <a:p>
+              <a:pPr algn="ctr"/>
+              <a:r>
+                <a:rPr lang="en-US" altLang="zh-CN" dirty="0" smtClean="0">
+                  <a:solidFill>
+                    <a:schemeClr val="tx1"/>
+                  </a:solidFill>
+                </a:rPr>
+                <a:t>Optical System</a:t>
+              </a:r>
+              <a:endParaRPr lang="zh-CN" altLang="en-US" dirty="0">
+                <a:solidFill>
+                  <a:schemeClr val="tx1"/>
+                </a:solidFill>
+              </a:endParaRPr>
+            </a:p>
+          </p:txBody>
+        </p:sp>
         <p:cxnSp>
           <p:nvCxnSpPr>
-            <p:cNvPr id="78" name="直接箭头连接符 77"/>
-            <p:cNvCxnSpPr/>
+            <p:cNvPr id="17" name="直接箭头连接符 16"/>
+            <p:cNvCxnSpPr>
+              <a:stCxn id="78" idx="3"/>
+              <a:endCxn id="83" idx="1"/>
+            </p:cNvCxnSpPr>
             <p:nvPr/>
           </p:nvCxnSpPr>
           <p:spPr>
             <a:xfrm>
-              <a:off x="-4113714" y="1387900"/>
+              <a:off x="-3790163" y="2384883"/>
               <a:ext cx="943980" cy="1"/>
             </a:xfrm>
             <a:prstGeom prst="straightConnector1">
@@ -7753,13 +4390,13 @@
         </p:cxnSp>
         <p:cxnSp>
           <p:nvCxnSpPr>
-            <p:cNvPr id="79" name="直接箭头连接符 78"/>
+            <p:cNvPr id="84" name="直接箭头连接符 83"/>
             <p:cNvCxnSpPr/>
             <p:nvPr/>
           </p:nvCxnSpPr>
           <p:spPr>
             <a:xfrm>
-              <a:off x="-4113714" y="1855952"/>
+              <a:off x="-486105" y="1387900"/>
               <a:ext cx="943980" cy="1"/>
             </a:xfrm>
             <a:prstGeom prst="straightConnector1">
@@ -7790,13 +4427,13 @@
         </p:cxnSp>
         <p:cxnSp>
           <p:nvCxnSpPr>
-            <p:cNvPr id="80" name="直接箭头连接符 79"/>
+            <p:cNvPr id="86" name="直接箭头连接符 85"/>
             <p:cNvCxnSpPr/>
             <p:nvPr/>
           </p:nvCxnSpPr>
           <p:spPr>
             <a:xfrm>
-              <a:off x="-4113714" y="3473356"/>
+              <a:off x="-486105" y="1855952"/>
               <a:ext cx="943980" cy="1"/>
             </a:xfrm>
             <a:prstGeom prst="straightConnector1">
@@ -7825,15 +4462,52 @@
             </a:fontRef>
           </p:style>
         </p:cxnSp>
+        <p:cxnSp>
+          <p:nvCxnSpPr>
+            <p:cNvPr id="87" name="直接箭头连接符 86"/>
+            <p:cNvCxnSpPr/>
+            <p:nvPr/>
+          </p:nvCxnSpPr>
+          <p:spPr>
+            <a:xfrm>
+              <a:off x="-486105" y="3473356"/>
+              <a:ext cx="943980" cy="1"/>
+            </a:xfrm>
+            <a:prstGeom prst="straightConnector1">
+              <a:avLst/>
+            </a:prstGeom>
+            <a:ln w="28575">
+              <a:solidFill>
+                <a:schemeClr val="tx1"/>
+              </a:solidFill>
+              <a:prstDash val="sysDash"/>
+              <a:tailEnd type="triangle"/>
+            </a:ln>
+          </p:spPr>
+          <p:style>
+            <a:lnRef idx="1">
+              <a:schemeClr val="accent1"/>
+            </a:lnRef>
+            <a:fillRef idx="0">
+              <a:schemeClr val="accent1"/>
+            </a:fillRef>
+            <a:effectRef idx="0">
+              <a:schemeClr val="accent1"/>
+            </a:effectRef>
+            <a:fontRef idx="minor">
+              <a:schemeClr val="tx1"/>
+            </a:fontRef>
+          </p:style>
+        </p:cxnSp>
         <p:sp>
           <p:nvSpPr>
-            <p:cNvPr id="81" name="椭圆 80"/>
+            <p:cNvPr id="88" name="椭圆 87"/>
             <p:cNvSpPr/>
             <p:nvPr/>
           </p:nvSpPr>
           <p:spPr>
             <a:xfrm>
-              <a:off x="-3657575" y="1988840"/>
+              <a:off x="-29966" y="1988840"/>
               <a:ext cx="65462" cy="72008"/>
             </a:xfrm>
             <a:prstGeom prst="ellipse">
@@ -7875,13 +4549,13 @@
         </p:sp>
         <p:sp>
           <p:nvSpPr>
-            <p:cNvPr id="82" name="椭圆 81"/>
+            <p:cNvPr id="90" name="椭圆 89"/>
             <p:cNvSpPr/>
             <p:nvPr/>
           </p:nvSpPr>
           <p:spPr>
             <a:xfrm>
-              <a:off x="-3657575" y="2384884"/>
+              <a:off x="-29966" y="2384884"/>
               <a:ext cx="65462" cy="72008"/>
             </a:xfrm>
             <a:prstGeom prst="ellipse">
@@ -7923,13 +4597,13 @@
         </p:sp>
         <p:sp>
           <p:nvSpPr>
-            <p:cNvPr id="83" name="椭圆 82"/>
+            <p:cNvPr id="94" name="椭圆 93"/>
             <p:cNvSpPr/>
             <p:nvPr/>
           </p:nvSpPr>
           <p:spPr>
             <a:xfrm>
-              <a:off x="-3657575" y="2780928"/>
+              <a:off x="-29966" y="2780928"/>
               <a:ext cx="65462" cy="72008"/>
             </a:xfrm>
             <a:prstGeom prst="ellipse">
@@ -7938,6 +4612,2802 @@
             <a:solidFill>
               <a:schemeClr val="tx1"/>
             </a:solidFill>
+            <a:ln>
+              <a:solidFill>
+                <a:schemeClr val="tx1"/>
+              </a:solidFill>
+            </a:ln>
+          </p:spPr>
+          <p:style>
+            <a:lnRef idx="2">
+              <a:schemeClr val="accent1">
+                <a:shade val="50000"/>
+              </a:schemeClr>
+            </a:lnRef>
+            <a:fillRef idx="1">
+              <a:schemeClr val="accent1"/>
+            </a:fillRef>
+            <a:effectRef idx="0">
+              <a:schemeClr val="accent1"/>
+            </a:effectRef>
+            <a:fontRef idx="minor">
+              <a:schemeClr val="lt1"/>
+            </a:fontRef>
+          </p:style>
+          <p:txBody>
+            <a:bodyPr rtlCol="0" anchor="ctr"/>
+            <a:lstStyle/>
+            <a:p>
+              <a:pPr algn="ctr"/>
+              <a:endParaRPr lang="zh-CN" altLang="en-US"/>
+            </a:p>
+          </p:txBody>
+        </p:sp>
+        <p:sp>
+          <p:nvSpPr>
+            <p:cNvPr id="96" name="TextBox 101"/>
+            <p:cNvSpPr txBox="1"/>
+            <p:nvPr/>
+          </p:nvSpPr>
+          <p:spPr>
+            <a:xfrm>
+              <a:off x="-1610772" y="4671967"/>
+              <a:ext cx="3021286" cy="369332"/>
+            </a:xfrm>
+            <a:prstGeom prst="rect">
+              <a:avLst/>
+            </a:prstGeom>
+            <a:noFill/>
+          </p:spPr>
+          <p:txBody>
+            <a:bodyPr wrap="square" rtlCol="0">
+              <a:spAutoFit/>
+            </a:bodyPr>
+            <a:lstStyle/>
+            <a:p>
+              <a:pPr algn="ctr"/>
+              <a:r>
+                <a:rPr lang="en-US" altLang="zh-CN" dirty="0" smtClean="0"/>
+                <a:t>SYNCHRONOUS CLK</a:t>
+              </a:r>
+              <a:endParaRPr lang="zh-CN" altLang="en-US" dirty="0"/>
+            </a:p>
+          </p:txBody>
+        </p:sp>
+        <p:sp>
+          <p:nvSpPr>
+            <p:cNvPr id="37" name="上下箭头 36"/>
+            <p:cNvSpPr/>
+            <p:nvPr/>
+          </p:nvSpPr>
+          <p:spPr>
+            <a:xfrm rot="16200000">
+              <a:off x="5902095" y="865315"/>
+              <a:ext cx="321329" cy="1001023"/>
+            </a:xfrm>
+            <a:prstGeom prst="upDownArrow">
+              <a:avLst/>
+            </a:prstGeom>
+            <a:noFill/>
+            <a:ln>
+              <a:solidFill>
+                <a:schemeClr val="tx1"/>
+              </a:solidFill>
+            </a:ln>
+          </p:spPr>
+          <p:style>
+            <a:lnRef idx="2">
+              <a:schemeClr val="accent1">
+                <a:shade val="50000"/>
+              </a:schemeClr>
+            </a:lnRef>
+            <a:fillRef idx="1">
+              <a:schemeClr val="accent1"/>
+            </a:fillRef>
+            <a:effectRef idx="0">
+              <a:schemeClr val="accent1"/>
+            </a:effectRef>
+            <a:fontRef idx="minor">
+              <a:schemeClr val="lt1"/>
+            </a:fontRef>
+          </p:style>
+          <p:txBody>
+            <a:bodyPr rtlCol="0" anchor="ctr"/>
+            <a:lstStyle/>
+            <a:p>
+              <a:pPr algn="ctr"/>
+              <a:endParaRPr lang="zh-CN" altLang="en-US"/>
+            </a:p>
+          </p:txBody>
+        </p:sp>
+        <p:sp>
+          <p:nvSpPr>
+            <p:cNvPr id="38" name="矩形 37"/>
+            <p:cNvSpPr/>
+            <p:nvPr/>
+          </p:nvSpPr>
+          <p:spPr>
+            <a:xfrm>
+              <a:off x="6593289" y="2437937"/>
+              <a:ext cx="1475501" cy="1117180"/>
+            </a:xfrm>
+            <a:prstGeom prst="rect">
+              <a:avLst/>
+            </a:prstGeom>
+            <a:noFill/>
+            <a:ln>
+              <a:solidFill>
+                <a:schemeClr val="tx1"/>
+              </a:solidFill>
+            </a:ln>
+          </p:spPr>
+          <p:style>
+            <a:lnRef idx="2">
+              <a:schemeClr val="accent1">
+                <a:shade val="50000"/>
+              </a:schemeClr>
+            </a:lnRef>
+            <a:fillRef idx="1">
+              <a:schemeClr val="accent1"/>
+            </a:fillRef>
+            <a:effectRef idx="0">
+              <a:schemeClr val="accent1"/>
+            </a:effectRef>
+            <a:fontRef idx="minor">
+              <a:schemeClr val="lt1"/>
+            </a:fontRef>
+          </p:style>
+          <p:txBody>
+            <a:bodyPr rtlCol="0" anchor="ctr"/>
+            <a:lstStyle/>
+            <a:p>
+              <a:pPr algn="ctr"/>
+              <a:r>
+                <a:rPr lang="en-US" altLang="zh-CN" dirty="0" smtClean="0">
+                  <a:solidFill>
+                    <a:schemeClr val="tx1"/>
+                  </a:solidFill>
+                </a:rPr>
+                <a:t>USB Chip</a:t>
+              </a:r>
+              <a:endParaRPr lang="zh-CN" altLang="en-US" dirty="0">
+                <a:solidFill>
+                  <a:schemeClr val="tx1"/>
+                </a:solidFill>
+              </a:endParaRPr>
+            </a:p>
+          </p:txBody>
+        </p:sp>
+        <p:sp>
+          <p:nvSpPr>
+            <p:cNvPr id="39" name="上下箭头 38"/>
+            <p:cNvSpPr/>
+            <p:nvPr/>
+          </p:nvSpPr>
+          <p:spPr>
+            <a:xfrm rot="16200000">
+              <a:off x="5898156" y="2492077"/>
+              <a:ext cx="321329" cy="1008897"/>
+            </a:xfrm>
+            <a:prstGeom prst="upDownArrow">
+              <a:avLst/>
+            </a:prstGeom>
+            <a:noFill/>
+            <a:ln>
+              <a:solidFill>
+                <a:schemeClr val="tx1"/>
+              </a:solidFill>
+            </a:ln>
+          </p:spPr>
+          <p:style>
+            <a:lnRef idx="2">
+              <a:schemeClr val="accent1">
+                <a:shade val="50000"/>
+              </a:schemeClr>
+            </a:lnRef>
+            <a:fillRef idx="1">
+              <a:schemeClr val="accent1"/>
+            </a:fillRef>
+            <a:effectRef idx="0">
+              <a:schemeClr val="accent1"/>
+            </a:effectRef>
+            <a:fontRef idx="minor">
+              <a:schemeClr val="lt1"/>
+            </a:fontRef>
+          </p:style>
+          <p:txBody>
+            <a:bodyPr rtlCol="0" anchor="ctr"/>
+            <a:lstStyle/>
+            <a:p>
+              <a:pPr algn="ctr"/>
+              <a:endParaRPr lang="zh-CN" altLang="en-US"/>
+            </a:p>
+          </p:txBody>
+        </p:sp>
+        <p:sp>
+          <p:nvSpPr>
+            <p:cNvPr id="40" name="矩形 39"/>
+            <p:cNvSpPr/>
+            <p:nvPr/>
+          </p:nvSpPr>
+          <p:spPr>
+            <a:xfrm>
+              <a:off x="6593288" y="813771"/>
+              <a:ext cx="1475501" cy="1117180"/>
+            </a:xfrm>
+            <a:prstGeom prst="rect">
+              <a:avLst/>
+            </a:prstGeom>
+            <a:noFill/>
+            <a:ln>
+              <a:solidFill>
+                <a:schemeClr val="tx1"/>
+              </a:solidFill>
+            </a:ln>
+          </p:spPr>
+          <p:style>
+            <a:lnRef idx="2">
+              <a:schemeClr val="accent1">
+                <a:shade val="50000"/>
+              </a:schemeClr>
+            </a:lnRef>
+            <a:fillRef idx="1">
+              <a:schemeClr val="accent1"/>
+            </a:fillRef>
+            <a:effectRef idx="0">
+              <a:schemeClr val="accent1"/>
+            </a:effectRef>
+            <a:fontRef idx="minor">
+              <a:schemeClr val="lt1"/>
+            </a:fontRef>
+          </p:style>
+          <p:txBody>
+            <a:bodyPr rtlCol="0" anchor="ctr"/>
+            <a:lstStyle/>
+            <a:p>
+              <a:pPr algn="ctr"/>
+              <a:r>
+                <a:rPr lang="en-US" altLang="zh-CN" dirty="0" smtClean="0">
+                  <a:solidFill>
+                    <a:schemeClr val="tx1"/>
+                  </a:solidFill>
+                </a:rPr>
+                <a:t>DDR</a:t>
+              </a:r>
+              <a:endParaRPr lang="zh-CN" altLang="en-US" dirty="0">
+                <a:solidFill>
+                  <a:schemeClr val="tx1"/>
+                </a:solidFill>
+              </a:endParaRPr>
+            </a:p>
+          </p:txBody>
+        </p:sp>
+      </p:grpSp>
+    </p:spTree>
+    <p:extLst>
+      <p:ext uri="{BB962C8B-B14F-4D97-AF65-F5344CB8AC3E}">
+        <p14:creationId xmlns:p14="http://schemas.microsoft.com/office/powerpoint/2010/main" val="2692375616"/>
+      </p:ext>
+    </p:extLst>
+  </p:cSld>
+  <p:clrMapOvr>
+    <a:masterClrMapping/>
+  </p:clrMapOvr>
+</p:sld>
+</file>
+
+<file path=ppt/slides/slide2.xml><?xml version="1.0" encoding="utf-8"?>
+<p:sld xmlns:a="http://schemas.openxmlformats.org/drawingml/2006/main" xmlns:r="http://schemas.openxmlformats.org/officeDocument/2006/relationships" xmlns:p="http://schemas.openxmlformats.org/presentationml/2006/main">
+  <p:cSld>
+    <p:spTree>
+      <p:nvGrpSpPr>
+        <p:cNvPr id="1" name=""/>
+        <p:cNvGrpSpPr/>
+        <p:nvPr/>
+      </p:nvGrpSpPr>
+      <p:grpSpPr>
+        <a:xfrm>
+          <a:off x="0" y="0"/>
+          <a:ext cx="0" cy="0"/>
+          <a:chOff x="0" y="0"/>
+          <a:chExt cx="0" cy="0"/>
+        </a:xfrm>
+      </p:grpSpPr>
+      <p:grpSp>
+        <p:nvGrpSpPr>
+          <p:cNvPr id="100" name="组合 99"/>
+          <p:cNvGrpSpPr/>
+          <p:nvPr/>
+        </p:nvGrpSpPr>
+        <p:grpSpPr>
+          <a:xfrm>
+            <a:off x="-5005064" y="-243408"/>
+            <a:ext cx="18484421" cy="7101408"/>
+            <a:chOff x="-5005064" y="-243408"/>
+            <a:chExt cx="18484421" cy="7101408"/>
+          </a:xfrm>
+        </p:grpSpPr>
+        <p:sp>
+          <p:nvSpPr>
+            <p:cNvPr id="4" name="圆角矩形 3"/>
+            <p:cNvSpPr/>
+            <p:nvPr/>
+          </p:nvSpPr>
+          <p:spPr>
+            <a:xfrm>
+              <a:off x="-3889154" y="-243408"/>
+              <a:ext cx="15769752" cy="7101408"/>
+            </a:xfrm>
+            <a:prstGeom prst="roundRect">
+              <a:avLst/>
+            </a:prstGeom>
+            <a:noFill/>
+            <a:ln>
+              <a:solidFill>
+                <a:schemeClr val="tx1"/>
+              </a:solidFill>
+              <a:prstDash val="sysDash"/>
+            </a:ln>
+          </p:spPr>
+          <p:style>
+            <a:lnRef idx="2">
+              <a:schemeClr val="accent1">
+                <a:shade val="50000"/>
+              </a:schemeClr>
+            </a:lnRef>
+            <a:fillRef idx="1">
+              <a:schemeClr val="accent1"/>
+            </a:fillRef>
+            <a:effectRef idx="0">
+              <a:schemeClr val="accent1"/>
+            </a:effectRef>
+            <a:fontRef idx="minor">
+              <a:schemeClr val="lt1"/>
+            </a:fontRef>
+          </p:style>
+          <p:txBody>
+            <a:bodyPr rtlCol="0" anchor="ctr"/>
+            <a:lstStyle/>
+            <a:p>
+              <a:pPr algn="ctr"/>
+              <a:endParaRPr lang="zh-CN" altLang="en-US"/>
+            </a:p>
+          </p:txBody>
+        </p:sp>
+        <p:sp>
+          <p:nvSpPr>
+            <p:cNvPr id="5" name="矩形 4"/>
+            <p:cNvSpPr/>
+            <p:nvPr/>
+          </p:nvSpPr>
+          <p:spPr>
+            <a:xfrm>
+              <a:off x="-2521002" y="980728"/>
+              <a:ext cx="1224136" cy="2808312"/>
+            </a:xfrm>
+            <a:prstGeom prst="rect">
+              <a:avLst/>
+            </a:prstGeom>
+            <a:noFill/>
+            <a:ln>
+              <a:solidFill>
+                <a:schemeClr val="tx1"/>
+              </a:solidFill>
+            </a:ln>
+          </p:spPr>
+          <p:style>
+            <a:lnRef idx="2">
+              <a:schemeClr val="accent1">
+                <a:shade val="50000"/>
+              </a:schemeClr>
+            </a:lnRef>
+            <a:fillRef idx="1">
+              <a:schemeClr val="accent1"/>
+            </a:fillRef>
+            <a:effectRef idx="0">
+              <a:schemeClr val="accent1"/>
+            </a:effectRef>
+            <a:fontRef idx="minor">
+              <a:schemeClr val="lt1"/>
+            </a:fontRef>
+          </p:style>
+          <p:txBody>
+            <a:bodyPr rtlCol="0" anchor="ctr"/>
+            <a:lstStyle/>
+            <a:p>
+              <a:pPr algn="ctr"/>
+              <a:r>
+                <a:rPr lang="en-US" altLang="zh-CN" dirty="0" smtClean="0">
+                  <a:solidFill>
+                    <a:schemeClr val="tx1"/>
+                  </a:solidFill>
+                </a:rPr>
+                <a:t>IODELAY2</a:t>
+              </a:r>
+              <a:endParaRPr lang="zh-CN" altLang="en-US" dirty="0">
+                <a:solidFill>
+                  <a:schemeClr val="tx1"/>
+                </a:solidFill>
+              </a:endParaRPr>
+            </a:p>
+          </p:txBody>
+        </p:sp>
+        <p:cxnSp>
+          <p:nvCxnSpPr>
+            <p:cNvPr id="6" name="直接箭头连接符 5"/>
+            <p:cNvCxnSpPr/>
+            <p:nvPr/>
+          </p:nvCxnSpPr>
+          <p:spPr>
+            <a:xfrm>
+              <a:off x="-4465218" y="1376772"/>
+              <a:ext cx="1944216" cy="0"/>
+            </a:xfrm>
+            <a:prstGeom prst="straightConnector1">
+              <a:avLst/>
+            </a:prstGeom>
+            <a:ln w="28575">
+              <a:solidFill>
+                <a:schemeClr val="tx1"/>
+              </a:solidFill>
+              <a:tailEnd type="arrow"/>
+            </a:ln>
+          </p:spPr>
+          <p:style>
+            <a:lnRef idx="1">
+              <a:schemeClr val="accent1"/>
+            </a:lnRef>
+            <a:fillRef idx="0">
+              <a:schemeClr val="accent1"/>
+            </a:fillRef>
+            <a:effectRef idx="0">
+              <a:schemeClr val="accent1"/>
+            </a:effectRef>
+            <a:fontRef idx="minor">
+              <a:schemeClr val="tx1"/>
+            </a:fontRef>
+          </p:style>
+        </p:cxnSp>
+        <p:sp>
+          <p:nvSpPr>
+            <p:cNvPr id="7" name="椭圆 6"/>
+            <p:cNvSpPr/>
+            <p:nvPr/>
+          </p:nvSpPr>
+          <p:spPr>
+            <a:xfrm>
+              <a:off x="-3522568" y="1988840"/>
+              <a:ext cx="65462" cy="72008"/>
+            </a:xfrm>
+            <a:prstGeom prst="ellipse">
+              <a:avLst/>
+            </a:prstGeom>
+            <a:solidFill>
+              <a:schemeClr val="tx1"/>
+            </a:solidFill>
+            <a:ln>
+              <a:solidFill>
+                <a:schemeClr val="tx1"/>
+              </a:solidFill>
+            </a:ln>
+          </p:spPr>
+          <p:style>
+            <a:lnRef idx="2">
+              <a:schemeClr val="accent1">
+                <a:shade val="50000"/>
+              </a:schemeClr>
+            </a:lnRef>
+            <a:fillRef idx="1">
+              <a:schemeClr val="accent1"/>
+            </a:fillRef>
+            <a:effectRef idx="0">
+              <a:schemeClr val="accent1"/>
+            </a:effectRef>
+            <a:fontRef idx="minor">
+              <a:schemeClr val="lt1"/>
+            </a:fontRef>
+          </p:style>
+          <p:txBody>
+            <a:bodyPr rtlCol="0" anchor="ctr"/>
+            <a:lstStyle/>
+            <a:p>
+              <a:pPr algn="ctr"/>
+              <a:endParaRPr lang="zh-CN" altLang="en-US"/>
+            </a:p>
+          </p:txBody>
+        </p:sp>
+        <p:sp>
+          <p:nvSpPr>
+            <p:cNvPr id="8" name="椭圆 7"/>
+            <p:cNvSpPr/>
+            <p:nvPr/>
+          </p:nvSpPr>
+          <p:spPr>
+            <a:xfrm>
+              <a:off x="-3522568" y="2384884"/>
+              <a:ext cx="65462" cy="72008"/>
+            </a:xfrm>
+            <a:prstGeom prst="ellipse">
+              <a:avLst/>
+            </a:prstGeom>
+            <a:solidFill>
+              <a:schemeClr val="tx1"/>
+            </a:solidFill>
+            <a:ln>
+              <a:solidFill>
+                <a:schemeClr val="tx1"/>
+              </a:solidFill>
+            </a:ln>
+          </p:spPr>
+          <p:style>
+            <a:lnRef idx="2">
+              <a:schemeClr val="accent1">
+                <a:shade val="50000"/>
+              </a:schemeClr>
+            </a:lnRef>
+            <a:fillRef idx="1">
+              <a:schemeClr val="accent1"/>
+            </a:fillRef>
+            <a:effectRef idx="0">
+              <a:schemeClr val="accent1"/>
+            </a:effectRef>
+            <a:fontRef idx="minor">
+              <a:schemeClr val="lt1"/>
+            </a:fontRef>
+          </p:style>
+          <p:txBody>
+            <a:bodyPr rtlCol="0" anchor="ctr"/>
+            <a:lstStyle/>
+            <a:p>
+              <a:pPr algn="ctr"/>
+              <a:endParaRPr lang="zh-CN" altLang="en-US"/>
+            </a:p>
+          </p:txBody>
+        </p:sp>
+        <p:sp>
+          <p:nvSpPr>
+            <p:cNvPr id="9" name="椭圆 8"/>
+            <p:cNvSpPr/>
+            <p:nvPr/>
+          </p:nvSpPr>
+          <p:spPr>
+            <a:xfrm>
+              <a:off x="-3522568" y="2780928"/>
+              <a:ext cx="65462" cy="72008"/>
+            </a:xfrm>
+            <a:prstGeom prst="ellipse">
+              <a:avLst/>
+            </a:prstGeom>
+            <a:solidFill>
+              <a:schemeClr val="tx1"/>
+            </a:solidFill>
+            <a:ln>
+              <a:solidFill>
+                <a:schemeClr val="tx1"/>
+              </a:solidFill>
+            </a:ln>
+          </p:spPr>
+          <p:style>
+            <a:lnRef idx="2">
+              <a:schemeClr val="accent1">
+                <a:shade val="50000"/>
+              </a:schemeClr>
+            </a:lnRef>
+            <a:fillRef idx="1">
+              <a:schemeClr val="accent1"/>
+            </a:fillRef>
+            <a:effectRef idx="0">
+              <a:schemeClr val="accent1"/>
+            </a:effectRef>
+            <a:fontRef idx="minor">
+              <a:schemeClr val="lt1"/>
+            </a:fontRef>
+          </p:style>
+          <p:txBody>
+            <a:bodyPr rtlCol="0" anchor="ctr"/>
+            <a:lstStyle/>
+            <a:p>
+              <a:pPr algn="ctr"/>
+              <a:endParaRPr lang="zh-CN" altLang="en-US"/>
+            </a:p>
+          </p:txBody>
+        </p:sp>
+        <p:cxnSp>
+          <p:nvCxnSpPr>
+            <p:cNvPr id="10" name="直接箭头连接符 9"/>
+            <p:cNvCxnSpPr/>
+            <p:nvPr/>
+          </p:nvCxnSpPr>
+          <p:spPr>
+            <a:xfrm>
+              <a:off x="-4473094" y="3465004"/>
+              <a:ext cx="1944216" cy="0"/>
+            </a:xfrm>
+            <a:prstGeom prst="straightConnector1">
+              <a:avLst/>
+            </a:prstGeom>
+            <a:ln w="28575">
+              <a:solidFill>
+                <a:schemeClr val="tx1"/>
+              </a:solidFill>
+              <a:tailEnd type="arrow"/>
+            </a:ln>
+          </p:spPr>
+          <p:style>
+            <a:lnRef idx="1">
+              <a:schemeClr val="accent1"/>
+            </a:lnRef>
+            <a:fillRef idx="0">
+              <a:schemeClr val="accent1"/>
+            </a:fillRef>
+            <a:effectRef idx="0">
+              <a:schemeClr val="accent1"/>
+            </a:effectRef>
+            <a:fontRef idx="minor">
+              <a:schemeClr val="tx1"/>
+            </a:fontRef>
+          </p:style>
+        </p:cxnSp>
+        <p:sp>
+          <p:nvSpPr>
+            <p:cNvPr id="11" name="TextBox 13"/>
+            <p:cNvSpPr txBox="1"/>
+            <p:nvPr/>
+          </p:nvSpPr>
+          <p:spPr>
+            <a:xfrm>
+              <a:off x="-3986587" y="947500"/>
+              <a:ext cx="993500" cy="369332"/>
+            </a:xfrm>
+            <a:prstGeom prst="rect">
+              <a:avLst/>
+            </a:prstGeom>
+            <a:noFill/>
+          </p:spPr>
+          <p:txBody>
+            <a:bodyPr wrap="square" rtlCol="0">
+              <a:spAutoFit/>
+            </a:bodyPr>
+            <a:lstStyle/>
+            <a:p>
+              <a:pPr algn="ctr"/>
+              <a:r>
+                <a:rPr lang="en-US" altLang="zh-CN" dirty="0" smtClean="0"/>
+                <a:t>CH1</a:t>
+              </a:r>
+              <a:endParaRPr lang="zh-CN" altLang="en-US" dirty="0"/>
+            </a:p>
+          </p:txBody>
+        </p:sp>
+        <p:sp>
+          <p:nvSpPr>
+            <p:cNvPr id="12" name="TextBox 14"/>
+            <p:cNvSpPr txBox="1"/>
+            <p:nvPr/>
+          </p:nvSpPr>
+          <p:spPr>
+            <a:xfrm>
+              <a:off x="-3997736" y="3062136"/>
+              <a:ext cx="993500" cy="369332"/>
+            </a:xfrm>
+            <a:prstGeom prst="rect">
+              <a:avLst/>
+            </a:prstGeom>
+            <a:noFill/>
+          </p:spPr>
+          <p:txBody>
+            <a:bodyPr wrap="square" rtlCol="0">
+              <a:spAutoFit/>
+            </a:bodyPr>
+            <a:lstStyle/>
+            <a:p>
+              <a:pPr algn="ctr"/>
+              <a:r>
+                <a:rPr lang="en-US" altLang="zh-CN" dirty="0" err="1" smtClean="0"/>
+                <a:t>CHn</a:t>
+              </a:r>
+              <a:endParaRPr lang="zh-CN" altLang="en-US" dirty="0"/>
+            </a:p>
+          </p:txBody>
+        </p:sp>
+        <p:sp>
+          <p:nvSpPr>
+            <p:cNvPr id="13" name="矩形 12"/>
+            <p:cNvSpPr/>
+            <p:nvPr/>
+          </p:nvSpPr>
+          <p:spPr>
+            <a:xfrm>
+              <a:off x="-389544" y="980728"/>
+              <a:ext cx="1224136" cy="2808312"/>
+            </a:xfrm>
+            <a:prstGeom prst="rect">
+              <a:avLst/>
+            </a:prstGeom>
+            <a:noFill/>
+            <a:ln>
+              <a:solidFill>
+                <a:schemeClr val="tx1"/>
+              </a:solidFill>
+            </a:ln>
+          </p:spPr>
+          <p:style>
+            <a:lnRef idx="2">
+              <a:schemeClr val="accent1">
+                <a:shade val="50000"/>
+              </a:schemeClr>
+            </a:lnRef>
+            <a:fillRef idx="1">
+              <a:schemeClr val="accent1"/>
+            </a:fillRef>
+            <a:effectRef idx="0">
+              <a:schemeClr val="accent1"/>
+            </a:effectRef>
+            <a:fontRef idx="minor">
+              <a:schemeClr val="lt1"/>
+            </a:fontRef>
+          </p:style>
+          <p:txBody>
+            <a:bodyPr rtlCol="0" anchor="ctr"/>
+            <a:lstStyle/>
+            <a:p>
+              <a:pPr algn="ctr"/>
+              <a:r>
+                <a:rPr lang="en-US" altLang="zh-CN" dirty="0" smtClean="0">
+                  <a:solidFill>
+                    <a:schemeClr val="tx1"/>
+                  </a:solidFill>
+                </a:rPr>
+                <a:t>Pulse Shaping</a:t>
+              </a:r>
+              <a:endParaRPr lang="zh-CN" altLang="en-US" dirty="0">
+                <a:solidFill>
+                  <a:schemeClr val="tx1"/>
+                </a:solidFill>
+              </a:endParaRPr>
+            </a:p>
+          </p:txBody>
+        </p:sp>
+        <p:cxnSp>
+          <p:nvCxnSpPr>
+            <p:cNvPr id="14" name="直接箭头连接符 13"/>
+            <p:cNvCxnSpPr/>
+            <p:nvPr/>
+          </p:nvCxnSpPr>
+          <p:spPr>
+            <a:xfrm>
+              <a:off x="-4465218" y="1806044"/>
+              <a:ext cx="1944216" cy="0"/>
+            </a:xfrm>
+            <a:prstGeom prst="straightConnector1">
+              <a:avLst/>
+            </a:prstGeom>
+            <a:ln w="28575">
+              <a:solidFill>
+                <a:schemeClr val="tx1"/>
+              </a:solidFill>
+              <a:tailEnd type="arrow"/>
+            </a:ln>
+          </p:spPr>
+          <p:style>
+            <a:lnRef idx="1">
+              <a:schemeClr val="accent1"/>
+            </a:lnRef>
+            <a:fillRef idx="0">
+              <a:schemeClr val="accent1"/>
+            </a:fillRef>
+            <a:effectRef idx="0">
+              <a:schemeClr val="accent1"/>
+            </a:effectRef>
+            <a:fontRef idx="minor">
+              <a:schemeClr val="tx1"/>
+            </a:fontRef>
+          </p:style>
+        </p:cxnSp>
+        <p:sp>
+          <p:nvSpPr>
+            <p:cNvPr id="15" name="TextBox 35"/>
+            <p:cNvSpPr txBox="1"/>
+            <p:nvPr/>
+          </p:nvSpPr>
+          <p:spPr>
+            <a:xfrm>
+              <a:off x="-3986587" y="1376772"/>
+              <a:ext cx="993500" cy="369332"/>
+            </a:xfrm>
+            <a:prstGeom prst="rect">
+              <a:avLst/>
+            </a:prstGeom>
+            <a:noFill/>
+          </p:spPr>
+          <p:txBody>
+            <a:bodyPr wrap="square" rtlCol="0">
+              <a:spAutoFit/>
+            </a:bodyPr>
+            <a:lstStyle/>
+            <a:p>
+              <a:pPr algn="ctr"/>
+              <a:r>
+                <a:rPr lang="en-US" altLang="zh-CN" dirty="0" smtClean="0"/>
+                <a:t>CH2</a:t>
+              </a:r>
+              <a:endParaRPr lang="zh-CN" altLang="en-US" dirty="0"/>
+            </a:p>
+          </p:txBody>
+        </p:sp>
+        <p:sp>
+          <p:nvSpPr>
+            <p:cNvPr id="16" name="右箭头 15"/>
+            <p:cNvSpPr/>
+            <p:nvPr/>
+          </p:nvSpPr>
+          <p:spPr>
+            <a:xfrm>
+              <a:off x="-1305159" y="2132856"/>
+              <a:ext cx="907322" cy="576064"/>
+            </a:xfrm>
+            <a:prstGeom prst="rightArrow">
+              <a:avLst/>
+            </a:prstGeom>
+            <a:noFill/>
+            <a:ln>
+              <a:solidFill>
+                <a:schemeClr val="tx1"/>
+              </a:solidFill>
+            </a:ln>
+          </p:spPr>
+          <p:style>
+            <a:lnRef idx="2">
+              <a:schemeClr val="accent1">
+                <a:shade val="50000"/>
+              </a:schemeClr>
+            </a:lnRef>
+            <a:fillRef idx="1">
+              <a:schemeClr val="accent1"/>
+            </a:fillRef>
+            <a:effectRef idx="0">
+              <a:schemeClr val="accent1"/>
+            </a:effectRef>
+            <a:fontRef idx="minor">
+              <a:schemeClr val="lt1"/>
+            </a:fontRef>
+          </p:style>
+          <p:txBody>
+            <a:bodyPr rtlCol="0" anchor="ctr"/>
+            <a:lstStyle/>
+            <a:p>
+              <a:pPr algn="ctr"/>
+              <a:endParaRPr lang="zh-CN" altLang="en-US"/>
+            </a:p>
+          </p:txBody>
+        </p:sp>
+        <p:sp>
+          <p:nvSpPr>
+            <p:cNvPr id="17" name="矩形 16"/>
+            <p:cNvSpPr/>
+            <p:nvPr/>
+          </p:nvSpPr>
+          <p:spPr>
+            <a:xfrm>
+              <a:off x="4296499" y="1001988"/>
+              <a:ext cx="1872208" cy="2787052"/>
+            </a:xfrm>
+            <a:prstGeom prst="rect">
+              <a:avLst/>
+            </a:prstGeom>
+            <a:noFill/>
+            <a:ln>
+              <a:solidFill>
+                <a:schemeClr val="tx1"/>
+              </a:solidFill>
+            </a:ln>
+          </p:spPr>
+          <p:style>
+            <a:lnRef idx="2">
+              <a:schemeClr val="accent1">
+                <a:shade val="50000"/>
+              </a:schemeClr>
+            </a:lnRef>
+            <a:fillRef idx="1">
+              <a:schemeClr val="accent1"/>
+            </a:fillRef>
+            <a:effectRef idx="0">
+              <a:schemeClr val="accent1"/>
+            </a:effectRef>
+            <a:fontRef idx="minor">
+              <a:schemeClr val="lt1"/>
+            </a:fontRef>
+          </p:style>
+          <p:txBody>
+            <a:bodyPr rtlCol="0" anchor="ctr"/>
+            <a:lstStyle/>
+            <a:p>
+              <a:pPr algn="ctr"/>
+              <a:r>
+                <a:rPr lang="en-US" altLang="zh-CN" dirty="0" smtClean="0">
+                  <a:solidFill>
+                    <a:schemeClr val="tx1"/>
+                  </a:solidFill>
+                </a:rPr>
+                <a:t>Coincidence Logic</a:t>
+              </a:r>
+              <a:endParaRPr lang="zh-CN" altLang="en-US" dirty="0">
+                <a:solidFill>
+                  <a:schemeClr val="tx1"/>
+                </a:solidFill>
+              </a:endParaRPr>
+            </a:p>
+          </p:txBody>
+        </p:sp>
+        <p:sp>
+          <p:nvSpPr>
+            <p:cNvPr id="18" name="右箭头 17"/>
+            <p:cNvSpPr/>
+            <p:nvPr/>
+          </p:nvSpPr>
+          <p:spPr>
+            <a:xfrm>
+              <a:off x="857585" y="1252146"/>
+              <a:ext cx="941893" cy="576064"/>
+            </a:xfrm>
+            <a:prstGeom prst="rightArrow">
+              <a:avLst/>
+            </a:prstGeom>
+            <a:noFill/>
+            <a:ln>
+              <a:solidFill>
+                <a:schemeClr val="tx1"/>
+              </a:solidFill>
+            </a:ln>
+          </p:spPr>
+          <p:style>
+            <a:lnRef idx="2">
+              <a:schemeClr val="accent1">
+                <a:shade val="50000"/>
+              </a:schemeClr>
+            </a:lnRef>
+            <a:fillRef idx="1">
+              <a:schemeClr val="accent1"/>
+            </a:fillRef>
+            <a:effectRef idx="0">
+              <a:schemeClr val="accent1"/>
+            </a:effectRef>
+            <a:fontRef idx="minor">
+              <a:schemeClr val="lt1"/>
+            </a:fontRef>
+          </p:style>
+          <p:txBody>
+            <a:bodyPr rtlCol="0" anchor="ctr"/>
+            <a:lstStyle/>
+            <a:p>
+              <a:pPr algn="ctr"/>
+              <a:endParaRPr lang="zh-CN" altLang="en-US"/>
+            </a:p>
+          </p:txBody>
+        </p:sp>
+        <p:sp>
+          <p:nvSpPr>
+            <p:cNvPr id="19" name="矩形 18"/>
+            <p:cNvSpPr/>
+            <p:nvPr/>
+          </p:nvSpPr>
+          <p:spPr>
+            <a:xfrm>
+              <a:off x="1799478" y="980728"/>
+              <a:ext cx="1872208" cy="1118900"/>
+            </a:xfrm>
+            <a:prstGeom prst="rect">
+              <a:avLst/>
+            </a:prstGeom>
+            <a:noFill/>
+            <a:ln>
+              <a:solidFill>
+                <a:schemeClr val="tx1"/>
+              </a:solidFill>
+            </a:ln>
+          </p:spPr>
+          <p:style>
+            <a:lnRef idx="2">
+              <a:schemeClr val="accent1">
+                <a:shade val="50000"/>
+              </a:schemeClr>
+            </a:lnRef>
+            <a:fillRef idx="1">
+              <a:schemeClr val="accent1"/>
+            </a:fillRef>
+            <a:effectRef idx="0">
+              <a:schemeClr val="accent1"/>
+            </a:effectRef>
+            <a:fontRef idx="minor">
+              <a:schemeClr val="lt1"/>
+            </a:fontRef>
+          </p:style>
+          <p:txBody>
+            <a:bodyPr rtlCol="0" anchor="ctr"/>
+            <a:lstStyle/>
+            <a:p>
+              <a:pPr algn="ctr"/>
+              <a:r>
+                <a:rPr lang="en-US" altLang="zh-CN" dirty="0" smtClean="0">
+                  <a:solidFill>
+                    <a:schemeClr val="tx1"/>
+                  </a:solidFill>
+                </a:rPr>
+                <a:t>Register</a:t>
+              </a:r>
+              <a:endParaRPr lang="zh-CN" altLang="en-US" dirty="0">
+                <a:solidFill>
+                  <a:schemeClr val="tx1"/>
+                </a:solidFill>
+              </a:endParaRPr>
+            </a:p>
+          </p:txBody>
+        </p:sp>
+        <p:grpSp>
+          <p:nvGrpSpPr>
+            <p:cNvPr id="20" name="组合 19"/>
+            <p:cNvGrpSpPr/>
+            <p:nvPr/>
+          </p:nvGrpSpPr>
+          <p:grpSpPr>
+            <a:xfrm>
+              <a:off x="-3457106" y="216024"/>
+              <a:ext cx="881150" cy="404664"/>
+              <a:chOff x="-3348880" y="-84743"/>
+              <a:chExt cx="1368152" cy="484666"/>
+            </a:xfrm>
+          </p:grpSpPr>
+          <p:cxnSp>
+            <p:nvCxnSpPr>
+              <p:cNvPr id="21" name="肘形连接符 20"/>
+              <p:cNvCxnSpPr/>
+              <p:nvPr/>
+            </p:nvCxnSpPr>
+            <p:spPr>
+              <a:xfrm flipV="1">
+                <a:off x="-3348880" y="-84743"/>
+                <a:ext cx="576064" cy="484666"/>
+              </a:xfrm>
+              <a:prstGeom prst="bentConnector3">
+                <a:avLst/>
+              </a:prstGeom>
+              <a:ln w="19050">
+                <a:solidFill>
+                  <a:schemeClr val="tx1"/>
+                </a:solidFill>
+              </a:ln>
+            </p:spPr>
+            <p:style>
+              <a:lnRef idx="1">
+                <a:schemeClr val="accent1"/>
+              </a:lnRef>
+              <a:fillRef idx="0">
+                <a:schemeClr val="accent1"/>
+              </a:fillRef>
+              <a:effectRef idx="0">
+                <a:schemeClr val="accent1"/>
+              </a:effectRef>
+              <a:fontRef idx="minor">
+                <a:schemeClr val="tx1"/>
+              </a:fontRef>
+            </p:style>
+          </p:cxnSp>
+          <p:cxnSp>
+            <p:nvCxnSpPr>
+              <p:cNvPr id="22" name="肘形连接符 21"/>
+              <p:cNvCxnSpPr/>
+              <p:nvPr/>
+            </p:nvCxnSpPr>
+            <p:spPr>
+              <a:xfrm>
+                <a:off x="-2772816" y="-84743"/>
+                <a:ext cx="792088" cy="484666"/>
+              </a:xfrm>
+              <a:prstGeom prst="bentConnector3">
+                <a:avLst>
+                  <a:gd name="adj1" fmla="val 39814"/>
+                </a:avLst>
+              </a:prstGeom>
+              <a:ln w="19050">
+                <a:solidFill>
+                  <a:schemeClr val="tx1"/>
+                </a:solidFill>
+              </a:ln>
+            </p:spPr>
+            <p:style>
+              <a:lnRef idx="1">
+                <a:schemeClr val="accent1"/>
+              </a:lnRef>
+              <a:fillRef idx="0">
+                <a:schemeClr val="accent1"/>
+              </a:fillRef>
+              <a:effectRef idx="0">
+                <a:schemeClr val="accent1"/>
+              </a:effectRef>
+              <a:fontRef idx="minor">
+                <a:schemeClr val="tx1"/>
+              </a:fontRef>
+            </p:style>
+          </p:cxnSp>
+        </p:grpSp>
+        <p:grpSp>
+          <p:nvGrpSpPr>
+            <p:cNvPr id="23" name="组合 22"/>
+            <p:cNvGrpSpPr/>
+            <p:nvPr/>
+          </p:nvGrpSpPr>
+          <p:grpSpPr>
+            <a:xfrm>
+              <a:off x="-3457106" y="829290"/>
+              <a:ext cx="881150" cy="367462"/>
+              <a:chOff x="-3348880" y="647500"/>
+              <a:chExt cx="1368152" cy="484666"/>
+            </a:xfrm>
+          </p:grpSpPr>
+          <p:cxnSp>
+            <p:nvCxnSpPr>
+              <p:cNvPr id="24" name="肘形连接符 23"/>
+              <p:cNvCxnSpPr/>
+              <p:nvPr/>
+            </p:nvCxnSpPr>
+            <p:spPr>
+              <a:xfrm flipV="1">
+                <a:off x="-3348880" y="647500"/>
+                <a:ext cx="576064" cy="484666"/>
+              </a:xfrm>
+              <a:prstGeom prst="bentConnector3">
+                <a:avLst>
+                  <a:gd name="adj1" fmla="val 80346"/>
+                </a:avLst>
+              </a:prstGeom>
+              <a:ln w="19050">
+                <a:solidFill>
+                  <a:schemeClr val="tx1"/>
+                </a:solidFill>
+              </a:ln>
+            </p:spPr>
+            <p:style>
+              <a:lnRef idx="1">
+                <a:schemeClr val="accent1"/>
+              </a:lnRef>
+              <a:fillRef idx="0">
+                <a:schemeClr val="accent1"/>
+              </a:fillRef>
+              <a:effectRef idx="0">
+                <a:schemeClr val="accent1"/>
+              </a:effectRef>
+              <a:fontRef idx="minor">
+                <a:schemeClr val="tx1"/>
+              </a:fontRef>
+            </p:style>
+          </p:cxnSp>
+          <p:cxnSp>
+            <p:nvCxnSpPr>
+              <p:cNvPr id="25" name="肘形连接符 24"/>
+              <p:cNvCxnSpPr/>
+              <p:nvPr/>
+            </p:nvCxnSpPr>
+            <p:spPr>
+              <a:xfrm>
+                <a:off x="-2772816" y="647500"/>
+                <a:ext cx="792088" cy="484666"/>
+              </a:xfrm>
+              <a:prstGeom prst="bentConnector3">
+                <a:avLst>
+                  <a:gd name="adj1" fmla="val 61883"/>
+                </a:avLst>
+              </a:prstGeom>
+              <a:ln w="19050">
+                <a:solidFill>
+                  <a:schemeClr val="tx1"/>
+                </a:solidFill>
+              </a:ln>
+            </p:spPr>
+            <p:style>
+              <a:lnRef idx="1">
+                <a:schemeClr val="accent1"/>
+              </a:lnRef>
+              <a:fillRef idx="0">
+                <a:schemeClr val="accent1"/>
+              </a:fillRef>
+              <a:effectRef idx="0">
+                <a:schemeClr val="accent1"/>
+              </a:effectRef>
+              <a:fontRef idx="minor">
+                <a:schemeClr val="tx1"/>
+              </a:fontRef>
+            </p:style>
+          </p:cxnSp>
+        </p:grpSp>
+        <p:grpSp>
+          <p:nvGrpSpPr>
+            <p:cNvPr id="26" name="组合 25"/>
+            <p:cNvGrpSpPr/>
+            <p:nvPr/>
+          </p:nvGrpSpPr>
+          <p:grpSpPr>
+            <a:xfrm>
+              <a:off x="-1245633" y="188640"/>
+              <a:ext cx="881150" cy="404664"/>
+              <a:chOff x="-3348880" y="-84743"/>
+              <a:chExt cx="1368152" cy="484666"/>
+            </a:xfrm>
+          </p:grpSpPr>
+          <p:cxnSp>
+            <p:nvCxnSpPr>
+              <p:cNvPr id="27" name="肘形连接符 26"/>
+              <p:cNvCxnSpPr/>
+              <p:nvPr/>
+            </p:nvCxnSpPr>
+            <p:spPr>
+              <a:xfrm flipV="1">
+                <a:off x="-3348880" y="-84743"/>
+                <a:ext cx="576064" cy="484666"/>
+              </a:xfrm>
+              <a:prstGeom prst="bentConnector3">
+                <a:avLst/>
+              </a:prstGeom>
+              <a:ln w="19050">
+                <a:solidFill>
+                  <a:schemeClr val="tx1"/>
+                </a:solidFill>
+              </a:ln>
+            </p:spPr>
+            <p:style>
+              <a:lnRef idx="1">
+                <a:schemeClr val="accent1"/>
+              </a:lnRef>
+              <a:fillRef idx="0">
+                <a:schemeClr val="accent1"/>
+              </a:fillRef>
+              <a:effectRef idx="0">
+                <a:schemeClr val="accent1"/>
+              </a:effectRef>
+              <a:fontRef idx="minor">
+                <a:schemeClr val="tx1"/>
+              </a:fontRef>
+            </p:style>
+          </p:cxnSp>
+          <p:cxnSp>
+            <p:nvCxnSpPr>
+              <p:cNvPr id="28" name="肘形连接符 27"/>
+              <p:cNvCxnSpPr/>
+              <p:nvPr/>
+            </p:nvCxnSpPr>
+            <p:spPr>
+              <a:xfrm>
+                <a:off x="-2772816" y="-84743"/>
+                <a:ext cx="792088" cy="484666"/>
+              </a:xfrm>
+              <a:prstGeom prst="bentConnector3">
+                <a:avLst>
+                  <a:gd name="adj1" fmla="val 39814"/>
+                </a:avLst>
+              </a:prstGeom>
+              <a:ln w="19050">
+                <a:solidFill>
+                  <a:schemeClr val="tx1"/>
+                </a:solidFill>
+              </a:ln>
+            </p:spPr>
+            <p:style>
+              <a:lnRef idx="1">
+                <a:schemeClr val="accent1"/>
+              </a:lnRef>
+              <a:fillRef idx="0">
+                <a:schemeClr val="accent1"/>
+              </a:fillRef>
+              <a:effectRef idx="0">
+                <a:schemeClr val="accent1"/>
+              </a:effectRef>
+              <a:fontRef idx="minor">
+                <a:schemeClr val="tx1"/>
+              </a:fontRef>
+            </p:style>
+          </p:cxnSp>
+        </p:grpSp>
+        <p:grpSp>
+          <p:nvGrpSpPr>
+            <p:cNvPr id="29" name="组合 28"/>
+            <p:cNvGrpSpPr/>
+            <p:nvPr/>
+          </p:nvGrpSpPr>
+          <p:grpSpPr>
+            <a:xfrm>
+              <a:off x="-1245633" y="778396"/>
+              <a:ext cx="881150" cy="404664"/>
+              <a:chOff x="-3348880" y="-84743"/>
+              <a:chExt cx="1368152" cy="484666"/>
+            </a:xfrm>
+          </p:grpSpPr>
+          <p:cxnSp>
+            <p:nvCxnSpPr>
+              <p:cNvPr id="30" name="肘形连接符 29"/>
+              <p:cNvCxnSpPr/>
+              <p:nvPr/>
+            </p:nvCxnSpPr>
+            <p:spPr>
+              <a:xfrm flipV="1">
+                <a:off x="-3348880" y="-84743"/>
+                <a:ext cx="576064" cy="484666"/>
+              </a:xfrm>
+              <a:prstGeom prst="bentConnector3">
+                <a:avLst/>
+              </a:prstGeom>
+              <a:ln w="19050">
+                <a:solidFill>
+                  <a:schemeClr val="tx1"/>
+                </a:solidFill>
+              </a:ln>
+            </p:spPr>
+            <p:style>
+              <a:lnRef idx="1">
+                <a:schemeClr val="accent1"/>
+              </a:lnRef>
+              <a:fillRef idx="0">
+                <a:schemeClr val="accent1"/>
+              </a:fillRef>
+              <a:effectRef idx="0">
+                <a:schemeClr val="accent1"/>
+              </a:effectRef>
+              <a:fontRef idx="minor">
+                <a:schemeClr val="tx1"/>
+              </a:fontRef>
+            </p:style>
+          </p:cxnSp>
+          <p:cxnSp>
+            <p:nvCxnSpPr>
+              <p:cNvPr id="31" name="肘形连接符 30"/>
+              <p:cNvCxnSpPr/>
+              <p:nvPr/>
+            </p:nvCxnSpPr>
+            <p:spPr>
+              <a:xfrm>
+                <a:off x="-2772816" y="-84743"/>
+                <a:ext cx="792088" cy="484666"/>
+              </a:xfrm>
+              <a:prstGeom prst="bentConnector3">
+                <a:avLst>
+                  <a:gd name="adj1" fmla="val 39814"/>
+                </a:avLst>
+              </a:prstGeom>
+              <a:ln w="19050">
+                <a:solidFill>
+                  <a:schemeClr val="tx1"/>
+                </a:solidFill>
+              </a:ln>
+            </p:spPr>
+            <p:style>
+              <a:lnRef idx="1">
+                <a:schemeClr val="accent1"/>
+              </a:lnRef>
+              <a:fillRef idx="0">
+                <a:schemeClr val="accent1"/>
+              </a:fillRef>
+              <a:effectRef idx="0">
+                <a:schemeClr val="accent1"/>
+              </a:effectRef>
+              <a:fontRef idx="minor">
+                <a:schemeClr val="tx1"/>
+              </a:fontRef>
+            </p:style>
+          </p:cxnSp>
+        </p:grpSp>
+        <p:grpSp>
+          <p:nvGrpSpPr>
+            <p:cNvPr id="32" name="组合 31"/>
+            <p:cNvGrpSpPr/>
+            <p:nvPr/>
+          </p:nvGrpSpPr>
+          <p:grpSpPr>
+            <a:xfrm>
+              <a:off x="816717" y="156277"/>
+              <a:ext cx="881150" cy="404664"/>
+              <a:chOff x="2740660" y="144016"/>
+              <a:chExt cx="881150" cy="404664"/>
+            </a:xfrm>
+          </p:grpSpPr>
+          <p:cxnSp>
+            <p:nvCxnSpPr>
+              <p:cNvPr id="33" name="肘形连接符 32"/>
+              <p:cNvCxnSpPr/>
+              <p:nvPr/>
+            </p:nvCxnSpPr>
+            <p:spPr>
+              <a:xfrm flipV="1">
+                <a:off x="2740660" y="144016"/>
+                <a:ext cx="371011" cy="404664"/>
+              </a:xfrm>
+              <a:prstGeom prst="bentConnector3">
+                <a:avLst>
+                  <a:gd name="adj1" fmla="val 93033"/>
+                </a:avLst>
+              </a:prstGeom>
+              <a:ln w="19050">
+                <a:solidFill>
+                  <a:schemeClr val="tx1"/>
+                </a:solidFill>
+              </a:ln>
+            </p:spPr>
+            <p:style>
+              <a:lnRef idx="1">
+                <a:schemeClr val="accent1"/>
+              </a:lnRef>
+              <a:fillRef idx="0">
+                <a:schemeClr val="accent1"/>
+              </a:fillRef>
+              <a:effectRef idx="0">
+                <a:schemeClr val="accent1"/>
+              </a:effectRef>
+              <a:fontRef idx="minor">
+                <a:schemeClr val="tx1"/>
+              </a:fontRef>
+            </p:style>
+          </p:cxnSp>
+          <p:cxnSp>
+            <p:nvCxnSpPr>
+              <p:cNvPr id="34" name="肘形连接符 33"/>
+              <p:cNvCxnSpPr/>
+              <p:nvPr/>
+            </p:nvCxnSpPr>
+            <p:spPr>
+              <a:xfrm>
+                <a:off x="3111671" y="144016"/>
+                <a:ext cx="510139" cy="404664"/>
+              </a:xfrm>
+              <a:prstGeom prst="bentConnector3">
+                <a:avLst>
+                  <a:gd name="adj1" fmla="val 39814"/>
+                </a:avLst>
+              </a:prstGeom>
+              <a:ln w="19050">
+                <a:solidFill>
+                  <a:schemeClr val="tx1"/>
+                </a:solidFill>
+              </a:ln>
+            </p:spPr>
+            <p:style>
+              <a:lnRef idx="1">
+                <a:schemeClr val="accent1"/>
+              </a:lnRef>
+              <a:fillRef idx="0">
+                <a:schemeClr val="accent1"/>
+              </a:fillRef>
+              <a:effectRef idx="0">
+                <a:schemeClr val="accent1"/>
+              </a:effectRef>
+              <a:fontRef idx="minor">
+                <a:schemeClr val="tx1"/>
+              </a:fontRef>
+            </p:style>
+          </p:cxnSp>
+        </p:grpSp>
+        <p:grpSp>
+          <p:nvGrpSpPr>
+            <p:cNvPr id="35" name="组合 34"/>
+            <p:cNvGrpSpPr/>
+            <p:nvPr/>
+          </p:nvGrpSpPr>
+          <p:grpSpPr>
+            <a:xfrm>
+              <a:off x="816717" y="745168"/>
+              <a:ext cx="881150" cy="404664"/>
+              <a:chOff x="2740660" y="144016"/>
+              <a:chExt cx="881150" cy="404664"/>
+            </a:xfrm>
+          </p:grpSpPr>
+          <p:cxnSp>
+            <p:nvCxnSpPr>
+              <p:cNvPr id="36" name="肘形连接符 35"/>
+              <p:cNvCxnSpPr/>
+              <p:nvPr/>
+            </p:nvCxnSpPr>
+            <p:spPr>
+              <a:xfrm flipV="1">
+                <a:off x="2740660" y="144016"/>
+                <a:ext cx="371011" cy="404664"/>
+              </a:xfrm>
+              <a:prstGeom prst="bentConnector3">
+                <a:avLst>
+                  <a:gd name="adj1" fmla="val 93033"/>
+                </a:avLst>
+              </a:prstGeom>
+              <a:ln w="19050">
+                <a:solidFill>
+                  <a:schemeClr val="tx1"/>
+                </a:solidFill>
+              </a:ln>
+            </p:spPr>
+            <p:style>
+              <a:lnRef idx="1">
+                <a:schemeClr val="accent1"/>
+              </a:lnRef>
+              <a:fillRef idx="0">
+                <a:schemeClr val="accent1"/>
+              </a:fillRef>
+              <a:effectRef idx="0">
+                <a:schemeClr val="accent1"/>
+              </a:effectRef>
+              <a:fontRef idx="minor">
+                <a:schemeClr val="tx1"/>
+              </a:fontRef>
+            </p:style>
+          </p:cxnSp>
+          <p:cxnSp>
+            <p:nvCxnSpPr>
+              <p:cNvPr id="37" name="肘形连接符 36"/>
+              <p:cNvCxnSpPr/>
+              <p:nvPr/>
+            </p:nvCxnSpPr>
+            <p:spPr>
+              <a:xfrm>
+                <a:off x="3111671" y="144016"/>
+                <a:ext cx="510139" cy="404664"/>
+              </a:xfrm>
+              <a:prstGeom prst="bentConnector3">
+                <a:avLst>
+                  <a:gd name="adj1" fmla="val 39814"/>
+                </a:avLst>
+              </a:prstGeom>
+              <a:ln w="19050">
+                <a:solidFill>
+                  <a:schemeClr val="tx1"/>
+                </a:solidFill>
+              </a:ln>
+            </p:spPr>
+            <p:style>
+              <a:lnRef idx="1">
+                <a:schemeClr val="accent1"/>
+              </a:lnRef>
+              <a:fillRef idx="0">
+                <a:schemeClr val="accent1"/>
+              </a:fillRef>
+              <a:effectRef idx="0">
+                <a:schemeClr val="accent1"/>
+              </a:effectRef>
+              <a:fontRef idx="minor">
+                <a:schemeClr val="tx1"/>
+              </a:fontRef>
+            </p:style>
+          </p:cxnSp>
+        </p:grpSp>
+        <p:cxnSp>
+          <p:nvCxnSpPr>
+            <p:cNvPr id="38" name="肘形连接符 37"/>
+            <p:cNvCxnSpPr>
+              <a:endCxn id="48" idx="1"/>
+            </p:cNvCxnSpPr>
+            <p:nvPr/>
+          </p:nvCxnSpPr>
+          <p:spPr>
+            <a:xfrm>
+              <a:off x="6181825" y="2419080"/>
+              <a:ext cx="1103379" cy="810510"/>
+            </a:xfrm>
+            <a:prstGeom prst="bentConnector3">
+              <a:avLst>
+                <a:gd name="adj1" fmla="val 50000"/>
+              </a:avLst>
+            </a:prstGeom>
+            <a:ln w="28575">
+              <a:solidFill>
+                <a:schemeClr val="tx1"/>
+              </a:solidFill>
+              <a:tailEnd type="arrow"/>
+            </a:ln>
+          </p:spPr>
+          <p:style>
+            <a:lnRef idx="1">
+              <a:schemeClr val="accent1"/>
+            </a:lnRef>
+            <a:fillRef idx="0">
+              <a:schemeClr val="accent1"/>
+            </a:fillRef>
+            <a:effectRef idx="0">
+              <a:schemeClr val="accent1"/>
+            </a:effectRef>
+            <a:fontRef idx="minor">
+              <a:schemeClr val="tx1"/>
+            </a:fontRef>
+          </p:style>
+        </p:cxnSp>
+        <p:cxnSp>
+          <p:nvCxnSpPr>
+            <p:cNvPr id="39" name="肘形连接符 38"/>
+            <p:cNvCxnSpPr>
+              <a:endCxn id="47" idx="1"/>
+            </p:cNvCxnSpPr>
+            <p:nvPr/>
+          </p:nvCxnSpPr>
+          <p:spPr>
+            <a:xfrm flipV="1">
+              <a:off x="6205084" y="1540178"/>
+              <a:ext cx="1080120" cy="876126"/>
+            </a:xfrm>
+            <a:prstGeom prst="bentConnector3">
+              <a:avLst>
+                <a:gd name="adj1" fmla="val 48657"/>
+              </a:avLst>
+            </a:prstGeom>
+            <a:ln w="28575">
+              <a:solidFill>
+                <a:schemeClr val="tx1"/>
+              </a:solidFill>
+              <a:tailEnd type="arrow"/>
+            </a:ln>
+          </p:spPr>
+          <p:style>
+            <a:lnRef idx="1">
+              <a:schemeClr val="accent1"/>
+            </a:lnRef>
+            <a:fillRef idx="0">
+              <a:schemeClr val="accent1"/>
+            </a:fillRef>
+            <a:effectRef idx="0">
+              <a:schemeClr val="accent1"/>
+            </a:effectRef>
+            <a:fontRef idx="minor">
+              <a:schemeClr val="tx1"/>
+            </a:fontRef>
+          </p:style>
+        </p:cxnSp>
+        <p:sp>
+          <p:nvSpPr>
+            <p:cNvPr id="40" name="矩形 39"/>
+            <p:cNvSpPr/>
+            <p:nvPr/>
+          </p:nvSpPr>
+          <p:spPr>
+            <a:xfrm>
+              <a:off x="1799478" y="2670140"/>
+              <a:ext cx="1872208" cy="1118900"/>
+            </a:xfrm>
+            <a:prstGeom prst="rect">
+              <a:avLst/>
+            </a:prstGeom>
+            <a:noFill/>
+            <a:ln>
+              <a:solidFill>
+                <a:schemeClr val="tx1"/>
+              </a:solidFill>
+            </a:ln>
+          </p:spPr>
+          <p:style>
+            <a:lnRef idx="2">
+              <a:schemeClr val="accent1">
+                <a:shade val="50000"/>
+              </a:schemeClr>
+            </a:lnRef>
+            <a:fillRef idx="1">
+              <a:schemeClr val="accent1"/>
+            </a:fillRef>
+            <a:effectRef idx="0">
+              <a:schemeClr val="accent1"/>
+            </a:effectRef>
+            <a:fontRef idx="minor">
+              <a:schemeClr val="lt1"/>
+            </a:fontRef>
+          </p:style>
+          <p:txBody>
+            <a:bodyPr rtlCol="0" anchor="ctr"/>
+            <a:lstStyle/>
+            <a:p>
+              <a:pPr algn="ctr"/>
+              <a:r>
+                <a:rPr lang="en-US" altLang="zh-CN" dirty="0" smtClean="0">
+                  <a:solidFill>
+                    <a:schemeClr val="tx1"/>
+                  </a:solidFill>
+                </a:rPr>
+                <a:t>DCM</a:t>
+              </a:r>
+              <a:endParaRPr lang="zh-CN" altLang="en-US" dirty="0">
+                <a:solidFill>
+                  <a:schemeClr val="tx1"/>
+                </a:solidFill>
+              </a:endParaRPr>
+            </a:p>
+          </p:txBody>
+        </p:sp>
+        <p:sp>
+          <p:nvSpPr>
+            <p:cNvPr id="41" name="右箭头 40"/>
+            <p:cNvSpPr/>
+            <p:nvPr/>
+          </p:nvSpPr>
+          <p:spPr>
+            <a:xfrm>
+              <a:off x="3671686" y="1233897"/>
+              <a:ext cx="624814" cy="576064"/>
+            </a:xfrm>
+            <a:prstGeom prst="rightArrow">
+              <a:avLst>
+                <a:gd name="adj1" fmla="val 50000"/>
+                <a:gd name="adj2" fmla="val 37402"/>
+              </a:avLst>
+            </a:prstGeom>
+            <a:noFill/>
+            <a:ln>
+              <a:solidFill>
+                <a:schemeClr val="tx1"/>
+              </a:solidFill>
+            </a:ln>
+          </p:spPr>
+          <p:style>
+            <a:lnRef idx="2">
+              <a:schemeClr val="accent1">
+                <a:shade val="50000"/>
+              </a:schemeClr>
+            </a:lnRef>
+            <a:fillRef idx="1">
+              <a:schemeClr val="accent1"/>
+            </a:fillRef>
+            <a:effectRef idx="0">
+              <a:schemeClr val="accent1"/>
+            </a:effectRef>
+            <a:fontRef idx="minor">
+              <a:schemeClr val="lt1"/>
+            </a:fontRef>
+          </p:style>
+          <p:txBody>
+            <a:bodyPr rtlCol="0" anchor="ctr"/>
+            <a:lstStyle/>
+            <a:p>
+              <a:pPr algn="ctr"/>
+              <a:endParaRPr lang="zh-CN" altLang="en-US"/>
+            </a:p>
+          </p:txBody>
+        </p:sp>
+        <p:sp>
+          <p:nvSpPr>
+            <p:cNvPr id="42" name="矩形 41"/>
+            <p:cNvSpPr/>
+            <p:nvPr/>
+          </p:nvSpPr>
+          <p:spPr>
+            <a:xfrm>
+              <a:off x="-2528879" y="5190420"/>
+              <a:ext cx="13847321" cy="1118900"/>
+            </a:xfrm>
+            <a:prstGeom prst="rect">
+              <a:avLst/>
+            </a:prstGeom>
+            <a:noFill/>
+            <a:ln>
+              <a:solidFill>
+                <a:schemeClr val="tx1"/>
+              </a:solidFill>
+            </a:ln>
+          </p:spPr>
+          <p:style>
+            <a:lnRef idx="2">
+              <a:schemeClr val="accent1">
+                <a:shade val="50000"/>
+              </a:schemeClr>
+            </a:lnRef>
+            <a:fillRef idx="1">
+              <a:schemeClr val="accent1"/>
+            </a:fillRef>
+            <a:effectRef idx="0">
+              <a:schemeClr val="accent1"/>
+            </a:effectRef>
+            <a:fontRef idx="minor">
+              <a:schemeClr val="lt1"/>
+            </a:fontRef>
+          </p:style>
+          <p:txBody>
+            <a:bodyPr rtlCol="0" anchor="ctr"/>
+            <a:lstStyle/>
+            <a:p>
+              <a:pPr algn="ctr"/>
+              <a:r>
+                <a:rPr lang="en-US" altLang="zh-CN" dirty="0" smtClean="0">
+                  <a:solidFill>
+                    <a:schemeClr val="tx1"/>
+                  </a:solidFill>
+                </a:rPr>
+                <a:t>WISHBONE </a:t>
+              </a:r>
+              <a:r>
+                <a:rPr lang="en-US" altLang="zh-CN" dirty="0" smtClean="0">
+                  <a:solidFill>
+                    <a:schemeClr val="tx1"/>
+                  </a:solidFill>
+                </a:rPr>
+                <a:t>Bus</a:t>
+              </a:r>
+              <a:endParaRPr lang="zh-CN" altLang="en-US" dirty="0">
+                <a:solidFill>
+                  <a:schemeClr val="tx1"/>
+                </a:solidFill>
+              </a:endParaRPr>
+            </a:p>
+          </p:txBody>
+        </p:sp>
+        <p:cxnSp>
+          <p:nvCxnSpPr>
+            <p:cNvPr id="43" name="直接箭头连接符 42"/>
+            <p:cNvCxnSpPr>
+              <a:stCxn id="40" idx="0"/>
+              <a:endCxn id="19" idx="2"/>
+            </p:cNvCxnSpPr>
+            <p:nvPr/>
+          </p:nvCxnSpPr>
+          <p:spPr>
+            <a:xfrm flipV="1">
+              <a:off x="2735582" y="2099628"/>
+              <a:ext cx="0" cy="570512"/>
+            </a:xfrm>
+            <a:prstGeom prst="straightConnector1">
+              <a:avLst/>
+            </a:prstGeom>
+            <a:ln w="28575">
+              <a:solidFill>
+                <a:schemeClr val="tx1"/>
+              </a:solidFill>
+              <a:tailEnd type="arrow"/>
+            </a:ln>
+          </p:spPr>
+          <p:style>
+            <a:lnRef idx="1">
+              <a:schemeClr val="accent1"/>
+            </a:lnRef>
+            <a:fillRef idx="0">
+              <a:schemeClr val="accent1"/>
+            </a:fillRef>
+            <a:effectRef idx="0">
+              <a:schemeClr val="accent1"/>
+            </a:effectRef>
+            <a:fontRef idx="minor">
+              <a:schemeClr val="tx1"/>
+            </a:fontRef>
+          </p:style>
+        </p:cxnSp>
+        <p:cxnSp>
+          <p:nvCxnSpPr>
+            <p:cNvPr id="44" name="肘形连接符 43"/>
+            <p:cNvCxnSpPr/>
+            <p:nvPr/>
+          </p:nvCxnSpPr>
+          <p:spPr>
+            <a:xfrm flipV="1">
+              <a:off x="-4465218" y="3246802"/>
+              <a:ext cx="6272572" cy="1207522"/>
+            </a:xfrm>
+            <a:prstGeom prst="bentConnector3">
+              <a:avLst>
+                <a:gd name="adj1" fmla="val 92114"/>
+              </a:avLst>
+            </a:prstGeom>
+            <a:ln w="28575">
+              <a:solidFill>
+                <a:schemeClr val="tx1"/>
+              </a:solidFill>
+              <a:tailEnd type="arrow"/>
+            </a:ln>
+          </p:spPr>
+          <p:style>
+            <a:lnRef idx="1">
+              <a:schemeClr val="accent1"/>
+            </a:lnRef>
+            <a:fillRef idx="0">
+              <a:schemeClr val="accent1"/>
+            </a:fillRef>
+            <a:effectRef idx="0">
+              <a:schemeClr val="accent1"/>
+            </a:effectRef>
+            <a:fontRef idx="minor">
+              <a:schemeClr val="tx1"/>
+            </a:fontRef>
+          </p:style>
+        </p:cxnSp>
+        <p:sp>
+          <p:nvSpPr>
+            <p:cNvPr id="45" name="TextBox 101"/>
+            <p:cNvSpPr txBox="1"/>
+            <p:nvPr/>
+          </p:nvSpPr>
+          <p:spPr>
+            <a:xfrm>
+              <a:off x="-2570771" y="4067780"/>
+              <a:ext cx="3021286" cy="369332"/>
+            </a:xfrm>
+            <a:prstGeom prst="rect">
+              <a:avLst/>
+            </a:prstGeom>
+            <a:noFill/>
+          </p:spPr>
+          <p:txBody>
+            <a:bodyPr wrap="square" rtlCol="0">
+              <a:spAutoFit/>
+            </a:bodyPr>
+            <a:lstStyle/>
+            <a:p>
+              <a:pPr algn="ctr"/>
+              <a:r>
+                <a:rPr lang="en-US" altLang="zh-CN" dirty="0" smtClean="0"/>
+                <a:t>From Synchronous </a:t>
+              </a:r>
+              <a:r>
+                <a:rPr lang="en-US" altLang="zh-CN" dirty="0" smtClean="0"/>
+                <a:t>CLK</a:t>
+              </a:r>
+              <a:endParaRPr lang="zh-CN" altLang="en-US" dirty="0"/>
+            </a:p>
+          </p:txBody>
+        </p:sp>
+        <p:sp>
+          <p:nvSpPr>
+            <p:cNvPr id="46" name="TextBox 102"/>
+            <p:cNvSpPr txBox="1"/>
+            <p:nvPr/>
+          </p:nvSpPr>
+          <p:spPr>
+            <a:xfrm>
+              <a:off x="2375542" y="2200218"/>
+              <a:ext cx="2160652" cy="369332"/>
+            </a:xfrm>
+            <a:prstGeom prst="rect">
+              <a:avLst/>
+            </a:prstGeom>
+            <a:noFill/>
+          </p:spPr>
+          <p:txBody>
+            <a:bodyPr wrap="square" rtlCol="0">
+              <a:spAutoFit/>
+            </a:bodyPr>
+            <a:lstStyle/>
+            <a:p>
+              <a:pPr algn="ctr"/>
+              <a:r>
+                <a:rPr lang="en-US" altLang="zh-CN" dirty="0" smtClean="0"/>
+                <a:t>Shifted </a:t>
+              </a:r>
+              <a:r>
+                <a:rPr lang="en-US" altLang="zh-CN" dirty="0" smtClean="0"/>
+                <a:t>CLK</a:t>
+              </a:r>
+              <a:endParaRPr lang="zh-CN" altLang="en-US" dirty="0"/>
+            </a:p>
+          </p:txBody>
+        </p:sp>
+        <p:sp>
+          <p:nvSpPr>
+            <p:cNvPr id="47" name="矩形 46"/>
+            <p:cNvSpPr/>
+            <p:nvPr/>
+          </p:nvSpPr>
+          <p:spPr>
+            <a:xfrm>
+              <a:off x="7285204" y="980728"/>
+              <a:ext cx="1872208" cy="1118900"/>
+            </a:xfrm>
+            <a:prstGeom prst="rect">
+              <a:avLst/>
+            </a:prstGeom>
+            <a:noFill/>
+            <a:ln>
+              <a:solidFill>
+                <a:schemeClr val="tx1"/>
+              </a:solidFill>
+            </a:ln>
+          </p:spPr>
+          <p:style>
+            <a:lnRef idx="2">
+              <a:schemeClr val="accent1">
+                <a:shade val="50000"/>
+              </a:schemeClr>
+            </a:lnRef>
+            <a:fillRef idx="1">
+              <a:schemeClr val="accent1"/>
+            </a:fillRef>
+            <a:effectRef idx="0">
+              <a:schemeClr val="accent1"/>
+            </a:effectRef>
+            <a:fontRef idx="minor">
+              <a:schemeClr val="lt1"/>
+            </a:fontRef>
+          </p:style>
+          <p:txBody>
+            <a:bodyPr rtlCol="0" anchor="ctr"/>
+            <a:lstStyle/>
+            <a:p>
+              <a:pPr algn="ctr"/>
+              <a:r>
+                <a:rPr lang="en-US" altLang="zh-CN" dirty="0" smtClean="0">
+                  <a:solidFill>
+                    <a:schemeClr val="tx1"/>
+                  </a:solidFill>
+                </a:rPr>
+                <a:t>DDR FIFO</a:t>
+              </a:r>
+              <a:endParaRPr lang="zh-CN" altLang="en-US" dirty="0">
+                <a:solidFill>
+                  <a:schemeClr val="tx1"/>
+                </a:solidFill>
+              </a:endParaRPr>
+            </a:p>
+          </p:txBody>
+        </p:sp>
+        <p:sp>
+          <p:nvSpPr>
+            <p:cNvPr id="48" name="矩形 47"/>
+            <p:cNvSpPr/>
+            <p:nvPr/>
+          </p:nvSpPr>
+          <p:spPr>
+            <a:xfrm>
+              <a:off x="7285204" y="2670140"/>
+              <a:ext cx="1872208" cy="1118900"/>
+            </a:xfrm>
+            <a:prstGeom prst="rect">
+              <a:avLst/>
+            </a:prstGeom>
+            <a:noFill/>
+            <a:ln>
+              <a:solidFill>
+                <a:schemeClr val="tx1"/>
+              </a:solidFill>
+            </a:ln>
+          </p:spPr>
+          <p:style>
+            <a:lnRef idx="2">
+              <a:schemeClr val="accent1">
+                <a:shade val="50000"/>
+              </a:schemeClr>
+            </a:lnRef>
+            <a:fillRef idx="1">
+              <a:schemeClr val="accent1"/>
+            </a:fillRef>
+            <a:effectRef idx="0">
+              <a:schemeClr val="accent1"/>
+            </a:effectRef>
+            <a:fontRef idx="minor">
+              <a:schemeClr val="lt1"/>
+            </a:fontRef>
+          </p:style>
+          <p:txBody>
+            <a:bodyPr rtlCol="0" anchor="ctr"/>
+            <a:lstStyle/>
+            <a:p>
+              <a:pPr algn="ctr"/>
+              <a:r>
+                <a:rPr lang="en-US" altLang="zh-CN" dirty="0" smtClean="0">
+                  <a:solidFill>
+                    <a:schemeClr val="tx1"/>
+                  </a:solidFill>
+                </a:rPr>
+                <a:t>BRAM FIFO</a:t>
+              </a:r>
+              <a:endParaRPr lang="zh-CN" altLang="en-US" dirty="0">
+                <a:solidFill>
+                  <a:schemeClr val="tx1"/>
+                </a:solidFill>
+              </a:endParaRPr>
+            </a:p>
+          </p:txBody>
+        </p:sp>
+        <p:sp>
+          <p:nvSpPr>
+            <p:cNvPr id="49" name="右箭头 48"/>
+            <p:cNvSpPr/>
+            <p:nvPr/>
+          </p:nvSpPr>
+          <p:spPr>
+            <a:xfrm rot="16200000">
+              <a:off x="-2597982" y="4393359"/>
+              <a:ext cx="1378097" cy="216028"/>
+            </a:xfrm>
+            <a:prstGeom prst="rightArrow">
+              <a:avLst>
+                <a:gd name="adj1" fmla="val 50000"/>
+                <a:gd name="adj2" fmla="val 60078"/>
+              </a:avLst>
+            </a:prstGeom>
+            <a:solidFill>
+              <a:schemeClr val="tx1"/>
+            </a:solidFill>
+            <a:ln>
+              <a:solidFill>
+                <a:schemeClr val="tx1"/>
+              </a:solidFill>
+            </a:ln>
+          </p:spPr>
+          <p:style>
+            <a:lnRef idx="2">
+              <a:schemeClr val="accent1">
+                <a:shade val="50000"/>
+              </a:schemeClr>
+            </a:lnRef>
+            <a:fillRef idx="1">
+              <a:schemeClr val="accent1"/>
+            </a:fillRef>
+            <a:effectRef idx="0">
+              <a:schemeClr val="accent1"/>
+            </a:effectRef>
+            <a:fontRef idx="minor">
+              <a:schemeClr val="lt1"/>
+            </a:fontRef>
+          </p:style>
+          <p:txBody>
+            <a:bodyPr rtlCol="0" anchor="ctr"/>
+            <a:lstStyle/>
+            <a:p>
+              <a:pPr algn="ctr"/>
+              <a:endParaRPr lang="zh-CN" altLang="en-US"/>
+            </a:p>
+          </p:txBody>
+        </p:sp>
+        <p:sp>
+          <p:nvSpPr>
+            <p:cNvPr id="50" name="右箭头 49"/>
+            <p:cNvSpPr/>
+            <p:nvPr/>
+          </p:nvSpPr>
+          <p:spPr>
+            <a:xfrm rot="16200000">
+              <a:off x="2075198" y="4330354"/>
+              <a:ext cx="1378097" cy="342039"/>
+            </a:xfrm>
+            <a:prstGeom prst="rightArrow">
+              <a:avLst>
+                <a:gd name="adj1" fmla="val 50000"/>
+                <a:gd name="adj2" fmla="val 60078"/>
+              </a:avLst>
+            </a:prstGeom>
+            <a:solidFill>
+              <a:schemeClr val="tx1"/>
+            </a:solidFill>
+            <a:ln>
+              <a:solidFill>
+                <a:schemeClr val="tx1"/>
+              </a:solidFill>
+            </a:ln>
+          </p:spPr>
+          <p:style>
+            <a:lnRef idx="2">
+              <a:schemeClr val="accent1">
+                <a:shade val="50000"/>
+              </a:schemeClr>
+            </a:lnRef>
+            <a:fillRef idx="1">
+              <a:schemeClr val="accent1"/>
+            </a:fillRef>
+            <a:effectRef idx="0">
+              <a:schemeClr val="accent1"/>
+            </a:effectRef>
+            <a:fontRef idx="minor">
+              <a:schemeClr val="lt1"/>
+            </a:fontRef>
+          </p:style>
+          <p:txBody>
+            <a:bodyPr rtlCol="0" anchor="ctr"/>
+            <a:lstStyle/>
+            <a:p>
+              <a:pPr algn="ctr"/>
+              <a:endParaRPr lang="zh-CN" altLang="en-US"/>
+            </a:p>
+          </p:txBody>
+        </p:sp>
+        <p:sp>
+          <p:nvSpPr>
+            <p:cNvPr id="51" name="矩形 50"/>
+            <p:cNvSpPr/>
+            <p:nvPr/>
+          </p:nvSpPr>
+          <p:spPr>
+            <a:xfrm>
+              <a:off x="4309617" y="4204501"/>
+              <a:ext cx="1872208" cy="585356"/>
+            </a:xfrm>
+            <a:prstGeom prst="rect">
+              <a:avLst/>
+            </a:prstGeom>
+            <a:noFill/>
+            <a:ln>
+              <a:solidFill>
+                <a:schemeClr val="tx1"/>
+              </a:solidFill>
+            </a:ln>
+          </p:spPr>
+          <p:style>
+            <a:lnRef idx="2">
+              <a:schemeClr val="accent1">
+                <a:shade val="50000"/>
+              </a:schemeClr>
+            </a:lnRef>
+            <a:fillRef idx="1">
+              <a:schemeClr val="accent1"/>
+            </a:fillRef>
+            <a:effectRef idx="0">
+              <a:schemeClr val="accent1"/>
+            </a:effectRef>
+            <a:fontRef idx="minor">
+              <a:schemeClr val="lt1"/>
+            </a:fontRef>
+          </p:style>
+          <p:txBody>
+            <a:bodyPr rtlCol="0" anchor="ctr"/>
+            <a:lstStyle/>
+            <a:p>
+              <a:pPr algn="ctr"/>
+              <a:r>
+                <a:rPr lang="en-US" altLang="zh-CN" dirty="0" smtClean="0">
+                  <a:solidFill>
+                    <a:schemeClr val="tx1"/>
+                  </a:solidFill>
+                </a:rPr>
+                <a:t>Block </a:t>
+              </a:r>
+              <a:r>
+                <a:rPr lang="en-US" altLang="zh-CN" dirty="0" smtClean="0">
+                  <a:solidFill>
+                    <a:schemeClr val="tx1"/>
+                  </a:solidFill>
+                </a:rPr>
+                <a:t>RAM</a:t>
+              </a:r>
+              <a:endParaRPr lang="zh-CN" altLang="en-US" dirty="0">
+                <a:solidFill>
+                  <a:schemeClr val="tx1"/>
+                </a:solidFill>
+              </a:endParaRPr>
+            </a:p>
+          </p:txBody>
+        </p:sp>
+        <p:sp>
+          <p:nvSpPr>
+            <p:cNvPr id="52" name="上下箭头 51"/>
+            <p:cNvSpPr/>
+            <p:nvPr/>
+          </p:nvSpPr>
+          <p:spPr>
+            <a:xfrm>
+              <a:off x="8159388" y="4795959"/>
+              <a:ext cx="123840" cy="414838"/>
+            </a:xfrm>
+            <a:prstGeom prst="upDownArrow">
+              <a:avLst/>
+            </a:prstGeom>
+            <a:noFill/>
+            <a:ln>
+              <a:solidFill>
+                <a:schemeClr val="tx1"/>
+              </a:solidFill>
+            </a:ln>
+          </p:spPr>
+          <p:style>
+            <a:lnRef idx="2">
+              <a:schemeClr val="accent1">
+                <a:shade val="50000"/>
+              </a:schemeClr>
+            </a:lnRef>
+            <a:fillRef idx="1">
+              <a:schemeClr val="accent1"/>
+            </a:fillRef>
+            <a:effectRef idx="0">
+              <a:schemeClr val="accent1"/>
+            </a:effectRef>
+            <a:fontRef idx="minor">
+              <a:schemeClr val="lt1"/>
+            </a:fontRef>
+          </p:style>
+          <p:txBody>
+            <a:bodyPr rtlCol="0" anchor="ctr"/>
+            <a:lstStyle/>
+            <a:p>
+              <a:pPr algn="ctr"/>
+              <a:endParaRPr lang="zh-CN" altLang="en-US"/>
+            </a:p>
+          </p:txBody>
+        </p:sp>
+        <p:sp>
+          <p:nvSpPr>
+            <p:cNvPr id="55" name="上下箭头 54"/>
+            <p:cNvSpPr/>
+            <p:nvPr/>
+          </p:nvSpPr>
+          <p:spPr>
+            <a:xfrm rot="16200000">
+              <a:off x="12000131" y="1529816"/>
+              <a:ext cx="328651" cy="1664102"/>
+            </a:xfrm>
+            <a:prstGeom prst="upDownArrow">
+              <a:avLst/>
+            </a:prstGeom>
+            <a:noFill/>
+            <a:ln>
+              <a:solidFill>
+                <a:schemeClr val="tx1"/>
+              </a:solidFill>
+            </a:ln>
+          </p:spPr>
+          <p:style>
+            <a:lnRef idx="2">
+              <a:schemeClr val="accent1">
+                <a:shade val="50000"/>
+              </a:schemeClr>
+            </a:lnRef>
+            <a:fillRef idx="1">
+              <a:schemeClr val="accent1"/>
+            </a:fillRef>
+            <a:effectRef idx="0">
+              <a:schemeClr val="accent1"/>
+            </a:effectRef>
+            <a:fontRef idx="minor">
+              <a:schemeClr val="lt1"/>
+            </a:fontRef>
+          </p:style>
+          <p:txBody>
+            <a:bodyPr rtlCol="0" anchor="ctr"/>
+            <a:lstStyle/>
+            <a:p>
+              <a:pPr algn="ctr"/>
+              <a:endParaRPr lang="zh-CN" altLang="en-US"/>
+            </a:p>
+          </p:txBody>
+        </p:sp>
+        <p:sp>
+          <p:nvSpPr>
+            <p:cNvPr id="57" name="TextBox 120"/>
+            <p:cNvSpPr txBox="1"/>
+            <p:nvPr/>
+          </p:nvSpPr>
+          <p:spPr>
+            <a:xfrm>
+              <a:off x="7733636" y="71951"/>
+              <a:ext cx="993500" cy="461665"/>
+            </a:xfrm>
+            <a:prstGeom prst="rect">
+              <a:avLst/>
+            </a:prstGeom>
+            <a:noFill/>
+          </p:spPr>
+          <p:txBody>
+            <a:bodyPr wrap="square" rtlCol="0">
+              <a:spAutoFit/>
+            </a:bodyPr>
+            <a:lstStyle/>
+            <a:p>
+              <a:pPr algn="ctr"/>
+              <a:r>
+                <a:rPr lang="en-US" altLang="zh-CN" sz="2400" dirty="0" smtClean="0"/>
+                <a:t>FPGA</a:t>
+              </a:r>
+              <a:endParaRPr lang="zh-CN" altLang="en-US" sz="2400" dirty="0"/>
+            </a:p>
+          </p:txBody>
+        </p:sp>
+        <p:sp>
+          <p:nvSpPr>
+            <p:cNvPr id="58" name="上下箭头 57"/>
+            <p:cNvSpPr/>
+            <p:nvPr/>
+          </p:nvSpPr>
+          <p:spPr>
+            <a:xfrm rot="16200000">
+              <a:off x="-3669766" y="4805231"/>
+              <a:ext cx="282619" cy="1889275"/>
+            </a:xfrm>
+            <a:prstGeom prst="upDownArrow">
+              <a:avLst/>
+            </a:prstGeom>
+            <a:noFill/>
+            <a:ln>
+              <a:solidFill>
+                <a:schemeClr val="tx1"/>
+              </a:solidFill>
+            </a:ln>
+          </p:spPr>
+          <p:style>
+            <a:lnRef idx="2">
+              <a:schemeClr val="accent1">
+                <a:shade val="50000"/>
+              </a:schemeClr>
+            </a:lnRef>
+            <a:fillRef idx="1">
+              <a:schemeClr val="accent1"/>
+            </a:fillRef>
+            <a:effectRef idx="0">
+              <a:schemeClr val="accent1"/>
+            </a:effectRef>
+            <a:fontRef idx="minor">
+              <a:schemeClr val="lt1"/>
+            </a:fontRef>
+          </p:style>
+          <p:txBody>
+            <a:bodyPr rtlCol="0" anchor="ctr"/>
+            <a:lstStyle/>
+            <a:p>
+              <a:pPr algn="ctr"/>
+              <a:endParaRPr lang="zh-CN" altLang="en-US"/>
+            </a:p>
+          </p:txBody>
+        </p:sp>
+        <p:sp>
+          <p:nvSpPr>
+            <p:cNvPr id="59" name="TextBox 123"/>
+            <p:cNvSpPr txBox="1"/>
+            <p:nvPr/>
+          </p:nvSpPr>
+          <p:spPr>
+            <a:xfrm>
+              <a:off x="-4919761" y="5275302"/>
+              <a:ext cx="2729655" cy="369332"/>
+            </a:xfrm>
+            <a:prstGeom prst="rect">
+              <a:avLst/>
+            </a:prstGeom>
+            <a:noFill/>
+          </p:spPr>
+          <p:txBody>
+            <a:bodyPr wrap="square" rtlCol="0">
+              <a:spAutoFit/>
+            </a:bodyPr>
+            <a:lstStyle/>
+            <a:p>
+              <a:pPr algn="ctr"/>
+              <a:r>
+                <a:rPr lang="en-US" altLang="zh-CN" dirty="0" smtClean="0"/>
+                <a:t>From/</a:t>
+              </a:r>
+              <a:r>
+                <a:rPr lang="en-US" altLang="zh-CN" dirty="0" smtClean="0"/>
+                <a:t>To</a:t>
+              </a:r>
+              <a:r>
+                <a:rPr lang="en-US" altLang="zh-CN" dirty="0" smtClean="0"/>
+                <a:t> USB Chip</a:t>
+              </a:r>
+              <a:endParaRPr lang="zh-CN" altLang="en-US" dirty="0"/>
+            </a:p>
+          </p:txBody>
+        </p:sp>
+        <p:sp>
+          <p:nvSpPr>
+            <p:cNvPr id="84" name="TextBox 123"/>
+            <p:cNvSpPr txBox="1"/>
+            <p:nvPr/>
+          </p:nvSpPr>
+          <p:spPr>
+            <a:xfrm>
+              <a:off x="-5005064" y="2047012"/>
+              <a:ext cx="2729655" cy="369332"/>
+            </a:xfrm>
+            <a:prstGeom prst="rect">
+              <a:avLst/>
+            </a:prstGeom>
+            <a:noFill/>
+          </p:spPr>
+          <p:txBody>
+            <a:bodyPr wrap="square" rtlCol="0">
+              <a:spAutoFit/>
+            </a:bodyPr>
+            <a:lstStyle/>
+            <a:p>
+              <a:pPr algn="ctr"/>
+              <a:r>
+                <a:rPr lang="en-US" altLang="zh-CN" dirty="0" smtClean="0"/>
+                <a:t>From Photon Detector</a:t>
+              </a:r>
+              <a:endParaRPr lang="zh-CN" altLang="en-US" dirty="0"/>
+            </a:p>
+          </p:txBody>
+        </p:sp>
+        <p:sp>
+          <p:nvSpPr>
+            <p:cNvPr id="85" name="矩形 84"/>
+            <p:cNvSpPr/>
+            <p:nvPr/>
+          </p:nvSpPr>
+          <p:spPr>
+            <a:xfrm>
+              <a:off x="7285204" y="4190226"/>
+              <a:ext cx="1872208" cy="585356"/>
+            </a:xfrm>
+            <a:prstGeom prst="rect">
+              <a:avLst/>
+            </a:prstGeom>
+            <a:noFill/>
+            <a:ln>
+              <a:solidFill>
+                <a:schemeClr val="tx1"/>
+              </a:solidFill>
+            </a:ln>
+          </p:spPr>
+          <p:style>
+            <a:lnRef idx="2">
+              <a:schemeClr val="accent1">
+                <a:shade val="50000"/>
+              </a:schemeClr>
+            </a:lnRef>
+            <a:fillRef idx="1">
+              <a:schemeClr val="accent1"/>
+            </a:fillRef>
+            <a:effectRef idx="0">
+              <a:schemeClr val="accent1"/>
+            </a:effectRef>
+            <a:fontRef idx="minor">
+              <a:schemeClr val="lt1"/>
+            </a:fontRef>
+          </p:style>
+          <p:txBody>
+            <a:bodyPr rtlCol="0" anchor="ctr"/>
+            <a:lstStyle/>
+            <a:p>
+              <a:pPr algn="ctr"/>
+              <a:r>
+                <a:rPr lang="en-US" altLang="zh-CN" dirty="0" smtClean="0">
+                  <a:solidFill>
+                    <a:schemeClr val="tx1"/>
+                  </a:solidFill>
+                </a:rPr>
+                <a:t>Block RAM Interface </a:t>
+              </a:r>
+              <a:endParaRPr lang="zh-CN" altLang="en-US" dirty="0">
+                <a:solidFill>
+                  <a:schemeClr val="tx1"/>
+                </a:solidFill>
+              </a:endParaRPr>
+            </a:p>
+          </p:txBody>
+        </p:sp>
+        <p:sp>
+          <p:nvSpPr>
+            <p:cNvPr id="87" name="上下箭头 86"/>
+            <p:cNvSpPr/>
+            <p:nvPr/>
+          </p:nvSpPr>
+          <p:spPr>
+            <a:xfrm rot="16200000">
+              <a:off x="6603494" y="3975139"/>
+              <a:ext cx="279715" cy="1083704"/>
+            </a:xfrm>
+            <a:prstGeom prst="upDownArrow">
+              <a:avLst/>
+            </a:prstGeom>
+            <a:noFill/>
+            <a:ln>
+              <a:solidFill>
+                <a:schemeClr val="tx1"/>
+              </a:solidFill>
+            </a:ln>
+          </p:spPr>
+          <p:style>
+            <a:lnRef idx="2">
+              <a:schemeClr val="accent1">
+                <a:shade val="50000"/>
+              </a:schemeClr>
+            </a:lnRef>
+            <a:fillRef idx="1">
+              <a:schemeClr val="accent1"/>
+            </a:fillRef>
+            <a:effectRef idx="0">
+              <a:schemeClr val="accent1"/>
+            </a:effectRef>
+            <a:fontRef idx="minor">
+              <a:schemeClr val="lt1"/>
+            </a:fontRef>
+          </p:style>
+          <p:txBody>
+            <a:bodyPr rtlCol="0" anchor="ctr"/>
+            <a:lstStyle/>
+            <a:p>
+              <a:pPr algn="ctr"/>
+              <a:endParaRPr lang="zh-CN" altLang="en-US"/>
+            </a:p>
+          </p:txBody>
+        </p:sp>
+        <p:sp>
+          <p:nvSpPr>
+            <p:cNvPr id="93" name="矩形 92"/>
+            <p:cNvSpPr/>
+            <p:nvPr/>
+          </p:nvSpPr>
+          <p:spPr>
+            <a:xfrm>
+              <a:off x="9699892" y="980728"/>
+              <a:ext cx="1618551" cy="2808312"/>
+            </a:xfrm>
+            <a:prstGeom prst="rect">
+              <a:avLst/>
+            </a:prstGeom>
+            <a:noFill/>
+            <a:ln>
+              <a:solidFill>
+                <a:schemeClr val="tx1"/>
+              </a:solidFill>
+            </a:ln>
+          </p:spPr>
+          <p:style>
+            <a:lnRef idx="2">
+              <a:schemeClr val="accent1">
+                <a:shade val="50000"/>
+              </a:schemeClr>
+            </a:lnRef>
+            <a:fillRef idx="1">
+              <a:schemeClr val="accent1"/>
+            </a:fillRef>
+            <a:effectRef idx="0">
+              <a:schemeClr val="accent1"/>
+            </a:effectRef>
+            <a:fontRef idx="minor">
+              <a:schemeClr val="lt1"/>
+            </a:fontRef>
+          </p:style>
+          <p:txBody>
+            <a:bodyPr rtlCol="0" anchor="ctr"/>
+            <a:lstStyle/>
+            <a:p>
+              <a:pPr algn="ctr"/>
+              <a:r>
+                <a:rPr lang="en-US" altLang="zh-CN" dirty="0" smtClean="0">
+                  <a:solidFill>
+                    <a:schemeClr val="tx1"/>
+                  </a:solidFill>
+                </a:rPr>
+                <a:t>DDR Interface</a:t>
+              </a:r>
+              <a:endParaRPr lang="zh-CN" altLang="en-US" dirty="0">
+                <a:solidFill>
+                  <a:schemeClr val="tx1"/>
+                </a:solidFill>
+              </a:endParaRPr>
+            </a:p>
+          </p:txBody>
+        </p:sp>
+        <p:sp>
+          <p:nvSpPr>
+            <p:cNvPr id="98" name="上下箭头 97"/>
+            <p:cNvSpPr/>
+            <p:nvPr/>
+          </p:nvSpPr>
+          <p:spPr>
+            <a:xfrm>
+              <a:off x="10367067" y="3806498"/>
+              <a:ext cx="284200" cy="1352812"/>
+            </a:xfrm>
+            <a:prstGeom prst="upDownArrow">
+              <a:avLst/>
+            </a:prstGeom>
+            <a:noFill/>
+            <a:ln>
+              <a:solidFill>
+                <a:schemeClr val="tx1"/>
+              </a:solidFill>
+            </a:ln>
+          </p:spPr>
+          <p:style>
+            <a:lnRef idx="2">
+              <a:schemeClr val="accent1">
+                <a:shade val="50000"/>
+              </a:schemeClr>
+            </a:lnRef>
+            <a:fillRef idx="1">
+              <a:schemeClr val="accent1"/>
+            </a:fillRef>
+            <a:effectRef idx="0">
+              <a:schemeClr val="accent1"/>
+            </a:effectRef>
+            <a:fontRef idx="minor">
+              <a:schemeClr val="lt1"/>
+            </a:fontRef>
+          </p:style>
+          <p:txBody>
+            <a:bodyPr rtlCol="0" anchor="ctr"/>
+            <a:lstStyle/>
+            <a:p>
+              <a:pPr algn="ctr"/>
+              <a:endParaRPr lang="zh-CN" altLang="en-US"/>
+            </a:p>
+          </p:txBody>
+        </p:sp>
+        <p:sp>
+          <p:nvSpPr>
+            <p:cNvPr id="99" name="TextBox 123"/>
+            <p:cNvSpPr txBox="1"/>
+            <p:nvPr/>
+          </p:nvSpPr>
+          <p:spPr>
+            <a:xfrm>
+              <a:off x="10749702" y="1828210"/>
+              <a:ext cx="2729655" cy="369332"/>
+            </a:xfrm>
+            <a:prstGeom prst="rect">
+              <a:avLst/>
+            </a:prstGeom>
+            <a:noFill/>
+          </p:spPr>
+          <p:txBody>
+            <a:bodyPr wrap="square" rtlCol="0">
+              <a:spAutoFit/>
+            </a:bodyPr>
+            <a:lstStyle/>
+            <a:p>
+              <a:pPr algn="ctr"/>
+              <a:r>
+                <a:rPr lang="en-US" altLang="zh-CN" dirty="0" smtClean="0"/>
+                <a:t>From/</a:t>
+              </a:r>
+              <a:r>
+                <a:rPr lang="en-US" altLang="zh-CN" dirty="0" smtClean="0"/>
+                <a:t>To</a:t>
+              </a:r>
+              <a:r>
+                <a:rPr lang="en-US" altLang="zh-CN" dirty="0" smtClean="0"/>
+                <a:t> DDR</a:t>
+              </a:r>
+              <a:endParaRPr lang="zh-CN" altLang="en-US" dirty="0"/>
+            </a:p>
+          </p:txBody>
+        </p:sp>
+        <p:sp>
+          <p:nvSpPr>
+            <p:cNvPr id="101" name="右箭头 100"/>
+            <p:cNvSpPr/>
+            <p:nvPr/>
+          </p:nvSpPr>
+          <p:spPr>
+            <a:xfrm>
+              <a:off x="9157412" y="1408877"/>
+              <a:ext cx="528518" cy="305122"/>
+            </a:xfrm>
+            <a:prstGeom prst="rightArrow">
+              <a:avLst>
+                <a:gd name="adj1" fmla="val 50000"/>
+                <a:gd name="adj2" fmla="val 37402"/>
+              </a:avLst>
+            </a:prstGeom>
+            <a:noFill/>
+            <a:ln>
+              <a:solidFill>
+                <a:schemeClr val="tx1"/>
+              </a:solidFill>
+            </a:ln>
+          </p:spPr>
+          <p:style>
+            <a:lnRef idx="2">
+              <a:schemeClr val="accent1">
+                <a:shade val="50000"/>
+              </a:schemeClr>
+            </a:lnRef>
+            <a:fillRef idx="1">
+              <a:schemeClr val="accent1"/>
+            </a:fillRef>
+            <a:effectRef idx="0">
+              <a:schemeClr val="accent1"/>
+            </a:effectRef>
+            <a:fontRef idx="minor">
+              <a:schemeClr val="lt1"/>
+            </a:fontRef>
+          </p:style>
+          <p:txBody>
+            <a:bodyPr rtlCol="0" anchor="ctr"/>
+            <a:lstStyle/>
+            <a:p>
+              <a:pPr algn="ctr"/>
+              <a:endParaRPr lang="zh-CN" altLang="en-US"/>
+            </a:p>
+          </p:txBody>
+        </p:sp>
+        <p:sp>
+          <p:nvSpPr>
+            <p:cNvPr id="102" name="右箭头 101"/>
+            <p:cNvSpPr/>
+            <p:nvPr/>
+          </p:nvSpPr>
+          <p:spPr>
+            <a:xfrm rot="5400000">
+              <a:off x="8033000" y="3835163"/>
+              <a:ext cx="376615" cy="322592"/>
+            </a:xfrm>
+            <a:prstGeom prst="rightArrow">
+              <a:avLst>
+                <a:gd name="adj1" fmla="val 50000"/>
+                <a:gd name="adj2" fmla="val 37402"/>
+              </a:avLst>
+            </a:prstGeom>
+            <a:noFill/>
             <a:ln>
               <a:solidFill>
                 <a:schemeClr val="tx1"/>

--- a/八光子.pptx
+++ b/八光子.pptx
@@ -6689,108 +6689,6 @@
         </p:sp>
         <p:sp>
           <p:nvSpPr>
-            <p:cNvPr id="49" name="右箭头 48"/>
-            <p:cNvSpPr/>
-            <p:nvPr/>
-          </p:nvSpPr>
-          <p:spPr>
-            <a:xfrm rot="16200000">
-              <a:off x="-2597982" y="4393359"/>
-              <a:ext cx="1378097" cy="216028"/>
-            </a:xfrm>
-            <a:prstGeom prst="rightArrow">
-              <a:avLst>
-                <a:gd name="adj1" fmla="val 50000"/>
-                <a:gd name="adj2" fmla="val 60078"/>
-              </a:avLst>
-            </a:prstGeom>
-            <a:solidFill>
-              <a:schemeClr val="tx1"/>
-            </a:solidFill>
-            <a:ln>
-              <a:solidFill>
-                <a:schemeClr val="tx1"/>
-              </a:solidFill>
-            </a:ln>
-          </p:spPr>
-          <p:style>
-            <a:lnRef idx="2">
-              <a:schemeClr val="accent1">
-                <a:shade val="50000"/>
-              </a:schemeClr>
-            </a:lnRef>
-            <a:fillRef idx="1">
-              <a:schemeClr val="accent1"/>
-            </a:fillRef>
-            <a:effectRef idx="0">
-              <a:schemeClr val="accent1"/>
-            </a:effectRef>
-            <a:fontRef idx="minor">
-              <a:schemeClr val="lt1"/>
-            </a:fontRef>
-          </p:style>
-          <p:txBody>
-            <a:bodyPr rtlCol="0" anchor="ctr"/>
-            <a:lstStyle/>
-            <a:p>
-              <a:pPr algn="ctr"/>
-              <a:endParaRPr lang="zh-CN" altLang="en-US"/>
-            </a:p>
-          </p:txBody>
-        </p:sp>
-        <p:sp>
-          <p:nvSpPr>
-            <p:cNvPr id="50" name="右箭头 49"/>
-            <p:cNvSpPr/>
-            <p:nvPr/>
-          </p:nvSpPr>
-          <p:spPr>
-            <a:xfrm rot="16200000">
-              <a:off x="2075198" y="4330354"/>
-              <a:ext cx="1378097" cy="342039"/>
-            </a:xfrm>
-            <a:prstGeom prst="rightArrow">
-              <a:avLst>
-                <a:gd name="adj1" fmla="val 50000"/>
-                <a:gd name="adj2" fmla="val 60078"/>
-              </a:avLst>
-            </a:prstGeom>
-            <a:solidFill>
-              <a:schemeClr val="tx1"/>
-            </a:solidFill>
-            <a:ln>
-              <a:solidFill>
-                <a:schemeClr val="tx1"/>
-              </a:solidFill>
-            </a:ln>
-          </p:spPr>
-          <p:style>
-            <a:lnRef idx="2">
-              <a:schemeClr val="accent1">
-                <a:shade val="50000"/>
-              </a:schemeClr>
-            </a:lnRef>
-            <a:fillRef idx="1">
-              <a:schemeClr val="accent1"/>
-            </a:fillRef>
-            <a:effectRef idx="0">
-              <a:schemeClr val="accent1"/>
-            </a:effectRef>
-            <a:fontRef idx="minor">
-              <a:schemeClr val="lt1"/>
-            </a:fontRef>
-          </p:style>
-          <p:txBody>
-            <a:bodyPr rtlCol="0" anchor="ctr"/>
-            <a:lstStyle/>
-            <a:p>
-              <a:pPr algn="ctr"/>
-              <a:endParaRPr lang="zh-CN" altLang="en-US"/>
-            </a:p>
-          </p:txBody>
-        </p:sp>
-        <p:sp>
-          <p:nvSpPr>
             <p:cNvPr id="51" name="矩形 50"/>
             <p:cNvSpPr/>
             <p:nvPr/>
@@ -7408,6 +7306,102 @@
               </a:avLst>
             </a:prstGeom>
             <a:noFill/>
+            <a:ln>
+              <a:solidFill>
+                <a:schemeClr val="tx1"/>
+              </a:solidFill>
+            </a:ln>
+          </p:spPr>
+          <p:style>
+            <a:lnRef idx="2">
+              <a:schemeClr val="accent1">
+                <a:shade val="50000"/>
+              </a:schemeClr>
+            </a:lnRef>
+            <a:fillRef idx="1">
+              <a:schemeClr val="accent1"/>
+            </a:fillRef>
+            <a:effectRef idx="0">
+              <a:schemeClr val="accent1"/>
+            </a:effectRef>
+            <a:fontRef idx="minor">
+              <a:schemeClr val="lt1"/>
+            </a:fontRef>
+          </p:style>
+          <p:txBody>
+            <a:bodyPr rtlCol="0" anchor="ctr"/>
+            <a:lstStyle/>
+            <a:p>
+              <a:pPr algn="ctr"/>
+              <a:endParaRPr lang="zh-CN" altLang="en-US"/>
+            </a:p>
+          </p:txBody>
+        </p:sp>
+        <p:sp>
+          <p:nvSpPr>
+            <p:cNvPr id="103" name="上下箭头 102"/>
+            <p:cNvSpPr/>
+            <p:nvPr/>
+          </p:nvSpPr>
+          <p:spPr>
+            <a:xfrm>
+              <a:off x="2601593" y="3813324"/>
+              <a:ext cx="284200" cy="1352812"/>
+            </a:xfrm>
+            <a:prstGeom prst="upDownArrow">
+              <a:avLst/>
+            </a:prstGeom>
+            <a:solidFill>
+              <a:schemeClr val="tx1"/>
+            </a:solidFill>
+            <a:ln>
+              <a:solidFill>
+                <a:schemeClr val="tx1"/>
+              </a:solidFill>
+            </a:ln>
+          </p:spPr>
+          <p:style>
+            <a:lnRef idx="2">
+              <a:schemeClr val="accent1">
+                <a:shade val="50000"/>
+              </a:schemeClr>
+            </a:lnRef>
+            <a:fillRef idx="1">
+              <a:schemeClr val="accent1"/>
+            </a:fillRef>
+            <a:effectRef idx="0">
+              <a:schemeClr val="accent1"/>
+            </a:effectRef>
+            <a:fontRef idx="minor">
+              <a:schemeClr val="lt1"/>
+            </a:fontRef>
+          </p:style>
+          <p:txBody>
+            <a:bodyPr rtlCol="0" anchor="ctr"/>
+            <a:lstStyle/>
+            <a:p>
+              <a:pPr algn="ctr"/>
+              <a:endParaRPr lang="zh-CN" altLang="en-US"/>
+            </a:p>
+          </p:txBody>
+        </p:sp>
+        <p:sp>
+          <p:nvSpPr>
+            <p:cNvPr id="104" name="上下箭头 103"/>
+            <p:cNvSpPr/>
+            <p:nvPr/>
+          </p:nvSpPr>
+          <p:spPr>
+            <a:xfrm>
+              <a:off x="-2051034" y="3813324"/>
+              <a:ext cx="284200" cy="1352812"/>
+            </a:xfrm>
+            <a:prstGeom prst="upDownArrow">
+              <a:avLst/>
+            </a:prstGeom>
+            <a:solidFill>
+              <a:schemeClr val="tx1"/>
+            </a:solidFill>
             <a:ln>
               <a:solidFill>
                 <a:schemeClr val="tx1"/>

--- a/八光子.pptx
+++ b/八光子.pptx
@@ -7,6 +7,7 @@
   <p:sldIdLst>
     <p:sldId id="256" r:id="rId2"/>
     <p:sldId id="257" r:id="rId3"/>
+    <p:sldId id="258" r:id="rId4"/>
   </p:sldIdLst>
   <p:sldSz cx="9144000" cy="6858000" type="screen4x3"/>
   <p:notesSz cx="6858000" cy="9144000"/>
@@ -3120,7 +3121,7 @@
         </p:nvGrpSpPr>
         <p:grpSpPr>
           <a:xfrm>
-            <a:off x="-5224553" y="813771"/>
+            <a:off x="-5365104" y="836712"/>
             <a:ext cx="16349281" cy="4227528"/>
             <a:chOff x="-5224553" y="813771"/>
             <a:chExt cx="16349281" cy="4227528"/>
@@ -7438,6 +7439,895 @@
     <p:extLst>
       <p:ext uri="{BB962C8B-B14F-4D97-AF65-F5344CB8AC3E}">
         <p14:creationId xmlns:p14="http://schemas.microsoft.com/office/powerpoint/2010/main" val="1639915514"/>
+      </p:ext>
+    </p:extLst>
+  </p:cSld>
+  <p:clrMapOvr>
+    <a:masterClrMapping/>
+  </p:clrMapOvr>
+</p:sld>
+</file>
+
+<file path=ppt/slides/slide3.xml><?xml version="1.0" encoding="utf-8"?>
+<p:sld xmlns:a="http://schemas.openxmlformats.org/drawingml/2006/main" xmlns:r="http://schemas.openxmlformats.org/officeDocument/2006/relationships" xmlns:p="http://schemas.openxmlformats.org/presentationml/2006/main">
+  <p:cSld>
+    <p:spTree>
+      <p:nvGrpSpPr>
+        <p:cNvPr id="1" name=""/>
+        <p:cNvGrpSpPr/>
+        <p:nvPr/>
+      </p:nvGrpSpPr>
+      <p:grpSpPr>
+        <a:xfrm>
+          <a:off x="0" y="0"/>
+          <a:ext cx="0" cy="0"/>
+          <a:chOff x="0" y="0"/>
+          <a:chExt cx="0" cy="0"/>
+        </a:xfrm>
+      </p:grpSpPr>
+      <p:grpSp>
+        <p:nvGrpSpPr>
+          <p:cNvPr id="51" name="组合 50"/>
+          <p:cNvGrpSpPr/>
+          <p:nvPr/>
+        </p:nvGrpSpPr>
+        <p:grpSpPr>
+          <a:xfrm>
+            <a:off x="-1044624" y="-1641783"/>
+            <a:ext cx="5960114" cy="9456453"/>
+            <a:chOff x="-1044624" y="-1641783"/>
+            <a:chExt cx="5960114" cy="9456453"/>
+          </a:xfrm>
+        </p:grpSpPr>
+        <p:cxnSp>
+          <p:nvCxnSpPr>
+            <p:cNvPr id="7" name="直接箭头连接符 6"/>
+            <p:cNvCxnSpPr/>
+            <p:nvPr/>
+          </p:nvCxnSpPr>
+          <p:spPr>
+            <a:xfrm>
+              <a:off x="2987824" y="-315416"/>
+              <a:ext cx="0" cy="432048"/>
+            </a:xfrm>
+            <a:prstGeom prst="straightConnector1">
+              <a:avLst/>
+            </a:prstGeom>
+            <a:ln>
+              <a:solidFill>
+                <a:schemeClr val="tx1"/>
+              </a:solidFill>
+              <a:tailEnd type="triangle"/>
+            </a:ln>
+          </p:spPr>
+          <p:style>
+            <a:lnRef idx="1">
+              <a:schemeClr val="accent1"/>
+            </a:lnRef>
+            <a:fillRef idx="0">
+              <a:schemeClr val="accent1"/>
+            </a:fillRef>
+            <a:effectRef idx="0">
+              <a:schemeClr val="accent1"/>
+            </a:effectRef>
+            <a:fontRef idx="minor">
+              <a:schemeClr val="tx1"/>
+            </a:fontRef>
+          </p:style>
+        </p:cxnSp>
+        <p:sp>
+          <p:nvSpPr>
+            <p:cNvPr id="8" name="矩形 7"/>
+            <p:cNvSpPr/>
+            <p:nvPr/>
+          </p:nvSpPr>
+          <p:spPr>
+            <a:xfrm>
+              <a:off x="2123728" y="116632"/>
+              <a:ext cx="1728192" cy="1008112"/>
+            </a:xfrm>
+            <a:prstGeom prst="rect">
+              <a:avLst/>
+            </a:prstGeom>
+            <a:noFill/>
+            <a:ln>
+              <a:solidFill>
+                <a:schemeClr val="tx1"/>
+              </a:solidFill>
+            </a:ln>
+          </p:spPr>
+          <p:style>
+            <a:lnRef idx="2">
+              <a:schemeClr val="accent1">
+                <a:shade val="50000"/>
+              </a:schemeClr>
+            </a:lnRef>
+            <a:fillRef idx="1">
+              <a:schemeClr val="accent1"/>
+            </a:fillRef>
+            <a:effectRef idx="0">
+              <a:schemeClr val="accent1"/>
+            </a:effectRef>
+            <a:fontRef idx="minor">
+              <a:schemeClr val="lt1"/>
+            </a:fontRef>
+          </p:style>
+          <p:txBody>
+            <a:bodyPr rtlCol="0" anchor="ctr"/>
+            <a:lstStyle/>
+            <a:p>
+              <a:pPr algn="ctr"/>
+              <a:r>
+                <a:rPr lang="zh-CN" altLang="en-US" dirty="0" smtClean="0">
+                  <a:solidFill>
+                    <a:schemeClr val="tx1"/>
+                  </a:solidFill>
+                </a:rPr>
+                <a:t>相移时钟一个单位</a:t>
+              </a:r>
+              <a:endParaRPr lang="zh-CN" altLang="en-US" dirty="0">
+                <a:solidFill>
+                  <a:schemeClr val="tx1"/>
+                </a:solidFill>
+              </a:endParaRPr>
+            </a:p>
+          </p:txBody>
+        </p:sp>
+        <p:sp>
+          <p:nvSpPr>
+            <p:cNvPr id="9" name="菱形 8"/>
+            <p:cNvSpPr/>
+            <p:nvPr/>
+          </p:nvSpPr>
+          <p:spPr>
+            <a:xfrm>
+              <a:off x="1619672" y="1552141"/>
+              <a:ext cx="2736304" cy="1458866"/>
+            </a:xfrm>
+            <a:prstGeom prst="diamond">
+              <a:avLst/>
+            </a:prstGeom>
+            <a:noFill/>
+            <a:ln>
+              <a:solidFill>
+                <a:schemeClr val="tx1"/>
+              </a:solidFill>
+            </a:ln>
+          </p:spPr>
+          <p:style>
+            <a:lnRef idx="2">
+              <a:schemeClr val="accent1">
+                <a:shade val="50000"/>
+              </a:schemeClr>
+            </a:lnRef>
+            <a:fillRef idx="1">
+              <a:schemeClr val="accent1"/>
+            </a:fillRef>
+            <a:effectRef idx="0">
+              <a:schemeClr val="accent1"/>
+            </a:effectRef>
+            <a:fontRef idx="minor">
+              <a:schemeClr val="lt1"/>
+            </a:fontRef>
+          </p:style>
+          <p:txBody>
+            <a:bodyPr rtlCol="0" anchor="ctr"/>
+            <a:lstStyle/>
+            <a:p>
+              <a:pPr algn="ctr"/>
+              <a:r>
+                <a:rPr lang="zh-CN" altLang="en-US" dirty="0" smtClean="0">
+                  <a:solidFill>
+                    <a:schemeClr val="tx1"/>
+                  </a:solidFill>
+                </a:rPr>
+                <a:t>是否达到最大相位</a:t>
+              </a:r>
+              <a:endParaRPr lang="zh-CN" altLang="en-US" dirty="0">
+                <a:solidFill>
+                  <a:schemeClr val="tx1"/>
+                </a:solidFill>
+              </a:endParaRPr>
+            </a:p>
+          </p:txBody>
+        </p:sp>
+        <p:cxnSp>
+          <p:nvCxnSpPr>
+            <p:cNvPr id="10" name="直接箭头连接符 9"/>
+            <p:cNvCxnSpPr/>
+            <p:nvPr/>
+          </p:nvCxnSpPr>
+          <p:spPr>
+            <a:xfrm>
+              <a:off x="2987824" y="1124744"/>
+              <a:ext cx="0" cy="432048"/>
+            </a:xfrm>
+            <a:prstGeom prst="straightConnector1">
+              <a:avLst/>
+            </a:prstGeom>
+            <a:ln>
+              <a:solidFill>
+                <a:schemeClr val="tx1"/>
+              </a:solidFill>
+              <a:tailEnd type="triangle"/>
+            </a:ln>
+          </p:spPr>
+          <p:style>
+            <a:lnRef idx="1">
+              <a:schemeClr val="accent1"/>
+            </a:lnRef>
+            <a:fillRef idx="0">
+              <a:schemeClr val="accent1"/>
+            </a:fillRef>
+            <a:effectRef idx="0">
+              <a:schemeClr val="accent1"/>
+            </a:effectRef>
+            <a:fontRef idx="minor">
+              <a:schemeClr val="tx1"/>
+            </a:fontRef>
+          </p:style>
+        </p:cxnSp>
+        <p:cxnSp>
+          <p:nvCxnSpPr>
+            <p:cNvPr id="13" name="肘形连接符 12"/>
+            <p:cNvCxnSpPr>
+              <a:stCxn id="9" idx="3"/>
+              <a:endCxn id="8" idx="3"/>
+            </p:cNvCxnSpPr>
+            <p:nvPr/>
+          </p:nvCxnSpPr>
+          <p:spPr>
+            <a:xfrm flipH="1" flipV="1">
+              <a:off x="3851920" y="620688"/>
+              <a:ext cx="504056" cy="1660886"/>
+            </a:xfrm>
+            <a:prstGeom prst="bentConnector3">
+              <a:avLst>
+                <a:gd name="adj1" fmla="val -169170"/>
+              </a:avLst>
+            </a:prstGeom>
+            <a:ln>
+              <a:solidFill>
+                <a:schemeClr val="tx1"/>
+              </a:solidFill>
+              <a:tailEnd type="triangle"/>
+            </a:ln>
+          </p:spPr>
+          <p:style>
+            <a:lnRef idx="1">
+              <a:schemeClr val="accent1"/>
+            </a:lnRef>
+            <a:fillRef idx="0">
+              <a:schemeClr val="accent1"/>
+            </a:fillRef>
+            <a:effectRef idx="0">
+              <a:schemeClr val="accent1"/>
+            </a:effectRef>
+            <a:fontRef idx="minor">
+              <a:schemeClr val="tx1"/>
+            </a:fontRef>
+          </p:style>
+        </p:cxnSp>
+        <p:sp>
+          <p:nvSpPr>
+            <p:cNvPr id="16" name="文本框 15"/>
+            <p:cNvSpPr txBox="1"/>
+            <p:nvPr/>
+          </p:nvSpPr>
+          <p:spPr>
+            <a:xfrm>
+              <a:off x="4499992" y="1901920"/>
+              <a:ext cx="415498" cy="369332"/>
+            </a:xfrm>
+            <a:prstGeom prst="rect">
+              <a:avLst/>
+            </a:prstGeom>
+            <a:noFill/>
+          </p:spPr>
+          <p:txBody>
+            <a:bodyPr wrap="none" rtlCol="0">
+              <a:spAutoFit/>
+            </a:bodyPr>
+            <a:lstStyle/>
+            <a:p>
+              <a:r>
+                <a:rPr lang="zh-CN" altLang="en-US" dirty="0" smtClean="0"/>
+                <a:t>否</a:t>
+              </a:r>
+              <a:endParaRPr lang="zh-CN" altLang="en-US" dirty="0"/>
+            </a:p>
+          </p:txBody>
+        </p:sp>
+        <p:cxnSp>
+          <p:nvCxnSpPr>
+            <p:cNvPr id="17" name="直接箭头连接符 16"/>
+            <p:cNvCxnSpPr/>
+            <p:nvPr/>
+          </p:nvCxnSpPr>
+          <p:spPr>
+            <a:xfrm>
+              <a:off x="2987824" y="3011007"/>
+              <a:ext cx="0" cy="432048"/>
+            </a:xfrm>
+            <a:prstGeom prst="straightConnector1">
+              <a:avLst/>
+            </a:prstGeom>
+            <a:ln>
+              <a:solidFill>
+                <a:schemeClr val="tx1"/>
+              </a:solidFill>
+              <a:tailEnd type="triangle"/>
+            </a:ln>
+          </p:spPr>
+          <p:style>
+            <a:lnRef idx="1">
+              <a:schemeClr val="accent1"/>
+            </a:lnRef>
+            <a:fillRef idx="0">
+              <a:schemeClr val="accent1"/>
+            </a:fillRef>
+            <a:effectRef idx="0">
+              <a:schemeClr val="accent1"/>
+            </a:effectRef>
+            <a:fontRef idx="minor">
+              <a:schemeClr val="tx1"/>
+            </a:fontRef>
+          </p:style>
+        </p:cxnSp>
+        <p:sp>
+          <p:nvSpPr>
+            <p:cNvPr id="18" name="文本框 17"/>
+            <p:cNvSpPr txBox="1"/>
+            <p:nvPr/>
+          </p:nvSpPr>
+          <p:spPr>
+            <a:xfrm>
+              <a:off x="3048653" y="3038849"/>
+              <a:ext cx="415498" cy="369332"/>
+            </a:xfrm>
+            <a:prstGeom prst="rect">
+              <a:avLst/>
+            </a:prstGeom>
+            <a:noFill/>
+          </p:spPr>
+          <p:txBody>
+            <a:bodyPr wrap="none" rtlCol="0">
+              <a:spAutoFit/>
+            </a:bodyPr>
+            <a:lstStyle/>
+            <a:p>
+              <a:r>
+                <a:rPr lang="zh-CN" altLang="en-US" dirty="0"/>
+                <a:t>是</a:t>
+              </a:r>
+              <a:endParaRPr lang="zh-CN" altLang="en-US" dirty="0"/>
+            </a:p>
+          </p:txBody>
+        </p:sp>
+        <p:sp>
+          <p:nvSpPr>
+            <p:cNvPr id="20" name="菱形 19"/>
+            <p:cNvSpPr/>
+            <p:nvPr/>
+          </p:nvSpPr>
+          <p:spPr>
+            <a:xfrm>
+              <a:off x="1619672" y="3438404"/>
+              <a:ext cx="2736304" cy="1458866"/>
+            </a:xfrm>
+            <a:prstGeom prst="diamond">
+              <a:avLst/>
+            </a:prstGeom>
+            <a:noFill/>
+            <a:ln>
+              <a:solidFill>
+                <a:schemeClr val="tx1"/>
+              </a:solidFill>
+            </a:ln>
+          </p:spPr>
+          <p:style>
+            <a:lnRef idx="2">
+              <a:schemeClr val="accent1">
+                <a:shade val="50000"/>
+              </a:schemeClr>
+            </a:lnRef>
+            <a:fillRef idx="1">
+              <a:schemeClr val="accent1"/>
+            </a:fillRef>
+            <a:effectRef idx="0">
+              <a:schemeClr val="accent1"/>
+            </a:effectRef>
+            <a:fontRef idx="minor">
+              <a:schemeClr val="lt1"/>
+            </a:fontRef>
+          </p:style>
+          <p:txBody>
+            <a:bodyPr rtlCol="0" anchor="ctr"/>
+            <a:lstStyle/>
+            <a:p>
+              <a:pPr algn="ctr"/>
+              <a:r>
+                <a:rPr lang="zh-CN" altLang="en-US" dirty="0" smtClean="0">
+                  <a:solidFill>
+                    <a:schemeClr val="tx1"/>
+                  </a:solidFill>
+                </a:rPr>
+                <a:t>所有脉冲是否都在扫描范围内</a:t>
+              </a:r>
+              <a:endParaRPr lang="zh-CN" altLang="en-US" dirty="0">
+                <a:solidFill>
+                  <a:schemeClr val="tx1"/>
+                </a:solidFill>
+              </a:endParaRPr>
+            </a:p>
+          </p:txBody>
+        </p:sp>
+        <p:sp>
+          <p:nvSpPr>
+            <p:cNvPr id="30" name="矩形 29"/>
+            <p:cNvSpPr/>
+            <p:nvPr/>
+          </p:nvSpPr>
+          <p:spPr>
+            <a:xfrm>
+              <a:off x="-1044624" y="1124744"/>
+              <a:ext cx="1728192" cy="1008112"/>
+            </a:xfrm>
+            <a:prstGeom prst="rect">
+              <a:avLst/>
+            </a:prstGeom>
+            <a:noFill/>
+            <a:ln>
+              <a:solidFill>
+                <a:schemeClr val="tx1"/>
+              </a:solidFill>
+            </a:ln>
+          </p:spPr>
+          <p:style>
+            <a:lnRef idx="2">
+              <a:schemeClr val="accent1">
+                <a:shade val="50000"/>
+              </a:schemeClr>
+            </a:lnRef>
+            <a:fillRef idx="1">
+              <a:schemeClr val="accent1"/>
+            </a:fillRef>
+            <a:effectRef idx="0">
+              <a:schemeClr val="accent1"/>
+            </a:effectRef>
+            <a:fontRef idx="minor">
+              <a:schemeClr val="lt1"/>
+            </a:fontRef>
+          </p:style>
+          <p:txBody>
+            <a:bodyPr rtlCol="0" anchor="ctr"/>
+            <a:lstStyle/>
+            <a:p>
+              <a:pPr algn="ctr"/>
+              <a:r>
+                <a:rPr lang="zh-CN" altLang="en-US" dirty="0" smtClean="0">
+                  <a:solidFill>
+                    <a:schemeClr val="tx1"/>
+                  </a:solidFill>
+                </a:rPr>
+                <a:t>人工加减线长</a:t>
+              </a:r>
+              <a:endParaRPr lang="zh-CN" altLang="en-US" dirty="0">
+                <a:solidFill>
+                  <a:schemeClr val="tx1"/>
+                </a:solidFill>
+              </a:endParaRPr>
+            </a:p>
+          </p:txBody>
+        </p:sp>
+        <p:cxnSp>
+          <p:nvCxnSpPr>
+            <p:cNvPr id="31" name="肘形连接符 30"/>
+            <p:cNvCxnSpPr>
+              <a:stCxn id="20" idx="1"/>
+              <a:endCxn id="30" idx="2"/>
+            </p:cNvCxnSpPr>
+            <p:nvPr/>
+          </p:nvCxnSpPr>
+          <p:spPr>
+            <a:xfrm rot="10800000">
+              <a:off x="-180528" y="2132857"/>
+              <a:ext cx="1800200" cy="2034981"/>
+            </a:xfrm>
+            <a:prstGeom prst="bentConnector2">
+              <a:avLst/>
+            </a:prstGeom>
+            <a:ln>
+              <a:solidFill>
+                <a:schemeClr val="tx1"/>
+              </a:solidFill>
+              <a:tailEnd type="triangle"/>
+            </a:ln>
+          </p:spPr>
+          <p:style>
+            <a:lnRef idx="1">
+              <a:schemeClr val="accent1"/>
+            </a:lnRef>
+            <a:fillRef idx="0">
+              <a:schemeClr val="accent1"/>
+            </a:fillRef>
+            <a:effectRef idx="0">
+              <a:schemeClr val="accent1"/>
+            </a:effectRef>
+            <a:fontRef idx="minor">
+              <a:schemeClr val="tx1"/>
+            </a:fontRef>
+          </p:style>
+        </p:cxnSp>
+        <p:sp>
+          <p:nvSpPr>
+            <p:cNvPr id="34" name="文本框 33"/>
+            <p:cNvSpPr txBox="1"/>
+            <p:nvPr/>
+          </p:nvSpPr>
+          <p:spPr>
+            <a:xfrm>
+              <a:off x="511822" y="3798505"/>
+              <a:ext cx="415498" cy="369332"/>
+            </a:xfrm>
+            <a:prstGeom prst="rect">
+              <a:avLst/>
+            </a:prstGeom>
+            <a:noFill/>
+          </p:spPr>
+          <p:txBody>
+            <a:bodyPr wrap="none" rtlCol="0">
+              <a:spAutoFit/>
+            </a:bodyPr>
+            <a:lstStyle/>
+            <a:p>
+              <a:r>
+                <a:rPr lang="zh-CN" altLang="en-US" dirty="0" smtClean="0"/>
+                <a:t>否</a:t>
+              </a:r>
+              <a:endParaRPr lang="zh-CN" altLang="en-US" dirty="0"/>
+            </a:p>
+          </p:txBody>
+        </p:sp>
+        <p:cxnSp>
+          <p:nvCxnSpPr>
+            <p:cNvPr id="35" name="肘形连接符 34"/>
+            <p:cNvCxnSpPr>
+              <a:stCxn id="30" idx="0"/>
+              <a:endCxn id="49" idx="2"/>
+            </p:cNvCxnSpPr>
+            <p:nvPr/>
+          </p:nvCxnSpPr>
+          <p:spPr>
+            <a:xfrm rot="5400000" flipH="1" flipV="1">
+              <a:off x="-195639" y="-978599"/>
+              <a:ext cx="2118455" cy="2088232"/>
+            </a:xfrm>
+            <a:prstGeom prst="bentConnector2">
+              <a:avLst/>
+            </a:prstGeom>
+            <a:ln>
+              <a:solidFill>
+                <a:schemeClr val="tx1"/>
+              </a:solidFill>
+              <a:tailEnd type="triangle"/>
+            </a:ln>
+          </p:spPr>
+          <p:style>
+            <a:lnRef idx="1">
+              <a:schemeClr val="accent1"/>
+            </a:lnRef>
+            <a:fillRef idx="0">
+              <a:schemeClr val="accent1"/>
+            </a:fillRef>
+            <a:effectRef idx="0">
+              <a:schemeClr val="accent1"/>
+            </a:effectRef>
+            <a:fontRef idx="minor">
+              <a:schemeClr val="tx1"/>
+            </a:fontRef>
+          </p:style>
+        </p:cxnSp>
+        <p:cxnSp>
+          <p:nvCxnSpPr>
+            <p:cNvPr id="39" name="直接箭头连接符 38"/>
+            <p:cNvCxnSpPr/>
+            <p:nvPr/>
+          </p:nvCxnSpPr>
+          <p:spPr>
+            <a:xfrm>
+              <a:off x="2987824" y="4892619"/>
+              <a:ext cx="0" cy="432048"/>
+            </a:xfrm>
+            <a:prstGeom prst="straightConnector1">
+              <a:avLst/>
+            </a:prstGeom>
+            <a:ln>
+              <a:solidFill>
+                <a:schemeClr val="tx1"/>
+              </a:solidFill>
+              <a:tailEnd type="triangle"/>
+            </a:ln>
+          </p:spPr>
+          <p:style>
+            <a:lnRef idx="1">
+              <a:schemeClr val="accent1"/>
+            </a:lnRef>
+            <a:fillRef idx="0">
+              <a:schemeClr val="accent1"/>
+            </a:fillRef>
+            <a:effectRef idx="0">
+              <a:schemeClr val="accent1"/>
+            </a:effectRef>
+            <a:fontRef idx="minor">
+              <a:schemeClr val="tx1"/>
+            </a:fontRef>
+          </p:style>
+        </p:cxnSp>
+        <p:sp>
+          <p:nvSpPr>
+            <p:cNvPr id="40" name="文本框 39"/>
+            <p:cNvSpPr txBox="1"/>
+            <p:nvPr/>
+          </p:nvSpPr>
+          <p:spPr>
+            <a:xfrm>
+              <a:off x="3048653" y="4920461"/>
+              <a:ext cx="415498" cy="369332"/>
+            </a:xfrm>
+            <a:prstGeom prst="rect">
+              <a:avLst/>
+            </a:prstGeom>
+            <a:noFill/>
+          </p:spPr>
+          <p:txBody>
+            <a:bodyPr wrap="none" rtlCol="0">
+              <a:spAutoFit/>
+            </a:bodyPr>
+            <a:lstStyle/>
+            <a:p>
+              <a:r>
+                <a:rPr lang="zh-CN" altLang="en-US" dirty="0"/>
+                <a:t>是</a:t>
+              </a:r>
+              <a:endParaRPr lang="zh-CN" altLang="en-US" dirty="0"/>
+            </a:p>
+          </p:txBody>
+        </p:sp>
+        <p:sp>
+          <p:nvSpPr>
+            <p:cNvPr id="43" name="矩形 42"/>
+            <p:cNvSpPr/>
+            <p:nvPr/>
+          </p:nvSpPr>
+          <p:spPr>
+            <a:xfrm>
+              <a:off x="2123728" y="5347858"/>
+              <a:ext cx="1728192" cy="1008112"/>
+            </a:xfrm>
+            <a:prstGeom prst="rect">
+              <a:avLst/>
+            </a:prstGeom>
+            <a:noFill/>
+            <a:ln>
+              <a:solidFill>
+                <a:schemeClr val="tx1"/>
+              </a:solidFill>
+            </a:ln>
+          </p:spPr>
+          <p:style>
+            <a:lnRef idx="2">
+              <a:schemeClr val="accent1">
+                <a:shade val="50000"/>
+              </a:schemeClr>
+            </a:lnRef>
+            <a:fillRef idx="1">
+              <a:schemeClr val="accent1"/>
+            </a:fillRef>
+            <a:effectRef idx="0">
+              <a:schemeClr val="accent1"/>
+            </a:effectRef>
+            <a:fontRef idx="minor">
+              <a:schemeClr val="lt1"/>
+            </a:fontRef>
+          </p:style>
+          <p:txBody>
+            <a:bodyPr rtlCol="0" anchor="ctr"/>
+            <a:lstStyle/>
+            <a:p>
+              <a:pPr algn="ctr"/>
+              <a:r>
+                <a:rPr lang="zh-CN" altLang="en-US" dirty="0" smtClean="0">
+                  <a:solidFill>
+                    <a:schemeClr val="tx1"/>
+                  </a:solidFill>
+                </a:rPr>
+                <a:t>所有脉冲向延时最大的对齐</a:t>
+              </a:r>
+              <a:endParaRPr lang="zh-CN" altLang="en-US" dirty="0">
+                <a:solidFill>
+                  <a:schemeClr val="tx1"/>
+                </a:solidFill>
+              </a:endParaRPr>
+            </a:p>
+          </p:txBody>
+        </p:sp>
+        <p:cxnSp>
+          <p:nvCxnSpPr>
+            <p:cNvPr id="44" name="直接箭头连接符 43"/>
+            <p:cNvCxnSpPr>
+              <a:stCxn id="43" idx="2"/>
+              <a:endCxn id="47" idx="0"/>
+            </p:cNvCxnSpPr>
+            <p:nvPr/>
+          </p:nvCxnSpPr>
+          <p:spPr>
+            <a:xfrm>
+              <a:off x="2987824" y="6355970"/>
+              <a:ext cx="0" cy="450588"/>
+            </a:xfrm>
+            <a:prstGeom prst="straightConnector1">
+              <a:avLst/>
+            </a:prstGeom>
+            <a:ln>
+              <a:solidFill>
+                <a:schemeClr val="tx1"/>
+              </a:solidFill>
+              <a:tailEnd type="triangle"/>
+            </a:ln>
+          </p:spPr>
+          <p:style>
+            <a:lnRef idx="1">
+              <a:schemeClr val="accent1"/>
+            </a:lnRef>
+            <a:fillRef idx="0">
+              <a:schemeClr val="accent1"/>
+            </a:fillRef>
+            <a:effectRef idx="0">
+              <a:schemeClr val="accent1"/>
+            </a:effectRef>
+            <a:fontRef idx="minor">
+              <a:schemeClr val="tx1"/>
+            </a:fontRef>
+          </p:style>
+        </p:cxnSp>
+        <p:sp>
+          <p:nvSpPr>
+            <p:cNvPr id="47" name="矩形 46"/>
+            <p:cNvSpPr/>
+            <p:nvPr/>
+          </p:nvSpPr>
+          <p:spPr>
+            <a:xfrm>
+              <a:off x="2123728" y="6806558"/>
+              <a:ext cx="1728192" cy="1008112"/>
+            </a:xfrm>
+            <a:prstGeom prst="rect">
+              <a:avLst/>
+            </a:prstGeom>
+            <a:noFill/>
+            <a:ln>
+              <a:solidFill>
+                <a:schemeClr val="tx1"/>
+              </a:solidFill>
+            </a:ln>
+          </p:spPr>
+          <p:style>
+            <a:lnRef idx="2">
+              <a:schemeClr val="accent1">
+                <a:shade val="50000"/>
+              </a:schemeClr>
+            </a:lnRef>
+            <a:fillRef idx="1">
+              <a:schemeClr val="accent1"/>
+            </a:fillRef>
+            <a:effectRef idx="0">
+              <a:schemeClr val="accent1"/>
+            </a:effectRef>
+            <a:fontRef idx="minor">
+              <a:schemeClr val="lt1"/>
+            </a:fontRef>
+          </p:style>
+          <p:txBody>
+            <a:bodyPr rtlCol="0" anchor="ctr"/>
+            <a:lstStyle/>
+            <a:p>
+              <a:pPr algn="ctr"/>
+              <a:r>
+                <a:rPr lang="zh-CN" altLang="en-US" dirty="0" smtClean="0">
+                  <a:solidFill>
+                    <a:schemeClr val="tx1"/>
+                  </a:solidFill>
+                </a:rPr>
+                <a:t>时钟对齐脉冲中心</a:t>
+              </a:r>
+              <a:endParaRPr lang="zh-CN" altLang="en-US" dirty="0">
+                <a:solidFill>
+                  <a:schemeClr val="tx1"/>
+                </a:solidFill>
+              </a:endParaRPr>
+            </a:p>
+          </p:txBody>
+        </p:sp>
+        <p:sp>
+          <p:nvSpPr>
+            <p:cNvPr id="49" name="椭圆 48"/>
+            <p:cNvSpPr/>
+            <p:nvPr/>
+          </p:nvSpPr>
+          <p:spPr>
+            <a:xfrm>
+              <a:off x="1907704" y="-1641783"/>
+              <a:ext cx="2160240" cy="1296144"/>
+            </a:xfrm>
+            <a:prstGeom prst="ellipse">
+              <a:avLst/>
+            </a:prstGeom>
+            <a:noFill/>
+            <a:ln>
+              <a:solidFill>
+                <a:schemeClr val="tx1"/>
+              </a:solidFill>
+            </a:ln>
+          </p:spPr>
+          <p:style>
+            <a:lnRef idx="2">
+              <a:schemeClr val="accent1">
+                <a:shade val="50000"/>
+              </a:schemeClr>
+            </a:lnRef>
+            <a:fillRef idx="1">
+              <a:schemeClr val="accent1"/>
+            </a:fillRef>
+            <a:effectRef idx="0">
+              <a:schemeClr val="accent1"/>
+            </a:effectRef>
+            <a:fontRef idx="minor">
+              <a:schemeClr val="lt1"/>
+            </a:fontRef>
+          </p:style>
+          <p:txBody>
+            <a:bodyPr rtlCol="0" anchor="ctr"/>
+            <a:lstStyle/>
+            <a:p>
+              <a:pPr algn="ctr"/>
+              <a:r>
+                <a:rPr lang="zh-CN" altLang="en-US" dirty="0" smtClean="0">
+                  <a:solidFill>
+                    <a:schemeClr val="tx1"/>
+                  </a:solidFill>
+                </a:rPr>
+                <a:t>时钟相位调</a:t>
+              </a:r>
+              <a:r>
+                <a:rPr lang="zh-CN" altLang="en-US" dirty="0">
+                  <a:solidFill>
+                    <a:schemeClr val="tx1"/>
+                  </a:solidFill>
+                </a:rPr>
+                <a:t>至</a:t>
+              </a:r>
+              <a:r>
+                <a:rPr lang="zh-CN" altLang="en-US" dirty="0" smtClean="0">
+                  <a:solidFill>
+                    <a:schemeClr val="tx1"/>
+                  </a:solidFill>
+                </a:rPr>
+                <a:t>最小</a:t>
+              </a:r>
+              <a:endParaRPr lang="zh-CN" altLang="en-US" dirty="0">
+                <a:solidFill>
+                  <a:schemeClr val="tx1"/>
+                </a:solidFill>
+              </a:endParaRPr>
+            </a:p>
+          </p:txBody>
+        </p:sp>
+      </p:grpSp>
+    </p:spTree>
+    <p:extLst>
+      <p:ext uri="{BB962C8B-B14F-4D97-AF65-F5344CB8AC3E}">
+        <p14:creationId xmlns:p14="http://schemas.microsoft.com/office/powerpoint/2010/main" val="2074967069"/>
       </p:ext>
     </p:extLst>
   </p:cSld>

--- a/八光子.pptx
+++ b/八光子.pptx
@@ -306,7 +306,7 @@
           <a:p>
             <a:fld id="{EBD3FB01-EEE8-47FD-9879-E387D7838F1B}" type="datetimeFigureOut">
               <a:rPr lang="zh-CN" altLang="en-US" smtClean="0"/>
-              <a:t>2016/10/15</a:t>
+              <a:t>2016/10/26</a:t>
             </a:fld>
             <a:endParaRPr lang="zh-CN" altLang="en-US"/>
           </a:p>
@@ -476,7 +476,7 @@
           <a:p>
             <a:fld id="{EBD3FB01-EEE8-47FD-9879-E387D7838F1B}" type="datetimeFigureOut">
               <a:rPr lang="zh-CN" altLang="en-US" smtClean="0"/>
-              <a:t>2016/10/15</a:t>
+              <a:t>2016/10/26</a:t>
             </a:fld>
             <a:endParaRPr lang="zh-CN" altLang="en-US"/>
           </a:p>
@@ -656,7 +656,7 @@
           <a:p>
             <a:fld id="{EBD3FB01-EEE8-47FD-9879-E387D7838F1B}" type="datetimeFigureOut">
               <a:rPr lang="zh-CN" altLang="en-US" smtClean="0"/>
-              <a:t>2016/10/15</a:t>
+              <a:t>2016/10/26</a:t>
             </a:fld>
             <a:endParaRPr lang="zh-CN" altLang="en-US"/>
           </a:p>
@@ -826,7 +826,7 @@
           <a:p>
             <a:fld id="{EBD3FB01-EEE8-47FD-9879-E387D7838F1B}" type="datetimeFigureOut">
               <a:rPr lang="zh-CN" altLang="en-US" smtClean="0"/>
-              <a:t>2016/10/15</a:t>
+              <a:t>2016/10/26</a:t>
             </a:fld>
             <a:endParaRPr lang="zh-CN" altLang="en-US"/>
           </a:p>
@@ -1072,7 +1072,7 @@
           <a:p>
             <a:fld id="{EBD3FB01-EEE8-47FD-9879-E387D7838F1B}" type="datetimeFigureOut">
               <a:rPr lang="zh-CN" altLang="en-US" smtClean="0"/>
-              <a:t>2016/10/15</a:t>
+              <a:t>2016/10/26</a:t>
             </a:fld>
             <a:endParaRPr lang="zh-CN" altLang="en-US"/>
           </a:p>
@@ -1360,7 +1360,7 @@
           <a:p>
             <a:fld id="{EBD3FB01-EEE8-47FD-9879-E387D7838F1B}" type="datetimeFigureOut">
               <a:rPr lang="zh-CN" altLang="en-US" smtClean="0"/>
-              <a:t>2016/10/15</a:t>
+              <a:t>2016/10/26</a:t>
             </a:fld>
             <a:endParaRPr lang="zh-CN" altLang="en-US"/>
           </a:p>
@@ -1782,7 +1782,7 @@
           <a:p>
             <a:fld id="{EBD3FB01-EEE8-47FD-9879-E387D7838F1B}" type="datetimeFigureOut">
               <a:rPr lang="zh-CN" altLang="en-US" smtClean="0"/>
-              <a:t>2016/10/15</a:t>
+              <a:t>2016/10/26</a:t>
             </a:fld>
             <a:endParaRPr lang="zh-CN" altLang="en-US"/>
           </a:p>
@@ -1900,7 +1900,7 @@
           <a:p>
             <a:fld id="{EBD3FB01-EEE8-47FD-9879-E387D7838F1B}" type="datetimeFigureOut">
               <a:rPr lang="zh-CN" altLang="en-US" smtClean="0"/>
-              <a:t>2016/10/15</a:t>
+              <a:t>2016/10/26</a:t>
             </a:fld>
             <a:endParaRPr lang="zh-CN" altLang="en-US"/>
           </a:p>
@@ -1995,7 +1995,7 @@
           <a:p>
             <a:fld id="{EBD3FB01-EEE8-47FD-9879-E387D7838F1B}" type="datetimeFigureOut">
               <a:rPr lang="zh-CN" altLang="en-US" smtClean="0"/>
-              <a:t>2016/10/15</a:t>
+              <a:t>2016/10/26</a:t>
             </a:fld>
             <a:endParaRPr lang="zh-CN" altLang="en-US"/>
           </a:p>
@@ -2272,7 +2272,7 @@
           <a:p>
             <a:fld id="{EBD3FB01-EEE8-47FD-9879-E387D7838F1B}" type="datetimeFigureOut">
               <a:rPr lang="zh-CN" altLang="en-US" smtClean="0"/>
-              <a:t>2016/10/15</a:t>
+              <a:t>2016/10/26</a:t>
             </a:fld>
             <a:endParaRPr lang="zh-CN" altLang="en-US"/>
           </a:p>
@@ -2525,7 +2525,7 @@
           <a:p>
             <a:fld id="{EBD3FB01-EEE8-47FD-9879-E387D7838F1B}" type="datetimeFigureOut">
               <a:rPr lang="zh-CN" altLang="en-US" smtClean="0"/>
-              <a:t>2016/10/15</a:t>
+              <a:t>2016/10/26</a:t>
             </a:fld>
             <a:endParaRPr lang="zh-CN" altLang="en-US"/>
           </a:p>
@@ -2738,7 +2738,7 @@
           <a:p>
             <a:fld id="{EBD3FB01-EEE8-47FD-9879-E387D7838F1B}" type="datetimeFigureOut">
               <a:rPr lang="zh-CN" altLang="en-US" smtClean="0"/>
-              <a:t>2016/10/15</a:t>
+              <a:t>2016/10/26</a:t>
             </a:fld>
             <a:endParaRPr lang="zh-CN" altLang="en-US"/>
           </a:p>
@@ -3696,15 +3696,7 @@
                     <a:schemeClr val="tx1"/>
                   </a:solidFill>
                 </a:rPr>
-                <a:t>FPGA </a:t>
-              </a:r>
-              <a:r>
-                <a:rPr lang="en-US" altLang="zh-CN" dirty="0" smtClean="0">
-                  <a:solidFill>
-                    <a:schemeClr val="tx1"/>
-                  </a:solidFill>
-                </a:rPr>
-                <a:t>Chip</a:t>
+                <a:t>FPGA Chip</a:t>
               </a:r>
               <a:endParaRPr lang="zh-CN" altLang="en-US" dirty="0">
                 <a:solidFill>
@@ -4916,16 +4908,16 @@
       </p:grpSpPr>
       <p:grpSp>
         <p:nvGrpSpPr>
-          <p:cNvPr id="100" name="组合 99"/>
+          <p:cNvPr id="2" name="组合 1"/>
           <p:cNvGrpSpPr/>
           <p:nvPr/>
         </p:nvGrpSpPr>
         <p:grpSpPr>
           <a:xfrm>
             <a:off x="-5005064" y="-243408"/>
-            <a:ext cx="18484421" cy="7101408"/>
+            <a:ext cx="18487655" cy="7101408"/>
             <a:chOff x="-5005064" y="-243408"/>
-            <a:chExt cx="18484421" cy="7101408"/>
+            <a:chExt cx="18487655" cy="7101408"/>
           </a:xfrm>
         </p:grpSpPr>
         <p:sp>
@@ -6407,15 +6399,7 @@
                     <a:schemeClr val="tx1"/>
                   </a:solidFill>
                 </a:rPr>
-                <a:t>WISHBONE </a:t>
-              </a:r>
-              <a:r>
-                <a:rPr lang="en-US" altLang="zh-CN" dirty="0" smtClean="0">
-                  <a:solidFill>
-                    <a:schemeClr val="tx1"/>
-                  </a:solidFill>
-                </a:rPr>
-                <a:t>Bus</a:t>
+                <a:t>WISHBONE Bus</a:t>
               </a:r>
               <a:endParaRPr lang="zh-CN" altLang="en-US" dirty="0">
                 <a:solidFill>
@@ -6527,11 +6511,7 @@
               <a:pPr algn="ctr"/>
               <a:r>
                 <a:rPr lang="en-US" altLang="zh-CN" dirty="0" smtClean="0"/>
-                <a:t>From Synchronous </a:t>
-              </a:r>
-              <a:r>
-                <a:rPr lang="en-US" altLang="zh-CN" dirty="0" smtClean="0"/>
-                <a:t>CLK</a:t>
+                <a:t>From Synchronous CLK</a:t>
               </a:r>
               <a:endParaRPr lang="zh-CN" altLang="en-US" dirty="0"/>
             </a:p>
@@ -6562,11 +6542,7 @@
               <a:pPr algn="ctr"/>
               <a:r>
                 <a:rPr lang="en-US" altLang="zh-CN" dirty="0" smtClean="0"/>
-                <a:t>Shifted </a:t>
-              </a:r>
-              <a:r>
-                <a:rPr lang="en-US" altLang="zh-CN" dirty="0" smtClean="0"/>
-                <a:t>CLK</a:t>
+                <a:t>Shifted CLK</a:t>
               </a:r>
               <a:endParaRPr lang="zh-CN" altLang="en-US" dirty="0"/>
             </a:p>
@@ -6678,7 +6654,15 @@
                     <a:schemeClr val="tx1"/>
                   </a:solidFill>
                 </a:rPr>
-                <a:t>BRAM FIFO</a:t>
+                <a:t>Block RAM </a:t>
+              </a:r>
+              <a:r>
+                <a:rPr lang="en-US" altLang="zh-CN" dirty="0" smtClean="0">
+                  <a:solidFill>
+                    <a:schemeClr val="tx1"/>
+                  </a:solidFill>
+                </a:rPr>
+                <a:t>FIFO</a:t>
               </a:r>
               <a:endParaRPr lang="zh-CN" altLang="en-US" dirty="0">
                 <a:solidFill>
@@ -6736,15 +6720,7 @@
                     <a:schemeClr val="tx1"/>
                   </a:solidFill>
                 </a:rPr>
-                <a:t>Block </a:t>
-              </a:r>
-              <a:r>
-                <a:rPr lang="en-US" altLang="zh-CN" dirty="0" smtClean="0">
-                  <a:solidFill>
-                    <a:schemeClr val="tx1"/>
-                  </a:solidFill>
-                </a:rPr>
-                <a:t>RAM</a:t>
+                <a:t>Block RAM</a:t>
               </a:r>
               <a:endParaRPr lang="zh-CN" altLang="en-US" dirty="0">
                 <a:solidFill>
@@ -6762,7 +6738,7 @@
           </p:nvSpPr>
           <p:spPr>
             <a:xfrm>
-              <a:off x="8159388" y="4795959"/>
+              <a:off x="5183801" y="4797754"/>
               <a:ext cx="123840" cy="414838"/>
             </a:xfrm>
             <a:prstGeom prst="upDownArrow">
@@ -6808,7 +6784,7 @@
           </p:nvSpPr>
           <p:spPr>
             <a:xfrm rot="16200000">
-              <a:off x="12000131" y="1529816"/>
+              <a:off x="12003365" y="2410192"/>
               <a:ext cx="328651" cy="1664102"/>
             </a:xfrm>
             <a:prstGeom prst="upDownArrow">
@@ -6948,15 +6924,7 @@
               <a:pPr algn="ctr"/>
               <a:r>
                 <a:rPr lang="en-US" altLang="zh-CN" dirty="0" smtClean="0"/>
-                <a:t>From/</a:t>
-              </a:r>
-              <a:r>
-                <a:rPr lang="en-US" altLang="zh-CN" dirty="0" smtClean="0"/>
-                <a:t>To</a:t>
-              </a:r>
-              <a:r>
-                <a:rPr lang="en-US" altLang="zh-CN" dirty="0" smtClean="0"/>
-                <a:t> USB Chip</a:t>
+                <a:t>From/To USB Chip</a:t>
               </a:r>
               <a:endParaRPr lang="zh-CN" altLang="en-US" dirty="0"/>
             </a:p>
@@ -7041,7 +7009,7 @@
                     <a:schemeClr val="tx1"/>
                   </a:solidFill>
                 </a:rPr>
-                <a:t>Block RAM Interface </a:t>
+                <a:t>Block RAM Counter</a:t>
               </a:r>
               <a:endParaRPr lang="zh-CN" altLang="en-US" dirty="0">
                 <a:solidFill>
@@ -7105,8 +7073,8 @@
           </p:nvSpPr>
           <p:spPr>
             <a:xfrm>
-              <a:off x="9699892" y="980728"/>
-              <a:ext cx="1618551" cy="2808312"/>
+              <a:off x="9699892" y="2670140"/>
+              <a:ext cx="1618551" cy="1118900"/>
             </a:xfrm>
             <a:prstGeom prst="rect">
               <a:avLst/>
@@ -7145,7 +7113,7 @@
                     <a:schemeClr val="tx1"/>
                   </a:solidFill>
                 </a:rPr>
-                <a:t>DDR Interface</a:t>
+                <a:t>MCB</a:t>
               </a:r>
               <a:endParaRPr lang="zh-CN" altLang="en-US" dirty="0">
                 <a:solidFill>
@@ -7209,7 +7177,7 @@
           </p:nvSpPr>
           <p:spPr>
             <a:xfrm>
-              <a:off x="10749702" y="1828210"/>
+              <a:off x="10752936" y="2708586"/>
               <a:ext cx="2729655" cy="369332"/>
             </a:xfrm>
             <a:prstGeom prst="rect">
@@ -7226,15 +7194,7 @@
               <a:pPr algn="ctr"/>
               <a:r>
                 <a:rPr lang="en-US" altLang="zh-CN" dirty="0" smtClean="0"/>
-                <a:t>From/</a:t>
-              </a:r>
-              <a:r>
-                <a:rPr lang="en-US" altLang="zh-CN" dirty="0" smtClean="0"/>
-                <a:t>To</a:t>
-              </a:r>
-              <a:r>
-                <a:rPr lang="en-US" altLang="zh-CN" dirty="0" smtClean="0"/>
-                <a:t> DDR</a:t>
+                <a:t>From/To DDR</a:t>
               </a:r>
               <a:endParaRPr lang="zh-CN" altLang="en-US" dirty="0"/>
             </a:p>
@@ -7403,6 +7363,110 @@
             <a:solidFill>
               <a:schemeClr val="tx1"/>
             </a:solidFill>
+            <a:ln>
+              <a:solidFill>
+                <a:schemeClr val="tx1"/>
+              </a:solidFill>
+            </a:ln>
+          </p:spPr>
+          <p:style>
+            <a:lnRef idx="2">
+              <a:schemeClr val="accent1">
+                <a:shade val="50000"/>
+              </a:schemeClr>
+            </a:lnRef>
+            <a:fillRef idx="1">
+              <a:schemeClr val="accent1"/>
+            </a:fillRef>
+            <a:effectRef idx="0">
+              <a:schemeClr val="accent1"/>
+            </a:effectRef>
+            <a:fontRef idx="minor">
+              <a:schemeClr val="lt1"/>
+            </a:fontRef>
+          </p:style>
+          <p:txBody>
+            <a:bodyPr rtlCol="0" anchor="ctr"/>
+            <a:lstStyle/>
+            <a:p>
+              <a:pPr algn="ctr"/>
+              <a:endParaRPr lang="zh-CN" altLang="en-US"/>
+            </a:p>
+          </p:txBody>
+        </p:sp>
+        <p:sp>
+          <p:nvSpPr>
+            <p:cNvPr id="64" name="矩形 63"/>
+            <p:cNvSpPr/>
+            <p:nvPr/>
+          </p:nvSpPr>
+          <p:spPr>
+            <a:xfrm>
+              <a:off x="9699892" y="986593"/>
+              <a:ext cx="1618551" cy="1118900"/>
+            </a:xfrm>
+            <a:prstGeom prst="rect">
+              <a:avLst/>
+            </a:prstGeom>
+            <a:noFill/>
+            <a:ln>
+              <a:solidFill>
+                <a:schemeClr val="tx1"/>
+              </a:solidFill>
+            </a:ln>
+          </p:spPr>
+          <p:style>
+            <a:lnRef idx="2">
+              <a:schemeClr val="accent1">
+                <a:shade val="50000"/>
+              </a:schemeClr>
+            </a:lnRef>
+            <a:fillRef idx="1">
+              <a:schemeClr val="accent1"/>
+            </a:fillRef>
+            <a:effectRef idx="0">
+              <a:schemeClr val="accent1"/>
+            </a:effectRef>
+            <a:fontRef idx="minor">
+              <a:schemeClr val="lt1"/>
+            </a:fontRef>
+          </p:style>
+          <p:txBody>
+            <a:bodyPr rtlCol="0" anchor="ctr"/>
+            <a:lstStyle/>
+            <a:p>
+              <a:pPr algn="ctr"/>
+              <a:r>
+                <a:rPr lang="en-US" altLang="zh-CN" dirty="0" smtClean="0">
+                  <a:solidFill>
+                    <a:schemeClr val="tx1"/>
+                  </a:solidFill>
+                </a:rPr>
+                <a:t>DDR RAM Counter</a:t>
+              </a:r>
+              <a:endParaRPr lang="zh-CN" altLang="en-US" dirty="0">
+                <a:solidFill>
+                  <a:schemeClr val="tx1"/>
+                </a:solidFill>
+              </a:endParaRPr>
+            </a:p>
+          </p:txBody>
+        </p:sp>
+        <p:sp>
+          <p:nvSpPr>
+            <p:cNvPr id="66" name="上下箭头 65"/>
+            <p:cNvSpPr/>
+            <p:nvPr/>
+          </p:nvSpPr>
+          <p:spPr>
+            <a:xfrm>
+              <a:off x="10399295" y="2113280"/>
+              <a:ext cx="270422" cy="539402"/>
+            </a:xfrm>
+            <a:prstGeom prst="upDownArrow">
+              <a:avLst/>
+            </a:prstGeom>
+            <a:noFill/>
             <a:ln>
               <a:solidFill>
                 <a:schemeClr val="tx1"/>
@@ -7800,7 +7864,6 @@
                 <a:rPr lang="zh-CN" altLang="en-US" dirty="0"/>
                 <a:t>是</a:t>
               </a:r>
-              <a:endParaRPr lang="zh-CN" altLang="en-US" dirty="0"/>
             </a:p>
           </p:txBody>
         </p:sp>
@@ -8090,7 +8153,6 @@
                 <a:rPr lang="zh-CN" altLang="en-US" dirty="0"/>
                 <a:t>是</a:t>
               </a:r>
-              <a:endParaRPr lang="zh-CN" altLang="en-US" dirty="0"/>
             </a:p>
           </p:txBody>
         </p:sp>
